--- a/auca/sem-1/intro-to-Bible-study/1 intro to Bible study Notes.pptx
+++ b/auca/sem-1/intro-to-Bible-study/1 intro to Bible study Notes.pptx
@@ -6115,28 +6115,28 @@
         </p:nvSpPr>
         <p:spPr>
           <a:xfrm>
-            <a:off x="468313" y="476250"/>
-            <a:ext cx="8229600" cy="1296988"/>
+            <a:off x="468630" y="913130"/>
+            <a:ext cx="8229600" cy="860425"/>
           </a:xfrm>
         </p:spPr>
         <p:txBody>
           <a:bodyPr vert="horz" wrap="square" lIns="91440" tIns="45720" rIns="91440" bIns="45720" anchor="ctr" anchorCtr="0"/>
           <a:p>
             <a:r>
-              <a:rPr lang="en-GB" altLang="en-US" sz="3200" dirty="0"/>
+              <a:rPr lang="en-GB" altLang="en-US" sz="4000" b="1" dirty="0"/>
               <a:t>Historical Background</a:t>
             </a:r>
             <a:br>
-              <a:rPr lang="en-GB" altLang="en-US" sz="3200" dirty="0"/>
+              <a:rPr lang="en-GB" altLang="en-US" sz="4000" b="1" dirty="0"/>
             </a:br>
             <a:r>
-              <a:rPr lang="en-GB" altLang="en-US" sz="3200" dirty="0"/>
+              <a:rPr lang="en-GB" altLang="en-US" sz="4000" b="1" dirty="0"/>
               <a:t> </a:t>
             </a:r>
             <a:br>
-              <a:rPr lang="en-GB" altLang="en-US" sz="3200" dirty="0"/>
+              <a:rPr lang="en-GB" altLang="en-US" sz="4000" b="1" dirty="0"/>
             </a:br>
-            <a:endParaRPr lang="en-GB" altLang="en-US" sz="3200" dirty="0"/>
+            <a:endParaRPr lang="en-GB" altLang="en-US" sz="4000" b="1" dirty="0"/>
           </a:p>
         </p:txBody>
       </p:sp>
@@ -6260,8 +6260,8 @@
         </p:nvSpPr>
         <p:spPr>
           <a:xfrm>
-            <a:off x="457200" y="274638"/>
-            <a:ext cx="8229600" cy="706437"/>
+            <a:off x="457200" y="1292225"/>
+            <a:ext cx="8229600" cy="188595"/>
           </a:xfrm>
         </p:spPr>
         <p:txBody>
@@ -16798,10 +16798,10 @@
           <a:p>
             <a:pPr eaLnBrk="1" hangingPunct="1"/>
             <a:r>
-              <a:rPr lang="en-GB" altLang="en-US" sz="2800" dirty="0"/>
+              <a:rPr lang="en-GB" altLang="en-US" sz="4000" b="1" dirty="0"/>
               <a:t>The book of Job</a:t>
             </a:r>
-            <a:endParaRPr lang="en-GB" altLang="en-US" sz="2800" dirty="0"/>
+            <a:endParaRPr lang="en-GB" altLang="en-US" sz="4000" b="1" dirty="0"/>
           </a:p>
         </p:txBody>
       </p:sp>
@@ -16817,14 +16817,12 @@
         </p:nvSpPr>
         <p:spPr>
           <a:xfrm>
-            <a:off x="457200" y="692150"/>
+            <a:off x="457200" y="980440"/>
             <a:ext cx="8229600" cy="5434013"/>
           </a:xfrm>
         </p:spPr>
         <p:txBody>
-          <a:bodyPr vert="horz" wrap="square" lIns="91440" tIns="45720" rIns="91440" bIns="45720" numCol="1" rtlCol="0" anchor="t" anchorCtr="0" compatLnSpc="1">
-            <a:normAutofit fontScale="85000" lnSpcReduction="20000"/>
-          </a:bodyPr>
+          <a:bodyPr vert="horz" wrap="square" lIns="91440" tIns="45720" rIns="91440" bIns="45720" numCol="1" rtlCol="0" anchor="t" anchorCtr="0" compatLnSpc="1"/>
           <a:lstStyle/>
           <a:p>
             <a:pPr marL="342900" marR="0" lvl="0" indent="-342900" algn="just" defTabSz="914400" rtl="0" eaLnBrk="1" fontAlgn="auto" latinLnBrk="0" hangingPunct="1">
@@ -16844,7 +16842,7 @@
               <a:defRPr/>
             </a:pPr>
             <a:r>
-              <a:rPr kumimoji="0" lang="en-GB" sz="3200" b="0" i="0" u="none" strike="noStrike" kern="1200" cap="none" spc="0" normalizeH="0" baseline="0" noProof="0" dirty="0" smtClean="0">
+              <a:rPr kumimoji="0" lang="en-GB" sz="2000" b="0" i="0" u="none" strike="noStrike" kern="1200" cap="none" spc="0" normalizeH="0" baseline="0" noProof="0" dirty="0" smtClean="0">
                 <a:ln>
                   <a:noFill/>
                 </a:ln>
@@ -16861,7 +16859,7 @@
               <a:t>The story of </a:t>
             </a:r>
             <a:r>
-              <a:rPr kumimoji="0" lang="en-GB" sz="3200" b="1" i="1" u="none" strike="noStrike" kern="1200" cap="none" spc="0" normalizeH="0" baseline="0" noProof="0" dirty="0" smtClean="0">
+              <a:rPr kumimoji="0" lang="en-GB" sz="2000" b="1" i="1" u="none" strike="noStrike" kern="1200" cap="none" spc="0" normalizeH="0" baseline="0" noProof="0" dirty="0" smtClean="0">
                 <a:ln>
                   <a:noFill/>
                 </a:ln>
@@ -16878,7 +16876,7 @@
               <a:t>Job</a:t>
             </a:r>
             <a:r>
-              <a:rPr kumimoji="0" lang="en-GB" sz="3200" b="0" i="0" u="none" strike="noStrike" kern="1200" cap="none" spc="0" normalizeH="0" baseline="0" noProof="0" dirty="0" smtClean="0">
+              <a:rPr kumimoji="0" lang="en-GB" sz="2000" b="0" i="0" u="none" strike="noStrike" kern="1200" cap="none" spc="0" normalizeH="0" baseline="0" noProof="0" dirty="0" smtClean="0">
                 <a:ln>
                   <a:noFill/>
                 </a:ln>
@@ -16894,7 +16892,7 @@
               </a:rPr>
               <a:t> is presented as a drama that explores the question of God’s justice in relation to the suffering of his people. </a:t>
             </a:r>
-            <a:endParaRPr kumimoji="0" lang="en-GB" sz="3200" b="0" i="0" u="none" strike="noStrike" kern="1200" cap="none" spc="0" normalizeH="0" baseline="0" noProof="0" dirty="0" smtClean="0">
+            <a:endParaRPr kumimoji="0" lang="en-GB" sz="2000" b="0" i="0" u="none" strike="noStrike" kern="1200" cap="none" spc="0" normalizeH="0" baseline="0" noProof="0" dirty="0" smtClean="0">
               <a:ln>
                 <a:noFill/>
               </a:ln>
@@ -16926,24 +16924,7 @@
               <a:buChar char="•"/>
               <a:defRPr/>
             </a:pPr>
-            <a:r>
-              <a:rPr kumimoji="0" lang="en-GB" sz="3200" b="0" i="0" u="none" strike="noStrike" kern="1200" cap="none" spc="0" normalizeH="0" baseline="0" noProof="0" dirty="0" smtClean="0">
-                <a:ln>
-                  <a:noFill/>
-                </a:ln>
-                <a:solidFill>
-                  <a:schemeClr val="tx1"/>
-                </a:solidFill>
-                <a:effectLst/>
-                <a:uLnTx/>
-                <a:uFillTx/>
-                <a:latin typeface="+mn-lt"/>
-                <a:ea typeface="+mn-ea"/>
-                <a:cs typeface="+mn-cs"/>
-              </a:rPr>
-              <a:t>Why do his people suffer? Is God fair? He is certainly sovereign over all, so then why do his people suffer so? What does Job’s suffering — and ours — say about God? </a:t>
-            </a:r>
-            <a:endParaRPr kumimoji="0" lang="en-GB" sz="3200" b="0" i="0" u="none" strike="noStrike" kern="1200" cap="none" spc="0" normalizeH="0" baseline="0" noProof="0" dirty="0" smtClean="0">
+            <a:endParaRPr kumimoji="0" lang="en-GB" sz="2000" b="0" i="0" u="none" strike="noStrike" kern="1200" cap="none" spc="0" normalizeH="0" baseline="0" noProof="0" dirty="0" smtClean="0">
               <a:ln>
                 <a:noFill/>
               </a:ln>
@@ -16976,74 +16957,23 @@
               <a:defRPr/>
             </a:pPr>
             <a:r>
-              <a:rPr kumimoji="0" lang="en-GB" sz="3200" b="0" i="0" u="none" strike="noStrike" kern="1200" cap="none" spc="0" normalizeH="0" baseline="0" noProof="0" dirty="0" smtClean="0">
-                <a:ln>
-                  <a:noFill/>
-                </a:ln>
-                <a:solidFill>
-                  <a:srgbClr val="FF0000"/>
-                </a:solidFill>
-                <a:effectLst/>
-                <a:uLnTx/>
-                <a:uFillTx/>
-                <a:latin typeface="+mn-lt"/>
-                <a:ea typeface="+mn-ea"/>
-                <a:cs typeface="+mn-cs"/>
-              </a:rPr>
-              <a:t>In a series of acts and speeches the story of Job displays God’s sovereignty </a:t>
-            </a:r>
-            <a:r>
-              <a:rPr kumimoji="0" lang="en-GB" sz="3200" b="0" i="1" u="none" strike="noStrike" kern="1200" cap="none" spc="0" normalizeH="0" baseline="0" noProof="0" dirty="0" smtClean="0">
-                <a:ln>
-                  <a:noFill/>
-                </a:ln>
-                <a:solidFill>
-                  <a:srgbClr val="FF0000"/>
-                </a:solidFill>
-                <a:effectLst/>
-                <a:uLnTx/>
-                <a:uFillTx/>
-                <a:latin typeface="+mn-lt"/>
-                <a:ea typeface="+mn-ea"/>
-                <a:cs typeface="+mn-cs"/>
-              </a:rPr>
-              <a:t>and</a:t>
-            </a:r>
-            <a:r>
-              <a:rPr kumimoji="0" lang="en-GB" sz="3200" b="0" i="0" u="none" strike="noStrike" kern="1200" cap="none" spc="0" normalizeH="0" baseline="0" noProof="0" dirty="0" smtClean="0">
-                <a:ln>
-                  <a:noFill/>
-                </a:ln>
-                <a:solidFill>
-                  <a:srgbClr val="FF0000"/>
-                </a:solidFill>
-                <a:effectLst/>
-                <a:uLnTx/>
-                <a:uFillTx/>
-                <a:latin typeface="+mn-lt"/>
-                <a:ea typeface="+mn-ea"/>
-                <a:cs typeface="+mn-cs"/>
-              </a:rPr>
-              <a:t> justice in all things and challenges us to a robust faith that trusts God tenaciously in his ordering of our lives</a:t>
-            </a:r>
-            <a:r>
-              <a:rPr kumimoji="0" lang="en-GB" sz="3200" b="0" i="0" u="none" strike="noStrike" kern="1200" cap="none" spc="0" normalizeH="0" baseline="0" noProof="0" dirty="0" smtClean="0">
-                <a:ln>
-                  <a:noFill/>
-                </a:ln>
-                <a:solidFill>
-                  <a:schemeClr val="tx1"/>
-                </a:solidFill>
-                <a:effectLst/>
-                <a:uLnTx/>
-                <a:uFillTx/>
-                <a:latin typeface="+mn-lt"/>
-                <a:ea typeface="+mn-ea"/>
-                <a:cs typeface="+mn-cs"/>
-              </a:rPr>
-              <a:t>. </a:t>
-            </a:r>
-            <a:endParaRPr kumimoji="0" lang="en-GB" sz="3200" b="0" i="0" u="none" strike="noStrike" kern="1200" cap="none" spc="0" normalizeH="0" baseline="0" noProof="0" dirty="0" smtClean="0">
+              <a:rPr kumimoji="0" lang="en-GB" sz="2000" b="0" i="0" u="none" strike="noStrike" kern="1200" cap="none" spc="0" normalizeH="0" baseline="0" noProof="0" dirty="0" smtClean="0">
+                <a:ln>
+                  <a:noFill/>
+                </a:ln>
+                <a:solidFill>
+                  <a:schemeClr val="tx1"/>
+                </a:solidFill>
+                <a:effectLst/>
+                <a:uLnTx/>
+                <a:uFillTx/>
+                <a:latin typeface="+mn-lt"/>
+                <a:ea typeface="+mn-ea"/>
+                <a:cs typeface="+mn-cs"/>
+              </a:rPr>
+              <a:t>Why do his people suffer? Is God fair? He is certainly sovereign over all, so then why do his people suffer so? What does Job’s suffering — and ours — say about God? </a:t>
+            </a:r>
+            <a:endParaRPr kumimoji="0" lang="en-GB" sz="2000" b="0" i="0" u="none" strike="noStrike" kern="1200" cap="none" spc="0" normalizeH="0" baseline="0" noProof="0" dirty="0" smtClean="0">
               <a:ln>
                 <a:noFill/>
               </a:ln>
@@ -17075,8 +17005,172 @@
               <a:buChar char="•"/>
               <a:defRPr/>
             </a:pPr>
-            <a:r>
-              <a:rPr kumimoji="0" lang="en-GB" sz="3200" b="0" i="0" u="none" strike="noStrike" kern="1200" cap="none" spc="0" normalizeH="0" baseline="0" noProof="0" dirty="0" smtClean="0">
+            <a:endParaRPr kumimoji="0" lang="en-GB" sz="2000" b="0" i="0" u="none" strike="noStrike" kern="1200" cap="none" spc="0" normalizeH="0" baseline="0" noProof="0" dirty="0" smtClean="0">
+              <a:ln>
+                <a:noFill/>
+              </a:ln>
+              <a:solidFill>
+                <a:schemeClr val="tx1"/>
+              </a:solidFill>
+              <a:effectLst/>
+              <a:uLnTx/>
+              <a:uFillTx/>
+              <a:latin typeface="+mn-lt"/>
+              <a:ea typeface="+mn-ea"/>
+              <a:cs typeface="+mn-cs"/>
+            </a:endParaRPr>
+          </a:p>
+          <a:p>
+            <a:pPr marL="342900" marR="0" lvl="0" indent="-342900" algn="just" defTabSz="914400" rtl="0" eaLnBrk="1" fontAlgn="auto" latinLnBrk="0" hangingPunct="1">
+              <a:lnSpc>
+                <a:spcPct val="100000"/>
+              </a:lnSpc>
+              <a:spcBef>
+                <a:spcPct val="20000"/>
+              </a:spcBef>
+              <a:spcAft>
+                <a:spcPts val="0"/>
+              </a:spcAft>
+              <a:buClrTx/>
+              <a:buSzTx/>
+              <a:buFont typeface="Arial" panose="02080604020202020204" pitchFamily="34" charset="0"/>
+              <a:buChar char="•"/>
+              <a:defRPr/>
+            </a:pPr>
+            <a:r>
+              <a:rPr kumimoji="0" lang="en-GB" sz="2000" b="0" i="0" u="none" strike="noStrike" kern="1200" cap="none" spc="0" normalizeH="0" baseline="0" noProof="0" dirty="0" smtClean="0">
+                <a:ln>
+                  <a:noFill/>
+                </a:ln>
+                <a:solidFill>
+                  <a:srgbClr val="FF0000"/>
+                </a:solidFill>
+                <a:effectLst/>
+                <a:uLnTx/>
+                <a:uFillTx/>
+                <a:latin typeface="+mn-lt"/>
+                <a:ea typeface="+mn-ea"/>
+                <a:cs typeface="+mn-cs"/>
+              </a:rPr>
+              <a:t>In a series of acts and speeches the story of Job displays God’s sovereignty </a:t>
+            </a:r>
+            <a:r>
+              <a:rPr kumimoji="0" lang="en-GB" sz="2000" b="0" i="1" u="none" strike="noStrike" kern="1200" cap="none" spc="0" normalizeH="0" baseline="0" noProof="0" dirty="0" smtClean="0">
+                <a:ln>
+                  <a:noFill/>
+                </a:ln>
+                <a:solidFill>
+                  <a:srgbClr val="FF0000"/>
+                </a:solidFill>
+                <a:effectLst/>
+                <a:uLnTx/>
+                <a:uFillTx/>
+                <a:latin typeface="+mn-lt"/>
+                <a:ea typeface="+mn-ea"/>
+                <a:cs typeface="+mn-cs"/>
+              </a:rPr>
+              <a:t>and</a:t>
+            </a:r>
+            <a:r>
+              <a:rPr kumimoji="0" lang="en-GB" sz="2000" b="0" i="0" u="none" strike="noStrike" kern="1200" cap="none" spc="0" normalizeH="0" baseline="0" noProof="0" dirty="0" smtClean="0">
+                <a:ln>
+                  <a:noFill/>
+                </a:ln>
+                <a:solidFill>
+                  <a:srgbClr val="FF0000"/>
+                </a:solidFill>
+                <a:effectLst/>
+                <a:uLnTx/>
+                <a:uFillTx/>
+                <a:latin typeface="+mn-lt"/>
+                <a:ea typeface="+mn-ea"/>
+                <a:cs typeface="+mn-cs"/>
+              </a:rPr>
+              <a:t> justice in all things and challenges us to a robust faith that trusts God tenaciously in his ordering of our lives</a:t>
+            </a:r>
+            <a:r>
+              <a:rPr kumimoji="0" lang="en-GB" sz="2000" b="0" i="0" u="none" strike="noStrike" kern="1200" cap="none" spc="0" normalizeH="0" baseline="0" noProof="0" dirty="0" smtClean="0">
+                <a:ln>
+                  <a:noFill/>
+                </a:ln>
+                <a:solidFill>
+                  <a:schemeClr val="tx1"/>
+                </a:solidFill>
+                <a:effectLst/>
+                <a:uLnTx/>
+                <a:uFillTx/>
+                <a:latin typeface="+mn-lt"/>
+                <a:ea typeface="+mn-ea"/>
+                <a:cs typeface="+mn-cs"/>
+              </a:rPr>
+              <a:t>. </a:t>
+            </a:r>
+            <a:endParaRPr kumimoji="0" lang="en-GB" sz="2000" b="0" i="0" u="none" strike="noStrike" kern="1200" cap="none" spc="0" normalizeH="0" baseline="0" noProof="0" dirty="0" smtClean="0">
+              <a:ln>
+                <a:noFill/>
+              </a:ln>
+              <a:solidFill>
+                <a:schemeClr val="tx1"/>
+              </a:solidFill>
+              <a:effectLst/>
+              <a:uLnTx/>
+              <a:uFillTx/>
+              <a:latin typeface="+mn-lt"/>
+              <a:ea typeface="+mn-ea"/>
+              <a:cs typeface="+mn-cs"/>
+            </a:endParaRPr>
+          </a:p>
+          <a:p>
+            <a:pPr marL="342900" marR="0" lvl="0" indent="-342900" algn="just" defTabSz="914400" rtl="0" eaLnBrk="1" fontAlgn="auto" latinLnBrk="0" hangingPunct="1">
+              <a:lnSpc>
+                <a:spcPct val="100000"/>
+              </a:lnSpc>
+              <a:spcBef>
+                <a:spcPct val="20000"/>
+              </a:spcBef>
+              <a:spcAft>
+                <a:spcPts val="0"/>
+              </a:spcAft>
+              <a:buClrTx/>
+              <a:buSzTx/>
+              <a:buFont typeface="Arial" panose="02080604020202020204" pitchFamily="34" charset="0"/>
+              <a:buChar char="•"/>
+              <a:defRPr/>
+            </a:pPr>
+            <a:endParaRPr kumimoji="0" lang="en-GB" sz="2000" b="0" i="0" u="none" strike="noStrike" kern="1200" cap="none" spc="0" normalizeH="0" baseline="0" noProof="0" dirty="0" smtClean="0">
+              <a:ln>
+                <a:noFill/>
+              </a:ln>
+              <a:solidFill>
+                <a:schemeClr val="tx1"/>
+              </a:solidFill>
+              <a:effectLst/>
+              <a:uLnTx/>
+              <a:uFillTx/>
+              <a:latin typeface="+mn-lt"/>
+              <a:ea typeface="+mn-ea"/>
+              <a:cs typeface="+mn-cs"/>
+            </a:endParaRPr>
+          </a:p>
+          <a:p>
+            <a:pPr marL="342900" marR="0" lvl="0" indent="-342900" algn="just" defTabSz="914400" rtl="0" eaLnBrk="1" fontAlgn="auto" latinLnBrk="0" hangingPunct="1">
+              <a:lnSpc>
+                <a:spcPct val="100000"/>
+              </a:lnSpc>
+              <a:spcBef>
+                <a:spcPct val="20000"/>
+              </a:spcBef>
+              <a:spcAft>
+                <a:spcPts val="0"/>
+              </a:spcAft>
+              <a:buClrTx/>
+              <a:buSzTx/>
+              <a:buFont typeface="Arial" panose="02080604020202020204" pitchFamily="34" charset="0"/>
+              <a:buChar char="•"/>
+              <a:defRPr/>
+            </a:pPr>
+            <a:r>
+              <a:rPr kumimoji="0" lang="en-GB" sz="2000" b="0" i="0" u="none" strike="noStrike" kern="1200" cap="none" spc="0" normalizeH="0" baseline="0" noProof="0" dirty="0" smtClean="0">
                 <a:ln>
                   <a:noFill/>
                 </a:ln>
@@ -17092,7 +17186,7 @@
               </a:rPr>
               <a:t>And at the conclusion of the book in Job’s restored prosperity we are reminded of the final triumph of justice. Indeed, in the end both God and his people are vindicated(justified)</a:t>
             </a:r>
-            <a:endParaRPr kumimoji="0" lang="en-GB" sz="3200" b="0" i="0" u="none" strike="noStrike" kern="1200" cap="none" spc="0" normalizeH="0" baseline="0" noProof="0" dirty="0">
+            <a:endParaRPr kumimoji="0" lang="en-GB" sz="2000" b="0" i="0" u="none" strike="noStrike" kern="1200" cap="none" spc="0" normalizeH="0" baseline="0" noProof="0" dirty="0" smtClean="0">
               <a:ln>
                 <a:noFill/>
               </a:ln>
@@ -18032,7 +18126,7 @@
               <a:defRPr/>
             </a:pPr>
             <a:r>
-              <a:rPr kumimoji="0" lang="en-GB" sz="2400" b="1" i="1" u="none" strike="noStrike" kern="1200" cap="none" spc="0" normalizeH="0" baseline="0" noProof="0" dirty="0" smtClean="0">
+              <a:rPr kumimoji="0" lang="en-GB" sz="2000" b="1" i="1" u="none" strike="noStrike" kern="1200" cap="none" spc="0" normalizeH="0" baseline="0" noProof="0" dirty="0" smtClean="0">
                 <a:ln>
                   <a:noFill/>
                 </a:ln>
@@ -18049,7 +18143,7 @@
               <a:t>Proverbs</a:t>
             </a:r>
             <a:r>
-              <a:rPr kumimoji="0" lang="en-GB" sz="2400" b="0" i="0" u="none" strike="noStrike" kern="1200" cap="none" spc="0" normalizeH="0" baseline="0" noProof="0" dirty="0" smtClean="0">
+              <a:rPr kumimoji="0" lang="en-GB" sz="2000" b="0" i="0" u="none" strike="noStrike" kern="1200" cap="none" spc="0" normalizeH="0" baseline="0" noProof="0" dirty="0" smtClean="0">
                 <a:ln>
                   <a:noFill/>
                 </a:ln>
@@ -18065,7 +18159,7 @@
               </a:rPr>
               <a:t>, as the name indicates, is primarily a collection of brief, pithy sayings that provide instruction for successful living. </a:t>
             </a:r>
-            <a:endParaRPr kumimoji="0" lang="en-GB" sz="2400" b="0" i="0" u="none" strike="noStrike" kern="1200" cap="none" spc="0" normalizeH="0" baseline="0" noProof="0" dirty="0" smtClean="0">
+            <a:endParaRPr kumimoji="0" lang="en-GB" sz="2000" b="0" i="0" u="none" strike="noStrike" kern="1200" cap="none" spc="0" normalizeH="0" baseline="0" noProof="0" dirty="0" smtClean="0">
               <a:ln>
                 <a:noFill/>
               </a:ln>
@@ -18097,7 +18191,7 @@
               <a:buChar char="•"/>
               <a:defRPr/>
             </a:pPr>
-            <a:endParaRPr kumimoji="0" lang="en-GB" sz="2400" b="0" i="0" u="none" strike="noStrike" kern="1200" cap="none" spc="0" normalizeH="0" baseline="0" noProof="0" dirty="0" smtClean="0">
+            <a:endParaRPr kumimoji="0" lang="en-GB" sz="2000" b="0" i="0" u="none" strike="noStrike" kern="1200" cap="none" spc="0" normalizeH="0" baseline="0" noProof="0" dirty="0" smtClean="0">
               <a:ln>
                 <a:noFill/>
               </a:ln>
@@ -18130,7 +18224,7 @@
               <a:defRPr/>
             </a:pPr>
             <a:r>
-              <a:rPr kumimoji="0" lang="en-GB" sz="2400" b="0" i="0" u="none" strike="noStrike" kern="1200" cap="none" spc="0" normalizeH="0" baseline="0" noProof="0" dirty="0" smtClean="0">
+              <a:rPr kumimoji="0" lang="en-GB" sz="2000" b="0" i="0" u="none" strike="noStrike" kern="1200" cap="none" spc="0" normalizeH="0" baseline="0" noProof="0" dirty="0" smtClean="0">
                 <a:ln>
                   <a:noFill/>
                 </a:ln>
@@ -18146,7 +18240,7 @@
               </a:rPr>
               <a:t>The proverb is perhaps the most basic form of wisdom instruction. </a:t>
             </a:r>
-            <a:endParaRPr kumimoji="0" lang="en-GB" sz="2400" b="0" i="0" u="none" strike="noStrike" kern="1200" cap="none" spc="0" normalizeH="0" baseline="0" noProof="0" dirty="0" smtClean="0">
+            <a:endParaRPr kumimoji="0" lang="en-GB" sz="2000" b="0" i="0" u="none" strike="noStrike" kern="1200" cap="none" spc="0" normalizeH="0" baseline="0" noProof="0" dirty="0" smtClean="0">
               <a:ln>
                 <a:noFill/>
               </a:ln>
@@ -18178,7 +18272,7 @@
               <a:buChar char="•"/>
               <a:defRPr/>
             </a:pPr>
-            <a:endParaRPr kumimoji="0" lang="en-GB" sz="2400" b="0" i="0" u="none" strike="noStrike" kern="1200" cap="none" spc="0" normalizeH="0" baseline="0" noProof="0" dirty="0" smtClean="0">
+            <a:endParaRPr kumimoji="0" lang="en-GB" sz="2000" b="0" i="0" u="none" strike="noStrike" kern="1200" cap="none" spc="0" normalizeH="0" baseline="0" noProof="0" dirty="0" smtClean="0">
               <a:ln>
                 <a:noFill/>
               </a:ln>
@@ -18211,7 +18305,7 @@
               <a:defRPr/>
             </a:pPr>
             <a:r>
-              <a:rPr kumimoji="0" lang="en-GB" sz="2400" b="0" i="0" u="none" strike="noStrike" kern="1200" cap="none" spc="0" normalizeH="0" baseline="0" noProof="0" dirty="0" smtClean="0">
+              <a:rPr kumimoji="0" lang="en-GB" sz="2000" b="0" i="0" u="none" strike="noStrike" kern="1200" cap="none" spc="0" normalizeH="0" baseline="0" noProof="0" dirty="0" smtClean="0">
                 <a:ln>
                   <a:noFill/>
                 </a:ln>
@@ -18227,7 +18321,7 @@
               </a:rPr>
               <a:t>Usually by way of comparison, a proverb captures and summarizes some life truth or situation and thereby directs us away from the way of folly and darkness to a life that is blessed. </a:t>
             </a:r>
-            <a:endParaRPr kumimoji="0" lang="en-GB" sz="2400" b="0" i="0" u="none" strike="noStrike" kern="1200" cap="none" spc="0" normalizeH="0" baseline="0" noProof="0" dirty="0" smtClean="0">
+            <a:endParaRPr kumimoji="0" lang="en-GB" sz="2000" b="0" i="0" u="none" strike="noStrike" kern="1200" cap="none" spc="0" normalizeH="0" baseline="0" noProof="0" dirty="0" smtClean="0">
               <a:ln>
                 <a:noFill/>
               </a:ln>
@@ -18259,7 +18353,7 @@
               <a:buChar char="•"/>
               <a:defRPr/>
             </a:pPr>
-            <a:endParaRPr kumimoji="0" lang="en-GB" sz="2400" b="0" i="0" u="none" strike="noStrike" kern="1200" cap="none" spc="0" normalizeH="0" baseline="0" noProof="0" dirty="0" smtClean="0">
+            <a:endParaRPr kumimoji="0" lang="en-GB" sz="2000" b="0" i="0" u="none" strike="noStrike" kern="1200" cap="none" spc="0" normalizeH="0" baseline="0" noProof="0" dirty="0" smtClean="0">
               <a:ln>
                 <a:noFill/>
               </a:ln>
@@ -18292,7 +18386,7 @@
               <a:defRPr/>
             </a:pPr>
             <a:r>
-              <a:rPr kumimoji="0" lang="en-GB" sz="2400" b="0" i="0" u="none" strike="noStrike" kern="1200" cap="none" spc="0" normalizeH="0" baseline="0" noProof="0" dirty="0" smtClean="0">
+              <a:rPr kumimoji="0" lang="en-GB" sz="2000" b="0" i="0" u="none" strike="noStrike" kern="1200" cap="none" spc="0" normalizeH="0" baseline="0" noProof="0" dirty="0" smtClean="0">
                 <a:ln>
                   <a:noFill/>
                 </a:ln>
@@ -18309,7 +18403,7 @@
               <a:t>Major themes in Proverbs include the fear of the Lord, the value of wisdom, sexual purity, justice, personal relationships, and right and wrong kinds of speech</a:t>
             </a:r>
             <a:r>
-              <a:rPr kumimoji="0" lang="en-GB" sz="2400" b="0" i="0" u="none" strike="noStrike" kern="1200" cap="none" spc="0" normalizeH="0" baseline="0" noProof="0" dirty="0" smtClean="0">
+              <a:rPr kumimoji="0" lang="en-GB" sz="2000" b="0" i="0" u="none" strike="noStrike" kern="1200" cap="none" spc="0" normalizeH="0" baseline="0" noProof="0" dirty="0" smtClean="0">
                 <a:ln>
                   <a:noFill/>
                 </a:ln>
@@ -18325,7 +18419,7 @@
               </a:rPr>
               <a:t>.              </a:t>
             </a:r>
-            <a:endParaRPr kumimoji="0" lang="en-GB" sz="2400" b="0" i="0" u="none" strike="noStrike" kern="1200" cap="none" spc="0" normalizeH="0" baseline="0" noProof="0" dirty="0" smtClean="0">
+            <a:endParaRPr kumimoji="0" lang="en-GB" sz="2000" b="0" i="0" u="none" strike="noStrike" kern="1200" cap="none" spc="0" normalizeH="0" baseline="0" noProof="0" dirty="0" smtClean="0">
               <a:ln>
                 <a:noFill/>
               </a:ln>
@@ -18357,7 +18451,7 @@
               <a:buChar char="•"/>
               <a:defRPr/>
             </a:pPr>
-            <a:endParaRPr kumimoji="0" lang="en-GB" sz="2400" b="0" i="0" u="none" strike="noStrike" kern="1200" cap="none" spc="0" normalizeH="0" baseline="0" noProof="0" dirty="0" smtClean="0">
+            <a:endParaRPr kumimoji="0" lang="en-GB" sz="2000" b="0" i="0" u="none" strike="noStrike" kern="1200" cap="none" spc="0" normalizeH="0" baseline="0" noProof="0" dirty="0" smtClean="0">
               <a:ln>
                 <a:noFill/>
               </a:ln>
@@ -18457,7 +18551,7 @@
               <a:defRPr/>
             </a:pPr>
             <a:r>
-              <a:rPr kumimoji="0" lang="en-GB" sz="2400" b="1" i="1" u="none" strike="noStrike" kern="1200" cap="none" spc="0" normalizeH="0" baseline="0" noProof="0" dirty="0" smtClean="0">
+              <a:rPr kumimoji="0" lang="en-GB" sz="2000" b="1" i="1" u="none" strike="noStrike" kern="1200" cap="none" spc="0" normalizeH="0" baseline="0" noProof="0" dirty="0" smtClean="0">
                 <a:ln>
                   <a:noFill/>
                 </a:ln>
@@ -18474,7 +18568,7 @@
               <a:t>Ecclesiastes</a:t>
             </a:r>
             <a:r>
-              <a:rPr kumimoji="0" lang="en-GB" sz="2400" b="0" i="0" u="none" strike="noStrike" kern="1200" cap="none" spc="0" normalizeH="0" baseline="0" noProof="0" dirty="0" smtClean="0">
+              <a:rPr kumimoji="0" lang="en-GB" sz="2000" b="0" i="0" u="none" strike="noStrike" kern="1200" cap="none" spc="0" normalizeH="0" baseline="0" noProof="0" dirty="0" smtClean="0">
                 <a:ln>
                   <a:noFill/>
                 </a:ln>
@@ -18490,7 +18584,7 @@
               </a:rPr>
               <a:t> seeks to unmask the emptiness of life without God. Its repeated refrain — “vanity of vanities! All is vanity!” — insists that there is nothing “under the sun” that can bring us fulfilment. </a:t>
             </a:r>
-            <a:endParaRPr kumimoji="0" lang="en-GB" sz="2400" b="0" i="0" u="none" strike="noStrike" kern="1200" cap="none" spc="0" normalizeH="0" baseline="0" noProof="0" dirty="0" smtClean="0">
+            <a:endParaRPr kumimoji="0" lang="en-GB" sz="2000" b="0" i="0" u="none" strike="noStrike" kern="1200" cap="none" spc="0" normalizeH="0" baseline="0" noProof="0" dirty="0" smtClean="0">
               <a:ln>
                 <a:noFill/>
               </a:ln>
@@ -18522,7 +18616,7 @@
               <a:buChar char="•"/>
               <a:defRPr/>
             </a:pPr>
-            <a:endParaRPr kumimoji="0" lang="en-GB" sz="2400" b="0" i="0" u="none" strike="noStrike" kern="1200" cap="none" spc="0" normalizeH="0" baseline="0" noProof="0" dirty="0" smtClean="0">
+            <a:endParaRPr kumimoji="0" lang="en-GB" sz="2000" b="0" i="0" u="none" strike="noStrike" kern="1200" cap="none" spc="0" normalizeH="0" baseline="0" noProof="0" dirty="0" smtClean="0">
               <a:ln>
                 <a:noFill/>
               </a:ln>
@@ -18555,7 +18649,7 @@
               <a:defRPr/>
             </a:pPr>
             <a:r>
-              <a:rPr kumimoji="0" lang="en-GB" sz="2400" b="0" i="0" u="none" strike="noStrike" kern="1200" cap="none" spc="0" normalizeH="0" baseline="0" noProof="0" dirty="0" smtClean="0">
+              <a:rPr kumimoji="0" lang="en-GB" sz="2000" b="0" i="0" u="none" strike="noStrike" kern="1200" cap="none" spc="0" normalizeH="0" baseline="0" noProof="0" dirty="0" smtClean="0">
                 <a:ln>
                   <a:noFill/>
                 </a:ln>
@@ -18571,7 +18665,7 @@
               </a:rPr>
               <a:t>Only as life is pursued in a God-ward direction do we find ultimate meaning and satisfaction. </a:t>
             </a:r>
-            <a:endParaRPr kumimoji="0" lang="en-GB" sz="2400" b="0" i="0" u="none" strike="noStrike" kern="1200" cap="none" spc="0" normalizeH="0" baseline="0" noProof="0" dirty="0" smtClean="0">
+            <a:endParaRPr kumimoji="0" lang="en-GB" sz="2000" b="0" i="0" u="none" strike="noStrike" kern="1200" cap="none" spc="0" normalizeH="0" baseline="0" noProof="0" dirty="0" smtClean="0">
               <a:ln>
                 <a:noFill/>
               </a:ln>
@@ -18603,7 +18697,7 @@
               <a:buChar char="•"/>
               <a:defRPr/>
             </a:pPr>
-            <a:endParaRPr kumimoji="0" lang="en-GB" sz="2400" b="0" i="0" u="none" strike="noStrike" kern="1200" cap="none" spc="0" normalizeH="0" baseline="0" noProof="0" dirty="0" smtClean="0">
+            <a:endParaRPr kumimoji="0" lang="en-GB" sz="2000" b="0" i="0" u="none" strike="noStrike" kern="1200" cap="none" spc="0" normalizeH="0" baseline="0" noProof="0" dirty="0" smtClean="0">
               <a:ln>
                 <a:noFill/>
               </a:ln>
@@ -18636,7 +18730,7 @@
               <a:defRPr/>
             </a:pPr>
             <a:r>
-              <a:rPr kumimoji="0" lang="en-GB" sz="2400" b="0" i="0" u="none" strike="noStrike" kern="1200" cap="none" spc="0" normalizeH="0" baseline="0" noProof="0" dirty="0" smtClean="0">
+              <a:rPr kumimoji="0" lang="en-GB" sz="2000" b="0" i="0" u="none" strike="noStrike" kern="1200" cap="none" spc="0" normalizeH="0" baseline="0" noProof="0" dirty="0" smtClean="0">
                 <a:ln>
                   <a:noFill/>
                 </a:ln>
@@ -18653,7 +18747,7 @@
               <a:t>After exploring all the best that this world has to offer the writer concludes that </a:t>
             </a:r>
             <a:r>
-              <a:rPr kumimoji="0" lang="en-GB" sz="2400" b="0" i="0" u="none" strike="noStrike" kern="1200" cap="none" spc="0" normalizeH="0" baseline="0" noProof="0" dirty="0" smtClean="0">
+              <a:rPr kumimoji="0" lang="en-GB" sz="2000" b="0" i="0" u="none" strike="noStrike" kern="1200" cap="none" spc="0" normalizeH="0" baseline="0" noProof="0" dirty="0" smtClean="0">
                 <a:ln>
                   <a:noFill/>
                 </a:ln>
@@ -18669,7 +18763,7 @@
               </a:rPr>
               <a:t>our wholeness is found only as we learn to live in the knowledge and fear of God. </a:t>
             </a:r>
-            <a:endParaRPr kumimoji="0" lang="en-GB" sz="2400" b="0" i="0" u="none" strike="noStrike" kern="1200" cap="none" spc="0" normalizeH="0" baseline="0" noProof="0" dirty="0" smtClean="0">
+            <a:endParaRPr kumimoji="0" lang="en-GB" sz="2000" b="0" i="0" u="none" strike="noStrike" kern="1200" cap="none" spc="0" normalizeH="0" baseline="0" noProof="0" dirty="0" smtClean="0">
               <a:ln>
                 <a:noFill/>
               </a:ln>
@@ -18701,7 +18795,7 @@
               <a:buChar char="•"/>
               <a:defRPr/>
             </a:pPr>
-            <a:endParaRPr kumimoji="0" lang="en-GB" sz="2400" b="0" i="0" u="none" strike="noStrike" kern="1200" cap="none" spc="0" normalizeH="0" baseline="0" noProof="0" dirty="0" smtClean="0">
+            <a:endParaRPr kumimoji="0" lang="en-GB" sz="2000" b="0" i="0" u="none" strike="noStrike" kern="1200" cap="none" spc="0" normalizeH="0" baseline="0" noProof="0" dirty="0" smtClean="0">
               <a:ln>
                 <a:noFill/>
               </a:ln>
@@ -18734,7 +18828,7 @@
               <a:defRPr/>
             </a:pPr>
             <a:r>
-              <a:rPr kumimoji="0" lang="en-GB" sz="2400" b="0" i="0" u="none" strike="noStrike" kern="1200" cap="none" spc="0" normalizeH="0" baseline="0" noProof="0" dirty="0" smtClean="0">
+              <a:rPr kumimoji="0" lang="en-GB" sz="2000" b="0" i="0" u="none" strike="noStrike" kern="1200" cap="none" spc="0" normalizeH="0" baseline="0" noProof="0" dirty="0" smtClean="0">
                 <a:ln>
                   <a:noFill/>
                 </a:ln>
@@ -18751,7 +18845,7 @@
               <a:t>Apart from this perspective, life is a meaningless waste of time</a:t>
             </a:r>
             <a:r>
-              <a:rPr kumimoji="0" lang="en-GB" sz="2400" b="0" i="0" u="none" strike="noStrike" kern="1200" cap="none" spc="0" normalizeH="0" baseline="0" noProof="0" dirty="0" smtClean="0">
+              <a:rPr kumimoji="0" lang="en-GB" sz="2000" b="0" i="0" u="none" strike="noStrike" kern="1200" cap="none" spc="0" normalizeH="0" baseline="0" noProof="0" dirty="0" smtClean="0">
                 <a:ln>
                   <a:noFill/>
                 </a:ln>
@@ -18767,7 +18861,7 @@
               </a:rPr>
               <a:t>.</a:t>
             </a:r>
-            <a:endParaRPr kumimoji="0" lang="en-GB" sz="2400" b="0" i="0" u="none" strike="noStrike" kern="1200" cap="none" spc="0" normalizeH="0" baseline="0" noProof="0" dirty="0" smtClean="0">
+            <a:endParaRPr kumimoji="0" lang="en-GB" sz="2000" b="0" i="0" u="none" strike="noStrike" kern="1200" cap="none" spc="0" normalizeH="0" baseline="0" noProof="0" dirty="0" smtClean="0">
               <a:ln>
                 <a:noFill/>
               </a:ln>
@@ -25348,7 +25442,7 @@
         </p:nvSpPr>
         <p:spPr>
           <a:xfrm>
-            <a:off x="457200" y="0"/>
+            <a:off x="323850" y="476250"/>
             <a:ext cx="8229600" cy="476250"/>
           </a:xfrm>
         </p:spPr>
@@ -25432,7 +25526,7 @@
         </p:nvSpPr>
         <p:spPr>
           <a:xfrm>
-            <a:off x="457200" y="836613"/>
+            <a:off x="395605" y="1340168"/>
             <a:ext cx="8229600" cy="5289550"/>
           </a:xfrm>
         </p:spPr>
@@ -25457,7 +25551,7 @@
               <a:defRPr/>
             </a:pPr>
             <a:r>
-              <a:rPr kumimoji="0" lang="en-GB" sz="2800" b="1" i="0" u="none" strike="noStrike" kern="1200" cap="none" spc="0" normalizeH="0" baseline="0" noProof="0" dirty="0" smtClean="0">
+              <a:rPr kumimoji="0" lang="en-GB" sz="2000" b="1" i="0" u="none" strike="noStrike" kern="1200" cap="none" spc="0" normalizeH="0" baseline="0" noProof="0" dirty="0" smtClean="0">
                 <a:ln>
                   <a:noFill/>
                 </a:ln>
@@ -25474,7 +25568,7 @@
               <a:t>C. </a:t>
             </a:r>
             <a:r>
-              <a:rPr kumimoji="0" lang="en-GB" sz="2800" b="1" i="0" u="none" strike="noStrike" kern="1200" cap="none" spc="0" normalizeH="0" baseline="0" noProof="0" dirty="0" err="1" smtClean="0">
+              <a:rPr kumimoji="0" lang="en-GB" sz="2000" b="1" i="0" u="none" strike="noStrike" kern="1200" cap="none" spc="0" normalizeH="0" baseline="0" noProof="0" dirty="0" err="1" smtClean="0">
                 <a:ln>
                   <a:noFill/>
                 </a:ln>
@@ -25491,7 +25585,7 @@
               <a:t>Pseudepigrapha</a:t>
             </a:r>
             <a:r>
-              <a:rPr kumimoji="0" lang="en-GB" sz="2800" b="0" i="0" u="none" strike="noStrike" kern="1200" cap="none" spc="0" normalizeH="0" baseline="0" noProof="0" dirty="0" smtClean="0">
+              <a:rPr kumimoji="0" lang="en-GB" sz="2000" b="0" i="0" u="none" strike="noStrike" kern="1200" cap="none" spc="0" normalizeH="0" baseline="0" noProof="0" dirty="0" smtClean="0">
                 <a:ln>
                   <a:noFill/>
                 </a:ln>
@@ -25507,7 +25601,7 @@
               </a:rPr>
               <a:t> ("false writings") -- these are books which no Jewish or Christian tradition has ever included in the canon. Some of the more significant of these are the Assumption of Moses and I &amp; II Enoch, because they are quoted by Jude in the N.T.</a:t>
             </a:r>
-            <a:endParaRPr kumimoji="0" lang="en-GB" sz="2800" b="0" i="0" u="none" strike="noStrike" kern="1200" cap="none" spc="0" normalizeH="0" baseline="0" noProof="0" dirty="0" smtClean="0">
+            <a:endParaRPr kumimoji="0" lang="en-GB" sz="2000" b="0" i="0" u="none" strike="noStrike" kern="1200" cap="none" spc="0" normalizeH="0" baseline="0" noProof="0" dirty="0" smtClean="0">
               <a:ln>
                 <a:noFill/>
               </a:ln>
@@ -25539,7 +25633,7 @@
               <a:buNone/>
               <a:defRPr/>
             </a:pPr>
-            <a:endParaRPr kumimoji="0" lang="en-GB" sz="2800" b="0" i="0" u="none" strike="noStrike" kern="1200" cap="none" spc="0" normalizeH="0" baseline="0" noProof="0" dirty="0" smtClean="0">
+            <a:endParaRPr kumimoji="0" lang="en-GB" sz="2000" b="0" i="0" u="none" strike="noStrike" kern="1200" cap="none" spc="0" normalizeH="0" baseline="0" noProof="0" dirty="0" smtClean="0">
               <a:ln>
                 <a:noFill/>
               </a:ln>
@@ -25572,7 +25666,7 @@
               <a:defRPr/>
             </a:pPr>
             <a:r>
-              <a:rPr kumimoji="0" lang="en-GB" sz="2800" b="0" i="0" u="none" strike="noStrike" kern="1200" cap="none" spc="0" normalizeH="0" baseline="0" noProof="0" dirty="0" smtClean="0">
+              <a:rPr kumimoji="0" lang="en-GB" sz="2000" b="0" i="0" u="none" strike="noStrike" kern="1200" cap="none" spc="0" normalizeH="0" baseline="0" noProof="0" dirty="0" smtClean="0">
                 <a:ln>
                   <a:noFill/>
                 </a:ln>
@@ -25589,7 +25683,7 @@
               <a:t>  (Book of Jubilee, Letter of </a:t>
             </a:r>
             <a:r>
-              <a:rPr kumimoji="0" lang="en-GB" sz="2800" b="0" i="0" u="none" strike="noStrike" kern="1200" cap="none" spc="0" normalizeH="0" baseline="0" noProof="0" dirty="0" err="1" smtClean="0">
+              <a:rPr kumimoji="0" lang="en-GB" sz="2000" b="0" i="0" u="none" strike="noStrike" kern="1200" cap="none" spc="0" normalizeH="0" baseline="0" noProof="0" dirty="0" err="1" smtClean="0">
                 <a:ln>
                   <a:noFill/>
                 </a:ln>
@@ -25606,7 +25700,7 @@
               <a:t>Aristeas</a:t>
             </a:r>
             <a:r>
-              <a:rPr kumimoji="0" lang="en-GB" sz="2800" b="0" i="0" u="none" strike="noStrike" kern="1200" cap="none" spc="0" normalizeH="0" baseline="0" noProof="0" dirty="0" smtClean="0">
+              <a:rPr kumimoji="0" lang="en-GB" sz="2000" b="0" i="0" u="none" strike="noStrike" kern="1200" cap="none" spc="0" normalizeH="0" baseline="0" noProof="0" dirty="0" smtClean="0">
                 <a:ln>
                   <a:noFill/>
                 </a:ln>
@@ -25623,7 +25717,7 @@
               <a:t>, Book of Adam &amp; Eve, Martyrdom of Isaiah, I &amp; II Enoch, Testament of the Twelve Patriarchs, Sibylline Oracle, Assumption of Moses, II &amp; III Baruch, III </a:t>
             </a:r>
             <a:r>
-              <a:rPr kumimoji="0" lang="en-GB" sz="2800" b="0" i="0" u="none" strike="noStrike" kern="1200" cap="none" spc="0" normalizeH="0" baseline="0" noProof="0" dirty="0" err="1" smtClean="0">
+              <a:rPr kumimoji="0" lang="en-GB" sz="2000" b="0" i="0" u="none" strike="noStrike" kern="1200" cap="none" spc="0" normalizeH="0" baseline="0" noProof="0" dirty="0" err="1" smtClean="0">
                 <a:ln>
                   <a:noFill/>
                 </a:ln>
@@ -25640,7 +25734,7 @@
               <a:t>Maccabees</a:t>
             </a:r>
             <a:r>
-              <a:rPr kumimoji="0" lang="en-GB" sz="2800" b="0" i="0" u="none" strike="noStrike" kern="1200" cap="none" spc="0" normalizeH="0" baseline="0" noProof="0" dirty="0" smtClean="0">
+              <a:rPr kumimoji="0" lang="en-GB" sz="2000" b="0" i="0" u="none" strike="noStrike" kern="1200" cap="none" spc="0" normalizeH="0" baseline="0" noProof="0" dirty="0" smtClean="0">
                 <a:ln>
                   <a:noFill/>
                 </a:ln>
@@ -25657,7 +25751,7 @@
               <a:t>, </a:t>
             </a:r>
             <a:r>
-              <a:rPr kumimoji="0" lang="en-GB" sz="2800" b="0" i="0" u="none" strike="noStrike" kern="1200" cap="none" spc="0" normalizeH="0" baseline="0" noProof="0" dirty="0" err="1" smtClean="0">
+              <a:rPr kumimoji="0" lang="en-GB" sz="2000" b="0" i="0" u="none" strike="noStrike" kern="1200" cap="none" spc="0" normalizeH="0" baseline="0" noProof="0" dirty="0" err="1" smtClean="0">
                 <a:ln>
                   <a:noFill/>
                 </a:ln>
@@ -25674,7 +25768,7 @@
               <a:t>Pirke</a:t>
             </a:r>
             <a:r>
-              <a:rPr kumimoji="0" lang="en-GB" sz="2800" b="0" i="0" u="none" strike="noStrike" kern="1200" cap="none" spc="0" normalizeH="0" baseline="0" noProof="0" dirty="0" smtClean="0">
+              <a:rPr kumimoji="0" lang="en-GB" sz="2000" b="0" i="0" u="none" strike="noStrike" kern="1200" cap="none" spc="0" normalizeH="0" baseline="0" noProof="0" dirty="0" smtClean="0">
                 <a:ln>
                   <a:noFill/>
                 </a:ln>
@@ -25691,7 +25785,7 @@
               <a:t> </a:t>
             </a:r>
             <a:r>
-              <a:rPr kumimoji="0" lang="en-GB" sz="2800" b="0" i="0" u="none" strike="noStrike" kern="1200" cap="none" spc="0" normalizeH="0" baseline="0" noProof="0" dirty="0" err="1" smtClean="0">
+              <a:rPr kumimoji="0" lang="en-GB" sz="2000" b="0" i="0" u="none" strike="noStrike" kern="1200" cap="none" spc="0" normalizeH="0" baseline="0" noProof="0" dirty="0" err="1" smtClean="0">
                 <a:ln>
                   <a:noFill/>
                 </a:ln>
@@ -25708,7 +25802,7 @@
               <a:t>Aboth</a:t>
             </a:r>
             <a:r>
-              <a:rPr kumimoji="0" lang="en-GB" sz="2800" b="0" i="0" u="none" strike="noStrike" kern="1200" cap="none" spc="0" normalizeH="0" baseline="0" noProof="0" dirty="0" smtClean="0">
+              <a:rPr kumimoji="0" lang="en-GB" sz="2000" b="0" i="0" u="none" strike="noStrike" kern="1200" cap="none" spc="0" normalizeH="0" baseline="0" noProof="0" dirty="0" smtClean="0">
                 <a:ln>
                   <a:noFill/>
                 </a:ln>
@@ -25725,7 +25819,7 @@
               <a:t>, The Story of </a:t>
             </a:r>
             <a:r>
-              <a:rPr kumimoji="0" lang="en-GB" sz="2800" b="0" i="0" u="none" strike="noStrike" kern="1200" cap="none" spc="0" normalizeH="0" baseline="0" noProof="0" dirty="0" err="1" smtClean="0">
+              <a:rPr kumimoji="0" lang="en-GB" sz="2000" b="0" i="0" u="none" strike="noStrike" kern="1200" cap="none" spc="0" normalizeH="0" baseline="0" noProof="0" dirty="0" err="1" smtClean="0">
                 <a:ln>
                   <a:noFill/>
                 </a:ln>
@@ -25742,7 +25836,7 @@
               <a:t>Ahikar</a:t>
             </a:r>
             <a:r>
-              <a:rPr kumimoji="0" lang="en-GB" sz="2800" b="0" i="0" u="none" strike="noStrike" kern="1200" cap="none" spc="0" normalizeH="0" baseline="0" noProof="0" dirty="0" smtClean="0">
+              <a:rPr kumimoji="0" lang="en-GB" sz="2000" b="0" i="0" u="none" strike="noStrike" kern="1200" cap="none" spc="0" normalizeH="0" baseline="0" noProof="0" dirty="0" smtClean="0">
                 <a:ln>
                   <a:noFill/>
                 </a:ln>
@@ -25759,7 +25853,7 @@
               <a:t>, Psalms of Solomon, Psalm 151, </a:t>
             </a:r>
             <a:r>
-              <a:rPr kumimoji="0" lang="en-GB" sz="2800" b="0" i="0" u="none" strike="noStrike" kern="1200" cap="none" spc="0" normalizeH="0" baseline="0" noProof="0" dirty="0" err="1" smtClean="0">
+              <a:rPr kumimoji="0" lang="en-GB" sz="2000" b="0" i="0" u="none" strike="noStrike" kern="1200" cap="none" spc="0" normalizeH="0" baseline="0" noProof="0" dirty="0" err="1" smtClean="0">
                 <a:ln>
                   <a:noFill/>
                 </a:ln>
@@ -25776,7 +25870,7 @@
               <a:t>Zadokite</a:t>
             </a:r>
             <a:r>
-              <a:rPr kumimoji="0" lang="en-GB" sz="2800" b="0" i="0" u="none" strike="noStrike" kern="1200" cap="none" spc="0" normalizeH="0" baseline="0" noProof="0" dirty="0" smtClean="0">
+              <a:rPr kumimoji="0" lang="en-GB" sz="2000" b="0" i="0" u="none" strike="noStrike" kern="1200" cap="none" spc="0" normalizeH="0" baseline="0" noProof="0" dirty="0" smtClean="0">
                 <a:ln>
                   <a:noFill/>
                 </a:ln>
@@ -25792,7 +25886,7 @@
               </a:rPr>
               <a:t> Fragment )</a:t>
             </a:r>
-            <a:endParaRPr kumimoji="0" lang="en-GB" sz="2800" b="0" i="0" u="none" strike="noStrike" kern="1200" cap="none" spc="0" normalizeH="0" baseline="0" noProof="0" dirty="0" smtClean="0">
+            <a:endParaRPr kumimoji="0" lang="en-GB" sz="2000" b="0" i="0" u="none" strike="noStrike" kern="1200" cap="none" spc="0" normalizeH="0" baseline="0" noProof="0" dirty="0" smtClean="0">
               <a:ln>
                 <a:noFill/>
               </a:ln>
@@ -26620,7 +26714,41 @@
                 <a:ea typeface="+mn-ea"/>
                 <a:cs typeface="+mn-cs"/>
               </a:rPr>
-              <a:t>It is worth noting that one of Luther's opponents, Cardinal </a:t>
+              <a:t>It is worth not</a:t>
+            </a:r>
+            <a:r>
+              <a:rPr kumimoji="0" lang="en-US" altLang="en-GB" sz="3200" b="0" i="0" u="none" strike="noStrike" kern="1200" cap="none" spc="0" normalizeH="0" baseline="0" noProof="0" dirty="0" smtClean="0">
+                <a:ln>
+                  <a:noFill/>
+                </a:ln>
+                <a:solidFill>
+                  <a:schemeClr val="tx1"/>
+                </a:solidFill>
+                <a:effectLst/>
+                <a:uLnTx/>
+                <a:uFillTx/>
+                <a:latin typeface="+mn-lt"/>
+                <a:ea typeface="+mn-ea"/>
+                <a:cs typeface="+mn-cs"/>
+              </a:rPr>
+              <a:t>h</a:t>
+            </a:r>
+            <a:r>
+              <a:rPr kumimoji="0" lang="en-GB" sz="3200" b="0" i="0" u="none" strike="noStrike" kern="1200" cap="none" spc="0" normalizeH="0" baseline="0" noProof="0" dirty="0" smtClean="0">
+                <a:ln>
+                  <a:noFill/>
+                </a:ln>
+                <a:solidFill>
+                  <a:schemeClr val="tx1"/>
+                </a:solidFill>
+                <a:effectLst/>
+                <a:uLnTx/>
+                <a:uFillTx/>
+                <a:latin typeface="+mn-lt"/>
+                <a:ea typeface="+mn-ea"/>
+                <a:cs typeface="+mn-cs"/>
+              </a:rPr>
+              <a:t>ing that one of Luther's opponents, Cardinal </a:t>
             </a:r>
             <a:r>
               <a:rPr kumimoji="0" lang="en-GB" sz="3200" b="0" i="0" u="none" strike="noStrike" kern="1200" cap="none" spc="0" normalizeH="0" baseline="0" noProof="0" dirty="0" err="1" smtClean="0">
@@ -30492,9 +30620,7 @@
           </a:xfrm>
         </p:spPr>
         <p:txBody>
-          <a:bodyPr vert="horz" wrap="square" lIns="91440" tIns="45720" rIns="91440" bIns="45720" numCol="1" rtlCol="0" anchor="ctr" anchorCtr="0" compatLnSpc="1">
-            <a:normAutofit fontScale="90000"/>
-          </a:bodyPr>
+          <a:bodyPr vert="horz" wrap="square" lIns="91440" tIns="45720" rIns="91440" bIns="45720" numCol="1" rtlCol="0" anchor="ctr" anchorCtr="0" compatLnSpc="1"/>
           <a:lstStyle/>
           <a:p>
             <a:pPr marL="0" marR="0" lvl="0" indent="0" algn="ctr" defTabSz="914400" rtl="0" eaLnBrk="1" fontAlgn="auto" latinLnBrk="0" hangingPunct="1">
@@ -30513,7 +30639,16 @@
               <a:buNone/>
               <a:defRPr/>
             </a:pPr>
-            <a:endParaRPr kumimoji="0" lang="en-GB" sz="4400" b="0" i="0" u="none" strike="noStrike" kern="1200" cap="none" spc="0" normalizeH="0" baseline="0" noProof="0" dirty="0">
+            <a:r>
+              <a:rPr lang="en-GB" altLang="en-US" sz="3200" b="1" dirty="0">
+                <a:solidFill>
+                  <a:schemeClr val="tx1"/>
+                </a:solidFill>
+                <a:sym typeface="+mn-ea"/>
+              </a:rPr>
+              <a:t>Thought for thought translation</a:t>
+            </a:r>
+            <a:endParaRPr kumimoji="0" lang="en-GB" altLang="en-US" sz="3200" b="1" i="0" u="none" strike="noStrike" kern="1200" cap="none" spc="0" normalizeH="0" baseline="0" noProof="0" dirty="0">
               <a:ln>
                 <a:noFill/>
               </a:ln>
@@ -30526,6 +30661,7 @@
               <a:latin typeface="+mj-lt"/>
               <a:ea typeface="+mj-ea"/>
               <a:cs typeface="+mj-cs"/>
+              <a:sym typeface="+mn-ea"/>
             </a:endParaRPr>
           </a:p>
         </p:txBody>
@@ -30857,7 +30993,7 @@
         </p:blipFill>
         <p:spPr>
           <a:xfrm>
-            <a:off x="457200" y="2276475"/>
+            <a:off x="457200" y="2493010"/>
             <a:ext cx="8229600" cy="2439988"/>
           </a:xfrm>
         </p:spPr>
@@ -30931,7 +31067,75 @@
                 <a:ea typeface="+mj-ea"/>
                 <a:cs typeface="+mj-cs"/>
               </a:rPr>
-              <a:t>The Purpose of the Bible</a:t>
+              <a:t>The Purpose </a:t>
+            </a:r>
+            <a:r>
+              <a:rPr kumimoji="0" lang="en-US" sz="6000" b="1" i="0" u="none" strike="noStrike" kern="1200" cap="small" spc="0" normalizeH="0" baseline="0" noProof="0" dirty="0" smtClean="0">
+                <a:ln>
+                  <a:noFill/>
+                </a:ln>
+                <a:solidFill>
+                  <a:schemeClr val="tx1"/>
+                </a:solidFill>
+                <a:effectLst/>
+                <a:uLnTx/>
+                <a:uFillTx/>
+                <a:latin typeface="+mj-lt"/>
+                <a:ea typeface="+mj-ea"/>
+                <a:cs typeface="+mj-cs"/>
+              </a:rPr>
+              <a:t>o</a:t>
+            </a:r>
+            <a:r>
+              <a:rPr kumimoji="0" lang="en-US" b="1" i="0" u="none" strike="noStrike" kern="1200" cap="small" spc="0" normalizeH="0" baseline="0" noProof="0" dirty="0" smtClean="0">
+                <a:ln>
+                  <a:noFill/>
+                </a:ln>
+                <a:solidFill>
+                  <a:schemeClr val="tx1"/>
+                </a:solidFill>
+                <a:effectLst/>
+                <a:uLnTx/>
+                <a:uFillTx/>
+                <a:latin typeface="+mj-lt"/>
+                <a:ea typeface="+mj-ea"/>
+                <a:cs typeface="+mj-cs"/>
+              </a:rPr>
+              <a:t>f </a:t>
+            </a:r>
+            <a:r>
+              <a:rPr kumimoji="0" lang="en-US" sz="5400" b="1" i="0" u="none" strike="noStrike" kern="1200" cap="small" spc="0" normalizeH="0" baseline="0" noProof="0" dirty="0" smtClean="0">
+                <a:ln>
+                  <a:noFill/>
+                </a:ln>
+                <a:solidFill>
+                  <a:schemeClr val="tx1"/>
+                </a:solidFill>
+                <a:effectLst/>
+                <a:uLnTx/>
+                <a:uFillTx/>
+                <a:latin typeface="+mj-lt"/>
+                <a:ea typeface="+mj-ea"/>
+                <a:cs typeface="+mj-cs"/>
+              </a:rPr>
+              <a:t>t</a:t>
+            </a:r>
+            <a:r>
+              <a:rPr kumimoji="0" lang="en-US" b="1" i="0" u="none" strike="noStrike" kern="1200" cap="small" spc="0" normalizeH="0" baseline="0" noProof="0" dirty="0" smtClean="0">
+                <a:ln>
+                  <a:noFill/>
+                </a:ln>
+                <a:solidFill>
+                  <a:schemeClr val="tx1"/>
+                </a:solidFill>
+                <a:effectLst/>
+                <a:uLnTx/>
+                <a:uFillTx/>
+                <a:latin typeface="+mj-lt"/>
+                <a:ea typeface="+mj-ea"/>
+                <a:cs typeface="+mj-cs"/>
+              </a:rPr>
+              <a:t>he Bible</a:t>
             </a:r>
             <a:endParaRPr kumimoji="0" lang="en-US" b="1" i="0" u="none" strike="noStrike" kern="1200" cap="small" spc="0" normalizeH="0" baseline="0" noProof="0" dirty="0" smtClean="0">
               <a:ln>
@@ -31025,18 +31229,23 @@
             <p:ph type="title"/>
           </p:nvPr>
         </p:nvSpPr>
-        <p:spPr/>
+        <p:spPr>
+          <a:xfrm>
+            <a:off x="457200" y="274955"/>
+            <a:ext cx="8229600" cy="1325880"/>
+          </a:xfrm>
+        </p:spPr>
         <p:txBody>
           <a:bodyPr vert="horz" wrap="square" lIns="91440" tIns="45720" rIns="91440" bIns="45720" anchor="ctr" anchorCtr="0"/>
           <a:p>
             <a:r>
-              <a:rPr lang="en-GB" altLang="en-US" b="1" dirty="0"/>
+              <a:rPr lang="en-GB" altLang="en-US" sz="3600" b="1" dirty="0"/>
               <a:t>MEDITATION AND BIBLE STUDY</a:t>
             </a:r>
             <a:br>
-              <a:rPr lang="en-GB" altLang="en-US" dirty="0"/>
+              <a:rPr lang="en-GB" altLang="en-US" sz="3600" dirty="0"/>
             </a:br>
-            <a:endParaRPr lang="en-GB" altLang="en-US" dirty="0"/>
+            <a:endParaRPr lang="en-GB" altLang="en-US" sz="3600" dirty="0"/>
           </a:p>
         </p:txBody>
       </p:sp>
@@ -31066,7 +31275,9 @@
             <a:endParaRPr lang="en-US" altLang="en-GB" sz="2400" dirty="0"/>
           </a:p>
           <a:p>
-            <a:pPr algn="just"/>
+            <a:pPr marL="0" indent="0" algn="just">
+              <a:buNone/>
+            </a:pPr>
             <a:endParaRPr lang="en-GB" altLang="en-US" sz="2400" dirty="0"/>
           </a:p>
           <a:p>

--- a/auca/sem-1/intro-to-Bible-study/1 intro to Bible study Notes.pptx
+++ b/auca/sem-1/intro-to-Bible-study/1 intro to Bible study Notes.pptx
@@ -32216,7 +32216,7 @@
               <a:defRPr/>
             </a:pPr>
             <a:r>
-              <a:rPr kumimoji="0" lang="en-GB" sz="2000" b="0" i="0" u="none" strike="noStrike" kern="1200" cap="none" spc="0" normalizeH="0" baseline="0" noProof="0" dirty="0" smtClean="0">
+              <a:rPr kumimoji="0" lang="en-GB" sz="1800" b="0" i="0" u="none" strike="noStrike" kern="1200" cap="none" spc="0" normalizeH="0" baseline="0" noProof="0" dirty="0" smtClean="0">
                 <a:ln>
                   <a:noFill/>
                 </a:ln>
@@ -32232,7 +32232,7 @@
               </a:rPr>
               <a:t>No living language is static. Languages in use are always changing. A number of words have grown obsolete; others have changed their meanings.</a:t>
             </a:r>
-            <a:endParaRPr kumimoji="0" lang="en-GB" sz="2000" b="0" i="0" u="none" strike="noStrike" kern="1200" cap="none" spc="0" normalizeH="0" baseline="0" noProof="0" dirty="0" smtClean="0">
+            <a:endParaRPr kumimoji="0" lang="en-GB" sz="1800" b="0" i="0" u="none" strike="noStrike" kern="1200" cap="none" spc="0" normalizeH="0" baseline="0" noProof="0" dirty="0" smtClean="0">
               <a:ln>
                 <a:noFill/>
               </a:ln>
@@ -32264,7 +32264,7 @@
               <a:buChar char="•"/>
               <a:defRPr/>
             </a:pPr>
-            <a:endParaRPr kumimoji="0" lang="en-GB" sz="2000" b="0" i="0" u="none" strike="noStrike" kern="1200" cap="none" spc="0" normalizeH="0" baseline="0" noProof="0" dirty="0" smtClean="0">
+            <a:endParaRPr kumimoji="0" lang="en-GB" sz="1800" b="0" i="0" u="none" strike="noStrike" kern="1200" cap="none" spc="0" normalizeH="0" baseline="0" noProof="0" dirty="0" smtClean="0">
               <a:ln>
                 <a:noFill/>
               </a:ln>
@@ -32297,7 +32297,7 @@
               <a:defRPr/>
             </a:pPr>
             <a:r>
-              <a:rPr kumimoji="0" lang="en-GB" sz="2000" b="0" i="0" u="none" strike="noStrike" kern="1200" cap="none" spc="0" normalizeH="0" baseline="0" noProof="0" dirty="0" smtClean="0">
+              <a:rPr kumimoji="0" lang="en-GB" sz="1800" b="0" i="0" u="none" strike="noStrike" kern="1200" cap="none" spc="0" normalizeH="0" baseline="0" noProof="0" dirty="0" smtClean="0">
                 <a:ln>
                   <a:noFill/>
                 </a:ln>
@@ -32313,7 +32313,7 @@
               </a:rPr>
               <a:t>Since 1611 a wealth of new manuscripts has come to light. Many of these more recently discovered manuscripts have proved to be among the most valuable of all that we possess.</a:t>
             </a:r>
-            <a:endParaRPr kumimoji="0" lang="en-GB" sz="2000" b="0" i="0" u="none" strike="noStrike" kern="1200" cap="none" spc="0" normalizeH="0" baseline="0" noProof="0" dirty="0" smtClean="0">
+            <a:endParaRPr kumimoji="0" lang="en-GB" sz="1800" b="0" i="0" u="none" strike="noStrike" kern="1200" cap="none" spc="0" normalizeH="0" baseline="0" noProof="0" dirty="0" smtClean="0">
               <a:ln>
                 <a:noFill/>
               </a:ln>
@@ -32345,7 +32345,7 @@
               <a:buChar char="•"/>
               <a:defRPr/>
             </a:pPr>
-            <a:endParaRPr kumimoji="0" lang="en-GB" sz="2000" b="0" i="0" u="none" strike="noStrike" kern="1200" cap="none" spc="0" normalizeH="0" baseline="0" noProof="0" dirty="0" smtClean="0">
+            <a:endParaRPr kumimoji="0" lang="en-GB" sz="1800" b="0" i="0" u="none" strike="noStrike" kern="1200" cap="none" spc="0" normalizeH="0" baseline="0" noProof="0" dirty="0" smtClean="0">
               <a:ln>
                 <a:noFill/>
               </a:ln>
@@ -32378,23 +32378,23 @@
               <a:defRPr/>
             </a:pPr>
             <a:r>
-              <a:rPr kumimoji="0" lang="en-GB" sz="2000" b="0" i="0" u="none" strike="noStrike" kern="1200" cap="none" spc="0" normalizeH="0" baseline="0" noProof="0" dirty="0" smtClean="0">
-                <a:ln>
-                  <a:noFill/>
-                </a:ln>
-                <a:solidFill>
-                  <a:schemeClr val="tx1"/>
-                </a:solidFill>
-                <a:effectLst/>
-                <a:uLnTx/>
-                <a:uFillTx/>
-                <a:latin typeface="+mn-lt"/>
-                <a:ea typeface="+mn-ea"/>
-                <a:cs typeface="+mn-cs"/>
-              </a:rPr>
-              <a:t>A third justification for the translation of the newer versions is the significant advance in many areas of biblical scholarship. This is important because the translation process draws on practically every aspect of biblical study. Translation is not merely a matter of language. The translator must rely upon the archaeologist, the historian, the exegete, and the theologian in order to come to a thorough understanding of the text he is translating.</a:t>
-            </a:r>
-            <a:endParaRPr kumimoji="0" lang="en-GB" sz="2000" b="0" i="0" u="none" strike="noStrike" kern="1200" cap="none" spc="0" normalizeH="0" baseline="0" noProof="0" dirty="0" smtClean="0">
+              <a:rPr kumimoji="0" lang="en-GB" sz="1800" b="0" i="0" u="none" strike="noStrike" kern="1200" cap="none" spc="0" normalizeH="0" baseline="0" noProof="0" dirty="0" smtClean="0">
+                <a:ln>
+                  <a:noFill/>
+                </a:ln>
+                <a:solidFill>
+                  <a:schemeClr val="tx1"/>
+                </a:solidFill>
+                <a:effectLst/>
+                <a:uLnTx/>
+                <a:uFillTx/>
+                <a:latin typeface="+mn-lt"/>
+                <a:ea typeface="+mn-ea"/>
+                <a:cs typeface="+mn-cs"/>
+              </a:rPr>
+              <a:t>A third justification for the translation of the newer versions is the significant advance in many areas of biblical scholarship. </a:t>
+            </a:r>
+            <a:endParaRPr kumimoji="0" lang="en-GB" sz="1800" b="0" i="0" u="none" strike="noStrike" kern="1200" cap="none" spc="0" normalizeH="0" baseline="0" noProof="0" dirty="0" smtClean="0">
               <a:ln>
                 <a:noFill/>
               </a:ln>
@@ -32410,7 +32410,7 @@
             </a:endParaRPr>
           </a:p>
           <a:p>
-            <a:pPr marL="342900" marR="0" lvl="0" indent="-342900" algn="l" defTabSz="914400" rtl="0" eaLnBrk="1" fontAlgn="auto" latinLnBrk="0" hangingPunct="1">
+            <a:pPr marL="342900" marR="0" lvl="0" indent="-342900" algn="just" defTabSz="914400" rtl="0" eaLnBrk="1" fontAlgn="auto" latinLnBrk="0" hangingPunct="1">
               <a:lnSpc>
                 <a:spcPct val="100000"/>
               </a:lnSpc>
@@ -32426,7 +32426,169 @@
               <a:buChar char="•"/>
               <a:defRPr/>
             </a:pPr>
-            <a:endParaRPr kumimoji="0" lang="en-GB" sz="2000" b="0" i="0" u="none" strike="noStrike" kern="1200" cap="none" spc="0" normalizeH="0" baseline="0" noProof="0" dirty="0" smtClean="0">
+            <a:endParaRPr kumimoji="0" lang="en-GB" sz="1800" b="0" i="0" u="none" strike="noStrike" kern="1200" cap="none" spc="0" normalizeH="0" baseline="0" noProof="0" dirty="0" smtClean="0">
+              <a:ln>
+                <a:noFill/>
+              </a:ln>
+              <a:solidFill>
+                <a:schemeClr val="tx1"/>
+              </a:solidFill>
+              <a:effectLst/>
+              <a:uLnTx/>
+              <a:uFillTx/>
+              <a:latin typeface="+mn-lt"/>
+              <a:ea typeface="+mn-ea"/>
+              <a:cs typeface="+mn-cs"/>
+            </a:endParaRPr>
+          </a:p>
+          <a:p>
+            <a:pPr marL="342900" marR="0" lvl="0" indent="-342900" algn="just" defTabSz="914400" rtl="0" eaLnBrk="1" fontAlgn="auto" latinLnBrk="0" hangingPunct="1">
+              <a:lnSpc>
+                <a:spcPct val="100000"/>
+              </a:lnSpc>
+              <a:spcBef>
+                <a:spcPct val="20000"/>
+              </a:spcBef>
+              <a:spcAft>
+                <a:spcPts val="0"/>
+              </a:spcAft>
+              <a:buClrTx/>
+              <a:buSzTx/>
+              <a:buFont typeface="Arial" panose="02080604020202020204" pitchFamily="34" charset="0"/>
+              <a:buChar char="•"/>
+              <a:defRPr/>
+            </a:pPr>
+            <a:r>
+              <a:rPr kumimoji="0" lang="en-GB" sz="1800" b="0" i="0" u="none" strike="noStrike" kern="1200" cap="none" spc="0" normalizeH="0" baseline="0" noProof="0" dirty="0" smtClean="0">
+                <a:ln>
+                  <a:noFill/>
+                </a:ln>
+                <a:solidFill>
+                  <a:schemeClr val="tx1"/>
+                </a:solidFill>
+                <a:effectLst/>
+                <a:uLnTx/>
+                <a:uFillTx/>
+                <a:latin typeface="+mn-lt"/>
+                <a:ea typeface="+mn-ea"/>
+                <a:cs typeface="+mn-cs"/>
+              </a:rPr>
+              <a:t>This is important because the translation process draws on practically every aspect of biblical study. Translation is not merely a matter of language. </a:t>
+            </a:r>
+            <a:endParaRPr kumimoji="0" lang="en-GB" sz="1800" b="0" i="0" u="none" strike="noStrike" kern="1200" cap="none" spc="0" normalizeH="0" baseline="0" noProof="0" dirty="0" smtClean="0">
+              <a:ln>
+                <a:noFill/>
+              </a:ln>
+              <a:solidFill>
+                <a:schemeClr val="tx1"/>
+              </a:solidFill>
+              <a:effectLst/>
+              <a:uLnTx/>
+              <a:uFillTx/>
+              <a:latin typeface="+mn-lt"/>
+              <a:ea typeface="+mn-ea"/>
+              <a:cs typeface="+mn-cs"/>
+            </a:endParaRPr>
+          </a:p>
+          <a:p>
+            <a:pPr marL="342900" marR="0" lvl="0" indent="-342900" algn="just" defTabSz="914400" rtl="0" eaLnBrk="1" fontAlgn="auto" latinLnBrk="0" hangingPunct="1">
+              <a:lnSpc>
+                <a:spcPct val="100000"/>
+              </a:lnSpc>
+              <a:spcBef>
+                <a:spcPct val="20000"/>
+              </a:spcBef>
+              <a:spcAft>
+                <a:spcPts val="0"/>
+              </a:spcAft>
+              <a:buClrTx/>
+              <a:buSzTx/>
+              <a:buFont typeface="Arial" panose="02080604020202020204" pitchFamily="34" charset="0"/>
+              <a:buChar char="•"/>
+              <a:defRPr/>
+            </a:pPr>
+            <a:endParaRPr kumimoji="0" lang="en-GB" sz="1800" b="0" i="0" u="none" strike="noStrike" kern="1200" cap="none" spc="0" normalizeH="0" baseline="0" noProof="0" dirty="0" smtClean="0">
+              <a:ln>
+                <a:noFill/>
+              </a:ln>
+              <a:solidFill>
+                <a:schemeClr val="tx1"/>
+              </a:solidFill>
+              <a:effectLst/>
+              <a:uLnTx/>
+              <a:uFillTx/>
+              <a:latin typeface="+mn-lt"/>
+              <a:ea typeface="+mn-ea"/>
+              <a:cs typeface="+mn-cs"/>
+            </a:endParaRPr>
+          </a:p>
+          <a:p>
+            <a:pPr marL="342900" marR="0" lvl="0" indent="-342900" algn="just" defTabSz="914400" rtl="0" eaLnBrk="1" fontAlgn="auto" latinLnBrk="0" hangingPunct="1">
+              <a:lnSpc>
+                <a:spcPct val="100000"/>
+              </a:lnSpc>
+              <a:spcBef>
+                <a:spcPct val="20000"/>
+              </a:spcBef>
+              <a:spcAft>
+                <a:spcPts val="0"/>
+              </a:spcAft>
+              <a:buClrTx/>
+              <a:buSzTx/>
+              <a:buFont typeface="Arial" panose="02080604020202020204" pitchFamily="34" charset="0"/>
+              <a:buChar char="•"/>
+              <a:defRPr/>
+            </a:pPr>
+            <a:r>
+              <a:rPr kumimoji="0" lang="en-GB" sz="1800" b="0" i="0" u="none" strike="noStrike" kern="1200" cap="none" spc="0" normalizeH="0" baseline="0" noProof="0" dirty="0" smtClean="0">
+                <a:ln>
+                  <a:noFill/>
+                </a:ln>
+                <a:solidFill>
+                  <a:schemeClr val="tx1"/>
+                </a:solidFill>
+                <a:effectLst/>
+                <a:uLnTx/>
+                <a:uFillTx/>
+                <a:latin typeface="+mn-lt"/>
+                <a:ea typeface="+mn-ea"/>
+                <a:cs typeface="+mn-cs"/>
+              </a:rPr>
+              <a:t>The translator must rely upon the archaeologist, the historian, the exegete, and the theologian in order to come to a thorough understanding of the text he is translating.</a:t>
+            </a:r>
+            <a:endParaRPr kumimoji="0" lang="en-GB" sz="1800" b="0" i="0" u="none" strike="noStrike" kern="1200" cap="none" spc="0" normalizeH="0" baseline="0" noProof="0" dirty="0" smtClean="0">
+              <a:ln>
+                <a:noFill/>
+              </a:ln>
+              <a:solidFill>
+                <a:schemeClr val="tx1"/>
+              </a:solidFill>
+              <a:effectLst/>
+              <a:uLnTx/>
+              <a:uFillTx/>
+              <a:latin typeface="+mn-lt"/>
+              <a:ea typeface="+mn-ea"/>
+              <a:cs typeface="+mn-cs"/>
+            </a:endParaRPr>
+          </a:p>
+          <a:p>
+            <a:pPr marL="342900" marR="0" lvl="0" indent="-342900" algn="l" defTabSz="914400" rtl="0" eaLnBrk="1" fontAlgn="auto" latinLnBrk="0" hangingPunct="1">
+              <a:lnSpc>
+                <a:spcPct val="100000"/>
+              </a:lnSpc>
+              <a:spcBef>
+                <a:spcPct val="20000"/>
+              </a:spcBef>
+              <a:spcAft>
+                <a:spcPts val="0"/>
+              </a:spcAft>
+              <a:buClrTx/>
+              <a:buSzTx/>
+              <a:buFont typeface="Arial" panose="02080604020202020204" pitchFamily="34" charset="0"/>
+              <a:buChar char="•"/>
+              <a:defRPr/>
+            </a:pPr>
+            <a:endParaRPr kumimoji="0" lang="en-GB" sz="1800" b="0" i="0" u="none" strike="noStrike" kern="1200" cap="none" spc="0" normalizeH="0" baseline="0" noProof="0" dirty="0" smtClean="0">
               <a:ln>
                 <a:noFill/>
               </a:ln>

--- a/auca/sem-1/intro-to-Bible-study/1 intro to Bible study Notes.pptx
+++ b/auca/sem-1/intro-to-Bible-study/1 intro to Bible study Notes.pptx
@@ -5,7 +5,7 @@
     <p:sldMasterId id="2147483648" r:id="rId1"/>
   </p:sldMasterIdLst>
   <p:handoutMasterIdLst>
-    <p:handoutMasterId r:id="rId105"/>
+    <p:handoutMasterId r:id="rId104"/>
   </p:handoutMasterIdLst>
   <p:sldIdLst>
     <p:sldId id="492" r:id="rId3"/>
@@ -82,34 +82,33 @@
     <p:sldId id="315" r:id="rId74"/>
     <p:sldId id="316" r:id="rId75"/>
     <p:sldId id="327" r:id="rId76"/>
-    <p:sldId id="328" r:id="rId77"/>
-    <p:sldId id="329" r:id="rId78"/>
-    <p:sldId id="330" r:id="rId79"/>
-    <p:sldId id="331" r:id="rId80"/>
-    <p:sldId id="332" r:id="rId81"/>
-    <p:sldId id="380" r:id="rId82"/>
-    <p:sldId id="333" r:id="rId83"/>
-    <p:sldId id="346" r:id="rId84"/>
-    <p:sldId id="334" r:id="rId85"/>
-    <p:sldId id="336" r:id="rId86"/>
-    <p:sldId id="338" r:id="rId87"/>
-    <p:sldId id="340" r:id="rId88"/>
-    <p:sldId id="343" r:id="rId89"/>
-    <p:sldId id="344" r:id="rId90"/>
-    <p:sldId id="347" r:id="rId91"/>
-    <p:sldId id="348" r:id="rId92"/>
-    <p:sldId id="349" r:id="rId93"/>
-    <p:sldId id="350" r:id="rId94"/>
-    <p:sldId id="351" r:id="rId95"/>
-    <p:sldId id="352" r:id="rId96"/>
-    <p:sldId id="353" r:id="rId97"/>
-    <p:sldId id="354" r:id="rId98"/>
-    <p:sldId id="355" r:id="rId99"/>
-    <p:sldId id="356" r:id="rId100"/>
-    <p:sldId id="357" r:id="rId101"/>
-    <p:sldId id="359" r:id="rId102"/>
-    <p:sldId id="391" r:id="rId103"/>
-    <p:sldId id="364" r:id="rId104"/>
+    <p:sldId id="329" r:id="rId77"/>
+    <p:sldId id="330" r:id="rId78"/>
+    <p:sldId id="331" r:id="rId79"/>
+    <p:sldId id="332" r:id="rId80"/>
+    <p:sldId id="380" r:id="rId81"/>
+    <p:sldId id="333" r:id="rId82"/>
+    <p:sldId id="346" r:id="rId83"/>
+    <p:sldId id="334" r:id="rId84"/>
+    <p:sldId id="336" r:id="rId85"/>
+    <p:sldId id="338" r:id="rId86"/>
+    <p:sldId id="340" r:id="rId87"/>
+    <p:sldId id="343" r:id="rId88"/>
+    <p:sldId id="344" r:id="rId89"/>
+    <p:sldId id="347" r:id="rId90"/>
+    <p:sldId id="348" r:id="rId91"/>
+    <p:sldId id="349" r:id="rId92"/>
+    <p:sldId id="350" r:id="rId93"/>
+    <p:sldId id="351" r:id="rId94"/>
+    <p:sldId id="352" r:id="rId95"/>
+    <p:sldId id="353" r:id="rId96"/>
+    <p:sldId id="354" r:id="rId97"/>
+    <p:sldId id="355" r:id="rId98"/>
+    <p:sldId id="356" r:id="rId99"/>
+    <p:sldId id="357" r:id="rId100"/>
+    <p:sldId id="359" r:id="rId101"/>
+    <p:sldId id="391" r:id="rId102"/>
+    <p:sldId id="364" r:id="rId103"/>
   </p:sldIdLst>
   <p:sldSz cx="9144000" cy="6858000" type="screen4x3"/>
   <p:notesSz cx="6815455" cy="9942830"/>
@@ -5480,7 +5479,7 @@
       <p:grpSpPr/>
       <p:sp>
         <p:nvSpPr>
-          <p:cNvPr id="121858" name="Title 1"/>
+          <p:cNvPr id="2" name="Title 1"/>
           <p:cNvSpPr>
             <a:spLocks noGrp="1"/>
           </p:cNvSpPr>
@@ -5490,19 +5489,59 @@
         </p:nvSpPr>
         <p:spPr/>
         <p:txBody>
-          <a:bodyPr vert="horz" wrap="square" lIns="91440" tIns="45720" rIns="91440" bIns="45720" anchor="ctr" anchorCtr="0"/>
-          <a:p>
-            <a:r>
-              <a:rPr lang="en-US" altLang="en-US" sz="5400" b="1" dirty="0"/>
-              <a:t>BIBLE REFERENCES</a:t>
-            </a:r>
-            <a:endParaRPr lang="en-US" altLang="en-US" sz="5400" b="1" dirty="0"/>
+          <a:bodyPr/>
+          <a:p>
+            <a:r>
+              <a:rPr lang="en-US" sz="6000" b="1" noProof="0" dirty="0" smtClean="0">
+                <a:ln>
+                  <a:noFill/>
+                </a:ln>
+                <a:effectLst/>
+                <a:uLnTx/>
+                <a:uFillTx/>
+                <a:latin typeface="+mn-lt"/>
+                <a:ea typeface="+mn-ea"/>
+                <a:cs typeface="+mn-cs"/>
+                <a:sym typeface="+mn-ea"/>
+              </a:rPr>
+              <a:t>ASSIGNMENT</a:t>
+            </a:r>
+            <a:br>
+              <a:rPr kumimoji="0" lang="en-US" sz="6000" b="1" i="0" u="none" strike="noStrike" kern="1200" cap="none" spc="0" normalizeH="0" baseline="0" noProof="0" dirty="0" smtClean="0">
+                <a:ln>
+                  <a:noFill/>
+                </a:ln>
+                <a:solidFill>
+                  <a:schemeClr val="tx1"/>
+                </a:solidFill>
+                <a:effectLst/>
+                <a:uLnTx/>
+                <a:uFillTx/>
+                <a:latin typeface="+mn-lt"/>
+                <a:ea typeface="+mn-ea"/>
+                <a:cs typeface="+mn-cs"/>
+              </a:rPr>
+            </a:br>
+            <a:endParaRPr kumimoji="0" lang="en-US" sz="6000" b="1" i="0" u="none" strike="noStrike" kern="1200" cap="none" spc="0" normalizeH="0" baseline="0" noProof="0" dirty="0" smtClean="0">
+              <a:ln>
+                <a:noFill/>
+              </a:ln>
+              <a:solidFill>
+                <a:schemeClr val="tx1"/>
+              </a:solidFill>
+              <a:effectLst/>
+              <a:uLnTx/>
+              <a:uFillTx/>
+              <a:latin typeface="+mn-lt"/>
+              <a:ea typeface="+mn-ea"/>
+              <a:cs typeface="+mn-cs"/>
+            </a:endParaRPr>
           </a:p>
         </p:txBody>
       </p:sp>
       <p:sp>
         <p:nvSpPr>
-          <p:cNvPr id="121859" name="Content Placeholder 2"/>
+          <p:cNvPr id="3" name="Content Placeholder 2"/>
           <p:cNvSpPr>
             <a:spLocks noGrp="1"/>
           </p:cNvSpPr>
@@ -5512,56 +5551,348 @@
         </p:nvSpPr>
         <p:spPr/>
         <p:txBody>
-          <a:bodyPr vert="horz" wrap="square" lIns="91440" tIns="45720" rIns="91440" bIns="45720" anchor="t" anchorCtr="0"/>
-          <a:p>
-            <a:r>
-              <a:rPr lang="en-US" altLang="en-US" sz="2000" dirty="0"/>
-              <a:t>Verse 5 of chapter 2 in the book of Exodus: Exodus 2:5</a:t>
-            </a:r>
-            <a:endParaRPr lang="en-US" altLang="en-US" sz="2000" dirty="0"/>
-          </a:p>
-          <a:p>
-            <a:endParaRPr lang="en-US" altLang="en-US" sz="2000" dirty="0"/>
-          </a:p>
-          <a:p>
-            <a:r>
-              <a:rPr lang="en-US" altLang="en-US" sz="2000" dirty="0"/>
-              <a:t>First part of verse 8 of chapter 12 in the book of Genesis: Genesis 12: 8a</a:t>
-            </a:r>
-            <a:endParaRPr lang="en-US" altLang="en-US" sz="2000" dirty="0"/>
-          </a:p>
-          <a:p>
-            <a:endParaRPr lang="en-US" altLang="en-US" sz="2000" dirty="0"/>
-          </a:p>
-          <a:p>
-            <a:r>
-              <a:rPr lang="en-US" altLang="en-US" sz="2000" dirty="0"/>
-              <a:t>Second part of verse 8 of chapter 12 in the book of Exodus: Exodus 12:8b</a:t>
-            </a:r>
-            <a:endParaRPr lang="en-US" altLang="en-US" sz="2000" dirty="0"/>
-          </a:p>
-          <a:p>
-            <a:endParaRPr lang="en-US" altLang="en-US" sz="2000" dirty="0"/>
-          </a:p>
-          <a:p>
-            <a:r>
-              <a:rPr lang="en-US" altLang="en-US" sz="2000" dirty="0"/>
-              <a:t>Verse 9 through 12 of chapter 33 in the book of Psalms: Psalms 33:9-12</a:t>
-            </a:r>
-            <a:endParaRPr lang="en-US" altLang="en-US" sz="2000" dirty="0"/>
-          </a:p>
-          <a:p>
-            <a:endParaRPr lang="en-US" altLang="en-US" sz="2000" dirty="0"/>
-          </a:p>
-          <a:p>
-            <a:r>
-              <a:rPr lang="en-US" altLang="en-US" sz="2000" dirty="0"/>
-              <a:t>Verse 6 and 9 of chapter 7 in the book of Numbers: Numbers 7:6,9</a:t>
-            </a:r>
-            <a:endParaRPr lang="en-US" altLang="en-US" sz="2000" dirty="0"/>
-          </a:p>
-          <a:p>
-            <a:endParaRPr lang="en-US" altLang="en-US" sz="2000" dirty="0"/>
+          <a:bodyPr vert="horz" wrap="square" lIns="91440" tIns="45720" rIns="91440" bIns="45720" numCol="1" anchor="t" anchorCtr="0" compatLnSpc="1"/>
+          <a:lstStyle/>
+          <a:p>
+            <a:pPr marL="514350" marR="0" lvl="0" indent="-514350" algn="l" defTabSz="914400" rtl="0" eaLnBrk="0" fontAlgn="base" latinLnBrk="0" hangingPunct="0">
+              <a:lnSpc>
+                <a:spcPct val="100000"/>
+              </a:lnSpc>
+              <a:spcBef>
+                <a:spcPct val="20000"/>
+              </a:spcBef>
+              <a:spcAft>
+                <a:spcPct val="0"/>
+              </a:spcAft>
+              <a:buClrTx/>
+              <a:buSzTx/>
+              <a:buFont typeface="Arial" panose="02080604020202020204" pitchFamily="34" charset="0"/>
+              <a:buAutoNum type="arabicPeriod"/>
+              <a:defRPr/>
+            </a:pPr>
+            <a:r>
+              <a:rPr kumimoji="0" lang="en-US" sz="2400" b="0" i="0" u="none" strike="noStrike" kern="1200" cap="none" spc="0" normalizeH="0" baseline="0" noProof="0" dirty="0" smtClean="0">
+                <a:ln>
+                  <a:noFill/>
+                </a:ln>
+                <a:solidFill>
+                  <a:schemeClr val="tx1"/>
+                </a:solidFill>
+                <a:effectLst/>
+                <a:uLnTx/>
+                <a:uFillTx/>
+                <a:latin typeface="+mn-lt"/>
+                <a:ea typeface="+mn-ea"/>
+                <a:cs typeface="+mn-cs"/>
+              </a:rPr>
+              <a:t>Find 5 different versions of the Bible and list them.</a:t>
+            </a:r>
+            <a:endParaRPr kumimoji="0" lang="en-US" sz="2400" b="0" i="0" u="none" strike="noStrike" kern="1200" cap="none" spc="0" normalizeH="0" baseline="0" noProof="0" dirty="0" smtClean="0">
+              <a:ln>
+                <a:noFill/>
+              </a:ln>
+              <a:solidFill>
+                <a:schemeClr val="tx1"/>
+              </a:solidFill>
+              <a:effectLst/>
+              <a:uLnTx/>
+              <a:uFillTx/>
+              <a:latin typeface="+mn-lt"/>
+              <a:ea typeface="+mn-ea"/>
+              <a:cs typeface="+mn-cs"/>
+            </a:endParaRPr>
+          </a:p>
+          <a:p>
+            <a:pPr marL="514350" marR="0" lvl="0" indent="-514350" algn="l" defTabSz="914400" rtl="0" eaLnBrk="0" fontAlgn="base" latinLnBrk="0" hangingPunct="0">
+              <a:lnSpc>
+                <a:spcPct val="100000"/>
+              </a:lnSpc>
+              <a:spcBef>
+                <a:spcPct val="20000"/>
+              </a:spcBef>
+              <a:spcAft>
+                <a:spcPct val="0"/>
+              </a:spcAft>
+              <a:buClrTx/>
+              <a:buSzTx/>
+              <a:buFont typeface="Arial" panose="02080604020202020204" pitchFamily="34" charset="0"/>
+              <a:buAutoNum type="arabicPeriod"/>
+              <a:defRPr/>
+            </a:pPr>
+            <a:endParaRPr kumimoji="0" lang="en-US" sz="2400" b="0" i="0" u="none" strike="noStrike" kern="1200" cap="none" spc="0" normalizeH="0" baseline="0" noProof="0" dirty="0" smtClean="0">
+              <a:ln>
+                <a:noFill/>
+              </a:ln>
+              <a:solidFill>
+                <a:schemeClr val="tx1"/>
+              </a:solidFill>
+              <a:effectLst/>
+              <a:uLnTx/>
+              <a:uFillTx/>
+              <a:latin typeface="+mn-lt"/>
+              <a:ea typeface="+mn-ea"/>
+              <a:cs typeface="+mn-cs"/>
+            </a:endParaRPr>
+          </a:p>
+          <a:p>
+            <a:pPr marL="514350" marR="0" lvl="0" indent="-514350" algn="l" defTabSz="914400" rtl="0" eaLnBrk="0" fontAlgn="base" latinLnBrk="0" hangingPunct="0">
+              <a:lnSpc>
+                <a:spcPct val="100000"/>
+              </a:lnSpc>
+              <a:spcBef>
+                <a:spcPct val="20000"/>
+              </a:spcBef>
+              <a:spcAft>
+                <a:spcPct val="0"/>
+              </a:spcAft>
+              <a:buClrTx/>
+              <a:buSzTx/>
+              <a:buFont typeface="Arial" panose="02080604020202020204" pitchFamily="34" charset="0"/>
+              <a:buAutoNum type="arabicPeriod"/>
+              <a:defRPr/>
+            </a:pPr>
+            <a:r>
+              <a:rPr kumimoji="0" lang="en-US" sz="2400" b="0" i="0" u="none" strike="noStrike" kern="1200" cap="none" spc="0" normalizeH="0" baseline="0" noProof="0" dirty="0" smtClean="0">
+                <a:ln>
+                  <a:noFill/>
+                </a:ln>
+                <a:solidFill>
+                  <a:schemeClr val="tx1"/>
+                </a:solidFill>
+                <a:effectLst/>
+                <a:uLnTx/>
+                <a:uFillTx/>
+                <a:latin typeface="+mn-lt"/>
+                <a:ea typeface="+mn-ea"/>
+                <a:cs typeface="+mn-cs"/>
+              </a:rPr>
+              <a:t>Read Mathew 28:1 </a:t>
+            </a:r>
+            <a:r>
+              <a:rPr kumimoji="0" lang="en-US" sz="2400" b="0" i="0" u="none" strike="noStrike" kern="1200" cap="none" spc="0" normalizeH="0" baseline="0" noProof="0" smtClean="0">
+                <a:ln>
+                  <a:noFill/>
+                </a:ln>
+                <a:solidFill>
+                  <a:schemeClr val="tx1"/>
+                </a:solidFill>
+                <a:effectLst/>
+                <a:uLnTx/>
+                <a:uFillTx/>
+                <a:latin typeface="+mn-lt"/>
+                <a:ea typeface="+mn-ea"/>
+                <a:cs typeface="+mn-cs"/>
+              </a:rPr>
+              <a:t>in each version.</a:t>
+            </a:r>
+            <a:endParaRPr kumimoji="0" lang="en-US" sz="2400" b="0" i="0" u="none" strike="noStrike" kern="1200" cap="none" spc="0" normalizeH="0" baseline="0" noProof="0" smtClean="0">
+              <a:ln>
+                <a:noFill/>
+              </a:ln>
+              <a:solidFill>
+                <a:schemeClr val="tx1"/>
+              </a:solidFill>
+              <a:effectLst/>
+              <a:uLnTx/>
+              <a:uFillTx/>
+              <a:latin typeface="+mn-lt"/>
+              <a:ea typeface="+mn-ea"/>
+              <a:cs typeface="+mn-cs"/>
+            </a:endParaRPr>
+          </a:p>
+          <a:p>
+            <a:pPr marL="0" marR="0" lvl="0" indent="0" algn="l" defTabSz="914400" rtl="0" eaLnBrk="0" fontAlgn="base" latinLnBrk="0" hangingPunct="0">
+              <a:lnSpc>
+                <a:spcPct val="100000"/>
+              </a:lnSpc>
+              <a:spcBef>
+                <a:spcPct val="20000"/>
+              </a:spcBef>
+              <a:spcAft>
+                <a:spcPct val="0"/>
+              </a:spcAft>
+              <a:buClrTx/>
+              <a:buSzTx/>
+              <a:buFont typeface="Arial" panose="02080604020202020204" pitchFamily="34" charset="0"/>
+              <a:buNone/>
+              <a:defRPr/>
+            </a:pPr>
+            <a:endParaRPr kumimoji="0" lang="en-US" sz="2400" b="0" i="0" u="none" strike="noStrike" kern="1200" cap="none" spc="0" normalizeH="0" baseline="0" noProof="0" dirty="0" smtClean="0">
+              <a:ln>
+                <a:noFill/>
+              </a:ln>
+              <a:solidFill>
+                <a:schemeClr val="tx1"/>
+              </a:solidFill>
+              <a:effectLst/>
+              <a:uLnTx/>
+              <a:uFillTx/>
+              <a:latin typeface="+mn-lt"/>
+              <a:ea typeface="+mn-ea"/>
+              <a:cs typeface="+mn-cs"/>
+            </a:endParaRPr>
+          </a:p>
+          <a:p>
+            <a:pPr marL="514350" marR="0" lvl="0" indent="-514350" algn="l" defTabSz="914400" rtl="0" eaLnBrk="0" fontAlgn="base" latinLnBrk="0" hangingPunct="0">
+              <a:lnSpc>
+                <a:spcPct val="100000"/>
+              </a:lnSpc>
+              <a:spcBef>
+                <a:spcPct val="20000"/>
+              </a:spcBef>
+              <a:spcAft>
+                <a:spcPct val="0"/>
+              </a:spcAft>
+              <a:buClrTx/>
+              <a:buSzTx/>
+              <a:buFont typeface="Arial" panose="02080604020202020204" pitchFamily="34" charset="0"/>
+              <a:buAutoNum type="arabicPeriod"/>
+              <a:defRPr/>
+            </a:pPr>
+            <a:r>
+              <a:rPr kumimoji="0" lang="en-US" sz="2400" b="0" i="0" u="none" strike="noStrike" kern="1200" cap="none" spc="0" normalizeH="0" baseline="0" noProof="0" dirty="0" smtClean="0">
+                <a:ln>
+                  <a:noFill/>
+                </a:ln>
+                <a:solidFill>
+                  <a:schemeClr val="tx1"/>
+                </a:solidFill>
+                <a:effectLst/>
+                <a:uLnTx/>
+                <a:uFillTx/>
+                <a:latin typeface="+mn-lt"/>
+                <a:ea typeface="+mn-ea"/>
+                <a:cs typeface="+mn-cs"/>
+              </a:rPr>
+              <a:t>Is the content the same in those versions?</a:t>
+            </a:r>
+            <a:endParaRPr kumimoji="0" lang="en-US" sz="2400" b="0" i="0" u="none" strike="noStrike" kern="1200" cap="none" spc="0" normalizeH="0" baseline="0" noProof="0" dirty="0" smtClean="0">
+              <a:ln>
+                <a:noFill/>
+              </a:ln>
+              <a:solidFill>
+                <a:schemeClr val="tx1"/>
+              </a:solidFill>
+              <a:effectLst/>
+              <a:uLnTx/>
+              <a:uFillTx/>
+              <a:latin typeface="+mn-lt"/>
+              <a:ea typeface="+mn-ea"/>
+              <a:cs typeface="+mn-cs"/>
+            </a:endParaRPr>
+          </a:p>
+          <a:p>
+            <a:pPr marL="514350" marR="0" lvl="0" indent="-514350" algn="l" defTabSz="914400" rtl="0" eaLnBrk="0" fontAlgn="base" latinLnBrk="0" hangingPunct="0">
+              <a:lnSpc>
+                <a:spcPct val="100000"/>
+              </a:lnSpc>
+              <a:spcBef>
+                <a:spcPct val="20000"/>
+              </a:spcBef>
+              <a:spcAft>
+                <a:spcPct val="0"/>
+              </a:spcAft>
+              <a:buClrTx/>
+              <a:buSzTx/>
+              <a:buFont typeface="Arial" panose="02080604020202020204" pitchFamily="34" charset="0"/>
+              <a:buAutoNum type="arabicPeriod"/>
+              <a:defRPr/>
+            </a:pPr>
+            <a:endParaRPr kumimoji="0" lang="en-US" sz="2400" b="0" i="0" u="none" strike="noStrike" kern="1200" cap="none" spc="0" normalizeH="0" baseline="0" noProof="0" dirty="0" smtClean="0">
+              <a:ln>
+                <a:noFill/>
+              </a:ln>
+              <a:solidFill>
+                <a:schemeClr val="tx1"/>
+              </a:solidFill>
+              <a:effectLst/>
+              <a:uLnTx/>
+              <a:uFillTx/>
+              <a:latin typeface="+mn-lt"/>
+              <a:ea typeface="+mn-ea"/>
+              <a:cs typeface="+mn-cs"/>
+            </a:endParaRPr>
+          </a:p>
+          <a:p>
+            <a:pPr marL="514350" marR="0" lvl="0" indent="-514350" algn="l" defTabSz="914400" rtl="0" eaLnBrk="0" fontAlgn="base" latinLnBrk="0" hangingPunct="0">
+              <a:lnSpc>
+                <a:spcPct val="100000"/>
+              </a:lnSpc>
+              <a:spcBef>
+                <a:spcPct val="20000"/>
+              </a:spcBef>
+              <a:spcAft>
+                <a:spcPct val="0"/>
+              </a:spcAft>
+              <a:buClrTx/>
+              <a:buSzTx/>
+              <a:buFont typeface="Arial" panose="02080604020202020204" pitchFamily="34" charset="0"/>
+              <a:buAutoNum type="arabicPeriod"/>
+              <a:defRPr/>
+            </a:pPr>
+            <a:r>
+              <a:rPr kumimoji="0" lang="en-US" sz="2400" b="0" i="0" u="none" strike="noStrike" kern="1200" cap="none" spc="0" normalizeH="0" baseline="0" noProof="0" dirty="0" smtClean="0">
+                <a:ln>
+                  <a:noFill/>
+                </a:ln>
+                <a:solidFill>
+                  <a:schemeClr val="tx1"/>
+                </a:solidFill>
+                <a:effectLst/>
+                <a:uLnTx/>
+                <a:uFillTx/>
+                <a:latin typeface="+mn-lt"/>
+                <a:ea typeface="+mn-ea"/>
+                <a:cs typeface="+mn-cs"/>
+              </a:rPr>
+              <a:t>Which is the first day of the week according to the text?</a:t>
+            </a:r>
+            <a:endParaRPr kumimoji="0" lang="en-US" sz="2400" b="0" i="0" u="none" strike="noStrike" kern="1200" cap="none" spc="0" normalizeH="0" baseline="0" noProof="0" dirty="0" smtClean="0">
+              <a:ln>
+                <a:noFill/>
+              </a:ln>
+              <a:solidFill>
+                <a:schemeClr val="tx1"/>
+              </a:solidFill>
+              <a:effectLst/>
+              <a:uLnTx/>
+              <a:uFillTx/>
+              <a:latin typeface="+mn-lt"/>
+              <a:ea typeface="+mn-ea"/>
+              <a:cs typeface="+mn-cs"/>
+            </a:endParaRPr>
+          </a:p>
+          <a:p>
+            <a:pPr marL="514350" marR="0" lvl="0" indent="-514350" algn="l" defTabSz="914400" rtl="0" eaLnBrk="0" fontAlgn="base" latinLnBrk="0" hangingPunct="0">
+              <a:lnSpc>
+                <a:spcPct val="100000"/>
+              </a:lnSpc>
+              <a:spcBef>
+                <a:spcPct val="20000"/>
+              </a:spcBef>
+              <a:spcAft>
+                <a:spcPct val="0"/>
+              </a:spcAft>
+              <a:buClrTx/>
+              <a:buSzTx/>
+              <a:buFont typeface="Arial" panose="02080604020202020204" pitchFamily="34" charset="0"/>
+              <a:buAutoNum type="arabicPeriod"/>
+              <a:defRPr/>
+            </a:pPr>
+            <a:endParaRPr kumimoji="0" lang="en-US" sz="2400" b="0" i="0" u="none" strike="noStrike" kern="1200" cap="none" spc="0" normalizeH="0" baseline="0" noProof="0" dirty="0" smtClean="0">
+              <a:ln>
+                <a:noFill/>
+              </a:ln>
+              <a:solidFill>
+                <a:schemeClr val="tx1"/>
+              </a:solidFill>
+              <a:effectLst/>
+              <a:uLnTx/>
+              <a:uFillTx/>
+              <a:latin typeface="+mn-lt"/>
+              <a:ea typeface="+mn-ea"/>
+              <a:cs typeface="+mn-cs"/>
+            </a:endParaRPr>
           </a:p>
         </p:txBody>
       </p:sp>
@@ -5586,455 +5917,6 @@
 </file>
 
 <file path=ppt/slides/slide101.xml><?xml version="1.0" encoding="utf-8"?>
-<p:sld xmlns:a="http://schemas.openxmlformats.org/drawingml/2006/main" xmlns:r="http://schemas.openxmlformats.org/officeDocument/2006/relationships" xmlns:p="http://schemas.openxmlformats.org/presentationml/2006/main">
-  <p:cSld>
-    <p:spTree>
-      <p:nvGrpSpPr>
-        <p:cNvPr id="1" name=""/>
-        <p:cNvGrpSpPr/>
-        <p:nvPr/>
-      </p:nvGrpSpPr>
-      <p:grpSpPr/>
-      <p:sp>
-        <p:nvSpPr>
-          <p:cNvPr id="2" name="Title 1"/>
-          <p:cNvSpPr>
-            <a:spLocks noGrp="1"/>
-          </p:cNvSpPr>
-          <p:nvPr>
-            <p:ph type="title"/>
-          </p:nvPr>
-        </p:nvSpPr>
-        <p:spPr/>
-        <p:txBody>
-          <a:bodyPr/>
-          <a:p>
-            <a:r>
-              <a:rPr lang="en-US" sz="6000" b="1" noProof="0" dirty="0" smtClean="0">
-                <a:ln>
-                  <a:noFill/>
-                </a:ln>
-                <a:effectLst/>
-                <a:uLnTx/>
-                <a:uFillTx/>
-                <a:latin typeface="+mn-lt"/>
-                <a:ea typeface="+mn-ea"/>
-                <a:cs typeface="+mn-cs"/>
-                <a:sym typeface="+mn-ea"/>
-              </a:rPr>
-              <a:t>ASSIGNMENT</a:t>
-            </a:r>
-            <a:br>
-              <a:rPr kumimoji="0" lang="en-US" sz="6000" b="1" i="0" u="none" strike="noStrike" kern="1200" cap="none" spc="0" normalizeH="0" baseline="0" noProof="0" dirty="0" smtClean="0">
-                <a:ln>
-                  <a:noFill/>
-                </a:ln>
-                <a:solidFill>
-                  <a:schemeClr val="tx1"/>
-                </a:solidFill>
-                <a:effectLst/>
-                <a:uLnTx/>
-                <a:uFillTx/>
-                <a:latin typeface="+mn-lt"/>
-                <a:ea typeface="+mn-ea"/>
-                <a:cs typeface="+mn-cs"/>
-              </a:rPr>
-            </a:br>
-            <a:endParaRPr kumimoji="0" lang="en-US" sz="6000" b="1" i="0" u="none" strike="noStrike" kern="1200" cap="none" spc="0" normalizeH="0" baseline="0" noProof="0" dirty="0" smtClean="0">
-              <a:ln>
-                <a:noFill/>
-              </a:ln>
-              <a:solidFill>
-                <a:schemeClr val="tx1"/>
-              </a:solidFill>
-              <a:effectLst/>
-              <a:uLnTx/>
-              <a:uFillTx/>
-              <a:latin typeface="+mn-lt"/>
-              <a:ea typeface="+mn-ea"/>
-              <a:cs typeface="+mn-cs"/>
-            </a:endParaRPr>
-          </a:p>
-        </p:txBody>
-      </p:sp>
-      <p:sp>
-        <p:nvSpPr>
-          <p:cNvPr id="3" name="Content Placeholder 2"/>
-          <p:cNvSpPr>
-            <a:spLocks noGrp="1"/>
-          </p:cNvSpPr>
-          <p:nvPr>
-            <p:ph idx="1"/>
-          </p:nvPr>
-        </p:nvSpPr>
-        <p:spPr/>
-        <p:txBody>
-          <a:bodyPr vert="horz" wrap="square" lIns="91440" tIns="45720" rIns="91440" bIns="45720" numCol="1" anchor="t" anchorCtr="0" compatLnSpc="1"/>
-          <a:lstStyle/>
-          <a:p>
-            <a:pPr marL="514350" marR="0" lvl="0" indent="-514350" algn="l" defTabSz="914400" rtl="0" eaLnBrk="0" fontAlgn="base" latinLnBrk="0" hangingPunct="0">
-              <a:lnSpc>
-                <a:spcPct val="100000"/>
-              </a:lnSpc>
-              <a:spcBef>
-                <a:spcPct val="20000"/>
-              </a:spcBef>
-              <a:spcAft>
-                <a:spcPct val="0"/>
-              </a:spcAft>
-              <a:buClrTx/>
-              <a:buSzTx/>
-              <a:buFont typeface="Arial" panose="02080604020202020204" pitchFamily="34" charset="0"/>
-              <a:buAutoNum type="arabicPeriod"/>
-              <a:defRPr/>
-            </a:pPr>
-            <a:r>
-              <a:rPr kumimoji="0" lang="en-US" sz="2400" b="0" i="0" u="none" strike="noStrike" kern="1200" cap="none" spc="0" normalizeH="0" baseline="0" noProof="0" dirty="0" smtClean="0">
-                <a:ln>
-                  <a:noFill/>
-                </a:ln>
-                <a:solidFill>
-                  <a:schemeClr val="tx1"/>
-                </a:solidFill>
-                <a:effectLst/>
-                <a:uLnTx/>
-                <a:uFillTx/>
-                <a:latin typeface="+mn-lt"/>
-                <a:ea typeface="+mn-ea"/>
-                <a:cs typeface="+mn-cs"/>
-              </a:rPr>
-              <a:t>Find 5 different versions of the Bible and list them.</a:t>
-            </a:r>
-            <a:endParaRPr kumimoji="0" lang="en-US" sz="2400" b="0" i="0" u="none" strike="noStrike" kern="1200" cap="none" spc="0" normalizeH="0" baseline="0" noProof="0" dirty="0" smtClean="0">
-              <a:ln>
-                <a:noFill/>
-              </a:ln>
-              <a:solidFill>
-                <a:schemeClr val="tx1"/>
-              </a:solidFill>
-              <a:effectLst/>
-              <a:uLnTx/>
-              <a:uFillTx/>
-              <a:latin typeface="+mn-lt"/>
-              <a:ea typeface="+mn-ea"/>
-              <a:cs typeface="+mn-cs"/>
-            </a:endParaRPr>
-          </a:p>
-          <a:p>
-            <a:pPr marL="514350" marR="0" lvl="0" indent="-514350" algn="l" defTabSz="914400" rtl="0" eaLnBrk="0" fontAlgn="base" latinLnBrk="0" hangingPunct="0">
-              <a:lnSpc>
-                <a:spcPct val="100000"/>
-              </a:lnSpc>
-              <a:spcBef>
-                <a:spcPct val="20000"/>
-              </a:spcBef>
-              <a:spcAft>
-                <a:spcPct val="0"/>
-              </a:spcAft>
-              <a:buClrTx/>
-              <a:buSzTx/>
-              <a:buFont typeface="Arial" panose="02080604020202020204" pitchFamily="34" charset="0"/>
-              <a:buAutoNum type="arabicPeriod"/>
-              <a:defRPr/>
-            </a:pPr>
-            <a:endParaRPr kumimoji="0" lang="en-US" sz="2400" b="0" i="0" u="none" strike="noStrike" kern="1200" cap="none" spc="0" normalizeH="0" baseline="0" noProof="0" dirty="0" smtClean="0">
-              <a:ln>
-                <a:noFill/>
-              </a:ln>
-              <a:solidFill>
-                <a:schemeClr val="tx1"/>
-              </a:solidFill>
-              <a:effectLst/>
-              <a:uLnTx/>
-              <a:uFillTx/>
-              <a:latin typeface="+mn-lt"/>
-              <a:ea typeface="+mn-ea"/>
-              <a:cs typeface="+mn-cs"/>
-            </a:endParaRPr>
-          </a:p>
-          <a:p>
-            <a:pPr marL="514350" marR="0" lvl="0" indent="-514350" algn="l" defTabSz="914400" rtl="0" eaLnBrk="0" fontAlgn="base" latinLnBrk="0" hangingPunct="0">
-              <a:lnSpc>
-                <a:spcPct val="100000"/>
-              </a:lnSpc>
-              <a:spcBef>
-                <a:spcPct val="20000"/>
-              </a:spcBef>
-              <a:spcAft>
-                <a:spcPct val="0"/>
-              </a:spcAft>
-              <a:buClrTx/>
-              <a:buSzTx/>
-              <a:buFont typeface="Arial" panose="02080604020202020204" pitchFamily="34" charset="0"/>
-              <a:buAutoNum type="arabicPeriod"/>
-              <a:defRPr/>
-            </a:pPr>
-            <a:r>
-              <a:rPr kumimoji="0" lang="en-US" sz="2400" b="0" i="0" u="none" strike="noStrike" kern="1200" cap="none" spc="0" normalizeH="0" baseline="0" noProof="0" dirty="0" smtClean="0">
-                <a:ln>
-                  <a:noFill/>
-                </a:ln>
-                <a:solidFill>
-                  <a:schemeClr val="tx1"/>
-                </a:solidFill>
-                <a:effectLst/>
-                <a:uLnTx/>
-                <a:uFillTx/>
-                <a:latin typeface="+mn-lt"/>
-                <a:ea typeface="+mn-ea"/>
-                <a:cs typeface="+mn-cs"/>
-              </a:rPr>
-              <a:t>Read Mathew 28:1 </a:t>
-            </a:r>
-            <a:r>
-              <a:rPr kumimoji="0" lang="en-US" sz="2400" b="0" i="0" u="none" strike="noStrike" kern="1200" cap="none" spc="0" normalizeH="0" baseline="0" noProof="0" smtClean="0">
-                <a:ln>
-                  <a:noFill/>
-                </a:ln>
-                <a:solidFill>
-                  <a:schemeClr val="tx1"/>
-                </a:solidFill>
-                <a:effectLst/>
-                <a:uLnTx/>
-                <a:uFillTx/>
-                <a:latin typeface="+mn-lt"/>
-                <a:ea typeface="+mn-ea"/>
-                <a:cs typeface="+mn-cs"/>
-              </a:rPr>
-              <a:t>in each version.</a:t>
-            </a:r>
-            <a:endParaRPr kumimoji="0" lang="en-US" sz="2400" b="0" i="0" u="none" strike="noStrike" kern="1200" cap="none" spc="0" normalizeH="0" baseline="0" noProof="0" smtClean="0">
-              <a:ln>
-                <a:noFill/>
-              </a:ln>
-              <a:solidFill>
-                <a:schemeClr val="tx1"/>
-              </a:solidFill>
-              <a:effectLst/>
-              <a:uLnTx/>
-              <a:uFillTx/>
-              <a:latin typeface="+mn-lt"/>
-              <a:ea typeface="+mn-ea"/>
-              <a:cs typeface="+mn-cs"/>
-            </a:endParaRPr>
-          </a:p>
-          <a:p>
-            <a:pPr marL="0" marR="0" lvl="0" indent="0" algn="l" defTabSz="914400" rtl="0" eaLnBrk="0" fontAlgn="base" latinLnBrk="0" hangingPunct="0">
-              <a:lnSpc>
-                <a:spcPct val="100000"/>
-              </a:lnSpc>
-              <a:spcBef>
-                <a:spcPct val="20000"/>
-              </a:spcBef>
-              <a:spcAft>
-                <a:spcPct val="0"/>
-              </a:spcAft>
-              <a:buClrTx/>
-              <a:buSzTx/>
-              <a:buFont typeface="Arial" panose="02080604020202020204" pitchFamily="34" charset="0"/>
-              <a:buNone/>
-              <a:defRPr/>
-            </a:pPr>
-            <a:endParaRPr kumimoji="0" lang="en-US" sz="2400" b="0" i="0" u="none" strike="noStrike" kern="1200" cap="none" spc="0" normalizeH="0" baseline="0" noProof="0" dirty="0" smtClean="0">
-              <a:ln>
-                <a:noFill/>
-              </a:ln>
-              <a:solidFill>
-                <a:schemeClr val="tx1"/>
-              </a:solidFill>
-              <a:effectLst/>
-              <a:uLnTx/>
-              <a:uFillTx/>
-              <a:latin typeface="+mn-lt"/>
-              <a:ea typeface="+mn-ea"/>
-              <a:cs typeface="+mn-cs"/>
-            </a:endParaRPr>
-          </a:p>
-          <a:p>
-            <a:pPr marL="514350" marR="0" lvl="0" indent="-514350" algn="l" defTabSz="914400" rtl="0" eaLnBrk="0" fontAlgn="base" latinLnBrk="0" hangingPunct="0">
-              <a:lnSpc>
-                <a:spcPct val="100000"/>
-              </a:lnSpc>
-              <a:spcBef>
-                <a:spcPct val="20000"/>
-              </a:spcBef>
-              <a:spcAft>
-                <a:spcPct val="0"/>
-              </a:spcAft>
-              <a:buClrTx/>
-              <a:buSzTx/>
-              <a:buFont typeface="Arial" panose="02080604020202020204" pitchFamily="34" charset="0"/>
-              <a:buAutoNum type="arabicPeriod"/>
-              <a:defRPr/>
-            </a:pPr>
-            <a:r>
-              <a:rPr kumimoji="0" lang="en-US" sz="2400" b="0" i="0" u="none" strike="noStrike" kern="1200" cap="none" spc="0" normalizeH="0" baseline="0" noProof="0" dirty="0" smtClean="0">
-                <a:ln>
-                  <a:noFill/>
-                </a:ln>
-                <a:solidFill>
-                  <a:schemeClr val="tx1"/>
-                </a:solidFill>
-                <a:effectLst/>
-                <a:uLnTx/>
-                <a:uFillTx/>
-                <a:latin typeface="+mn-lt"/>
-                <a:ea typeface="+mn-ea"/>
-                <a:cs typeface="+mn-cs"/>
-              </a:rPr>
-              <a:t>Is the content the same in those versions?</a:t>
-            </a:r>
-            <a:endParaRPr kumimoji="0" lang="en-US" sz="2400" b="0" i="0" u="none" strike="noStrike" kern="1200" cap="none" spc="0" normalizeH="0" baseline="0" noProof="0" dirty="0" smtClean="0">
-              <a:ln>
-                <a:noFill/>
-              </a:ln>
-              <a:solidFill>
-                <a:schemeClr val="tx1"/>
-              </a:solidFill>
-              <a:effectLst/>
-              <a:uLnTx/>
-              <a:uFillTx/>
-              <a:latin typeface="+mn-lt"/>
-              <a:ea typeface="+mn-ea"/>
-              <a:cs typeface="+mn-cs"/>
-            </a:endParaRPr>
-          </a:p>
-          <a:p>
-            <a:pPr marL="514350" marR="0" lvl="0" indent="-514350" algn="l" defTabSz="914400" rtl="0" eaLnBrk="0" fontAlgn="base" latinLnBrk="0" hangingPunct="0">
-              <a:lnSpc>
-                <a:spcPct val="100000"/>
-              </a:lnSpc>
-              <a:spcBef>
-                <a:spcPct val="20000"/>
-              </a:spcBef>
-              <a:spcAft>
-                <a:spcPct val="0"/>
-              </a:spcAft>
-              <a:buClrTx/>
-              <a:buSzTx/>
-              <a:buFont typeface="Arial" panose="02080604020202020204" pitchFamily="34" charset="0"/>
-              <a:buAutoNum type="arabicPeriod"/>
-              <a:defRPr/>
-            </a:pPr>
-            <a:endParaRPr kumimoji="0" lang="en-US" sz="2400" b="0" i="0" u="none" strike="noStrike" kern="1200" cap="none" spc="0" normalizeH="0" baseline="0" noProof="0" dirty="0" smtClean="0">
-              <a:ln>
-                <a:noFill/>
-              </a:ln>
-              <a:solidFill>
-                <a:schemeClr val="tx1"/>
-              </a:solidFill>
-              <a:effectLst/>
-              <a:uLnTx/>
-              <a:uFillTx/>
-              <a:latin typeface="+mn-lt"/>
-              <a:ea typeface="+mn-ea"/>
-              <a:cs typeface="+mn-cs"/>
-            </a:endParaRPr>
-          </a:p>
-          <a:p>
-            <a:pPr marL="514350" marR="0" lvl="0" indent="-514350" algn="l" defTabSz="914400" rtl="0" eaLnBrk="0" fontAlgn="base" latinLnBrk="0" hangingPunct="0">
-              <a:lnSpc>
-                <a:spcPct val="100000"/>
-              </a:lnSpc>
-              <a:spcBef>
-                <a:spcPct val="20000"/>
-              </a:spcBef>
-              <a:spcAft>
-                <a:spcPct val="0"/>
-              </a:spcAft>
-              <a:buClrTx/>
-              <a:buSzTx/>
-              <a:buFont typeface="Arial" panose="02080604020202020204" pitchFamily="34" charset="0"/>
-              <a:buAutoNum type="arabicPeriod"/>
-              <a:defRPr/>
-            </a:pPr>
-            <a:r>
-              <a:rPr kumimoji="0" lang="en-US" sz="2400" b="0" i="0" u="none" strike="noStrike" kern="1200" cap="none" spc="0" normalizeH="0" baseline="0" noProof="0" dirty="0" smtClean="0">
-                <a:ln>
-                  <a:noFill/>
-                </a:ln>
-                <a:solidFill>
-                  <a:schemeClr val="tx1"/>
-                </a:solidFill>
-                <a:effectLst/>
-                <a:uLnTx/>
-                <a:uFillTx/>
-                <a:latin typeface="+mn-lt"/>
-                <a:ea typeface="+mn-ea"/>
-                <a:cs typeface="+mn-cs"/>
-              </a:rPr>
-              <a:t>Which is the first day of the week according to the text?</a:t>
-            </a:r>
-            <a:endParaRPr kumimoji="0" lang="en-US" sz="2400" b="0" i="0" u="none" strike="noStrike" kern="1200" cap="none" spc="0" normalizeH="0" baseline="0" noProof="0" dirty="0" smtClean="0">
-              <a:ln>
-                <a:noFill/>
-              </a:ln>
-              <a:solidFill>
-                <a:schemeClr val="tx1"/>
-              </a:solidFill>
-              <a:effectLst/>
-              <a:uLnTx/>
-              <a:uFillTx/>
-              <a:latin typeface="+mn-lt"/>
-              <a:ea typeface="+mn-ea"/>
-              <a:cs typeface="+mn-cs"/>
-            </a:endParaRPr>
-          </a:p>
-          <a:p>
-            <a:pPr marL="514350" marR="0" lvl="0" indent="-514350" algn="l" defTabSz="914400" rtl="0" eaLnBrk="0" fontAlgn="base" latinLnBrk="0" hangingPunct="0">
-              <a:lnSpc>
-                <a:spcPct val="100000"/>
-              </a:lnSpc>
-              <a:spcBef>
-                <a:spcPct val="20000"/>
-              </a:spcBef>
-              <a:spcAft>
-                <a:spcPct val="0"/>
-              </a:spcAft>
-              <a:buClrTx/>
-              <a:buSzTx/>
-              <a:buFont typeface="Arial" panose="02080604020202020204" pitchFamily="34" charset="0"/>
-              <a:buAutoNum type="arabicPeriod"/>
-              <a:defRPr/>
-            </a:pPr>
-            <a:endParaRPr kumimoji="0" lang="en-US" sz="2400" b="0" i="0" u="none" strike="noStrike" kern="1200" cap="none" spc="0" normalizeH="0" baseline="0" noProof="0" dirty="0" smtClean="0">
-              <a:ln>
-                <a:noFill/>
-              </a:ln>
-              <a:solidFill>
-                <a:schemeClr val="tx1"/>
-              </a:solidFill>
-              <a:effectLst/>
-              <a:uLnTx/>
-              <a:uFillTx/>
-              <a:latin typeface="+mn-lt"/>
-              <a:ea typeface="+mn-ea"/>
-              <a:cs typeface="+mn-cs"/>
-            </a:endParaRPr>
-          </a:p>
-        </p:txBody>
-      </p:sp>
-    </p:spTree>
-  </p:cSld>
-  <p:clrMapOvr>
-    <a:masterClrMapping/>
-  </p:clrMapOvr>
-  <mc:AlternateContent xmlns:mc="http://schemas.openxmlformats.org/markup-compatibility/2006">
-    <mc:Choice xmlns:p14="http://schemas.microsoft.com/office/powerpoint/2010/main" Requires="p14">
-      <p:transition spd="slow" p14:dur="1000">
-        <p:push dir="u"/>
-      </p:transition>
-    </mc:Choice>
-    <mc:Fallback>
-      <p:transition spd="slow">
-        <p:push dir="u"/>
-      </p:transition>
-    </mc:Fallback>
-  </mc:AlternateContent>
-</p:sld>
-</file>
-
-<file path=ppt/slides/slide102.xml><?xml version="1.0" encoding="utf-8"?>
 <p:sld xmlns:a="http://schemas.openxmlformats.org/drawingml/2006/main" xmlns:r="http://schemas.openxmlformats.org/officeDocument/2006/relationships" xmlns:p="http://schemas.openxmlformats.org/presentationml/2006/main">
   <p:cSld>
     <p:spTree>
@@ -31740,14 +31622,63 @@
         </p:nvSpPr>
         <p:spPr>
           <a:xfrm>
-            <a:off x="457200" y="1428750"/>
-            <a:ext cx="8229600" cy="4697730"/>
+            <a:off x="457200" y="1145540"/>
+            <a:ext cx="8229600" cy="4980940"/>
           </a:xfrm>
         </p:spPr>
         <p:txBody>
           <a:bodyPr vert="horz" wrap="square" lIns="91440" tIns="45720" rIns="91440" bIns="45720" numCol="1" rtlCol="0" anchor="t" anchorCtr="0" compatLnSpc="1"/>
           <a:lstStyle/>
           <a:p>
+            <a:pPr marL="0" marR="0" lvl="0" indent="0" algn="just" defTabSz="914400" rtl="0" eaLnBrk="1" fontAlgn="auto" latinLnBrk="0" hangingPunct="1">
+              <a:lnSpc>
+                <a:spcPct val="100000"/>
+              </a:lnSpc>
+              <a:spcBef>
+                <a:spcPct val="20000"/>
+              </a:spcBef>
+              <a:spcAft>
+                <a:spcPts val="0"/>
+              </a:spcAft>
+              <a:buClrTx/>
+              <a:buSzTx/>
+              <a:buFont typeface="Arial" panose="02080604020202020204" pitchFamily="34" charset="0"/>
+              <a:buNone/>
+              <a:defRPr/>
+            </a:pPr>
+            <a:r>
+              <a:rPr kumimoji="0" lang="en-GB" sz="1600" b="0" i="0" u="none" strike="noStrike" kern="1200" cap="none" spc="0" normalizeH="0" baseline="0" noProof="0" dirty="0" smtClean="0">
+                <a:ln>
+                  <a:noFill/>
+                </a:ln>
+                <a:solidFill>
+                  <a:schemeClr val="tx1"/>
+                </a:solidFill>
+                <a:effectLst/>
+                <a:uLnTx/>
+                <a:uFillTx/>
+                <a:latin typeface="+mn-lt"/>
+                <a:ea typeface="+mn-ea"/>
+                <a:cs typeface="+mn-cs"/>
+              </a:rPr>
+              <a:t>The absolute purpose of Bible translation is to make the Bible available to the People. The original languages of the Bible are Hebrew and Greek. </a:t>
+            </a:r>
+            <a:endParaRPr kumimoji="0" lang="en-GB" sz="1600" b="0" i="0" u="none" strike="noStrike" kern="1200" cap="none" spc="0" normalizeH="0" baseline="0" noProof="0" dirty="0" smtClean="0">
+              <a:ln>
+                <a:noFill/>
+              </a:ln>
+              <a:solidFill>
+                <a:schemeClr val="tx1"/>
+              </a:solidFill>
+              <a:effectLst/>
+              <a:uLnTx/>
+              <a:uFillTx/>
+              <a:latin typeface="+mn-lt"/>
+              <a:ea typeface="+mn-ea"/>
+              <a:cs typeface="+mn-cs"/>
+            </a:endParaRPr>
+          </a:p>
+          <a:p>
             <a:pPr marL="342900" marR="0" lvl="0" indent="-342900" algn="just" defTabSz="914400" rtl="0" eaLnBrk="1" fontAlgn="auto" latinLnBrk="0" hangingPunct="1">
               <a:lnSpc>
                 <a:spcPct val="100000"/>
@@ -31764,24 +31695,7 @@
               <a:buChar char="•"/>
               <a:defRPr/>
             </a:pPr>
-            <a:r>
-              <a:rPr kumimoji="0" lang="en-GB" sz="2400" b="0" i="0" u="none" strike="noStrike" kern="1200" cap="none" spc="0" normalizeH="0" baseline="0" noProof="0" dirty="0" smtClean="0">
-                <a:ln>
-                  <a:noFill/>
-                </a:ln>
-                <a:solidFill>
-                  <a:schemeClr val="tx1"/>
-                </a:solidFill>
-                <a:effectLst/>
-                <a:uLnTx/>
-                <a:uFillTx/>
-                <a:latin typeface="+mn-lt"/>
-                <a:ea typeface="+mn-ea"/>
-                <a:cs typeface="+mn-cs"/>
-              </a:rPr>
-              <a:t>The absolute purpose of Bible translation is to make the Bible available to the People. The original languages of the Bible are Hebrew and Greek. </a:t>
-            </a:r>
-            <a:endParaRPr kumimoji="0" lang="en-GB" sz="2400" b="0" i="0" u="none" strike="noStrike" kern="1200" cap="none" spc="0" normalizeH="0" baseline="0" noProof="0" dirty="0" smtClean="0">
+            <a:endParaRPr kumimoji="0" lang="en-GB" sz="1600" b="0" i="0" u="none" strike="noStrike" kern="1200" cap="none" spc="0" normalizeH="0" baseline="0" noProof="0" dirty="0" smtClean="0">
               <a:ln>
                 <a:noFill/>
               </a:ln>
@@ -31795,6 +31709,228 @@
               <a:ea typeface="+mn-ea"/>
               <a:cs typeface="+mn-cs"/>
             </a:endParaRPr>
+          </a:p>
+          <a:p>
+            <a:pPr marL="0" marR="0" lvl="0" indent="0" algn="just" defTabSz="914400" rtl="0" eaLnBrk="1" fontAlgn="auto" latinLnBrk="0" hangingPunct="1">
+              <a:lnSpc>
+                <a:spcPct val="100000"/>
+              </a:lnSpc>
+              <a:spcBef>
+                <a:spcPct val="20000"/>
+              </a:spcBef>
+              <a:spcAft>
+                <a:spcPts val="0"/>
+              </a:spcAft>
+              <a:buClrTx/>
+              <a:buSzTx/>
+              <a:buFont typeface="Arial" panose="02080604020202020204" pitchFamily="34" charset="0"/>
+              <a:buNone/>
+              <a:defRPr/>
+            </a:pPr>
+            <a:r>
+              <a:rPr kumimoji="0" lang="en-GB" sz="1600" b="0" i="0" u="none" strike="noStrike" kern="1200" cap="none" spc="0" normalizeH="0" baseline="0" noProof="0" dirty="0" smtClean="0">
+                <a:ln>
+                  <a:noFill/>
+                </a:ln>
+                <a:solidFill>
+                  <a:schemeClr val="tx1"/>
+                </a:solidFill>
+                <a:effectLst/>
+                <a:uLnTx/>
+                <a:uFillTx/>
+                <a:latin typeface="+mn-lt"/>
+                <a:ea typeface="+mn-ea"/>
+                <a:cs typeface="+mn-cs"/>
+              </a:rPr>
+              <a:t>Given that the Bible is absolutely the book of the people, it is understandable that to have it in their own language -the language that they do understand - is a must.  </a:t>
+            </a:r>
+            <a:endParaRPr kumimoji="0" lang="en-GB" sz="1600" b="0" i="0" u="none" strike="noStrike" kern="1200" cap="none" spc="0" normalizeH="0" baseline="0" noProof="0" dirty="0" smtClean="0">
+              <a:ln>
+                <a:noFill/>
+              </a:ln>
+              <a:solidFill>
+                <a:schemeClr val="tx1"/>
+              </a:solidFill>
+              <a:effectLst/>
+              <a:uLnTx/>
+              <a:uFillTx/>
+              <a:latin typeface="+mn-lt"/>
+              <a:ea typeface="+mn-ea"/>
+              <a:cs typeface="+mn-cs"/>
+            </a:endParaRPr>
+          </a:p>
+          <a:p>
+            <a:pPr marL="0" marR="0" lvl="0" indent="0" algn="just" defTabSz="914400" rtl="0" eaLnBrk="1" fontAlgn="auto" latinLnBrk="0" hangingPunct="1">
+              <a:lnSpc>
+                <a:spcPct val="100000"/>
+              </a:lnSpc>
+              <a:spcBef>
+                <a:spcPct val="20000"/>
+              </a:spcBef>
+              <a:spcAft>
+                <a:spcPts val="0"/>
+              </a:spcAft>
+              <a:buClrTx/>
+              <a:buSzTx/>
+              <a:buFont typeface="Arial" panose="02080604020202020204" pitchFamily="34" charset="0"/>
+              <a:buNone/>
+              <a:defRPr/>
+            </a:pPr>
+            <a:endParaRPr kumimoji="0" lang="en-GB" sz="1600" b="0" i="0" u="none" strike="noStrike" kern="1200" cap="none" spc="0" normalizeH="0" baseline="0" noProof="0" dirty="0" smtClean="0">
+              <a:ln>
+                <a:noFill/>
+              </a:ln>
+              <a:solidFill>
+                <a:schemeClr val="tx1"/>
+              </a:solidFill>
+              <a:effectLst/>
+              <a:uLnTx/>
+              <a:uFillTx/>
+              <a:latin typeface="+mn-lt"/>
+              <a:ea typeface="+mn-ea"/>
+              <a:cs typeface="+mn-cs"/>
+            </a:endParaRPr>
+          </a:p>
+          <a:p>
+            <a:pPr marL="0" marR="0" lvl="0" indent="0" algn="just" defTabSz="914400" rtl="0" eaLnBrk="1" fontAlgn="auto" latinLnBrk="0" hangingPunct="1">
+              <a:lnSpc>
+                <a:spcPct val="100000"/>
+              </a:lnSpc>
+              <a:spcBef>
+                <a:spcPct val="20000"/>
+              </a:spcBef>
+              <a:spcAft>
+                <a:spcPts val="0"/>
+              </a:spcAft>
+              <a:buClrTx/>
+              <a:buSzTx/>
+              <a:buFont typeface="Arial" panose="02080604020202020204" pitchFamily="34" charset="0"/>
+              <a:buNone/>
+              <a:defRPr/>
+            </a:pPr>
+            <a:r>
+              <a:rPr kumimoji="0" lang="en-GB" sz="1600" b="0" i="0" u="none" strike="noStrike" kern="1200" cap="none" spc="0" normalizeH="0" baseline="0" noProof="0" dirty="0" smtClean="0">
+                <a:ln>
+                  <a:noFill/>
+                </a:ln>
+                <a:solidFill>
+                  <a:schemeClr val="tx1"/>
+                </a:solidFill>
+                <a:effectLst/>
+                <a:uLnTx/>
+                <a:uFillTx/>
+                <a:latin typeface="+mn-lt"/>
+                <a:ea typeface="+mn-ea"/>
+                <a:cs typeface="+mn-cs"/>
+              </a:rPr>
+              <a:t>We can understand the need for a translation of the Bible in the first times, but why do we need new translations of the Bible today?</a:t>
+            </a:r>
+            <a:endParaRPr kumimoji="0" lang="en-GB" sz="1600" b="0" i="0" u="none" strike="noStrike" kern="1200" cap="none" spc="0" normalizeH="0" baseline="0" noProof="0" dirty="0" smtClean="0">
+              <a:ln>
+                <a:noFill/>
+              </a:ln>
+              <a:solidFill>
+                <a:schemeClr val="tx1"/>
+              </a:solidFill>
+              <a:effectLst/>
+              <a:uLnTx/>
+              <a:uFillTx/>
+              <a:latin typeface="+mn-lt"/>
+              <a:ea typeface="+mn-ea"/>
+              <a:cs typeface="+mn-cs"/>
+            </a:endParaRPr>
+          </a:p>
+          <a:p>
+            <a:pPr marL="0" marR="0" lvl="0" indent="0" algn="just" defTabSz="914400" rtl="0" eaLnBrk="1" fontAlgn="auto" latinLnBrk="0" hangingPunct="1">
+              <a:lnSpc>
+                <a:spcPct val="100000"/>
+              </a:lnSpc>
+              <a:spcBef>
+                <a:spcPct val="20000"/>
+              </a:spcBef>
+              <a:spcAft>
+                <a:spcPts val="0"/>
+              </a:spcAft>
+              <a:buClrTx/>
+              <a:buSzTx/>
+              <a:buFont typeface="Arial" panose="02080604020202020204" pitchFamily="34" charset="0"/>
+              <a:buNone/>
+              <a:defRPr/>
+            </a:pPr>
+            <a:endParaRPr kumimoji="0" lang="en-GB" sz="1600" b="0" i="0" u="none" strike="noStrike" kern="1200" cap="none" spc="0" normalizeH="0" baseline="0" noProof="0" dirty="0" smtClean="0">
+              <a:ln>
+                <a:noFill/>
+              </a:ln>
+              <a:solidFill>
+                <a:schemeClr val="tx1"/>
+              </a:solidFill>
+              <a:effectLst/>
+              <a:uLnTx/>
+              <a:uFillTx/>
+              <a:latin typeface="+mn-lt"/>
+              <a:ea typeface="+mn-ea"/>
+              <a:cs typeface="+mn-cs"/>
+            </a:endParaRPr>
+          </a:p>
+          <a:p>
+            <a:pPr marL="0" indent="0" eaLnBrk="1" hangingPunct="1">
+              <a:buNone/>
+            </a:pPr>
+            <a:r>
+              <a:rPr lang="en-GB" altLang="en-US" sz="1600" dirty="0">
+                <a:sym typeface="+mn-ea"/>
+              </a:rPr>
+              <a:t>Basically the reason why new translations are needed is that things have changed. </a:t>
+            </a:r>
+            <a:endParaRPr lang="en-GB" altLang="en-US" sz="1600" dirty="0"/>
+          </a:p>
+          <a:p>
+            <a:pPr marL="0" indent="0" eaLnBrk="1" hangingPunct="1">
+              <a:buNone/>
+            </a:pPr>
+            <a:endParaRPr lang="en-GB" altLang="en-US" sz="1600" dirty="0"/>
+          </a:p>
+          <a:p>
+            <a:pPr marL="0" indent="0" eaLnBrk="1" hangingPunct="1">
+              <a:buNone/>
+            </a:pPr>
+            <a:r>
+              <a:rPr lang="en-GB" altLang="en-US" sz="1600" dirty="0">
+                <a:sym typeface="+mn-ea"/>
+              </a:rPr>
+              <a:t>That is not to say that the Bible or its message has changed. </a:t>
+            </a:r>
+            <a:endParaRPr lang="en-GB" altLang="en-US" sz="1600" dirty="0"/>
+          </a:p>
+          <a:p>
+            <a:pPr marL="0" indent="0" eaLnBrk="1" hangingPunct="1">
+              <a:buNone/>
+            </a:pPr>
+            <a:r>
+              <a:rPr lang="en-GB" altLang="en-US" sz="1600" dirty="0">
+                <a:sym typeface="+mn-ea"/>
+              </a:rPr>
+              <a:t>God's Word is the same across the centuries. </a:t>
+            </a:r>
+            <a:endParaRPr lang="en-GB" altLang="en-US" sz="1600" dirty="0"/>
+          </a:p>
+          <a:p>
+            <a:pPr marL="0" indent="0" eaLnBrk="1" hangingPunct="1">
+              <a:buNone/>
+            </a:pPr>
+            <a:endParaRPr lang="en-GB" altLang="en-US" sz="1600" dirty="0"/>
+          </a:p>
+          <a:p>
+            <a:pPr marL="0" indent="0" eaLnBrk="1" hangingPunct="1">
+              <a:buNone/>
+            </a:pPr>
+            <a:r>
+              <a:rPr lang="en-GB" altLang="en-US" sz="1600" dirty="0">
+                <a:sym typeface="+mn-ea"/>
+              </a:rPr>
+              <a:t>But there have been changes in languages, and there have been new manuscript discoveries, and there have been numerous advances in biblical scholarship</a:t>
+            </a:r>
+            <a:endParaRPr lang="en-GB" altLang="en-US" sz="1600" dirty="0"/>
           </a:p>
           <a:p>
             <a:pPr marL="342900" marR="0" lvl="0" indent="-342900" algn="just" defTabSz="914400" rtl="0" eaLnBrk="1" fontAlgn="auto" latinLnBrk="0" hangingPunct="1">
@@ -31813,137 +31949,7 @@
               <a:buChar char="•"/>
               <a:defRPr/>
             </a:pPr>
-            <a:endParaRPr kumimoji="0" lang="en-GB" sz="2400" b="0" i="0" u="none" strike="noStrike" kern="1200" cap="none" spc="0" normalizeH="0" baseline="0" noProof="0" dirty="0" smtClean="0">
-              <a:ln>
-                <a:noFill/>
-              </a:ln>
-              <a:solidFill>
-                <a:schemeClr val="tx1"/>
-              </a:solidFill>
-              <a:effectLst/>
-              <a:uLnTx/>
-              <a:uFillTx/>
-              <a:latin typeface="+mn-lt"/>
-              <a:ea typeface="+mn-ea"/>
-              <a:cs typeface="+mn-cs"/>
-            </a:endParaRPr>
-          </a:p>
-          <a:p>
-            <a:pPr marL="342900" marR="0" lvl="0" indent="-342900" algn="just" defTabSz="914400" rtl="0" eaLnBrk="1" fontAlgn="auto" latinLnBrk="0" hangingPunct="1">
-              <a:lnSpc>
-                <a:spcPct val="100000"/>
-              </a:lnSpc>
-              <a:spcBef>
-                <a:spcPct val="20000"/>
-              </a:spcBef>
-              <a:spcAft>
-                <a:spcPts val="0"/>
-              </a:spcAft>
-              <a:buClrTx/>
-              <a:buSzTx/>
-              <a:buFont typeface="Arial" panose="02080604020202020204" pitchFamily="34" charset="0"/>
-              <a:buChar char="•"/>
-              <a:defRPr/>
-            </a:pPr>
-            <a:r>
-              <a:rPr kumimoji="0" lang="en-GB" sz="2400" b="0" i="0" u="none" strike="noStrike" kern="1200" cap="none" spc="0" normalizeH="0" baseline="0" noProof="0" dirty="0" smtClean="0">
-                <a:ln>
-                  <a:noFill/>
-                </a:ln>
-                <a:solidFill>
-                  <a:schemeClr val="tx1"/>
-                </a:solidFill>
-                <a:effectLst/>
-                <a:uLnTx/>
-                <a:uFillTx/>
-                <a:latin typeface="+mn-lt"/>
-                <a:ea typeface="+mn-ea"/>
-                <a:cs typeface="+mn-cs"/>
-              </a:rPr>
-              <a:t>Given that the Bible is absolutely the book of the people, it is understandable that to have it in their own language -the language that they do understand - is a must.  </a:t>
-            </a:r>
-            <a:endParaRPr kumimoji="0" lang="en-GB" sz="2400" b="0" i="0" u="none" strike="noStrike" kern="1200" cap="none" spc="0" normalizeH="0" baseline="0" noProof="0" dirty="0" smtClean="0">
-              <a:ln>
-                <a:noFill/>
-              </a:ln>
-              <a:solidFill>
-                <a:schemeClr val="tx1"/>
-              </a:solidFill>
-              <a:effectLst/>
-              <a:uLnTx/>
-              <a:uFillTx/>
-              <a:latin typeface="+mn-lt"/>
-              <a:ea typeface="+mn-ea"/>
-              <a:cs typeface="+mn-cs"/>
-            </a:endParaRPr>
-          </a:p>
-          <a:p>
-            <a:pPr marL="0" marR="0" lvl="0" indent="0" algn="just" defTabSz="914400" rtl="0" eaLnBrk="1" fontAlgn="auto" latinLnBrk="0" hangingPunct="1">
-              <a:lnSpc>
-                <a:spcPct val="100000"/>
-              </a:lnSpc>
-              <a:spcBef>
-                <a:spcPct val="20000"/>
-              </a:spcBef>
-              <a:spcAft>
-                <a:spcPts val="0"/>
-              </a:spcAft>
-              <a:buClrTx/>
-              <a:buSzTx/>
-              <a:buFont typeface="Arial" panose="02080604020202020204" pitchFamily="34" charset="0"/>
-              <a:buNone/>
-              <a:defRPr/>
-            </a:pPr>
-            <a:endParaRPr kumimoji="0" lang="en-GB" sz="2400" b="0" i="0" u="none" strike="noStrike" kern="1200" cap="none" spc="0" normalizeH="0" baseline="0" noProof="0" dirty="0" smtClean="0">
-              <a:ln>
-                <a:noFill/>
-              </a:ln>
-              <a:solidFill>
-                <a:schemeClr val="tx1"/>
-              </a:solidFill>
-              <a:effectLst/>
-              <a:uLnTx/>
-              <a:uFillTx/>
-              <a:latin typeface="+mn-lt"/>
-              <a:ea typeface="+mn-ea"/>
-              <a:cs typeface="+mn-cs"/>
-            </a:endParaRPr>
-          </a:p>
-          <a:p>
-            <a:pPr marL="342900" marR="0" lvl="0" indent="-342900" algn="just" defTabSz="914400" rtl="0" eaLnBrk="1" fontAlgn="auto" latinLnBrk="0" hangingPunct="1">
-              <a:lnSpc>
-                <a:spcPct val="100000"/>
-              </a:lnSpc>
-              <a:spcBef>
-                <a:spcPct val="20000"/>
-              </a:spcBef>
-              <a:spcAft>
-                <a:spcPts val="0"/>
-              </a:spcAft>
-              <a:buClrTx/>
-              <a:buSzTx/>
-              <a:buFont typeface="Arial" panose="02080604020202020204" pitchFamily="34" charset="0"/>
-              <a:buChar char="•"/>
-              <a:defRPr/>
-            </a:pPr>
-            <a:r>
-              <a:rPr kumimoji="0" lang="en-GB" sz="2400" b="0" i="0" u="none" strike="noStrike" kern="1200" cap="none" spc="0" normalizeH="0" baseline="0" noProof="0" dirty="0" smtClean="0">
-                <a:ln>
-                  <a:noFill/>
-                </a:ln>
-                <a:solidFill>
-                  <a:schemeClr val="tx1"/>
-                </a:solidFill>
-                <a:effectLst/>
-                <a:uLnTx/>
-                <a:uFillTx/>
-                <a:latin typeface="+mn-lt"/>
-                <a:ea typeface="+mn-ea"/>
-                <a:cs typeface="+mn-cs"/>
-              </a:rPr>
-              <a:t>We can understand the need for a translation of the Bible in the first times, but why do we need new translations of the Bible today?</a:t>
-            </a:r>
-            <a:endParaRPr kumimoji="0" lang="en-GB" sz="2400" b="0" i="0" u="none" strike="noStrike" kern="1200" cap="none" spc="0" normalizeH="0" baseline="0" noProof="0" dirty="0" smtClean="0">
+            <a:endParaRPr kumimoji="0" lang="en-GB" altLang="en-US" sz="1600" b="0" i="0" u="none" strike="noStrike" kern="1200" cap="none" spc="0" normalizeH="0" baseline="0" noProof="0" dirty="0" smtClean="0">
               <a:ln>
                 <a:noFill/>
               </a:ln>
@@ -31992,7 +31998,7 @@
       <p:grpSpPr/>
       <p:sp>
         <p:nvSpPr>
-          <p:cNvPr id="90114" name="Title 1"/>
+          <p:cNvPr id="2" name="Title 1"/>
           <p:cNvSpPr>
             <a:spLocks noGrp="1"/>
           </p:cNvSpPr>
@@ -32000,11 +32006,34 @@
             <p:ph type="title"/>
           </p:nvPr>
         </p:nvSpPr>
-        <p:spPr/>
+        <p:spPr>
+          <a:xfrm>
+            <a:off x="457200" y="274638"/>
+            <a:ext cx="8229600" cy="274638"/>
+          </a:xfrm>
+        </p:spPr>
         <p:txBody>
-          <a:bodyPr vert="horz" wrap="square" lIns="91440" tIns="45720" rIns="91440" bIns="45720" anchor="ctr" anchorCtr="0"/>
-          <a:p>
-            <a:pPr eaLnBrk="1" hangingPunct="1"/>
+          <a:bodyPr vert="horz" wrap="square" lIns="91440" tIns="45720" rIns="91440" bIns="45720" numCol="1" rtlCol="0" anchor="ctr" anchorCtr="0" compatLnSpc="1">
+            <a:normAutofit fontScale="90000"/>
+          </a:bodyPr>
+          <a:lstStyle/>
+          <a:p>
+            <a:pPr marL="0" marR="0" lvl="0" indent="0" algn="ctr" defTabSz="914400" rtl="0" eaLnBrk="1" fontAlgn="auto" latinLnBrk="0" hangingPunct="1">
+              <a:lnSpc>
+                <a:spcPct val="100000"/>
+              </a:lnSpc>
+              <a:spcBef>
+                <a:spcPct val="0"/>
+              </a:spcBef>
+              <a:spcAft>
+                <a:spcPts val="0"/>
+              </a:spcAft>
+              <a:buClrTx/>
+              <a:buSzTx/>
+              <a:buFontTx/>
+              <a:buNone/>
+              <a:defRPr/>
+            </a:pPr>
             <a:r>
               <a:rPr lang="en-GB" altLang="en-US" b="1" dirty="0">
                 <a:sym typeface="+mn-ea"/>
@@ -32014,13 +32043,26 @@
             <a:br>
               <a:rPr lang="en-GB" altLang="en-US" b="1" dirty="0"/>
             </a:br>
-            <a:endParaRPr lang="en-GB" altLang="en-US" dirty="0"/>
+            <a:endParaRPr kumimoji="0" lang="en-GB" sz="4400" b="0" i="0" u="none" strike="noStrike" kern="1200" cap="none" spc="0" normalizeH="0" baseline="0" noProof="0" dirty="0">
+              <a:ln>
+                <a:noFill/>
+              </a:ln>
+              <a:solidFill>
+                <a:schemeClr val="tx1"/>
+              </a:solidFill>
+              <a:effectLst/>
+              <a:uLnTx/>
+              <a:uFillTx/>
+              <a:latin typeface="+mj-lt"/>
+              <a:ea typeface="+mj-ea"/>
+              <a:cs typeface="+mj-cs"/>
+            </a:endParaRPr>
           </a:p>
         </p:txBody>
       </p:sp>
       <p:sp>
         <p:nvSpPr>
-          <p:cNvPr id="90115" name="Content Placeholder 2"/>
+          <p:cNvPr id="3" name="Content Placeholder 2"/>
           <p:cNvSpPr>
             <a:spLocks noGrp="1"/>
           </p:cNvSpPr>
@@ -32028,60 +32070,419 @@
             <p:ph idx="1"/>
           </p:nvPr>
         </p:nvSpPr>
-        <p:spPr/>
+        <p:spPr>
+          <a:xfrm>
+            <a:off x="457200" y="836613"/>
+            <a:ext cx="8229600" cy="5545138"/>
+          </a:xfrm>
+        </p:spPr>
         <p:txBody>
-          <a:bodyPr vert="horz" wrap="square" lIns="91440" tIns="45720" rIns="91440" bIns="45720" anchor="t" anchorCtr="0"/>
-          <a:p>
-            <a:pPr marL="0" indent="0" eaLnBrk="1" hangingPunct="1">
-              <a:buNone/>
-            </a:pPr>
-            <a:r>
-              <a:rPr lang="en-GB" altLang="en-US" sz="2400" dirty="0"/>
-              <a:t>Basically the reason why new translations are needed is that things have changed. </a:t>
-            </a:r>
-            <a:endParaRPr lang="en-GB" altLang="en-US" sz="2400" dirty="0"/>
-          </a:p>
-          <a:p>
-            <a:pPr marL="0" indent="0" eaLnBrk="1" hangingPunct="1">
-              <a:buNone/>
-            </a:pPr>
-            <a:endParaRPr lang="en-GB" altLang="en-US" sz="2400" dirty="0"/>
-          </a:p>
-          <a:p>
-            <a:pPr marL="0" indent="0" eaLnBrk="1" hangingPunct="1">
-              <a:buNone/>
-            </a:pPr>
-            <a:r>
-              <a:rPr lang="en-GB" altLang="en-US" sz="2400" dirty="0"/>
-              <a:t>That is not to say that the Bible or its message has changed. </a:t>
-            </a:r>
-            <a:endParaRPr lang="en-GB" altLang="en-US" sz="2400" dirty="0"/>
-          </a:p>
-          <a:p>
-            <a:pPr marL="0" indent="0" eaLnBrk="1" hangingPunct="1">
-              <a:buNone/>
-            </a:pPr>
-            <a:r>
-              <a:rPr lang="en-GB" altLang="en-US" sz="2400" dirty="0"/>
-              <a:t>God's Word is the same across the centuries. </a:t>
-            </a:r>
-            <a:endParaRPr lang="en-GB" altLang="en-US" sz="2400" dirty="0"/>
-          </a:p>
-          <a:p>
-            <a:pPr marL="0" indent="0" eaLnBrk="1" hangingPunct="1">
-              <a:buNone/>
-            </a:pPr>
-            <a:endParaRPr lang="en-GB" altLang="en-US" sz="2400" dirty="0"/>
-          </a:p>
-          <a:p>
-            <a:pPr marL="0" indent="0" eaLnBrk="1" hangingPunct="1">
-              <a:buNone/>
-            </a:pPr>
-            <a:r>
-              <a:rPr lang="en-GB" altLang="en-US" sz="2400" dirty="0"/>
-              <a:t>But there have been changes in languages, and there have been new manuscript discoveries, and there have been numerous advances in biblical scholarship</a:t>
-            </a:r>
-            <a:endParaRPr lang="en-GB" altLang="en-US" sz="2400" dirty="0"/>
+          <a:bodyPr vert="horz" wrap="square" lIns="91440" tIns="45720" rIns="91440" bIns="45720" numCol="1" rtlCol="0" anchor="t" anchorCtr="0" compatLnSpc="1"/>
+          <a:lstStyle/>
+          <a:p>
+            <a:pPr marL="342900" marR="0" lvl="0" indent="-342900" algn="just" defTabSz="914400" rtl="0" eaLnBrk="1" fontAlgn="auto" latinLnBrk="0" hangingPunct="1">
+              <a:lnSpc>
+                <a:spcPct val="100000"/>
+              </a:lnSpc>
+              <a:spcBef>
+                <a:spcPct val="20000"/>
+              </a:spcBef>
+              <a:spcAft>
+                <a:spcPts val="0"/>
+              </a:spcAft>
+              <a:buClrTx/>
+              <a:buSzTx/>
+              <a:buFont typeface="Arial" panose="02080604020202020204" pitchFamily="34" charset="0"/>
+              <a:buChar char="•"/>
+              <a:defRPr/>
+            </a:pPr>
+            <a:r>
+              <a:rPr kumimoji="0" lang="en-GB" sz="1800" b="0" i="0" u="none" strike="noStrike" kern="1200" cap="none" spc="0" normalizeH="0" baseline="0" noProof="0" dirty="0" smtClean="0">
+                <a:ln>
+                  <a:noFill/>
+                </a:ln>
+                <a:solidFill>
+                  <a:schemeClr val="tx1"/>
+                </a:solidFill>
+                <a:effectLst/>
+                <a:uLnTx/>
+                <a:uFillTx/>
+                <a:latin typeface="+mn-lt"/>
+                <a:ea typeface="+mn-ea"/>
+                <a:cs typeface="+mn-cs"/>
+              </a:rPr>
+              <a:t>No living language is static. Languages in use are always changing. A number of words have grown obsolete; others have changed their meanings.</a:t>
+            </a:r>
+            <a:endParaRPr kumimoji="0" lang="en-GB" sz="1800" b="0" i="0" u="none" strike="noStrike" kern="1200" cap="none" spc="0" normalizeH="0" baseline="0" noProof="0" dirty="0" smtClean="0">
+              <a:ln>
+                <a:noFill/>
+              </a:ln>
+              <a:solidFill>
+                <a:schemeClr val="tx1"/>
+              </a:solidFill>
+              <a:effectLst/>
+              <a:uLnTx/>
+              <a:uFillTx/>
+              <a:latin typeface="+mn-lt"/>
+              <a:ea typeface="+mn-ea"/>
+              <a:cs typeface="+mn-cs"/>
+            </a:endParaRPr>
+          </a:p>
+          <a:p>
+            <a:pPr marL="342900" marR="0" lvl="0" indent="-342900" algn="just" defTabSz="914400" rtl="0" eaLnBrk="1" fontAlgn="auto" latinLnBrk="0" hangingPunct="1">
+              <a:lnSpc>
+                <a:spcPct val="100000"/>
+              </a:lnSpc>
+              <a:spcBef>
+                <a:spcPct val="20000"/>
+              </a:spcBef>
+              <a:spcAft>
+                <a:spcPts val="0"/>
+              </a:spcAft>
+              <a:buClrTx/>
+              <a:buSzTx/>
+              <a:buFont typeface="Arial" panose="02080604020202020204" pitchFamily="34" charset="0"/>
+              <a:buChar char="•"/>
+              <a:defRPr/>
+            </a:pPr>
+            <a:endParaRPr kumimoji="0" lang="en-GB" sz="1800" b="0" i="0" u="none" strike="noStrike" kern="1200" cap="none" spc="0" normalizeH="0" baseline="0" noProof="0" dirty="0" smtClean="0">
+              <a:ln>
+                <a:noFill/>
+              </a:ln>
+              <a:solidFill>
+                <a:schemeClr val="tx1"/>
+              </a:solidFill>
+              <a:effectLst/>
+              <a:uLnTx/>
+              <a:uFillTx/>
+              <a:latin typeface="+mn-lt"/>
+              <a:ea typeface="+mn-ea"/>
+              <a:cs typeface="+mn-cs"/>
+            </a:endParaRPr>
+          </a:p>
+          <a:p>
+            <a:pPr marL="342900" marR="0" lvl="0" indent="-342900" algn="just" defTabSz="914400" rtl="0" eaLnBrk="1" fontAlgn="auto" latinLnBrk="0" hangingPunct="1">
+              <a:lnSpc>
+                <a:spcPct val="100000"/>
+              </a:lnSpc>
+              <a:spcBef>
+                <a:spcPct val="20000"/>
+              </a:spcBef>
+              <a:spcAft>
+                <a:spcPts val="0"/>
+              </a:spcAft>
+              <a:buClrTx/>
+              <a:buSzTx/>
+              <a:buFont typeface="Arial" panose="02080604020202020204" pitchFamily="34" charset="0"/>
+              <a:buChar char="•"/>
+              <a:defRPr/>
+            </a:pPr>
+            <a:r>
+              <a:rPr kumimoji="0" lang="en-GB" sz="1800" b="0" i="0" u="none" strike="noStrike" kern="1200" cap="none" spc="0" normalizeH="0" baseline="0" noProof="0" dirty="0" smtClean="0">
+                <a:ln>
+                  <a:noFill/>
+                </a:ln>
+                <a:solidFill>
+                  <a:schemeClr val="tx1"/>
+                </a:solidFill>
+                <a:effectLst/>
+                <a:uLnTx/>
+                <a:uFillTx/>
+                <a:latin typeface="+mn-lt"/>
+                <a:ea typeface="+mn-ea"/>
+                <a:cs typeface="+mn-cs"/>
+              </a:rPr>
+              <a:t>Since 1611 a wealth of new manuscripts has come to light. Many of these more recently discovered manuscripts have proved to be among the most valuable of all that we possess.</a:t>
+            </a:r>
+            <a:endParaRPr kumimoji="0" lang="en-GB" sz="1800" b="0" i="0" u="none" strike="noStrike" kern="1200" cap="none" spc="0" normalizeH="0" baseline="0" noProof="0" dirty="0" smtClean="0">
+              <a:ln>
+                <a:noFill/>
+              </a:ln>
+              <a:solidFill>
+                <a:schemeClr val="tx1"/>
+              </a:solidFill>
+              <a:effectLst/>
+              <a:uLnTx/>
+              <a:uFillTx/>
+              <a:latin typeface="+mn-lt"/>
+              <a:ea typeface="+mn-ea"/>
+              <a:cs typeface="+mn-cs"/>
+            </a:endParaRPr>
+          </a:p>
+          <a:p>
+            <a:pPr marL="342900" marR="0" lvl="0" indent="-342900" algn="just" defTabSz="914400" rtl="0" eaLnBrk="1" fontAlgn="auto" latinLnBrk="0" hangingPunct="1">
+              <a:lnSpc>
+                <a:spcPct val="100000"/>
+              </a:lnSpc>
+              <a:spcBef>
+                <a:spcPct val="20000"/>
+              </a:spcBef>
+              <a:spcAft>
+                <a:spcPts val="0"/>
+              </a:spcAft>
+              <a:buClrTx/>
+              <a:buSzTx/>
+              <a:buFont typeface="Arial" panose="02080604020202020204" pitchFamily="34" charset="0"/>
+              <a:buChar char="•"/>
+              <a:defRPr/>
+            </a:pPr>
+            <a:endParaRPr kumimoji="0" lang="en-GB" sz="1800" b="0" i="0" u="none" strike="noStrike" kern="1200" cap="none" spc="0" normalizeH="0" baseline="0" noProof="0" dirty="0" smtClean="0">
+              <a:ln>
+                <a:noFill/>
+              </a:ln>
+              <a:solidFill>
+                <a:schemeClr val="tx1"/>
+              </a:solidFill>
+              <a:effectLst/>
+              <a:uLnTx/>
+              <a:uFillTx/>
+              <a:latin typeface="+mn-lt"/>
+              <a:ea typeface="+mn-ea"/>
+              <a:cs typeface="+mn-cs"/>
+            </a:endParaRPr>
+          </a:p>
+          <a:p>
+            <a:pPr marL="342900" marR="0" lvl="0" indent="-342900" algn="just" defTabSz="914400" rtl="0" eaLnBrk="1" fontAlgn="auto" latinLnBrk="0" hangingPunct="1">
+              <a:lnSpc>
+                <a:spcPct val="100000"/>
+              </a:lnSpc>
+              <a:spcBef>
+                <a:spcPct val="20000"/>
+              </a:spcBef>
+              <a:spcAft>
+                <a:spcPts val="0"/>
+              </a:spcAft>
+              <a:buClrTx/>
+              <a:buSzTx/>
+              <a:buFont typeface="Arial" panose="02080604020202020204" pitchFamily="34" charset="0"/>
+              <a:buChar char="•"/>
+              <a:defRPr/>
+            </a:pPr>
+            <a:r>
+              <a:rPr kumimoji="0" lang="en-GB" sz="1800" b="0" i="0" u="none" strike="noStrike" kern="1200" cap="none" spc="0" normalizeH="0" baseline="0" noProof="0" dirty="0" smtClean="0">
+                <a:ln>
+                  <a:noFill/>
+                </a:ln>
+                <a:solidFill>
+                  <a:schemeClr val="tx1"/>
+                </a:solidFill>
+                <a:effectLst/>
+                <a:uLnTx/>
+                <a:uFillTx/>
+                <a:latin typeface="+mn-lt"/>
+                <a:ea typeface="+mn-ea"/>
+                <a:cs typeface="+mn-cs"/>
+              </a:rPr>
+              <a:t>A third justification for the translation of the newer versions is the significant advance in many areas of biblical scholarship. </a:t>
+            </a:r>
+            <a:endParaRPr kumimoji="0" lang="en-GB" sz="1800" b="0" i="0" u="none" strike="noStrike" kern="1200" cap="none" spc="0" normalizeH="0" baseline="0" noProof="0" dirty="0" smtClean="0">
+              <a:ln>
+                <a:noFill/>
+              </a:ln>
+              <a:solidFill>
+                <a:schemeClr val="tx1"/>
+              </a:solidFill>
+              <a:effectLst/>
+              <a:uLnTx/>
+              <a:uFillTx/>
+              <a:latin typeface="+mn-lt"/>
+              <a:ea typeface="+mn-ea"/>
+              <a:cs typeface="+mn-cs"/>
+            </a:endParaRPr>
+          </a:p>
+          <a:p>
+            <a:pPr marL="342900" marR="0" lvl="0" indent="-342900" algn="just" defTabSz="914400" rtl="0" eaLnBrk="1" fontAlgn="auto" latinLnBrk="0" hangingPunct="1">
+              <a:lnSpc>
+                <a:spcPct val="100000"/>
+              </a:lnSpc>
+              <a:spcBef>
+                <a:spcPct val="20000"/>
+              </a:spcBef>
+              <a:spcAft>
+                <a:spcPts val="0"/>
+              </a:spcAft>
+              <a:buClrTx/>
+              <a:buSzTx/>
+              <a:buFont typeface="Arial" panose="02080604020202020204" pitchFamily="34" charset="0"/>
+              <a:buChar char="•"/>
+              <a:defRPr/>
+            </a:pPr>
+            <a:endParaRPr kumimoji="0" lang="en-GB" sz="1800" b="0" i="0" u="none" strike="noStrike" kern="1200" cap="none" spc="0" normalizeH="0" baseline="0" noProof="0" dirty="0" smtClean="0">
+              <a:ln>
+                <a:noFill/>
+              </a:ln>
+              <a:solidFill>
+                <a:schemeClr val="tx1"/>
+              </a:solidFill>
+              <a:effectLst/>
+              <a:uLnTx/>
+              <a:uFillTx/>
+              <a:latin typeface="+mn-lt"/>
+              <a:ea typeface="+mn-ea"/>
+              <a:cs typeface="+mn-cs"/>
+            </a:endParaRPr>
+          </a:p>
+          <a:p>
+            <a:pPr marL="342900" marR="0" lvl="0" indent="-342900" algn="just" defTabSz="914400" rtl="0" eaLnBrk="1" fontAlgn="auto" latinLnBrk="0" hangingPunct="1">
+              <a:lnSpc>
+                <a:spcPct val="100000"/>
+              </a:lnSpc>
+              <a:spcBef>
+                <a:spcPct val="20000"/>
+              </a:spcBef>
+              <a:spcAft>
+                <a:spcPts val="0"/>
+              </a:spcAft>
+              <a:buClrTx/>
+              <a:buSzTx/>
+              <a:buFont typeface="Arial" panose="02080604020202020204" pitchFamily="34" charset="0"/>
+              <a:buChar char="•"/>
+              <a:defRPr/>
+            </a:pPr>
+            <a:r>
+              <a:rPr kumimoji="0" lang="en-GB" sz="1800" b="0" i="0" u="none" strike="noStrike" kern="1200" cap="none" spc="0" normalizeH="0" baseline="0" noProof="0" dirty="0" smtClean="0">
+                <a:ln>
+                  <a:noFill/>
+                </a:ln>
+                <a:solidFill>
+                  <a:schemeClr val="tx1"/>
+                </a:solidFill>
+                <a:effectLst/>
+                <a:uLnTx/>
+                <a:uFillTx/>
+                <a:latin typeface="+mn-lt"/>
+                <a:ea typeface="+mn-ea"/>
+                <a:cs typeface="+mn-cs"/>
+              </a:rPr>
+              <a:t>This is important because the translation process draws on practically every aspect of biblical study. Translation is not merely a matter of language. </a:t>
+            </a:r>
+            <a:endParaRPr kumimoji="0" lang="en-GB" sz="1800" b="0" i="0" u="none" strike="noStrike" kern="1200" cap="none" spc="0" normalizeH="0" baseline="0" noProof="0" dirty="0" smtClean="0">
+              <a:ln>
+                <a:noFill/>
+              </a:ln>
+              <a:solidFill>
+                <a:schemeClr val="tx1"/>
+              </a:solidFill>
+              <a:effectLst/>
+              <a:uLnTx/>
+              <a:uFillTx/>
+              <a:latin typeface="+mn-lt"/>
+              <a:ea typeface="+mn-ea"/>
+              <a:cs typeface="+mn-cs"/>
+            </a:endParaRPr>
+          </a:p>
+          <a:p>
+            <a:pPr marL="342900" marR="0" lvl="0" indent="-342900" algn="just" defTabSz="914400" rtl="0" eaLnBrk="1" fontAlgn="auto" latinLnBrk="0" hangingPunct="1">
+              <a:lnSpc>
+                <a:spcPct val="100000"/>
+              </a:lnSpc>
+              <a:spcBef>
+                <a:spcPct val="20000"/>
+              </a:spcBef>
+              <a:spcAft>
+                <a:spcPts val="0"/>
+              </a:spcAft>
+              <a:buClrTx/>
+              <a:buSzTx/>
+              <a:buFont typeface="Arial" panose="02080604020202020204" pitchFamily="34" charset="0"/>
+              <a:buChar char="•"/>
+              <a:defRPr/>
+            </a:pPr>
+            <a:endParaRPr kumimoji="0" lang="en-GB" sz="1800" b="0" i="0" u="none" strike="noStrike" kern="1200" cap="none" spc="0" normalizeH="0" baseline="0" noProof="0" dirty="0" smtClean="0">
+              <a:ln>
+                <a:noFill/>
+              </a:ln>
+              <a:solidFill>
+                <a:schemeClr val="tx1"/>
+              </a:solidFill>
+              <a:effectLst/>
+              <a:uLnTx/>
+              <a:uFillTx/>
+              <a:latin typeface="+mn-lt"/>
+              <a:ea typeface="+mn-ea"/>
+              <a:cs typeface="+mn-cs"/>
+            </a:endParaRPr>
+          </a:p>
+          <a:p>
+            <a:pPr marL="342900" marR="0" lvl="0" indent="-342900" algn="just" defTabSz="914400" rtl="0" eaLnBrk="1" fontAlgn="auto" latinLnBrk="0" hangingPunct="1">
+              <a:lnSpc>
+                <a:spcPct val="100000"/>
+              </a:lnSpc>
+              <a:spcBef>
+                <a:spcPct val="20000"/>
+              </a:spcBef>
+              <a:spcAft>
+                <a:spcPts val="0"/>
+              </a:spcAft>
+              <a:buClrTx/>
+              <a:buSzTx/>
+              <a:buFont typeface="Arial" panose="02080604020202020204" pitchFamily="34" charset="0"/>
+              <a:buChar char="•"/>
+              <a:defRPr/>
+            </a:pPr>
+            <a:r>
+              <a:rPr kumimoji="0" lang="en-GB" sz="1800" b="0" i="0" u="none" strike="noStrike" kern="1200" cap="none" spc="0" normalizeH="0" baseline="0" noProof="0" dirty="0" smtClean="0">
+                <a:ln>
+                  <a:noFill/>
+                </a:ln>
+                <a:solidFill>
+                  <a:schemeClr val="tx1"/>
+                </a:solidFill>
+                <a:effectLst/>
+                <a:uLnTx/>
+                <a:uFillTx/>
+                <a:latin typeface="+mn-lt"/>
+                <a:ea typeface="+mn-ea"/>
+                <a:cs typeface="+mn-cs"/>
+              </a:rPr>
+              <a:t>The translator must rely upon the archaeologist, the historian, the exegete, and the theologian in order to come to a thorough understanding of the text he is translating.</a:t>
+            </a:r>
+            <a:endParaRPr kumimoji="0" lang="en-GB" sz="1800" b="0" i="0" u="none" strike="noStrike" kern="1200" cap="none" spc="0" normalizeH="0" baseline="0" noProof="0" dirty="0" smtClean="0">
+              <a:ln>
+                <a:noFill/>
+              </a:ln>
+              <a:solidFill>
+                <a:schemeClr val="tx1"/>
+              </a:solidFill>
+              <a:effectLst/>
+              <a:uLnTx/>
+              <a:uFillTx/>
+              <a:latin typeface="+mn-lt"/>
+              <a:ea typeface="+mn-ea"/>
+              <a:cs typeface="+mn-cs"/>
+            </a:endParaRPr>
+          </a:p>
+          <a:p>
+            <a:pPr marL="342900" marR="0" lvl="0" indent="-342900" algn="l" defTabSz="914400" rtl="0" eaLnBrk="1" fontAlgn="auto" latinLnBrk="0" hangingPunct="1">
+              <a:lnSpc>
+                <a:spcPct val="100000"/>
+              </a:lnSpc>
+              <a:spcBef>
+                <a:spcPct val="20000"/>
+              </a:spcBef>
+              <a:spcAft>
+                <a:spcPts val="0"/>
+              </a:spcAft>
+              <a:buClrTx/>
+              <a:buSzTx/>
+              <a:buFont typeface="Arial" panose="02080604020202020204" pitchFamily="34" charset="0"/>
+              <a:buChar char="•"/>
+              <a:defRPr/>
+            </a:pPr>
+            <a:endParaRPr kumimoji="0" lang="en-GB" sz="1800" b="0" i="0" u="none" strike="noStrike" kern="1200" cap="none" spc="0" normalizeH="0" baseline="0" noProof="0" dirty="0" smtClean="0">
+              <a:ln>
+                <a:noFill/>
+              </a:ln>
+              <a:solidFill>
+                <a:schemeClr val="tx1"/>
+              </a:solidFill>
+              <a:effectLst/>
+              <a:uLnTx/>
+              <a:uFillTx/>
+              <a:latin typeface="+mn-lt"/>
+              <a:ea typeface="+mn-ea"/>
+              <a:cs typeface="+mn-cs"/>
+            </a:endParaRPr>
           </a:p>
         </p:txBody>
       </p:sp>
@@ -32117,7 +32518,7 @@
       <p:grpSpPr/>
       <p:sp>
         <p:nvSpPr>
-          <p:cNvPr id="2" name="Title 1"/>
+          <p:cNvPr id="92162" name="Title 1"/>
           <p:cNvSpPr>
             <a:spLocks noGrp="1"/>
           </p:cNvSpPr>
@@ -32127,55 +32528,19 @@
         </p:nvSpPr>
         <p:spPr>
           <a:xfrm>
-            <a:off x="457200" y="274638"/>
-            <a:ext cx="8229600" cy="274638"/>
+            <a:off x="457200" y="0"/>
+            <a:ext cx="8229600" cy="549275"/>
           </a:xfrm>
         </p:spPr>
         <p:txBody>
-          <a:bodyPr vert="horz" wrap="square" lIns="91440" tIns="45720" rIns="91440" bIns="45720" numCol="1" rtlCol="0" anchor="ctr" anchorCtr="0" compatLnSpc="1">
-            <a:normAutofit fontScale="90000"/>
-          </a:bodyPr>
-          <a:lstStyle/>
-          <a:p>
-            <a:pPr marL="0" marR="0" lvl="0" indent="0" algn="ctr" defTabSz="914400" rtl="0" eaLnBrk="1" fontAlgn="auto" latinLnBrk="0" hangingPunct="1">
-              <a:lnSpc>
-                <a:spcPct val="100000"/>
-              </a:lnSpc>
-              <a:spcBef>
-                <a:spcPct val="0"/>
-              </a:spcBef>
-              <a:spcAft>
-                <a:spcPts val="0"/>
-              </a:spcAft>
-              <a:buClrTx/>
-              <a:buSzTx/>
-              <a:buFontTx/>
-              <a:buNone/>
-              <a:defRPr/>
-            </a:pPr>
-            <a:r>
-              <a:rPr lang="en-GB" altLang="en-US" b="1" dirty="0">
-                <a:sym typeface="+mn-ea"/>
-              </a:rPr>
-              <a:t>BIBLE TRANSLATION</a:t>
-            </a:r>
-            <a:br>
-              <a:rPr lang="en-GB" altLang="en-US" b="1" dirty="0"/>
-            </a:br>
-            <a:endParaRPr kumimoji="0" lang="en-GB" sz="4400" b="0" i="0" u="none" strike="noStrike" kern="1200" cap="none" spc="0" normalizeH="0" baseline="0" noProof="0" dirty="0">
-              <a:ln>
-                <a:noFill/>
-              </a:ln>
-              <a:solidFill>
-                <a:schemeClr val="tx1"/>
-              </a:solidFill>
-              <a:effectLst/>
-              <a:uLnTx/>
-              <a:uFillTx/>
-              <a:latin typeface="+mj-lt"/>
-              <a:ea typeface="+mj-ea"/>
-              <a:cs typeface="+mj-cs"/>
-            </a:endParaRPr>
+          <a:bodyPr vert="horz" wrap="square" lIns="91440" tIns="45720" rIns="91440" bIns="45720" anchor="ctr" anchorCtr="0"/>
+          <a:p>
+            <a:pPr eaLnBrk="1" hangingPunct="1"/>
+            <a:r>
+              <a:rPr lang="en-GB" altLang="en-US" sz="4800" b="1" dirty="0"/>
+              <a:t>Types of translation </a:t>
+            </a:r>
+            <a:endParaRPr lang="en-GB" altLang="en-US" sz="4800" b="1" dirty="0"/>
           </a:p>
         </p:txBody>
       </p:sp>
@@ -32191,8 +32556,8 @@
         </p:nvSpPr>
         <p:spPr>
           <a:xfrm>
-            <a:off x="457200" y="836613"/>
-            <a:ext cx="8229600" cy="5545138"/>
+            <a:off x="457200" y="1052513"/>
+            <a:ext cx="8229600" cy="5073650"/>
           </a:xfrm>
         </p:spPr>
         <p:txBody>
@@ -32216,23 +32581,170 @@
               <a:defRPr/>
             </a:pPr>
             <a:r>
-              <a:rPr kumimoji="0" lang="en-GB" sz="1800" b="0" i="0" u="none" strike="noStrike" kern="1200" cap="none" spc="0" normalizeH="0" baseline="0" noProof="0" dirty="0" smtClean="0">
-                <a:ln>
-                  <a:noFill/>
-                </a:ln>
-                <a:solidFill>
-                  <a:schemeClr val="tx1"/>
-                </a:solidFill>
-                <a:effectLst/>
-                <a:uLnTx/>
-                <a:uFillTx/>
-                <a:latin typeface="+mn-lt"/>
-                <a:ea typeface="+mn-ea"/>
-                <a:cs typeface="+mn-cs"/>
-              </a:rPr>
-              <a:t>No living language is static. Languages in use are always changing. A number of words have grown obsolete; others have changed their meanings.</a:t>
-            </a:r>
-            <a:endParaRPr kumimoji="0" lang="en-GB" sz="1800" b="0" i="0" u="none" strike="noStrike" kern="1200" cap="none" spc="0" normalizeH="0" baseline="0" noProof="0" dirty="0" smtClean="0">
+              <a:rPr kumimoji="0" lang="en-GB" sz="2400" b="0" i="0" u="none" strike="noStrike" kern="1200" cap="none" spc="0" normalizeH="0" baseline="0" noProof="0" dirty="0" smtClean="0">
+                <a:ln>
+                  <a:noFill/>
+                </a:ln>
+                <a:solidFill>
+                  <a:schemeClr val="tx1"/>
+                </a:solidFill>
+                <a:effectLst/>
+                <a:uLnTx/>
+                <a:uFillTx/>
+                <a:latin typeface="+mn-lt"/>
+                <a:ea typeface="+mn-ea"/>
+                <a:cs typeface="+mn-cs"/>
+              </a:rPr>
+              <a:t>Literal ~ Translators using this principle seek to translate each original word into the closest equivalent word in the reader’s language. </a:t>
+            </a:r>
+            <a:endParaRPr kumimoji="0" lang="en-GB" sz="2400" b="0" i="0" u="none" strike="noStrike" kern="1200" cap="none" spc="0" normalizeH="0" baseline="0" noProof="0" dirty="0" smtClean="0">
+              <a:ln>
+                <a:noFill/>
+              </a:ln>
+              <a:solidFill>
+                <a:schemeClr val="tx1"/>
+              </a:solidFill>
+              <a:effectLst/>
+              <a:uLnTx/>
+              <a:uFillTx/>
+              <a:latin typeface="+mn-lt"/>
+              <a:ea typeface="+mn-ea"/>
+              <a:cs typeface="+mn-cs"/>
+            </a:endParaRPr>
+          </a:p>
+          <a:p>
+            <a:pPr marL="0" marR="0" lvl="0" indent="0" algn="just" defTabSz="914400" rtl="0" eaLnBrk="1" fontAlgn="auto" latinLnBrk="0" hangingPunct="1">
+              <a:lnSpc>
+                <a:spcPct val="100000"/>
+              </a:lnSpc>
+              <a:spcBef>
+                <a:spcPct val="20000"/>
+              </a:spcBef>
+              <a:spcAft>
+                <a:spcPts val="0"/>
+              </a:spcAft>
+              <a:buClrTx/>
+              <a:buSzTx/>
+              <a:buFont typeface="Arial" panose="02080604020202020204" pitchFamily="34" charset="0"/>
+              <a:buNone/>
+              <a:defRPr/>
+            </a:pPr>
+            <a:endParaRPr kumimoji="0" lang="en-GB" sz="2400" b="0" i="0" u="none" strike="noStrike" kern="1200" cap="none" spc="0" normalizeH="0" baseline="0" noProof="0" dirty="0" smtClean="0">
+              <a:ln>
+                <a:noFill/>
+              </a:ln>
+              <a:solidFill>
+                <a:schemeClr val="tx1"/>
+              </a:solidFill>
+              <a:effectLst/>
+              <a:uLnTx/>
+              <a:uFillTx/>
+              <a:latin typeface="+mn-lt"/>
+              <a:ea typeface="+mn-ea"/>
+              <a:cs typeface="+mn-cs"/>
+            </a:endParaRPr>
+          </a:p>
+          <a:p>
+            <a:pPr marL="457200" marR="0" lvl="1" indent="0" algn="just" defTabSz="914400" rtl="0" eaLnBrk="1" fontAlgn="auto" latinLnBrk="0" hangingPunct="1">
+              <a:lnSpc>
+                <a:spcPct val="100000"/>
+              </a:lnSpc>
+              <a:spcBef>
+                <a:spcPct val="20000"/>
+              </a:spcBef>
+              <a:spcAft>
+                <a:spcPts val="0"/>
+              </a:spcAft>
+              <a:buClrTx/>
+              <a:buSzTx/>
+              <a:buFont typeface="Arial" panose="02080604020202020204" pitchFamily="34" charset="0"/>
+              <a:buNone/>
+              <a:defRPr/>
+            </a:pPr>
+            <a:r>
+              <a:rPr kumimoji="0" lang="en-GB" sz="2100" b="0" i="0" u="none" strike="noStrike" kern="1200" cap="none" spc="0" normalizeH="0" baseline="0" noProof="0" dirty="0" smtClean="0">
+                <a:ln>
+                  <a:noFill/>
+                </a:ln>
+                <a:solidFill>
+                  <a:schemeClr val="tx1"/>
+                </a:solidFill>
+                <a:effectLst/>
+                <a:uLnTx/>
+                <a:uFillTx/>
+                <a:latin typeface="+mn-lt"/>
+                <a:ea typeface="+mn-ea"/>
+                <a:cs typeface="+mn-cs"/>
+              </a:rPr>
+              <a:t>The strength of this method is that it is a </a:t>
+            </a:r>
+            <a:r>
+              <a:rPr kumimoji="0" lang="en-GB" sz="2100" b="0" i="0" u="none" strike="noStrike" kern="1200" cap="none" spc="0" normalizeH="0" baseline="0" noProof="0" dirty="0" smtClean="0">
+                <a:ln>
+                  <a:noFill/>
+                </a:ln>
+                <a:solidFill>
+                  <a:srgbClr val="FF0000"/>
+                </a:solidFill>
+                <a:effectLst/>
+                <a:uLnTx/>
+                <a:uFillTx/>
+                <a:latin typeface="+mn-lt"/>
+                <a:ea typeface="+mn-ea"/>
+                <a:cs typeface="+mn-cs"/>
+              </a:rPr>
+              <a:t>word for word translation</a:t>
+            </a:r>
+            <a:r>
+              <a:rPr kumimoji="0" lang="en-GB" sz="2100" b="0" i="0" u="none" strike="noStrike" kern="1200" cap="none" spc="0" normalizeH="0" baseline="0" noProof="0" dirty="0" smtClean="0">
+                <a:ln>
+                  <a:noFill/>
+                </a:ln>
+                <a:solidFill>
+                  <a:schemeClr val="tx1"/>
+                </a:solidFill>
+                <a:effectLst/>
+                <a:uLnTx/>
+                <a:uFillTx/>
+                <a:latin typeface="+mn-lt"/>
+                <a:ea typeface="+mn-ea"/>
+                <a:cs typeface="+mn-cs"/>
+              </a:rPr>
+              <a:t> of the Bible giving the reader a close rendering of the literal words of the original writings. </a:t>
+            </a:r>
+            <a:endParaRPr kumimoji="0" lang="en-GB" sz="2100" b="0" i="0" u="none" strike="noStrike" kern="1200" cap="none" spc="0" normalizeH="0" baseline="0" noProof="0" dirty="0" smtClean="0">
+              <a:ln>
+                <a:noFill/>
+              </a:ln>
+              <a:solidFill>
+                <a:schemeClr val="tx1"/>
+              </a:solidFill>
+              <a:effectLst/>
+              <a:uLnTx/>
+              <a:uFillTx/>
+              <a:latin typeface="+mn-lt"/>
+              <a:ea typeface="+mn-ea"/>
+              <a:cs typeface="+mn-cs"/>
+            </a:endParaRPr>
+          </a:p>
+          <a:p>
+            <a:pPr marL="0" marR="0" lvl="0" indent="0" algn="just" defTabSz="914400" rtl="0" eaLnBrk="1" fontAlgn="auto" latinLnBrk="0" hangingPunct="1">
+              <a:lnSpc>
+                <a:spcPct val="100000"/>
+              </a:lnSpc>
+              <a:spcBef>
+                <a:spcPct val="20000"/>
+              </a:spcBef>
+              <a:spcAft>
+                <a:spcPts val="0"/>
+              </a:spcAft>
+              <a:buClrTx/>
+              <a:buSzTx/>
+              <a:buFont typeface="Arial" panose="02080604020202020204" pitchFamily="34" charset="0"/>
+              <a:buNone/>
+              <a:defRPr/>
+            </a:pPr>
+            <a:endParaRPr kumimoji="0" lang="en-GB" sz="2400" b="0" i="0" u="none" strike="noStrike" kern="1200" cap="none" spc="0" normalizeH="0" baseline="0" noProof="0" dirty="0" smtClean="0">
               <a:ln>
                 <a:noFill/>
               </a:ln>
@@ -32264,331 +32776,24 @@
               <a:buChar char="•"/>
               <a:defRPr/>
             </a:pPr>
-            <a:endParaRPr kumimoji="0" lang="en-GB" sz="1800" b="0" i="0" u="none" strike="noStrike" kern="1200" cap="none" spc="0" normalizeH="0" baseline="0" noProof="0" dirty="0" smtClean="0">
-              <a:ln>
-                <a:noFill/>
-              </a:ln>
-              <a:solidFill>
-                <a:schemeClr val="tx1"/>
-              </a:solidFill>
-              <a:effectLst/>
-              <a:uLnTx/>
-              <a:uFillTx/>
-              <a:latin typeface="+mn-lt"/>
-              <a:ea typeface="+mn-ea"/>
-              <a:cs typeface="+mn-cs"/>
-            </a:endParaRPr>
-          </a:p>
-          <a:p>
-            <a:pPr marL="342900" marR="0" lvl="0" indent="-342900" algn="just" defTabSz="914400" rtl="0" eaLnBrk="1" fontAlgn="auto" latinLnBrk="0" hangingPunct="1">
-              <a:lnSpc>
-                <a:spcPct val="100000"/>
-              </a:lnSpc>
-              <a:spcBef>
-                <a:spcPct val="20000"/>
-              </a:spcBef>
-              <a:spcAft>
-                <a:spcPts val="0"/>
-              </a:spcAft>
-              <a:buClrTx/>
-              <a:buSzTx/>
-              <a:buFont typeface="Arial" panose="02080604020202020204" pitchFamily="34" charset="0"/>
-              <a:buChar char="•"/>
-              <a:defRPr/>
-            </a:pPr>
-            <a:r>
-              <a:rPr kumimoji="0" lang="en-GB" sz="1800" b="0" i="0" u="none" strike="noStrike" kern="1200" cap="none" spc="0" normalizeH="0" baseline="0" noProof="0" dirty="0" smtClean="0">
-                <a:ln>
-                  <a:noFill/>
-                </a:ln>
-                <a:solidFill>
-                  <a:schemeClr val="tx1"/>
-                </a:solidFill>
-                <a:effectLst/>
-                <a:uLnTx/>
-                <a:uFillTx/>
-                <a:latin typeface="+mn-lt"/>
-                <a:ea typeface="+mn-ea"/>
-                <a:cs typeface="+mn-cs"/>
-              </a:rPr>
-              <a:t>Since 1611 a wealth of new manuscripts has come to light. Many of these more recently discovered manuscripts have proved to be among the most valuable of all that we possess.</a:t>
-            </a:r>
-            <a:endParaRPr kumimoji="0" lang="en-GB" sz="1800" b="0" i="0" u="none" strike="noStrike" kern="1200" cap="none" spc="0" normalizeH="0" baseline="0" noProof="0" dirty="0" smtClean="0">
-              <a:ln>
-                <a:noFill/>
-              </a:ln>
-              <a:solidFill>
-                <a:schemeClr val="tx1"/>
-              </a:solidFill>
-              <a:effectLst/>
-              <a:uLnTx/>
-              <a:uFillTx/>
-              <a:latin typeface="+mn-lt"/>
-              <a:ea typeface="+mn-ea"/>
-              <a:cs typeface="+mn-cs"/>
-            </a:endParaRPr>
-          </a:p>
-          <a:p>
-            <a:pPr marL="342900" marR="0" lvl="0" indent="-342900" algn="just" defTabSz="914400" rtl="0" eaLnBrk="1" fontAlgn="auto" latinLnBrk="0" hangingPunct="1">
-              <a:lnSpc>
-                <a:spcPct val="100000"/>
-              </a:lnSpc>
-              <a:spcBef>
-                <a:spcPct val="20000"/>
-              </a:spcBef>
-              <a:spcAft>
-                <a:spcPts val="0"/>
-              </a:spcAft>
-              <a:buClrTx/>
-              <a:buSzTx/>
-              <a:buFont typeface="Arial" panose="02080604020202020204" pitchFamily="34" charset="0"/>
-              <a:buChar char="•"/>
-              <a:defRPr/>
-            </a:pPr>
-            <a:endParaRPr kumimoji="0" lang="en-GB" sz="1800" b="0" i="0" u="none" strike="noStrike" kern="1200" cap="none" spc="0" normalizeH="0" baseline="0" noProof="0" dirty="0" smtClean="0">
-              <a:ln>
-                <a:noFill/>
-              </a:ln>
-              <a:solidFill>
-                <a:schemeClr val="tx1"/>
-              </a:solidFill>
-              <a:effectLst/>
-              <a:uLnTx/>
-              <a:uFillTx/>
-              <a:latin typeface="+mn-lt"/>
-              <a:ea typeface="+mn-ea"/>
-              <a:cs typeface="+mn-cs"/>
-            </a:endParaRPr>
-          </a:p>
-          <a:p>
-            <a:pPr marL="342900" marR="0" lvl="0" indent="-342900" algn="just" defTabSz="914400" rtl="0" eaLnBrk="1" fontAlgn="auto" latinLnBrk="0" hangingPunct="1">
-              <a:lnSpc>
-                <a:spcPct val="100000"/>
-              </a:lnSpc>
-              <a:spcBef>
-                <a:spcPct val="20000"/>
-              </a:spcBef>
-              <a:spcAft>
-                <a:spcPts val="0"/>
-              </a:spcAft>
-              <a:buClrTx/>
-              <a:buSzTx/>
-              <a:buFont typeface="Arial" panose="02080604020202020204" pitchFamily="34" charset="0"/>
-              <a:buChar char="•"/>
-              <a:defRPr/>
-            </a:pPr>
-            <a:r>
-              <a:rPr kumimoji="0" lang="en-GB" sz="1800" b="0" i="0" u="none" strike="noStrike" kern="1200" cap="none" spc="0" normalizeH="0" baseline="0" noProof="0" dirty="0" smtClean="0">
-                <a:ln>
-                  <a:noFill/>
-                </a:ln>
-                <a:solidFill>
-                  <a:schemeClr val="tx1"/>
-                </a:solidFill>
-                <a:effectLst/>
-                <a:uLnTx/>
-                <a:uFillTx/>
-                <a:latin typeface="+mn-lt"/>
-                <a:ea typeface="+mn-ea"/>
-                <a:cs typeface="+mn-cs"/>
-              </a:rPr>
-              <a:t>A third justification for the translation of the newer versions is the significant advance in many areas of biblical scholarship. </a:t>
-            </a:r>
-            <a:endParaRPr kumimoji="0" lang="en-GB" sz="1800" b="0" i="0" u="none" strike="noStrike" kern="1200" cap="none" spc="0" normalizeH="0" baseline="0" noProof="0" dirty="0" smtClean="0">
-              <a:ln>
-                <a:noFill/>
-              </a:ln>
-              <a:solidFill>
-                <a:schemeClr val="tx1"/>
-              </a:solidFill>
-              <a:effectLst/>
-              <a:uLnTx/>
-              <a:uFillTx/>
-              <a:latin typeface="+mn-lt"/>
-              <a:ea typeface="+mn-ea"/>
-              <a:cs typeface="+mn-cs"/>
-            </a:endParaRPr>
-          </a:p>
-          <a:p>
-            <a:pPr marL="342900" marR="0" lvl="0" indent="-342900" algn="just" defTabSz="914400" rtl="0" eaLnBrk="1" fontAlgn="auto" latinLnBrk="0" hangingPunct="1">
-              <a:lnSpc>
-                <a:spcPct val="100000"/>
-              </a:lnSpc>
-              <a:spcBef>
-                <a:spcPct val="20000"/>
-              </a:spcBef>
-              <a:spcAft>
-                <a:spcPts val="0"/>
-              </a:spcAft>
-              <a:buClrTx/>
-              <a:buSzTx/>
-              <a:buFont typeface="Arial" panose="02080604020202020204" pitchFamily="34" charset="0"/>
-              <a:buChar char="•"/>
-              <a:defRPr/>
-            </a:pPr>
-            <a:endParaRPr kumimoji="0" lang="en-GB" sz="1800" b="0" i="0" u="none" strike="noStrike" kern="1200" cap="none" spc="0" normalizeH="0" baseline="0" noProof="0" dirty="0" smtClean="0">
-              <a:ln>
-                <a:noFill/>
-              </a:ln>
-              <a:solidFill>
-                <a:schemeClr val="tx1"/>
-              </a:solidFill>
-              <a:effectLst/>
-              <a:uLnTx/>
-              <a:uFillTx/>
-              <a:latin typeface="+mn-lt"/>
-              <a:ea typeface="+mn-ea"/>
-              <a:cs typeface="+mn-cs"/>
-            </a:endParaRPr>
-          </a:p>
-          <a:p>
-            <a:pPr marL="342900" marR="0" lvl="0" indent="-342900" algn="just" defTabSz="914400" rtl="0" eaLnBrk="1" fontAlgn="auto" latinLnBrk="0" hangingPunct="1">
-              <a:lnSpc>
-                <a:spcPct val="100000"/>
-              </a:lnSpc>
-              <a:spcBef>
-                <a:spcPct val="20000"/>
-              </a:spcBef>
-              <a:spcAft>
-                <a:spcPts val="0"/>
-              </a:spcAft>
-              <a:buClrTx/>
-              <a:buSzTx/>
-              <a:buFont typeface="Arial" panose="02080604020202020204" pitchFamily="34" charset="0"/>
-              <a:buChar char="•"/>
-              <a:defRPr/>
-            </a:pPr>
-            <a:r>
-              <a:rPr kumimoji="0" lang="en-GB" sz="1800" b="0" i="0" u="none" strike="noStrike" kern="1200" cap="none" spc="0" normalizeH="0" baseline="0" noProof="0" dirty="0" smtClean="0">
-                <a:ln>
-                  <a:noFill/>
-                </a:ln>
-                <a:solidFill>
-                  <a:schemeClr val="tx1"/>
-                </a:solidFill>
-                <a:effectLst/>
-                <a:uLnTx/>
-                <a:uFillTx/>
-                <a:latin typeface="+mn-lt"/>
-                <a:ea typeface="+mn-ea"/>
-                <a:cs typeface="+mn-cs"/>
-              </a:rPr>
-              <a:t>This is important because the translation process draws on practically every aspect of biblical study. Translation is not merely a matter of language. </a:t>
-            </a:r>
-            <a:endParaRPr kumimoji="0" lang="en-GB" sz="1800" b="0" i="0" u="none" strike="noStrike" kern="1200" cap="none" spc="0" normalizeH="0" baseline="0" noProof="0" dirty="0" smtClean="0">
-              <a:ln>
-                <a:noFill/>
-              </a:ln>
-              <a:solidFill>
-                <a:schemeClr val="tx1"/>
-              </a:solidFill>
-              <a:effectLst/>
-              <a:uLnTx/>
-              <a:uFillTx/>
-              <a:latin typeface="+mn-lt"/>
-              <a:ea typeface="+mn-ea"/>
-              <a:cs typeface="+mn-cs"/>
-            </a:endParaRPr>
-          </a:p>
-          <a:p>
-            <a:pPr marL="342900" marR="0" lvl="0" indent="-342900" algn="just" defTabSz="914400" rtl="0" eaLnBrk="1" fontAlgn="auto" latinLnBrk="0" hangingPunct="1">
-              <a:lnSpc>
-                <a:spcPct val="100000"/>
-              </a:lnSpc>
-              <a:spcBef>
-                <a:spcPct val="20000"/>
-              </a:spcBef>
-              <a:spcAft>
-                <a:spcPts val="0"/>
-              </a:spcAft>
-              <a:buClrTx/>
-              <a:buSzTx/>
-              <a:buFont typeface="Arial" panose="02080604020202020204" pitchFamily="34" charset="0"/>
-              <a:buChar char="•"/>
-              <a:defRPr/>
-            </a:pPr>
-            <a:endParaRPr kumimoji="0" lang="en-GB" sz="1800" b="0" i="0" u="none" strike="noStrike" kern="1200" cap="none" spc="0" normalizeH="0" baseline="0" noProof="0" dirty="0" smtClean="0">
-              <a:ln>
-                <a:noFill/>
-              </a:ln>
-              <a:solidFill>
-                <a:schemeClr val="tx1"/>
-              </a:solidFill>
-              <a:effectLst/>
-              <a:uLnTx/>
-              <a:uFillTx/>
-              <a:latin typeface="+mn-lt"/>
-              <a:ea typeface="+mn-ea"/>
-              <a:cs typeface="+mn-cs"/>
-            </a:endParaRPr>
-          </a:p>
-          <a:p>
-            <a:pPr marL="342900" marR="0" lvl="0" indent="-342900" algn="just" defTabSz="914400" rtl="0" eaLnBrk="1" fontAlgn="auto" latinLnBrk="0" hangingPunct="1">
-              <a:lnSpc>
-                <a:spcPct val="100000"/>
-              </a:lnSpc>
-              <a:spcBef>
-                <a:spcPct val="20000"/>
-              </a:spcBef>
-              <a:spcAft>
-                <a:spcPts val="0"/>
-              </a:spcAft>
-              <a:buClrTx/>
-              <a:buSzTx/>
-              <a:buFont typeface="Arial" panose="02080604020202020204" pitchFamily="34" charset="0"/>
-              <a:buChar char="•"/>
-              <a:defRPr/>
-            </a:pPr>
-            <a:r>
-              <a:rPr kumimoji="0" lang="en-GB" sz="1800" b="0" i="0" u="none" strike="noStrike" kern="1200" cap="none" spc="0" normalizeH="0" baseline="0" noProof="0" dirty="0" smtClean="0">
-                <a:ln>
-                  <a:noFill/>
-                </a:ln>
-                <a:solidFill>
-                  <a:schemeClr val="tx1"/>
-                </a:solidFill>
-                <a:effectLst/>
-                <a:uLnTx/>
-                <a:uFillTx/>
-                <a:latin typeface="+mn-lt"/>
-                <a:ea typeface="+mn-ea"/>
-                <a:cs typeface="+mn-cs"/>
-              </a:rPr>
-              <a:t>The translator must rely upon the archaeologist, the historian, the exegete, and the theologian in order to come to a thorough understanding of the text he is translating.</a:t>
-            </a:r>
-            <a:endParaRPr kumimoji="0" lang="en-GB" sz="1800" b="0" i="0" u="none" strike="noStrike" kern="1200" cap="none" spc="0" normalizeH="0" baseline="0" noProof="0" dirty="0" smtClean="0">
-              <a:ln>
-                <a:noFill/>
-              </a:ln>
-              <a:solidFill>
-                <a:schemeClr val="tx1"/>
-              </a:solidFill>
-              <a:effectLst/>
-              <a:uLnTx/>
-              <a:uFillTx/>
-              <a:latin typeface="+mn-lt"/>
-              <a:ea typeface="+mn-ea"/>
-              <a:cs typeface="+mn-cs"/>
-            </a:endParaRPr>
-          </a:p>
-          <a:p>
-            <a:pPr marL="342900" marR="0" lvl="0" indent="-342900" algn="l" defTabSz="914400" rtl="0" eaLnBrk="1" fontAlgn="auto" latinLnBrk="0" hangingPunct="1">
-              <a:lnSpc>
-                <a:spcPct val="100000"/>
-              </a:lnSpc>
-              <a:spcBef>
-                <a:spcPct val="20000"/>
-              </a:spcBef>
-              <a:spcAft>
-                <a:spcPts val="0"/>
-              </a:spcAft>
-              <a:buClrTx/>
-              <a:buSzTx/>
-              <a:buFont typeface="Arial" panose="02080604020202020204" pitchFamily="34" charset="0"/>
-              <a:buChar char="•"/>
-              <a:defRPr/>
-            </a:pPr>
-            <a:endParaRPr kumimoji="0" lang="en-GB" sz="1800" b="0" i="0" u="none" strike="noStrike" kern="1200" cap="none" spc="0" normalizeH="0" baseline="0" noProof="0" dirty="0" smtClean="0">
+            <a:r>
+              <a:rPr kumimoji="0" lang="en-GB" sz="2400" b="0" i="0" u="none" strike="noStrike" kern="1200" cap="none" spc="0" normalizeH="0" baseline="0" noProof="0" dirty="0" smtClean="0">
+                <a:ln>
+                  <a:noFill/>
+                </a:ln>
+                <a:solidFill>
+                  <a:schemeClr val="tx1"/>
+                </a:solidFill>
+                <a:effectLst/>
+                <a:uLnTx/>
+                <a:uFillTx/>
+                <a:latin typeface="+mn-lt"/>
+                <a:ea typeface="+mn-ea"/>
+                <a:cs typeface="+mn-cs"/>
+              </a:rPr>
+              <a:t>The weakness of this principle is that the translation can be stiff and difficult to read, and that words cannot always be found to translate the original words of the Biblical writings.</a:t>
+            </a:r>
+            <a:endParaRPr kumimoji="0" lang="en-GB" sz="2400" b="0" i="0" u="none" strike="noStrike" kern="1200" cap="none" spc="0" normalizeH="0" baseline="0" noProof="0" dirty="0" smtClean="0">
               <a:ln>
                 <a:noFill/>
               </a:ln>
@@ -32637,7 +32842,7 @@
       <p:grpSpPr/>
       <p:sp>
         <p:nvSpPr>
-          <p:cNvPr id="92162" name="Title 1"/>
+          <p:cNvPr id="2" name="Title 1"/>
           <p:cNvSpPr>
             <a:spLocks noGrp="1"/>
           </p:cNvSpPr>
@@ -32647,25 +32852,60 @@
         </p:nvSpPr>
         <p:spPr>
           <a:xfrm>
-            <a:off x="457200" y="0"/>
-            <a:ext cx="8229600" cy="549275"/>
+            <a:off x="457200" y="274638"/>
+            <a:ext cx="8229600" cy="490538"/>
           </a:xfrm>
         </p:spPr>
         <p:txBody>
-          <a:bodyPr vert="horz" wrap="square" lIns="91440" tIns="45720" rIns="91440" bIns="45720" anchor="ctr" anchorCtr="0"/>
-          <a:p>
-            <a:pPr eaLnBrk="1" hangingPunct="1"/>
-            <a:r>
-              <a:rPr lang="en-GB" altLang="en-US" sz="4800" b="1" dirty="0"/>
-              <a:t>Types of translation </a:t>
-            </a:r>
-            <a:endParaRPr lang="en-GB" altLang="en-US" sz="4800" b="1" dirty="0"/>
+          <a:bodyPr vert="horz" wrap="square" lIns="91440" tIns="45720" rIns="91440" bIns="45720" numCol="1" rtlCol="0" anchor="ctr" anchorCtr="0" compatLnSpc="1"/>
+          <a:lstStyle/>
+          <a:p>
+            <a:pPr marL="0" marR="0" lvl="0" indent="0" algn="ctr" defTabSz="914400" rtl="0" eaLnBrk="1" fontAlgn="auto" latinLnBrk="0" hangingPunct="1">
+              <a:lnSpc>
+                <a:spcPct val="100000"/>
+              </a:lnSpc>
+              <a:spcBef>
+                <a:spcPct val="0"/>
+              </a:spcBef>
+              <a:spcAft>
+                <a:spcPts val="0"/>
+              </a:spcAft>
+              <a:buClrTx/>
+              <a:buSzTx/>
+              <a:buFontTx/>
+              <a:buNone/>
+              <a:defRPr/>
+            </a:pPr>
+            <a:r>
+              <a:rPr lang="en-GB" altLang="en-US" sz="3200" b="1" dirty="0">
+                <a:solidFill>
+                  <a:schemeClr val="tx1"/>
+                </a:solidFill>
+                <a:sym typeface="+mn-ea"/>
+              </a:rPr>
+              <a:t>Thought for thought translation</a:t>
+            </a:r>
+            <a:endParaRPr kumimoji="0" lang="en-GB" altLang="en-US" sz="3200" b="1" i="0" u="none" strike="noStrike" kern="1200" cap="none" spc="0" normalizeH="0" baseline="0" noProof="0" dirty="0">
+              <a:ln>
+                <a:noFill/>
+              </a:ln>
+              <a:solidFill>
+                <a:schemeClr val="tx1"/>
+              </a:solidFill>
+              <a:effectLst/>
+              <a:uLnTx/>
+              <a:uFillTx/>
+              <a:latin typeface="+mj-lt"/>
+              <a:ea typeface="+mj-ea"/>
+              <a:cs typeface="+mj-cs"/>
+              <a:sym typeface="+mn-ea"/>
+            </a:endParaRPr>
           </a:p>
         </p:txBody>
       </p:sp>
       <p:sp>
         <p:nvSpPr>
-          <p:cNvPr id="3" name="Content Placeholder 2"/>
+          <p:cNvPr id="93187" name="Content Placeholder 2"/>
           <p:cNvSpPr>
             <a:spLocks noGrp="1"/>
           </p:cNvSpPr>
@@ -32675,257 +32915,73 @@
         </p:nvSpPr>
         <p:spPr>
           <a:xfrm>
-            <a:off x="457200" y="1052513"/>
-            <a:ext cx="8229600" cy="5073650"/>
+            <a:off x="457200" y="981075"/>
+            <a:ext cx="8229600" cy="5145088"/>
           </a:xfrm>
         </p:spPr>
         <p:txBody>
-          <a:bodyPr vert="horz" wrap="square" lIns="91440" tIns="45720" rIns="91440" bIns="45720" numCol="1" rtlCol="0" anchor="t" anchorCtr="0" compatLnSpc="1"/>
-          <a:lstStyle/>
-          <a:p>
-            <a:pPr marL="342900" marR="0" lvl="0" indent="-342900" algn="just" defTabSz="914400" rtl="0" eaLnBrk="1" fontAlgn="auto" latinLnBrk="0" hangingPunct="1">
-              <a:lnSpc>
-                <a:spcPct val="100000"/>
-              </a:lnSpc>
-              <a:spcBef>
-                <a:spcPct val="20000"/>
-              </a:spcBef>
-              <a:spcAft>
-                <a:spcPts val="0"/>
-              </a:spcAft>
-              <a:buClrTx/>
-              <a:buSzTx/>
-              <a:buFont typeface="Arial" panose="02080604020202020204" pitchFamily="34" charset="0"/>
-              <a:buChar char="•"/>
-              <a:defRPr/>
-            </a:pPr>
-            <a:r>
-              <a:rPr kumimoji="0" lang="en-GB" sz="2400" b="0" i="0" u="none" strike="noStrike" kern="1200" cap="none" spc="0" normalizeH="0" baseline="0" noProof="0" dirty="0" smtClean="0">
-                <a:ln>
-                  <a:noFill/>
-                </a:ln>
-                <a:solidFill>
-                  <a:schemeClr val="tx1"/>
-                </a:solidFill>
-                <a:effectLst/>
-                <a:uLnTx/>
-                <a:uFillTx/>
-                <a:latin typeface="+mn-lt"/>
-                <a:ea typeface="+mn-ea"/>
-                <a:cs typeface="+mn-cs"/>
-              </a:rPr>
-              <a:t>Literal ~ Translators using this principle seek to translate each original word into the closest equivalent word in the reader’s language. </a:t>
-            </a:r>
-            <a:endParaRPr kumimoji="0" lang="en-GB" sz="2400" b="0" i="0" u="none" strike="noStrike" kern="1200" cap="none" spc="0" normalizeH="0" baseline="0" noProof="0" dirty="0" smtClean="0">
-              <a:ln>
-                <a:noFill/>
-              </a:ln>
-              <a:solidFill>
-                <a:schemeClr val="tx1"/>
-              </a:solidFill>
-              <a:effectLst/>
-              <a:uLnTx/>
-              <a:uFillTx/>
-              <a:latin typeface="+mn-lt"/>
-              <a:ea typeface="+mn-ea"/>
-              <a:cs typeface="+mn-cs"/>
-            </a:endParaRPr>
-          </a:p>
-          <a:p>
-            <a:pPr marL="0" marR="0" lvl="0" indent="0" algn="just" defTabSz="914400" rtl="0" eaLnBrk="1" fontAlgn="auto" latinLnBrk="0" hangingPunct="1">
-              <a:lnSpc>
-                <a:spcPct val="100000"/>
-              </a:lnSpc>
-              <a:spcBef>
-                <a:spcPct val="20000"/>
-              </a:spcBef>
-              <a:spcAft>
-                <a:spcPts val="0"/>
-              </a:spcAft>
-              <a:buClrTx/>
-              <a:buSzTx/>
-              <a:buFont typeface="Arial" panose="02080604020202020204" pitchFamily="34" charset="0"/>
-              <a:buNone/>
-              <a:defRPr/>
-            </a:pPr>
-            <a:endParaRPr kumimoji="0" lang="en-GB" sz="2400" b="0" i="0" u="none" strike="noStrike" kern="1200" cap="none" spc="0" normalizeH="0" baseline="0" noProof="0" dirty="0" smtClean="0">
-              <a:ln>
-                <a:noFill/>
-              </a:ln>
-              <a:solidFill>
-                <a:schemeClr val="tx1"/>
-              </a:solidFill>
-              <a:effectLst/>
-              <a:uLnTx/>
-              <a:uFillTx/>
-              <a:latin typeface="+mn-lt"/>
-              <a:ea typeface="+mn-ea"/>
-              <a:cs typeface="+mn-cs"/>
-            </a:endParaRPr>
-          </a:p>
-          <a:p>
-            <a:pPr marL="457200" marR="0" lvl="1" indent="0" algn="just" defTabSz="914400" rtl="0" eaLnBrk="1" fontAlgn="auto" latinLnBrk="0" hangingPunct="1">
-              <a:lnSpc>
-                <a:spcPct val="100000"/>
-              </a:lnSpc>
-              <a:spcBef>
-                <a:spcPct val="20000"/>
-              </a:spcBef>
-              <a:spcAft>
-                <a:spcPts val="0"/>
-              </a:spcAft>
-              <a:buClrTx/>
-              <a:buSzTx/>
-              <a:buFont typeface="Arial" panose="02080604020202020204" pitchFamily="34" charset="0"/>
-              <a:buNone/>
-              <a:defRPr/>
-            </a:pPr>
-            <a:r>
-              <a:rPr kumimoji="0" lang="en-GB" sz="2100" b="0" i="0" u="none" strike="noStrike" kern="1200" cap="none" spc="0" normalizeH="0" baseline="0" noProof="0" dirty="0" smtClean="0">
-                <a:ln>
-                  <a:noFill/>
-                </a:ln>
-                <a:solidFill>
-                  <a:schemeClr val="tx1"/>
-                </a:solidFill>
-                <a:effectLst/>
-                <a:uLnTx/>
-                <a:uFillTx/>
-                <a:latin typeface="+mn-lt"/>
-                <a:ea typeface="+mn-ea"/>
-                <a:cs typeface="+mn-cs"/>
-              </a:rPr>
-              <a:t>The strength of this method is that it is a </a:t>
-            </a:r>
-            <a:r>
-              <a:rPr kumimoji="0" lang="en-GB" sz="2100" b="0" i="0" u="none" strike="noStrike" kern="1200" cap="none" spc="0" normalizeH="0" baseline="0" noProof="0" dirty="0" smtClean="0">
-                <a:ln>
-                  <a:noFill/>
-                </a:ln>
+          <a:bodyPr vert="horz" wrap="square" lIns="91440" tIns="45720" rIns="91440" bIns="45720" anchor="t" anchorCtr="0"/>
+          <a:p>
+            <a:pPr algn="just" eaLnBrk="1" hangingPunct="1">
+              <a:buNone/>
+            </a:pPr>
+            <a:r>
+              <a:rPr lang="en-GB" altLang="en-US" sz="2400" b="1" dirty="0"/>
+              <a:t>   </a:t>
+            </a:r>
+            <a:r>
+              <a:rPr lang="en-GB" altLang="en-US" sz="2400" dirty="0"/>
+              <a:t>Dynamic Equivalence (</a:t>
+            </a:r>
+            <a:r>
+              <a:rPr lang="en-GB" altLang="en-US" sz="2400" dirty="0">
                 <a:solidFill>
                   <a:srgbClr val="FF0000"/>
                 </a:solidFill>
-                <a:effectLst/>
-                <a:uLnTx/>
-                <a:uFillTx/>
-                <a:latin typeface="+mn-lt"/>
-                <a:ea typeface="+mn-ea"/>
-                <a:cs typeface="+mn-cs"/>
-              </a:rPr>
-              <a:t>word for word translation</a:t>
-            </a:r>
-            <a:r>
-              <a:rPr kumimoji="0" lang="en-GB" sz="2100" b="0" i="0" u="none" strike="noStrike" kern="1200" cap="none" spc="0" normalizeH="0" baseline="0" noProof="0" dirty="0" smtClean="0">
-                <a:ln>
-                  <a:noFill/>
-                </a:ln>
-                <a:solidFill>
-                  <a:schemeClr val="tx1"/>
-                </a:solidFill>
-                <a:effectLst/>
-                <a:uLnTx/>
-                <a:uFillTx/>
-                <a:latin typeface="+mn-lt"/>
-                <a:ea typeface="+mn-ea"/>
-                <a:cs typeface="+mn-cs"/>
-              </a:rPr>
-              <a:t> of the Bible giving the reader a close rendering of the literal words of the original writings. </a:t>
-            </a:r>
-            <a:endParaRPr kumimoji="0" lang="en-GB" sz="2100" b="0" i="0" u="none" strike="noStrike" kern="1200" cap="none" spc="0" normalizeH="0" baseline="0" noProof="0" dirty="0" smtClean="0">
-              <a:ln>
-                <a:noFill/>
-              </a:ln>
-              <a:solidFill>
-                <a:schemeClr val="tx1"/>
-              </a:solidFill>
-              <a:effectLst/>
-              <a:uLnTx/>
-              <a:uFillTx/>
-              <a:latin typeface="+mn-lt"/>
-              <a:ea typeface="+mn-ea"/>
-              <a:cs typeface="+mn-cs"/>
-            </a:endParaRPr>
-          </a:p>
-          <a:p>
-            <a:pPr marL="0" marR="0" lvl="0" indent="0" algn="just" defTabSz="914400" rtl="0" eaLnBrk="1" fontAlgn="auto" latinLnBrk="0" hangingPunct="1">
-              <a:lnSpc>
-                <a:spcPct val="100000"/>
-              </a:lnSpc>
-              <a:spcBef>
-                <a:spcPct val="20000"/>
-              </a:spcBef>
-              <a:spcAft>
-                <a:spcPts val="0"/>
-              </a:spcAft>
-              <a:buClrTx/>
-              <a:buSzTx/>
-              <a:buFont typeface="Arial" panose="02080604020202020204" pitchFamily="34" charset="0"/>
-              <a:buNone/>
-              <a:defRPr/>
-            </a:pPr>
-            <a:endParaRPr kumimoji="0" lang="en-GB" sz="2400" b="0" i="0" u="none" strike="noStrike" kern="1200" cap="none" spc="0" normalizeH="0" baseline="0" noProof="0" dirty="0" smtClean="0">
-              <a:ln>
-                <a:noFill/>
-              </a:ln>
-              <a:solidFill>
-                <a:schemeClr val="tx1"/>
-              </a:solidFill>
-              <a:effectLst/>
-              <a:uLnTx/>
-              <a:uFillTx/>
-              <a:latin typeface="+mn-lt"/>
-              <a:ea typeface="+mn-ea"/>
-              <a:cs typeface="+mn-cs"/>
-            </a:endParaRPr>
-          </a:p>
-          <a:p>
-            <a:pPr marL="342900" marR="0" lvl="0" indent="-342900" algn="just" defTabSz="914400" rtl="0" eaLnBrk="1" fontAlgn="auto" latinLnBrk="0" hangingPunct="1">
-              <a:lnSpc>
-                <a:spcPct val="100000"/>
-              </a:lnSpc>
-              <a:spcBef>
-                <a:spcPct val="20000"/>
-              </a:spcBef>
-              <a:spcAft>
-                <a:spcPts val="0"/>
-              </a:spcAft>
-              <a:buClrTx/>
-              <a:buSzTx/>
-              <a:buFont typeface="Arial" panose="02080604020202020204" pitchFamily="34" charset="0"/>
-              <a:buChar char="•"/>
-              <a:defRPr/>
-            </a:pPr>
-            <a:r>
-              <a:rPr kumimoji="0" lang="en-GB" sz="2400" b="0" i="0" u="none" strike="noStrike" kern="1200" cap="none" spc="0" normalizeH="0" baseline="0" noProof="0" dirty="0" smtClean="0">
-                <a:ln>
-                  <a:noFill/>
-                </a:ln>
-                <a:solidFill>
-                  <a:schemeClr val="tx1"/>
-                </a:solidFill>
-                <a:effectLst/>
-                <a:uLnTx/>
-                <a:uFillTx/>
-                <a:latin typeface="+mn-lt"/>
-                <a:ea typeface="+mn-ea"/>
-                <a:cs typeface="+mn-cs"/>
-              </a:rPr>
-              <a:t>The weakness of this principle is that the translation can be stiff and difficult to read, and that words cannot always be found to translate the original words of the Biblical writings.</a:t>
-            </a:r>
-            <a:endParaRPr kumimoji="0" lang="en-GB" sz="2400" b="0" i="0" u="none" strike="noStrike" kern="1200" cap="none" spc="0" normalizeH="0" baseline="0" noProof="0" dirty="0" smtClean="0">
-              <a:ln>
-                <a:noFill/>
-              </a:ln>
-              <a:solidFill>
-                <a:schemeClr val="tx1"/>
-              </a:solidFill>
-              <a:effectLst/>
-              <a:uLnTx/>
-              <a:uFillTx/>
-              <a:latin typeface="+mn-lt"/>
-              <a:ea typeface="+mn-ea"/>
-              <a:cs typeface="+mn-cs"/>
-            </a:endParaRPr>
+              </a:rPr>
+              <a:t>Thought for thought translation)</a:t>
+            </a:r>
+            <a:r>
+              <a:rPr lang="en-GB" altLang="en-US" sz="2400" dirty="0"/>
+              <a:t> ~ Translators using this principle seek to translate, not the literal words, but the meaning these words convey.</a:t>
+            </a:r>
+            <a:endParaRPr lang="en-GB" altLang="en-US" sz="2400" dirty="0"/>
+          </a:p>
+          <a:p>
+            <a:pPr algn="just" eaLnBrk="1" hangingPunct="1">
+              <a:buNone/>
+            </a:pPr>
+            <a:endParaRPr lang="en-GB" altLang="en-US" sz="2400" dirty="0"/>
+          </a:p>
+          <a:p>
+            <a:pPr algn="just" eaLnBrk="1" hangingPunct="1">
+              <a:buNone/>
+            </a:pPr>
+            <a:r>
+              <a:rPr lang="en-GB" altLang="en-US" sz="2400" dirty="0"/>
+              <a:t> The strength of this principle is that the translation is more readable in the reader’s language</a:t>
+            </a:r>
+            <a:r>
+              <a:rPr lang="en-US" altLang="en-GB" sz="2400" dirty="0"/>
+              <a:t>.</a:t>
+            </a:r>
+            <a:endParaRPr lang="en-US" altLang="en-GB" sz="2400" dirty="0"/>
+          </a:p>
+          <a:p>
+            <a:pPr algn="just" eaLnBrk="1" hangingPunct="1">
+              <a:buNone/>
+            </a:pPr>
+            <a:endParaRPr lang="en-US" altLang="en-GB" sz="2400" dirty="0"/>
+          </a:p>
+          <a:p>
+            <a:pPr algn="just" eaLnBrk="1" hangingPunct="1">
+              <a:buNone/>
+            </a:pPr>
+            <a:r>
+              <a:rPr lang="en-GB" altLang="en-US" sz="2400" dirty="0"/>
+              <a:t>The weakness of this principle is that the Bible student, who cannot understand the original languages, is now further distanced from the original words</a:t>
+            </a:r>
+            <a:endParaRPr lang="en-GB" altLang="en-US" sz="2400" dirty="0"/>
           </a:p>
         </p:txBody>
       </p:sp>
@@ -32996,15 +33052,23 @@
               <a:defRPr/>
             </a:pPr>
             <a:r>
-              <a:rPr lang="en-GB" altLang="en-US" sz="3200" b="1" dirty="0">
-                <a:solidFill>
-                  <a:schemeClr val="tx1"/>
-                </a:solidFill>
-                <a:sym typeface="+mn-ea"/>
-              </a:rPr>
-              <a:t>Thought for thought translation</a:t>
-            </a:r>
-            <a:endParaRPr kumimoji="0" lang="en-GB" altLang="en-US" sz="3200" b="1" i="0" u="none" strike="noStrike" kern="1200" cap="none" spc="0" normalizeH="0" baseline="0" noProof="0" dirty="0">
+              <a:rPr kumimoji="0" lang="en-GB" sz="4800" b="1" i="0" u="none" strike="noStrike" kern="1200" cap="none" spc="0" normalizeH="0" baseline="0" noProof="0" dirty="0" smtClean="0">
+                <a:ln>
+                  <a:noFill/>
+                </a:ln>
+                <a:solidFill>
+                  <a:schemeClr val="tx1"/>
+                </a:solidFill>
+                <a:effectLst/>
+                <a:uLnTx/>
+                <a:uFillTx/>
+                <a:latin typeface="+mj-lt"/>
+                <a:ea typeface="+mj-ea"/>
+                <a:cs typeface="+mj-cs"/>
+              </a:rPr>
+              <a:t>Different translations</a:t>
+            </a:r>
+            <a:endParaRPr kumimoji="0" lang="en-GB" sz="4800" b="1" i="0" u="none" strike="noStrike" kern="1200" cap="none" spc="0" normalizeH="0" baseline="0" noProof="0" dirty="0" smtClean="0">
               <a:ln>
                 <a:noFill/>
               </a:ln>
@@ -33017,93 +33081,34 @@
               <a:latin typeface="+mj-lt"/>
               <a:ea typeface="+mj-ea"/>
               <a:cs typeface="+mj-cs"/>
-              <a:sym typeface="+mn-ea"/>
             </a:endParaRPr>
           </a:p>
         </p:txBody>
       </p:sp>
-      <p:sp>
-        <p:nvSpPr>
-          <p:cNvPr id="93187" name="Content Placeholder 2"/>
-          <p:cNvSpPr>
-            <a:spLocks noGrp="1"/>
-          </p:cNvSpPr>
+      <p:pic>
+        <p:nvPicPr>
+          <p:cNvPr id="94211" name="Content Placeholder 3" descr="http://www.apbrown2.net/web/TranslationComparisonChart_files/image002.jpg"/>
+          <p:cNvPicPr>
+            <a:picLocks noGrp="1"/>
+          </p:cNvPicPr>
           <p:nvPr>
             <p:ph idx="1"/>
           </p:nvPr>
-        </p:nvSpPr>
+        </p:nvPicPr>
+        <p:blipFill>
+          <a:blip r:embed="rId1"/>
+          <a:srcRect/>
+          <a:stretch>
+            <a:fillRect/>
+          </a:stretch>
+        </p:blipFill>
         <p:spPr>
           <a:xfrm>
-            <a:off x="457200" y="981075"/>
-            <a:ext cx="8229600" cy="5145088"/>
+            <a:off x="457200" y="2493010"/>
+            <a:ext cx="8229600" cy="2439988"/>
           </a:xfrm>
         </p:spPr>
-        <p:txBody>
-          <a:bodyPr vert="horz" wrap="square" lIns="91440" tIns="45720" rIns="91440" bIns="45720" anchor="t" anchorCtr="0"/>
-          <a:p>
-            <a:pPr algn="just" eaLnBrk="1" hangingPunct="1">
-              <a:buNone/>
-            </a:pPr>
-            <a:r>
-              <a:rPr lang="en-GB" altLang="en-US" sz="2400" b="1" dirty="0"/>
-              <a:t>   </a:t>
-            </a:r>
-            <a:r>
-              <a:rPr lang="en-GB" altLang="en-US" sz="2400" dirty="0"/>
-              <a:t>Dynamic Equivalence (</a:t>
-            </a:r>
-            <a:r>
-              <a:rPr lang="en-GB" altLang="en-US" sz="2400" dirty="0">
-                <a:solidFill>
-                  <a:srgbClr val="FF0000"/>
-                </a:solidFill>
-              </a:rPr>
-              <a:t>Thought for thought translation)</a:t>
-            </a:r>
-            <a:r>
-              <a:rPr lang="en-GB" altLang="en-US" sz="2400" dirty="0"/>
-              <a:t> ~ Translators using this principle seek to translate, not the literal words, but the meaning these words convey.</a:t>
-            </a:r>
-            <a:endParaRPr lang="en-GB" altLang="en-US" sz="2400" dirty="0"/>
-          </a:p>
-          <a:p>
-            <a:pPr algn="just" eaLnBrk="1" hangingPunct="1">
-              <a:buNone/>
-            </a:pPr>
-            <a:endParaRPr lang="en-GB" altLang="en-US" sz="2400" dirty="0"/>
-          </a:p>
-          <a:p>
-            <a:pPr algn="just" eaLnBrk="1" hangingPunct="1">
-              <a:buNone/>
-            </a:pPr>
-            <a:r>
-              <a:rPr lang="en-GB" altLang="en-US" sz="2400" dirty="0"/>
-              <a:t> The strength of this principle is that the translation is more readable in the reader’s language</a:t>
-            </a:r>
-            <a:r>
-              <a:rPr lang="en-US" altLang="en-GB" sz="2400" dirty="0"/>
-              <a:t>.</a:t>
-            </a:r>
-            <a:endParaRPr lang="en-US" altLang="en-GB" sz="2400" dirty="0"/>
-          </a:p>
-          <a:p>
-            <a:pPr algn="just" eaLnBrk="1" hangingPunct="1">
-              <a:buNone/>
-            </a:pPr>
-            <a:endParaRPr lang="en-US" altLang="en-GB" sz="2400" dirty="0"/>
-          </a:p>
-          <a:p>
-            <a:pPr algn="just" eaLnBrk="1" hangingPunct="1">
-              <a:buNone/>
-            </a:pPr>
-            <a:r>
-              <a:rPr lang="en-GB" altLang="en-US" sz="2400" dirty="0"/>
-              <a:t>The weakness of this principle is that the Bible student, who cannot understand the original languages, is now further distanced from the original words</a:t>
-            </a:r>
-            <a:endParaRPr lang="en-GB" altLang="en-US" sz="2400" dirty="0"/>
-          </a:p>
-        </p:txBody>
-      </p:sp>
+      </p:pic>
     </p:spTree>
   </p:cSld>
   <p:clrMapOvr>
@@ -33147,14 +33152,14 @@
         <p:spPr>
           <a:xfrm>
             <a:off x="457200" y="274638"/>
-            <a:ext cx="8229600" cy="490538"/>
+            <a:ext cx="8229600" cy="511175"/>
           </a:xfrm>
         </p:spPr>
         <p:txBody>
-          <a:bodyPr vert="horz" wrap="square" lIns="91440" tIns="45720" rIns="91440" bIns="45720" numCol="1" rtlCol="0" anchor="ctr" anchorCtr="0" compatLnSpc="1"/>
+          <a:bodyPr vert="horz" wrap="square" lIns="91440" tIns="45720" rIns="91440" bIns="45720" numCol="1" anchor="ctr" anchorCtr="0" compatLnSpc="1"/>
           <a:lstStyle/>
           <a:p>
-            <a:pPr marL="0" marR="0" lvl="0" indent="0" algn="ctr" defTabSz="914400" rtl="0" eaLnBrk="1" fontAlgn="auto" latinLnBrk="0" hangingPunct="1">
+            <a:pPr marL="0" marR="0" lvl="0" indent="0" algn="ctr" defTabSz="914400" rtl="0" eaLnBrk="0" fontAlgn="base" latinLnBrk="0" hangingPunct="0">
               <a:lnSpc>
                 <a:spcPct val="100000"/>
               </a:lnSpc>
@@ -33162,7 +33167,7 @@
                 <a:spcPct val="0"/>
               </a:spcBef>
               <a:spcAft>
-                <a:spcPts val="0"/>
+                <a:spcPct val="0"/>
               </a:spcAft>
               <a:buClrTx/>
               <a:buSzTx/>
@@ -33171,7 +33176,7 @@
               <a:defRPr/>
             </a:pPr>
             <a:r>
-              <a:rPr kumimoji="0" lang="en-GB" sz="4800" b="1" i="0" u="none" strike="noStrike" kern="1200" cap="none" spc="0" normalizeH="0" baseline="0" noProof="0" dirty="0" smtClean="0">
+              <a:rPr kumimoji="0" lang="en-US" b="1" i="0" u="none" strike="noStrike" kern="1200" cap="small" spc="0" normalizeH="0" baseline="0" noProof="0" dirty="0" smtClean="0">
                 <a:ln>
                   <a:noFill/>
                 </a:ln>
@@ -33185,9 +33190,77 @@
                 <a:ea typeface="+mj-ea"/>
                 <a:cs typeface="+mj-cs"/>
               </a:rPr>
-              <a:t>Different translations</a:t>
-            </a:r>
-            <a:endParaRPr kumimoji="0" lang="en-GB" sz="4800" b="1" i="0" u="none" strike="noStrike" kern="1200" cap="none" spc="0" normalizeH="0" baseline="0" noProof="0" dirty="0" smtClean="0">
+              <a:t>The Purpose </a:t>
+            </a:r>
+            <a:r>
+              <a:rPr kumimoji="0" lang="en-US" sz="6000" b="1" i="0" u="none" strike="noStrike" kern="1200" cap="small" spc="0" normalizeH="0" baseline="0" noProof="0" dirty="0" smtClean="0">
+                <a:ln>
+                  <a:noFill/>
+                </a:ln>
+                <a:solidFill>
+                  <a:schemeClr val="tx1"/>
+                </a:solidFill>
+                <a:effectLst/>
+                <a:uLnTx/>
+                <a:uFillTx/>
+                <a:latin typeface="+mj-lt"/>
+                <a:ea typeface="+mj-ea"/>
+                <a:cs typeface="+mj-cs"/>
+              </a:rPr>
+              <a:t>o</a:t>
+            </a:r>
+            <a:r>
+              <a:rPr kumimoji="0" lang="en-US" b="1" i="0" u="none" strike="noStrike" kern="1200" cap="small" spc="0" normalizeH="0" baseline="0" noProof="0" dirty="0" smtClean="0">
+                <a:ln>
+                  <a:noFill/>
+                </a:ln>
+                <a:solidFill>
+                  <a:schemeClr val="tx1"/>
+                </a:solidFill>
+                <a:effectLst/>
+                <a:uLnTx/>
+                <a:uFillTx/>
+                <a:latin typeface="+mj-lt"/>
+                <a:ea typeface="+mj-ea"/>
+                <a:cs typeface="+mj-cs"/>
+              </a:rPr>
+              <a:t>f </a:t>
+            </a:r>
+            <a:r>
+              <a:rPr kumimoji="0" lang="en-US" sz="5400" b="1" i="0" u="none" strike="noStrike" kern="1200" cap="small" spc="0" normalizeH="0" baseline="0" noProof="0" dirty="0" smtClean="0">
+                <a:ln>
+                  <a:noFill/>
+                </a:ln>
+                <a:solidFill>
+                  <a:schemeClr val="tx1"/>
+                </a:solidFill>
+                <a:effectLst/>
+                <a:uLnTx/>
+                <a:uFillTx/>
+                <a:latin typeface="+mj-lt"/>
+                <a:ea typeface="+mj-ea"/>
+                <a:cs typeface="+mj-cs"/>
+              </a:rPr>
+              <a:t>t</a:t>
+            </a:r>
+            <a:r>
+              <a:rPr kumimoji="0" lang="en-US" b="1" i="0" u="none" strike="noStrike" kern="1200" cap="small" spc="0" normalizeH="0" baseline="0" noProof="0" dirty="0" smtClean="0">
+                <a:ln>
+                  <a:noFill/>
+                </a:ln>
+                <a:solidFill>
+                  <a:schemeClr val="tx1"/>
+                </a:solidFill>
+                <a:effectLst/>
+                <a:uLnTx/>
+                <a:uFillTx/>
+                <a:latin typeface="+mj-lt"/>
+                <a:ea typeface="+mj-ea"/>
+                <a:cs typeface="+mj-cs"/>
+              </a:rPr>
+              <a:t>he Bible</a:t>
+            </a:r>
+            <a:endParaRPr kumimoji="0" lang="en-US" b="1" i="0" u="none" strike="noStrike" kern="1200" cap="small" spc="0" normalizeH="0" baseline="0" noProof="0" dirty="0" smtClean="0">
               <a:ln>
                 <a:noFill/>
               </a:ln>
@@ -33204,30 +33277,53 @@
           </a:p>
         </p:txBody>
       </p:sp>
-      <p:pic>
-        <p:nvPicPr>
-          <p:cNvPr id="94211" name="Content Placeholder 3" descr="http://www.apbrown2.net/web/TranslationComparisonChart_files/image002.jpg"/>
-          <p:cNvPicPr>
-            <a:picLocks noGrp="1"/>
-          </p:cNvPicPr>
+      <p:sp>
+        <p:nvSpPr>
+          <p:cNvPr id="95235" name="Content Placeholder 2"/>
+          <p:cNvSpPr>
+            <a:spLocks noGrp="1"/>
+          </p:cNvSpPr>
           <p:nvPr>
             <p:ph idx="1"/>
           </p:nvPr>
-        </p:nvPicPr>
-        <p:blipFill>
-          <a:blip r:embed="rId1"/>
-          <a:srcRect/>
-          <a:stretch>
-            <a:fillRect/>
-          </a:stretch>
-        </p:blipFill>
+        </p:nvSpPr>
         <p:spPr>
           <a:xfrm>
-            <a:off x="457200" y="2493010"/>
-            <a:ext cx="8229600" cy="2439988"/>
+            <a:off x="457200" y="1071563"/>
+            <a:ext cx="8229600" cy="5054600"/>
           </a:xfrm>
         </p:spPr>
-      </p:pic>
+        <p:txBody>
+          <a:bodyPr vert="horz" wrap="square" lIns="91440" tIns="45720" rIns="91440" bIns="45720" anchor="t" anchorCtr="0"/>
+          <a:p>
+            <a:r>
+              <a:rPr lang="en-US" altLang="en-US" sz="2800" dirty="0"/>
+              <a:t>The Bible reveals God and exposes humanity. </a:t>
+            </a:r>
+            <a:endParaRPr lang="en-US" altLang="en-US" sz="2800" dirty="0"/>
+          </a:p>
+          <a:p>
+            <a:endParaRPr lang="en-US" altLang="en-US" sz="2800" dirty="0"/>
+          </a:p>
+          <a:p>
+            <a:r>
+              <a:rPr lang="en-US" altLang="en-US" sz="2800" dirty="0"/>
+              <a:t>It exposes our predicament and reveals His solution. </a:t>
+            </a:r>
+            <a:endParaRPr lang="en-US" altLang="en-US" sz="2800" dirty="0"/>
+          </a:p>
+          <a:p>
+            <a:endParaRPr lang="en-US" altLang="en-US" sz="2800" dirty="0"/>
+          </a:p>
+          <a:p>
+            <a:r>
+              <a:rPr lang="en-US" altLang="en-US" sz="2800" dirty="0"/>
+              <a:t>It presents us as lost, estranged from God, and reveals Jesus as the one who finds us and brings us back to God.</a:t>
+            </a:r>
+            <a:endParaRPr lang="en-US" altLang="en-US" sz="2800" dirty="0"/>
+          </a:p>
+        </p:txBody>
+      </p:sp>
     </p:spTree>
   </p:cSld>
   <p:clrMapOvr>
@@ -33465,7 +33561,7 @@
       <p:grpSpPr/>
       <p:sp>
         <p:nvSpPr>
-          <p:cNvPr id="2" name="Title 1"/>
+          <p:cNvPr id="96258" name="Title 1"/>
           <p:cNvSpPr>
             <a:spLocks noGrp="1"/>
           </p:cNvSpPr>
@@ -33475,135 +33571,27 @@
         </p:nvSpPr>
         <p:spPr>
           <a:xfrm>
-            <a:off x="457200" y="274638"/>
-            <a:ext cx="8229600" cy="511175"/>
+            <a:off x="457200" y="274955"/>
+            <a:ext cx="8229600" cy="1325880"/>
           </a:xfrm>
         </p:spPr>
         <p:txBody>
-          <a:bodyPr vert="horz" wrap="square" lIns="91440" tIns="45720" rIns="91440" bIns="45720" numCol="1" anchor="ctr" anchorCtr="0" compatLnSpc="1"/>
-          <a:lstStyle/>
-          <a:p>
-            <a:pPr marL="0" marR="0" lvl="0" indent="0" algn="ctr" defTabSz="914400" rtl="0" eaLnBrk="0" fontAlgn="base" latinLnBrk="0" hangingPunct="0">
-              <a:lnSpc>
-                <a:spcPct val="100000"/>
-              </a:lnSpc>
-              <a:spcBef>
-                <a:spcPct val="0"/>
-              </a:spcBef>
-              <a:spcAft>
-                <a:spcPct val="0"/>
-              </a:spcAft>
-              <a:buClrTx/>
-              <a:buSzTx/>
-              <a:buFontTx/>
-              <a:buNone/>
-              <a:defRPr/>
-            </a:pPr>
-            <a:r>
-              <a:rPr kumimoji="0" lang="en-US" b="1" i="0" u="none" strike="noStrike" kern="1200" cap="small" spc="0" normalizeH="0" baseline="0" noProof="0" dirty="0" smtClean="0">
-                <a:ln>
-                  <a:noFill/>
-                </a:ln>
-                <a:solidFill>
-                  <a:schemeClr val="tx1"/>
-                </a:solidFill>
-                <a:effectLst/>
-                <a:uLnTx/>
-                <a:uFillTx/>
-                <a:latin typeface="+mj-lt"/>
-                <a:ea typeface="+mj-ea"/>
-                <a:cs typeface="+mj-cs"/>
-              </a:rPr>
-              <a:t>The Purpose </a:t>
-            </a:r>
-            <a:r>
-              <a:rPr kumimoji="0" lang="en-US" sz="6000" b="1" i="0" u="none" strike="noStrike" kern="1200" cap="small" spc="0" normalizeH="0" baseline="0" noProof="0" dirty="0" smtClean="0">
-                <a:ln>
-                  <a:noFill/>
-                </a:ln>
-                <a:solidFill>
-                  <a:schemeClr val="tx1"/>
-                </a:solidFill>
-                <a:effectLst/>
-                <a:uLnTx/>
-                <a:uFillTx/>
-                <a:latin typeface="+mj-lt"/>
-                <a:ea typeface="+mj-ea"/>
-                <a:cs typeface="+mj-cs"/>
-              </a:rPr>
-              <a:t>o</a:t>
-            </a:r>
-            <a:r>
-              <a:rPr kumimoji="0" lang="en-US" b="1" i="0" u="none" strike="noStrike" kern="1200" cap="small" spc="0" normalizeH="0" baseline="0" noProof="0" dirty="0" smtClean="0">
-                <a:ln>
-                  <a:noFill/>
-                </a:ln>
-                <a:solidFill>
-                  <a:schemeClr val="tx1"/>
-                </a:solidFill>
-                <a:effectLst/>
-                <a:uLnTx/>
-                <a:uFillTx/>
-                <a:latin typeface="+mj-lt"/>
-                <a:ea typeface="+mj-ea"/>
-                <a:cs typeface="+mj-cs"/>
-              </a:rPr>
-              <a:t>f </a:t>
-            </a:r>
-            <a:r>
-              <a:rPr kumimoji="0" lang="en-US" sz="5400" b="1" i="0" u="none" strike="noStrike" kern="1200" cap="small" spc="0" normalizeH="0" baseline="0" noProof="0" dirty="0" smtClean="0">
-                <a:ln>
-                  <a:noFill/>
-                </a:ln>
-                <a:solidFill>
-                  <a:schemeClr val="tx1"/>
-                </a:solidFill>
-                <a:effectLst/>
-                <a:uLnTx/>
-                <a:uFillTx/>
-                <a:latin typeface="+mj-lt"/>
-                <a:ea typeface="+mj-ea"/>
-                <a:cs typeface="+mj-cs"/>
-              </a:rPr>
-              <a:t>t</a:t>
-            </a:r>
-            <a:r>
-              <a:rPr kumimoji="0" lang="en-US" b="1" i="0" u="none" strike="noStrike" kern="1200" cap="small" spc="0" normalizeH="0" baseline="0" noProof="0" dirty="0" smtClean="0">
-                <a:ln>
-                  <a:noFill/>
-                </a:ln>
-                <a:solidFill>
-                  <a:schemeClr val="tx1"/>
-                </a:solidFill>
-                <a:effectLst/>
-                <a:uLnTx/>
-                <a:uFillTx/>
-                <a:latin typeface="+mj-lt"/>
-                <a:ea typeface="+mj-ea"/>
-                <a:cs typeface="+mj-cs"/>
-              </a:rPr>
-              <a:t>he Bible</a:t>
-            </a:r>
-            <a:endParaRPr kumimoji="0" lang="en-US" b="1" i="0" u="none" strike="noStrike" kern="1200" cap="small" spc="0" normalizeH="0" baseline="0" noProof="0" dirty="0" smtClean="0">
-              <a:ln>
-                <a:noFill/>
-              </a:ln>
-              <a:solidFill>
-                <a:schemeClr val="tx1"/>
-              </a:solidFill>
-              <a:effectLst/>
-              <a:uLnTx/>
-              <a:uFillTx/>
-              <a:latin typeface="+mj-lt"/>
-              <a:ea typeface="+mj-ea"/>
-              <a:cs typeface="+mj-cs"/>
-            </a:endParaRPr>
+          <a:bodyPr vert="horz" wrap="square" lIns="91440" tIns="45720" rIns="91440" bIns="45720" anchor="ctr" anchorCtr="0"/>
+          <a:p>
+            <a:r>
+              <a:rPr lang="en-GB" altLang="en-US" sz="3600" b="1" dirty="0"/>
+              <a:t>MEDITATION AND BIBLE STUDY</a:t>
+            </a:r>
+            <a:br>
+              <a:rPr lang="en-GB" altLang="en-US" sz="3600" dirty="0"/>
+            </a:br>
+            <a:endParaRPr lang="en-GB" altLang="en-US" sz="3600" dirty="0"/>
           </a:p>
         </p:txBody>
       </p:sp>
       <p:sp>
         <p:nvSpPr>
-          <p:cNvPr id="95235" name="Content Placeholder 2"/>
+          <p:cNvPr id="96259" name="Content Placeholder 2"/>
           <p:cNvSpPr>
             <a:spLocks noGrp="1"/>
           </p:cNvSpPr>
@@ -33611,40 +33599,53 @@
             <p:ph idx="1"/>
           </p:nvPr>
         </p:nvSpPr>
-        <p:spPr>
-          <a:xfrm>
-            <a:off x="457200" y="1071563"/>
-            <a:ext cx="8229600" cy="5054600"/>
-          </a:xfrm>
-        </p:spPr>
+        <p:spPr/>
         <p:txBody>
           <a:bodyPr vert="horz" wrap="square" lIns="91440" tIns="45720" rIns="91440" bIns="45720" anchor="t" anchorCtr="0"/>
           <a:p>
-            <a:r>
-              <a:rPr lang="en-US" altLang="en-US" sz="2800" dirty="0"/>
-              <a:t>The Bible reveals God and exposes humanity. </a:t>
-            </a:r>
-            <a:endParaRPr lang="en-US" altLang="en-US" sz="2800" dirty="0"/>
-          </a:p>
-          <a:p>
-            <a:endParaRPr lang="en-US" altLang="en-US" sz="2800" dirty="0"/>
-          </a:p>
-          <a:p>
-            <a:r>
-              <a:rPr lang="en-US" altLang="en-US" sz="2800" dirty="0"/>
-              <a:t>It exposes our predicament and reveals His solution. </a:t>
-            </a:r>
-            <a:endParaRPr lang="en-US" altLang="en-US" sz="2800" dirty="0"/>
-          </a:p>
-          <a:p>
-            <a:endParaRPr lang="en-US" altLang="en-US" sz="2800" dirty="0"/>
-          </a:p>
-          <a:p>
-            <a:r>
-              <a:rPr lang="en-US" altLang="en-US" sz="2800" dirty="0"/>
-              <a:t>It presents us as lost, estranged from God, and reveals Jesus as the one who finds us and brings us back to God.</a:t>
-            </a:r>
-            <a:endParaRPr lang="en-US" altLang="en-US" sz="2800" dirty="0"/>
+            <a:pPr algn="just"/>
+            <a:r>
+              <a:rPr lang="en-GB" altLang="en-US" sz="2400" dirty="0"/>
+              <a:t>Meditation and Bible study as two ways to access the biblical message</a:t>
+            </a:r>
+            <a:r>
+              <a:rPr lang="en-US" altLang="en-GB" sz="2400" dirty="0"/>
+              <a:t>.</a:t>
+            </a:r>
+            <a:endParaRPr lang="en-US" altLang="en-GB" sz="2400" dirty="0"/>
+          </a:p>
+          <a:p>
+            <a:pPr marL="0" indent="0" algn="just">
+              <a:buNone/>
+            </a:pPr>
+            <a:endParaRPr lang="en-GB" altLang="en-US" sz="2400" dirty="0"/>
+          </a:p>
+          <a:p>
+            <a:pPr algn="just"/>
+            <a:r>
+              <a:rPr lang="en-GB" altLang="en-US" sz="2400" dirty="0"/>
+              <a:t>Difference between meditation and Bible study: </a:t>
+            </a:r>
+            <a:endParaRPr lang="en-GB" altLang="en-US" sz="2400" dirty="0"/>
+          </a:p>
+          <a:p>
+            <a:pPr algn="just">
+              <a:buNone/>
+            </a:pPr>
+            <a:r>
+              <a:rPr lang="en-GB" altLang="en-US" sz="2400" dirty="0"/>
+              <a:t>    Bible study is based on logical analysis, meditation on fillings; BS is systematic (methodology) Meditation is not; BS requires tools but for meditation the Bible is sufficient; BS requires sufficient time but meditation is not; Bible study requires quiet place but meditation can be done anywhere you are. </a:t>
+            </a:r>
+            <a:endParaRPr lang="en-GB" altLang="en-US" sz="2400" dirty="0"/>
+          </a:p>
+          <a:p>
+            <a:pPr>
+              <a:buNone/>
+            </a:pPr>
+            <a:endParaRPr lang="en-GB" altLang="en-US" sz="2800" dirty="0"/>
+          </a:p>
+          <a:p>
+            <a:endParaRPr lang="en-GB" altLang="en-US" sz="2800" dirty="0"/>
           </a:p>
         </p:txBody>
       </p:sp>
@@ -33680,7 +33681,7 @@
       <p:grpSpPr/>
       <p:sp>
         <p:nvSpPr>
-          <p:cNvPr id="96258" name="Title 1"/>
+          <p:cNvPr id="97282" name="Title 1"/>
           <p:cNvSpPr>
             <a:spLocks noGrp="1"/>
           </p:cNvSpPr>
@@ -33688,29 +33689,21 @@
             <p:ph type="title"/>
           </p:nvPr>
         </p:nvSpPr>
-        <p:spPr>
-          <a:xfrm>
-            <a:off x="457200" y="274955"/>
-            <a:ext cx="8229600" cy="1325880"/>
-          </a:xfrm>
-        </p:spPr>
+        <p:spPr/>
         <p:txBody>
           <a:bodyPr vert="horz" wrap="square" lIns="91440" tIns="45720" rIns="91440" bIns="45720" anchor="ctr" anchorCtr="0"/>
           <a:p>
             <a:r>
-              <a:rPr lang="en-GB" altLang="en-US" sz="3600" b="1" dirty="0"/>
-              <a:t>MEDITATION AND BIBLE STUDY</a:t>
-            </a:r>
-            <a:br>
-              <a:rPr lang="en-GB" altLang="en-US" sz="3600" dirty="0"/>
-            </a:br>
-            <a:endParaRPr lang="en-GB" altLang="en-US" sz="3600" dirty="0"/>
+              <a:rPr lang="en-GB" altLang="en-US" sz="5400" b="1" dirty="0"/>
+              <a:t>BIBLE STUDY</a:t>
+            </a:r>
+            <a:endParaRPr lang="en-GB" altLang="en-US" sz="5400" b="1" dirty="0"/>
           </a:p>
         </p:txBody>
       </p:sp>
       <p:sp>
         <p:nvSpPr>
-          <p:cNvPr id="96259" name="Content Placeholder 2"/>
+          <p:cNvPr id="97283" name="Content Placeholder 2"/>
           <p:cNvSpPr>
             <a:spLocks noGrp="1"/>
           </p:cNvSpPr>
@@ -33722,48 +33715,85 @@
         <p:txBody>
           <a:bodyPr vert="horz" wrap="square" lIns="91440" tIns="45720" rIns="91440" bIns="45720" anchor="t" anchorCtr="0"/>
           <a:p>
-            <a:pPr algn="just"/>
-            <a:r>
-              <a:rPr lang="en-GB" altLang="en-US" sz="2400" dirty="0"/>
-              <a:t>Meditation and Bible study as two ways to access the biblical message</a:t>
-            </a:r>
-            <a:r>
-              <a:rPr lang="en-US" altLang="en-GB" sz="2400" dirty="0"/>
-              <a:t>.</a:t>
-            </a:r>
-            <a:endParaRPr lang="en-US" altLang="en-GB" sz="2400" dirty="0"/>
-          </a:p>
-          <a:p>
-            <a:pPr marL="0" indent="0" algn="just">
-              <a:buNone/>
-            </a:pPr>
-            <a:endParaRPr lang="en-GB" altLang="en-US" sz="2400" dirty="0"/>
-          </a:p>
-          <a:p>
-            <a:pPr algn="just"/>
-            <a:r>
-              <a:rPr lang="en-GB" altLang="en-US" sz="2400" dirty="0"/>
-              <a:t>Difference between meditation and Bible study: </a:t>
-            </a:r>
-            <a:endParaRPr lang="en-GB" altLang="en-US" sz="2400" dirty="0"/>
-          </a:p>
-          <a:p>
-            <a:pPr algn="just">
-              <a:buNone/>
-            </a:pPr>
-            <a:r>
-              <a:rPr lang="en-GB" altLang="en-US" sz="2400" dirty="0"/>
-              <a:t>    Bible study is based on logical analysis, meditation on fillings; BS is systematic (methodology) Meditation is not; BS requires tools but for meditation the Bible is sufficient; BS requires sufficient time but meditation is not; Bible study requires quiet place but meditation can be done anywhere you are. </a:t>
-            </a:r>
-            <a:endParaRPr lang="en-GB" altLang="en-US" sz="2400" dirty="0"/>
-          </a:p>
-          <a:p>
             <a:pPr>
               <a:buNone/>
             </a:pPr>
+            <a:r>
+              <a:rPr lang="en-GB" altLang="en-US" sz="2800" b="1" dirty="0"/>
+              <a:t>Bible study requires:</a:t>
+            </a:r>
+            <a:endParaRPr lang="en-GB" altLang="en-US" sz="2800" b="1" dirty="0"/>
+          </a:p>
+          <a:p>
+            <a:pPr>
+              <a:buNone/>
+            </a:pPr>
+            <a:endParaRPr lang="en-GB" altLang="en-US" sz="2800" b="1" dirty="0"/>
+          </a:p>
+          <a:p>
+            <a:pPr>
+              <a:buFont typeface="Wingdings" panose="05000000000000000000" pitchFamily="2" charset="2"/>
+              <a:buChar char="v"/>
+            </a:pPr>
+            <a:r>
+              <a:rPr lang="en-GB" altLang="en-US" sz="2800" dirty="0"/>
+              <a:t>The Right Heart Attitude</a:t>
+            </a:r>
             <a:endParaRPr lang="en-GB" altLang="en-US" sz="2800" dirty="0"/>
           </a:p>
           <a:p>
+            <a:pPr>
+              <a:buFont typeface="Wingdings" panose="05000000000000000000" pitchFamily="2" charset="2"/>
+              <a:buChar char="v"/>
+            </a:pPr>
+            <a:r>
+              <a:rPr lang="en-GB" altLang="en-US" sz="2800" dirty="0"/>
+              <a:t>The Right Conviction</a:t>
+            </a:r>
+            <a:endParaRPr lang="en-GB" altLang="en-US" sz="2800" dirty="0"/>
+          </a:p>
+          <a:p>
+            <a:pPr>
+              <a:buFont typeface="Wingdings" panose="05000000000000000000" pitchFamily="2" charset="2"/>
+              <a:buChar char="v"/>
+            </a:pPr>
+            <a:r>
+              <a:rPr lang="en-GB" altLang="en-US" sz="2800" dirty="0"/>
+              <a:t>The Right Tools</a:t>
+            </a:r>
+            <a:endParaRPr lang="en-GB" altLang="en-US" sz="2800" dirty="0"/>
+          </a:p>
+          <a:p>
+            <a:pPr>
+              <a:buFont typeface="Wingdings" panose="05000000000000000000" pitchFamily="2" charset="2"/>
+              <a:buChar char="v"/>
+            </a:pPr>
+            <a:r>
+              <a:rPr lang="en-GB" altLang="en-US" sz="2800" dirty="0"/>
+              <a:t>The Right Method	</a:t>
+            </a:r>
+            <a:endParaRPr lang="en-GB" altLang="en-US" sz="2800" dirty="0"/>
+          </a:p>
+          <a:p>
+            <a:endParaRPr lang="en-GB" altLang="en-US" sz="2800" dirty="0"/>
+          </a:p>
+          <a:p>
+            <a:endParaRPr lang="en-GB" altLang="en-US" sz="2800" dirty="0"/>
+          </a:p>
+          <a:p>
+            <a:endParaRPr lang="en-GB" altLang="en-US" sz="2800" dirty="0"/>
+          </a:p>
+          <a:p>
+            <a:endParaRPr lang="en-GB" altLang="en-US" sz="2800" dirty="0"/>
+          </a:p>
+          <a:p>
+            <a:pPr>
+              <a:buNone/>
+            </a:pPr>
+            <a:r>
+              <a:rPr lang="en-GB" altLang="en-US" sz="2800" dirty="0"/>
+              <a:t> </a:t>
+            </a:r>
             <a:endParaRPr lang="en-GB" altLang="en-US" sz="2800" dirty="0"/>
           </a:p>
         </p:txBody>
@@ -33800,7 +33830,7 @@
       <p:grpSpPr/>
       <p:sp>
         <p:nvSpPr>
-          <p:cNvPr id="97282" name="Title 1"/>
+          <p:cNvPr id="98306" name="Title 1"/>
           <p:cNvSpPr>
             <a:spLocks noGrp="1"/>
           </p:cNvSpPr>
@@ -33813,16 +33843,18 @@
           <a:bodyPr vert="horz" wrap="square" lIns="91440" tIns="45720" rIns="91440" bIns="45720" anchor="ctr" anchorCtr="0"/>
           <a:p>
             <a:r>
-              <a:rPr lang="en-GB" altLang="en-US" sz="5400" b="1" dirty="0"/>
+              <a:rPr lang="en-GB" altLang="en-US" b="1" dirty="0">
+                <a:sym typeface="+mn-ea"/>
+              </a:rPr>
               <a:t>BIBLE STUDY</a:t>
             </a:r>
-            <a:endParaRPr lang="en-GB" altLang="en-US" sz="5400" b="1" dirty="0"/>
+            <a:endParaRPr lang="en-GB" altLang="en-US" dirty="0"/>
           </a:p>
         </p:txBody>
       </p:sp>
       <p:sp>
         <p:nvSpPr>
-          <p:cNvPr id="97283" name="Content Placeholder 2"/>
+          <p:cNvPr id="98307" name="Content Placeholder 2"/>
           <p:cNvSpPr>
             <a:spLocks noGrp="1"/>
           </p:cNvSpPr>
@@ -33834,86 +33866,185 @@
         <p:txBody>
           <a:bodyPr vert="horz" wrap="square" lIns="91440" tIns="45720" rIns="91440" bIns="45720" anchor="t" anchorCtr="0"/>
           <a:p>
+            <a:pPr algn="just"/>
+            <a:r>
+              <a:rPr lang="en-GB" altLang="en-US" sz="1600" b="1" dirty="0"/>
+              <a:t>Having the Right Heart Attitude</a:t>
+            </a:r>
+            <a:endParaRPr lang="en-GB" altLang="en-US" sz="1600" b="1" dirty="0"/>
+          </a:p>
+          <a:p>
+            <a:pPr algn="just"/>
+            <a:endParaRPr lang="en-GB" altLang="en-US" sz="1600" dirty="0"/>
+          </a:p>
+          <a:p>
+            <a:pPr algn="just">
+              <a:buNone/>
+            </a:pPr>
+            <a:r>
+              <a:rPr lang="en-GB" altLang="en-US" sz="1600" b="1" dirty="0"/>
+              <a:t>   1. A New Heart :</a:t>
+            </a:r>
+            <a:r>
+              <a:rPr lang="en-GB" altLang="en-US" sz="1600" dirty="0"/>
+              <a:t>In order to truly understand the Bible, a book of Spiritual Truths written by the </a:t>
+            </a:r>
+            <a:r>
+              <a:rPr lang="en-GB" altLang="en-US" sz="1600" b="1" dirty="0"/>
+              <a:t>Spirit of God, </a:t>
+            </a:r>
+            <a:r>
+              <a:rPr lang="en-GB" altLang="en-US" sz="1600" dirty="0"/>
+              <a:t>the Bible student must possess the Author </a:t>
+            </a:r>
+            <a:r>
+              <a:rPr lang="en-GB" altLang="en-US" sz="1600" b="1" dirty="0"/>
+              <a:t>(the Holy Spirit) </a:t>
+            </a:r>
+            <a:r>
+              <a:rPr lang="en-GB" altLang="en-US" sz="1600" dirty="0"/>
+              <a:t>in his heart to be his </a:t>
+            </a:r>
+            <a:r>
+              <a:rPr lang="en-GB" altLang="en-US" sz="1600" b="1" dirty="0"/>
+              <a:t>Guide </a:t>
+            </a:r>
+            <a:r>
+              <a:rPr lang="en-GB" altLang="en-US" sz="1600" dirty="0"/>
+              <a:t>and </a:t>
+            </a:r>
+            <a:r>
+              <a:rPr lang="en-GB" altLang="en-US" sz="1600" b="1" dirty="0"/>
+              <a:t>Teacher! </a:t>
+            </a:r>
+            <a:r>
+              <a:rPr lang="en-GB" altLang="en-US" sz="1600" dirty="0"/>
+              <a:t>He must be </a:t>
+            </a:r>
+            <a:r>
+              <a:rPr lang="en-GB" altLang="en-US" sz="1600" b="1" dirty="0"/>
+              <a:t>“born again” </a:t>
+            </a:r>
+            <a:r>
+              <a:rPr lang="en-GB" altLang="en-US" sz="1600" dirty="0"/>
+              <a:t>by God with a </a:t>
+            </a:r>
+            <a:r>
+              <a:rPr lang="en-GB" altLang="en-US" sz="1600" b="1" dirty="0"/>
+              <a:t>New Heart! (1 Corinthians 2:13-14)</a:t>
+            </a:r>
+            <a:endParaRPr lang="en-GB" altLang="en-US" sz="1600" b="1" dirty="0"/>
+          </a:p>
+          <a:p>
+            <a:pPr algn="just">
+              <a:buNone/>
+            </a:pPr>
+            <a:endParaRPr lang="en-GB" altLang="en-US" sz="1600" b="1" dirty="0"/>
+          </a:p>
+          <a:p>
+            <a:pPr algn="just">
+              <a:buNone/>
+            </a:pPr>
+            <a:r>
+              <a:rPr lang="en-GB" altLang="en-US" sz="1600" b="1" dirty="0">
+                <a:sym typeface="+mn-ea"/>
+              </a:rPr>
+              <a:t>    2. A Hungry Heart: </a:t>
+            </a:r>
+            <a:r>
+              <a:rPr lang="en-GB" altLang="en-US" sz="1600" dirty="0">
+                <a:sym typeface="+mn-ea"/>
+              </a:rPr>
+              <a:t>The main requirement to study God’s Word </a:t>
+            </a:r>
+            <a:r>
+              <a:rPr lang="en-GB" altLang="en-US" sz="1600" b="1" dirty="0">
+                <a:sym typeface="+mn-ea"/>
+              </a:rPr>
+              <a:t>is not a seminary degree, </a:t>
+            </a:r>
+            <a:r>
+              <a:rPr lang="en-GB" altLang="en-US" sz="1600" dirty="0">
+                <a:sym typeface="+mn-ea"/>
+              </a:rPr>
+              <a:t>but </a:t>
+            </a:r>
+            <a:r>
+              <a:rPr lang="en-GB" altLang="en-US" sz="1600" b="1" dirty="0">
+                <a:sym typeface="+mn-ea"/>
+              </a:rPr>
+              <a:t>an intense desire to know God’s Will.</a:t>
+            </a:r>
+            <a:endParaRPr lang="en-GB" altLang="en-US" sz="1600" b="1" dirty="0"/>
+          </a:p>
+          <a:p>
+            <a:pPr algn="just">
+              <a:buNone/>
+            </a:pPr>
+            <a:endParaRPr lang="en-GB" altLang="en-US" sz="1600" b="1" dirty="0"/>
+          </a:p>
+          <a:p>
+            <a:pPr algn="just">
+              <a:buNone/>
+            </a:pPr>
+            <a:r>
+              <a:rPr lang="en-GB" altLang="en-US" sz="1600" b="1" dirty="0">
+                <a:sym typeface="+mn-ea"/>
+              </a:rPr>
+              <a:t> </a:t>
+            </a:r>
+            <a:r>
+              <a:rPr lang="en-GB" altLang="en-US" sz="1600" dirty="0">
+                <a:sym typeface="+mn-ea"/>
+              </a:rPr>
+              <a:t>Studying God’s Word is hard work! It requires patience and perseverance! Unless you really desire to know God’s Will, you will find Bible Study laborious and boring!</a:t>
+            </a:r>
+            <a:endParaRPr lang="en-GB" altLang="en-US" sz="1600" dirty="0"/>
+          </a:p>
+          <a:p>
+            <a:pPr algn="just">
+              <a:buNone/>
+            </a:pPr>
+            <a:endParaRPr lang="en-GB" altLang="en-US" sz="1600" dirty="0"/>
+          </a:p>
+          <a:p>
+            <a:pPr algn="just">
+              <a:buNone/>
+            </a:pPr>
+            <a:r>
+              <a:rPr lang="en-GB" altLang="en-US" sz="1600" dirty="0">
+                <a:sym typeface="+mn-ea"/>
+              </a:rPr>
+              <a:t> </a:t>
+            </a:r>
+            <a:r>
+              <a:rPr lang="en-GB" altLang="en-US" sz="1600" b="1" dirty="0">
+                <a:sym typeface="+mn-ea"/>
+              </a:rPr>
+              <a:t>When you passionately desire to discover God’s Will in His Word, the discipline that it requires will come (super) naturally!</a:t>
+            </a:r>
+            <a:endParaRPr lang="en-GB" altLang="en-US" sz="1600" dirty="0"/>
+          </a:p>
+          <a:p>
+            <a:pPr algn="just">
+              <a:buNone/>
+            </a:pPr>
+            <a:endParaRPr lang="en-GB" altLang="en-US" sz="1600" dirty="0"/>
+          </a:p>
+          <a:p>
+            <a:pPr algn="just">
+              <a:buNone/>
+            </a:pPr>
+            <a:endParaRPr lang="en-GB" altLang="en-US" sz="1600" dirty="0"/>
+          </a:p>
+          <a:p>
             <a:pPr>
               <a:buNone/>
             </a:pPr>
-            <a:r>
-              <a:rPr lang="en-GB" altLang="en-US" sz="2800" b="1" dirty="0"/>
-              <a:t>Bible study requires:</a:t>
-            </a:r>
-            <a:endParaRPr lang="en-GB" altLang="en-US" sz="2800" b="1" dirty="0"/>
-          </a:p>
-          <a:p>
-            <a:pPr>
-              <a:buNone/>
-            </a:pPr>
-            <a:endParaRPr lang="en-GB" altLang="en-US" sz="2800" b="1" dirty="0"/>
-          </a:p>
-          <a:p>
-            <a:pPr>
-              <a:buFont typeface="Wingdings" panose="05000000000000000000" pitchFamily="2" charset="2"/>
-              <a:buChar char="v"/>
-            </a:pPr>
-            <a:r>
-              <a:rPr lang="en-GB" altLang="en-US" sz="2800" dirty="0"/>
-              <a:t>The Right Heart Attitude</a:t>
-            </a:r>
-            <a:endParaRPr lang="en-GB" altLang="en-US" sz="2800" dirty="0"/>
-          </a:p>
-          <a:p>
-            <a:pPr>
-              <a:buFont typeface="Wingdings" panose="05000000000000000000" pitchFamily="2" charset="2"/>
-              <a:buChar char="v"/>
-            </a:pPr>
-            <a:r>
-              <a:rPr lang="en-GB" altLang="en-US" sz="2800" dirty="0"/>
-              <a:t>The Right Conviction</a:t>
-            </a:r>
-            <a:endParaRPr lang="en-GB" altLang="en-US" sz="2800" dirty="0"/>
-          </a:p>
-          <a:p>
-            <a:pPr>
-              <a:buFont typeface="Wingdings" panose="05000000000000000000" pitchFamily="2" charset="2"/>
-              <a:buChar char="v"/>
-            </a:pPr>
-            <a:r>
-              <a:rPr lang="en-GB" altLang="en-US" sz="2800" dirty="0"/>
-              <a:t>The Right Tools</a:t>
-            </a:r>
-            <a:endParaRPr lang="en-GB" altLang="en-US" sz="2800" dirty="0"/>
-          </a:p>
-          <a:p>
-            <a:pPr>
-              <a:buFont typeface="Wingdings" panose="05000000000000000000" pitchFamily="2" charset="2"/>
-              <a:buChar char="v"/>
-            </a:pPr>
-            <a:r>
-              <a:rPr lang="en-GB" altLang="en-US" sz="2800" dirty="0"/>
-              <a:t>The Right Method	</a:t>
-            </a:r>
-            <a:endParaRPr lang="en-GB" altLang="en-US" sz="2800" dirty="0"/>
-          </a:p>
-          <a:p>
-            <a:endParaRPr lang="en-GB" altLang="en-US" sz="2800" dirty="0"/>
-          </a:p>
-          <a:p>
-            <a:endParaRPr lang="en-GB" altLang="en-US" sz="2800" dirty="0"/>
-          </a:p>
-          <a:p>
-            <a:endParaRPr lang="en-GB" altLang="en-US" sz="2800" dirty="0"/>
-          </a:p>
-          <a:p>
-            <a:endParaRPr lang="en-GB" altLang="en-US" sz="2800" dirty="0"/>
-          </a:p>
-          <a:p>
-            <a:pPr>
-              <a:buNone/>
-            </a:pPr>
-            <a:r>
-              <a:rPr lang="en-GB" altLang="en-US" sz="2800" dirty="0"/>
-              <a:t> </a:t>
-            </a:r>
-            <a:endParaRPr lang="en-GB" altLang="en-US" sz="2800" dirty="0"/>
+            <a:endParaRPr lang="en-GB" altLang="en-US" sz="1600" dirty="0"/>
+          </a:p>
+          <a:p>
+            <a:endParaRPr lang="en-GB" altLang="en-US" sz="1600" dirty="0"/>
           </a:p>
         </p:txBody>
       </p:sp>
@@ -33949,7 +34080,7 @@
       <p:grpSpPr/>
       <p:sp>
         <p:nvSpPr>
-          <p:cNvPr id="98306" name="Title 1"/>
+          <p:cNvPr id="100354" name="Title 1"/>
           <p:cNvSpPr>
             <a:spLocks noGrp="1"/>
           </p:cNvSpPr>
@@ -33957,7 +34088,12 @@
             <p:ph type="title"/>
           </p:nvPr>
         </p:nvSpPr>
-        <p:spPr/>
+        <p:spPr>
+          <a:xfrm>
+            <a:off x="457200" y="274638"/>
+            <a:ext cx="8229600" cy="850900"/>
+          </a:xfrm>
+        </p:spPr>
         <p:txBody>
           <a:bodyPr vert="horz" wrap="square" lIns="91440" tIns="45720" rIns="91440" bIns="45720" anchor="ctr" anchorCtr="0"/>
           <a:p>
@@ -33973,7 +34109,7 @@
       </p:sp>
       <p:sp>
         <p:nvSpPr>
-          <p:cNvPr id="98307" name="Content Placeholder 2"/>
+          <p:cNvPr id="100355" name="Content Placeholder 2"/>
           <p:cNvSpPr>
             <a:spLocks noGrp="1"/>
           </p:cNvSpPr>
@@ -33981,189 +34117,116 @@
             <p:ph idx="1"/>
           </p:nvPr>
         </p:nvSpPr>
-        <p:spPr/>
+        <p:spPr>
+          <a:xfrm>
+            <a:off x="457200" y="1412875"/>
+            <a:ext cx="8229600" cy="4713288"/>
+          </a:xfrm>
+        </p:spPr>
         <p:txBody>
           <a:bodyPr vert="horz" wrap="square" lIns="91440" tIns="45720" rIns="91440" bIns="45720" anchor="t" anchorCtr="0"/>
           <a:p>
-            <a:pPr algn="just"/>
-            <a:r>
-              <a:rPr lang="en-GB" altLang="en-US" sz="1600" b="1" dirty="0"/>
-              <a:t>Having the Right Heart Attitude</a:t>
-            </a:r>
-            <a:endParaRPr lang="en-GB" altLang="en-US" sz="1600" b="1" dirty="0"/>
-          </a:p>
-          <a:p>
-            <a:pPr algn="just"/>
-            <a:endParaRPr lang="en-GB" altLang="en-US" sz="1600" dirty="0"/>
-          </a:p>
-          <a:p>
             <a:pPr algn="just">
               <a:buNone/>
             </a:pPr>
             <a:r>
-              <a:rPr lang="en-GB" altLang="en-US" sz="1600" b="1" dirty="0"/>
-              <a:t>   1. A New Heart :</a:t>
-            </a:r>
-            <a:r>
-              <a:rPr lang="en-GB" altLang="en-US" sz="1600" dirty="0"/>
-              <a:t>In order to truly understand the Bible, a book of Spiritual Truths written by the </a:t>
-            </a:r>
-            <a:r>
-              <a:rPr lang="en-GB" altLang="en-US" sz="1600" b="1" dirty="0"/>
-              <a:t>Spirit of God, </a:t>
-            </a:r>
-            <a:r>
-              <a:rPr lang="en-GB" altLang="en-US" sz="1600" dirty="0"/>
-              <a:t>the Bible student must possess the Author </a:t>
-            </a:r>
-            <a:r>
-              <a:rPr lang="en-GB" altLang="en-US" sz="1600" b="1" dirty="0"/>
-              <a:t>(the Holy Spirit) </a:t>
-            </a:r>
-            <a:r>
-              <a:rPr lang="en-GB" altLang="en-US" sz="1600" dirty="0"/>
-              <a:t>in his heart to be his </a:t>
-            </a:r>
-            <a:r>
-              <a:rPr lang="en-GB" altLang="en-US" sz="1600" b="1" dirty="0"/>
-              <a:t>Guide </a:t>
-            </a:r>
-            <a:r>
-              <a:rPr lang="en-GB" altLang="en-US" sz="1600" dirty="0"/>
-              <a:t>and </a:t>
-            </a:r>
-            <a:r>
-              <a:rPr lang="en-GB" altLang="en-US" sz="1600" b="1" dirty="0"/>
-              <a:t>Teacher! </a:t>
-            </a:r>
-            <a:r>
-              <a:rPr lang="en-GB" altLang="en-US" sz="1600" dirty="0"/>
-              <a:t>He must be </a:t>
-            </a:r>
-            <a:r>
-              <a:rPr lang="en-GB" altLang="en-US" sz="1600" b="1" dirty="0"/>
-              <a:t>“born again” </a:t>
-            </a:r>
-            <a:r>
-              <a:rPr lang="en-GB" altLang="en-US" sz="1600" dirty="0"/>
-              <a:t>by God with a </a:t>
-            </a:r>
-            <a:r>
-              <a:rPr lang="en-GB" altLang="en-US" sz="1600" b="1" dirty="0"/>
-              <a:t>New Heart! (1 Corinthians 2:13-14)</a:t>
-            </a:r>
-            <a:endParaRPr lang="en-GB" altLang="en-US" sz="1600" b="1" dirty="0"/>
+              <a:rPr lang="en-GB" altLang="en-US" sz="1800" b="1" dirty="0"/>
+              <a:t>    3. An Obedient Heart: </a:t>
+            </a:r>
+            <a:r>
+              <a:rPr lang="en-GB" altLang="en-US" sz="1800" dirty="0"/>
+              <a:t>Along with a strong desire to know God’s Will is the passion to do God’s Will. </a:t>
+            </a:r>
+            <a:endParaRPr lang="en-GB" altLang="en-US" sz="1800" dirty="0"/>
           </a:p>
           <a:p>
             <a:pPr algn="just">
               <a:buNone/>
             </a:pPr>
-            <a:endParaRPr lang="en-GB" altLang="en-US" sz="1600" b="1" dirty="0"/>
+            <a:endParaRPr lang="en-GB" altLang="en-US" sz="1800" dirty="0"/>
           </a:p>
           <a:p>
             <a:pPr algn="just">
               <a:buNone/>
             </a:pPr>
             <a:r>
-              <a:rPr lang="en-GB" altLang="en-US" sz="1600" b="1" dirty="0">
+              <a:rPr lang="en-GB" altLang="en-US" sz="1800" dirty="0"/>
+              <a:t>It is fairly easy to gain academic knowledge of Biblical facts and events, but only a desire to do God’s Will turns that </a:t>
+            </a:r>
+            <a:r>
+              <a:rPr lang="en-GB" altLang="en-US" sz="1800" b="1" dirty="0"/>
+              <a:t>Knowledge </a:t>
+            </a:r>
+            <a:r>
+              <a:rPr lang="en-GB" altLang="en-US" sz="1800" dirty="0"/>
+              <a:t>into </a:t>
+            </a:r>
+            <a:r>
+              <a:rPr lang="en-GB" altLang="en-US" sz="1800" b="1" dirty="0"/>
+              <a:t>wisdom (John 7:17). </a:t>
+            </a:r>
+            <a:endParaRPr lang="en-GB" altLang="en-US" sz="1800" b="1" dirty="0"/>
+          </a:p>
+          <a:p>
+            <a:pPr algn="just">
+              <a:buNone/>
+            </a:pPr>
+            <a:endParaRPr lang="en-GB" altLang="en-US" sz="1800" b="1" dirty="0"/>
+          </a:p>
+          <a:p>
+            <a:pPr algn="just">
+              <a:buNone/>
+            </a:pPr>
+            <a:r>
+              <a:rPr lang="en-GB" altLang="en-US" sz="1800" dirty="0"/>
+              <a:t>How badly do you want to do God’s Will? That, more than most other things, will determine how much we will get out of God’s Word!</a:t>
+            </a:r>
+            <a:endParaRPr lang="en-GB" altLang="en-US" sz="1800" dirty="0"/>
+          </a:p>
+          <a:p>
+            <a:pPr algn="just">
+              <a:buNone/>
+            </a:pPr>
+            <a:endParaRPr lang="en-GB" altLang="en-US" sz="1800" dirty="0"/>
+          </a:p>
+          <a:p>
+            <a:pPr algn="just">
+              <a:buNone/>
+            </a:pPr>
+            <a:r>
+              <a:rPr lang="en-GB" altLang="en-US" sz="1800" dirty="0">
                 <a:sym typeface="+mn-ea"/>
               </a:rPr>
-              <a:t>    2. A Hungry Heart: </a:t>
-            </a:r>
-            <a:r>
-              <a:rPr lang="en-GB" altLang="en-US" sz="1600" dirty="0">
+              <a:t>   </a:t>
+            </a:r>
+            <a:r>
+              <a:rPr lang="en-GB" altLang="en-US" sz="1800" b="1" dirty="0">
                 <a:sym typeface="+mn-ea"/>
               </a:rPr>
-              <a:t>The main requirement to study God’s Word </a:t>
-            </a:r>
-            <a:r>
-              <a:rPr lang="en-GB" altLang="en-US" sz="1600" b="1" dirty="0">
+              <a:t>4. A Humble Heart:</a:t>
+            </a:r>
+            <a:r>
+              <a:rPr lang="en-GB" altLang="en-US" sz="1800" dirty="0">
                 <a:sym typeface="+mn-ea"/>
               </a:rPr>
-              <a:t>is not a seminary degree, </a:t>
-            </a:r>
-            <a:r>
-              <a:rPr lang="en-GB" altLang="en-US" sz="1600" dirty="0">
-                <a:sym typeface="+mn-ea"/>
-              </a:rPr>
-              <a:t>but </a:t>
-            </a:r>
-            <a:r>
-              <a:rPr lang="en-GB" altLang="en-US" sz="1600" b="1" dirty="0">
-                <a:sym typeface="+mn-ea"/>
-              </a:rPr>
-              <a:t>an intense desire to know God’s Will.</a:t>
-            </a:r>
-            <a:endParaRPr lang="en-GB" altLang="en-US" sz="1600" b="1" dirty="0"/>
+              <a:t>  Discovering God’s Truths requires humility, with a willingness to learn from others and to change our own thinking should it be found in error. Only God is infallible!</a:t>
+            </a:r>
+            <a:endParaRPr lang="en-GB" altLang="en-US" sz="1800" dirty="0"/>
           </a:p>
           <a:p>
             <a:pPr algn="just">
               <a:buNone/>
             </a:pPr>
-            <a:endParaRPr lang="en-GB" altLang="en-US" sz="1600" b="1" dirty="0"/>
+            <a:endParaRPr lang="en-GB" altLang="en-US" sz="1800" dirty="0"/>
           </a:p>
           <a:p>
             <a:pPr algn="just">
               <a:buNone/>
             </a:pPr>
-            <a:r>
-              <a:rPr lang="en-GB" altLang="en-US" sz="1600" b="1" dirty="0">
-                <a:sym typeface="+mn-ea"/>
-              </a:rPr>
-              <a:t> </a:t>
-            </a:r>
-            <a:r>
-              <a:rPr lang="en-GB" altLang="en-US" sz="1600" dirty="0">
-                <a:sym typeface="+mn-ea"/>
-              </a:rPr>
-              <a:t>Studying God’s Word is hard work! It requires patience and perseverance! Unless you really desire to know God’s Will, you will find Bible Study laborious and boring!</a:t>
-            </a:r>
-            <a:endParaRPr lang="en-GB" altLang="en-US" sz="1600" dirty="0"/>
-          </a:p>
-          <a:p>
-            <a:pPr algn="just">
-              <a:buNone/>
-            </a:pPr>
-            <a:endParaRPr lang="en-GB" altLang="en-US" sz="1600" dirty="0"/>
-          </a:p>
-          <a:p>
-            <a:pPr algn="just">
-              <a:buNone/>
-            </a:pPr>
-            <a:r>
-              <a:rPr lang="en-GB" altLang="en-US" sz="1600" dirty="0">
-                <a:sym typeface="+mn-ea"/>
-              </a:rPr>
-              <a:t> </a:t>
-            </a:r>
-            <a:r>
-              <a:rPr lang="en-GB" altLang="en-US" sz="1600" b="1" dirty="0">
-                <a:sym typeface="+mn-ea"/>
-              </a:rPr>
-              <a:t>When you passionately desire to discover God’s Will in His Word, the discipline that it requires will come (super) naturally!</a:t>
-            </a:r>
-            <a:endParaRPr lang="en-GB" altLang="en-US" sz="1600" dirty="0"/>
-          </a:p>
-          <a:p>
-            <a:pPr algn="just">
-              <a:buNone/>
-            </a:pPr>
-            <a:endParaRPr lang="en-GB" altLang="en-US" sz="1600" dirty="0"/>
-          </a:p>
-          <a:p>
-            <a:pPr algn="just">
-              <a:buNone/>
-            </a:pPr>
-            <a:endParaRPr lang="en-GB" altLang="en-US" sz="1600" dirty="0"/>
-          </a:p>
-          <a:p>
-            <a:pPr>
-              <a:buNone/>
-            </a:pPr>
-            <a:endParaRPr lang="en-GB" altLang="en-US" sz="1600" dirty="0"/>
-          </a:p>
-          <a:p>
-            <a:endParaRPr lang="en-GB" altLang="en-US" sz="1600" dirty="0"/>
+            <a:endParaRPr lang="en-GB" altLang="en-US" sz="1800" dirty="0"/>
+          </a:p>
+          <a:p>
+            <a:endParaRPr lang="en-GB" altLang="en-US" sz="1800" dirty="0"/>
           </a:p>
         </p:txBody>
       </p:sp>
@@ -34199,7 +34262,7 @@
       <p:grpSpPr/>
       <p:sp>
         <p:nvSpPr>
-          <p:cNvPr id="100354" name="Title 1"/>
+          <p:cNvPr id="102402" name="Title 1"/>
           <p:cNvSpPr>
             <a:spLocks noGrp="1"/>
           </p:cNvSpPr>
@@ -34210,7 +34273,7 @@
         <p:spPr>
           <a:xfrm>
             <a:off x="457200" y="274638"/>
-            <a:ext cx="8229600" cy="850900"/>
+            <a:ext cx="8229600" cy="417512"/>
           </a:xfrm>
         </p:spPr>
         <p:txBody>
@@ -34228,7 +34291,7 @@
       </p:sp>
       <p:sp>
         <p:nvSpPr>
-          <p:cNvPr id="100355" name="Content Placeholder 2"/>
+          <p:cNvPr id="102403" name="Content Placeholder 2"/>
           <p:cNvSpPr>
             <a:spLocks noGrp="1"/>
           </p:cNvSpPr>
@@ -34238,114 +34301,242 @@
         </p:nvSpPr>
         <p:spPr>
           <a:xfrm>
-            <a:off x="457200" y="1412875"/>
-            <a:ext cx="8229600" cy="4713288"/>
+            <a:off x="457200" y="836613"/>
+            <a:ext cx="8229600" cy="5289550"/>
           </a:xfrm>
         </p:spPr>
         <p:txBody>
           <a:bodyPr vert="horz" wrap="square" lIns="91440" tIns="45720" rIns="91440" bIns="45720" anchor="t" anchorCtr="0"/>
           <a:p>
+            <a:r>
+              <a:rPr lang="en-GB" altLang="en-US" sz="1400" b="1" dirty="0"/>
+              <a:t>Having the Right Conviction</a:t>
+            </a:r>
+            <a:endParaRPr lang="en-GB" altLang="en-US" sz="1400" b="1" dirty="0"/>
+          </a:p>
+          <a:p>
+            <a:endParaRPr lang="en-GB" altLang="en-US" sz="1400" dirty="0"/>
+          </a:p>
+          <a:p>
             <a:pPr algn="just">
               <a:buNone/>
             </a:pPr>
             <a:r>
-              <a:rPr lang="en-GB" altLang="en-US" sz="1800" b="1" dirty="0"/>
-              <a:t>    3. An Obedient Heart: </a:t>
-            </a:r>
-            <a:r>
-              <a:rPr lang="en-GB" altLang="en-US" sz="1800" dirty="0"/>
-              <a:t>Along with a strong desire to know God’s Will is the passion to do God’s Will. </a:t>
-            </a:r>
-            <a:endParaRPr lang="en-GB" altLang="en-US" sz="1800" dirty="0"/>
+              <a:rPr lang="en-GB" altLang="en-US" sz="1400" b="1" dirty="0"/>
+              <a:t>    1. The Bible is God’s Word :</a:t>
+            </a:r>
+            <a:r>
+              <a:rPr lang="en-GB" altLang="en-US" sz="1400" i="1" dirty="0"/>
+              <a:t>The Bible is inspired by God, </a:t>
+            </a:r>
+            <a:r>
+              <a:rPr lang="en-GB" altLang="en-US" sz="1400" b="1" i="1" dirty="0"/>
+              <a:t>both in its message and in its very words. </a:t>
+            </a:r>
+            <a:endParaRPr lang="en-GB" altLang="en-US" sz="1400" b="1" i="1" dirty="0"/>
           </a:p>
           <a:p>
             <a:pPr algn="just">
               <a:buNone/>
             </a:pPr>
-            <a:endParaRPr lang="en-GB" altLang="en-US" sz="1800" dirty="0"/>
+            <a:endParaRPr lang="en-GB" altLang="en-US" sz="1400" b="1" i="1" dirty="0"/>
           </a:p>
           <a:p>
             <a:pPr algn="just">
               <a:buNone/>
             </a:pPr>
             <a:r>
-              <a:rPr lang="en-GB" altLang="en-US" sz="1800" dirty="0"/>
-              <a:t>It is fairly easy to gain academic knowledge of Biblical facts and events, but only a desire to do God’s Will turns that </a:t>
-            </a:r>
-            <a:r>
-              <a:rPr lang="en-GB" altLang="en-US" sz="1800" b="1" dirty="0"/>
-              <a:t>Knowledge </a:t>
-            </a:r>
-            <a:r>
-              <a:rPr lang="en-GB" altLang="en-US" sz="1800" dirty="0"/>
-              <a:t>into </a:t>
-            </a:r>
-            <a:r>
-              <a:rPr lang="en-GB" altLang="en-US" sz="1800" b="1" dirty="0"/>
-              <a:t>wisdom (John 7:17). </a:t>
-            </a:r>
-            <a:endParaRPr lang="en-GB" altLang="en-US" sz="1800" b="1" dirty="0"/>
+              <a:rPr lang="en-GB" altLang="en-US" sz="1400" b="1" i="1" dirty="0"/>
+              <a:t>Inspiration</a:t>
+            </a:r>
+            <a:r>
+              <a:rPr lang="en-GB" altLang="en-US" sz="1400" dirty="0"/>
+              <a:t> means more than that the authors themselves were inspired to write, but that </a:t>
+            </a:r>
+            <a:r>
+              <a:rPr lang="en-GB" altLang="en-US" sz="1400" b="1" i="1" dirty="0">
+                <a:solidFill>
+                  <a:srgbClr val="FF0000"/>
+                </a:solidFill>
+              </a:rPr>
+              <a:t>God Himself worked through the various human authors and their unique personalities to record exactly what He wanted to communicate to mankind.</a:t>
+            </a:r>
+            <a:r>
+              <a:rPr lang="en-GB" altLang="en-US" sz="1400" b="1" i="1" dirty="0"/>
+              <a:t> </a:t>
+            </a:r>
+            <a:endParaRPr lang="en-GB" altLang="en-US" sz="1400" b="1" i="1" dirty="0"/>
           </a:p>
           <a:p>
             <a:pPr algn="just">
               <a:buNone/>
             </a:pPr>
-            <a:endParaRPr lang="en-GB" altLang="en-US" sz="1800" b="1" dirty="0"/>
+            <a:endParaRPr lang="en-GB" altLang="en-US" sz="1400" b="1" i="1" dirty="0"/>
           </a:p>
           <a:p>
             <a:pPr algn="just">
               <a:buNone/>
             </a:pPr>
             <a:r>
-              <a:rPr lang="en-GB" altLang="en-US" sz="1800" dirty="0"/>
-              <a:t>How badly do you want to do God’s Will? That, more than most other things, will determine how much we will get out of God’s Word!</a:t>
-            </a:r>
-            <a:endParaRPr lang="en-GB" altLang="en-US" sz="1800" dirty="0"/>
+              <a:rPr lang="en-GB" altLang="en-US" sz="1400" dirty="0"/>
+              <a:t>We can be assured that when we read the Bible, we are reading God’s very Word to us! </a:t>
+            </a:r>
+            <a:r>
+              <a:rPr lang="en-GB" altLang="en-US" sz="1400" b="1" i="1" dirty="0"/>
+              <a:t>(2 Timothy 3:16)</a:t>
+            </a:r>
+            <a:endParaRPr lang="en-GB" altLang="en-US" sz="1400" b="1" i="1" dirty="0"/>
           </a:p>
           <a:p>
             <a:pPr algn="just">
               <a:buNone/>
             </a:pPr>
-            <a:endParaRPr lang="en-GB" altLang="en-US" sz="1800" dirty="0"/>
+            <a:endParaRPr lang="en-GB" altLang="en-US" sz="1400" b="1" i="1" dirty="0"/>
+          </a:p>
+          <a:p>
+            <a:pPr>
+              <a:buNone/>
+            </a:pPr>
+            <a:r>
+              <a:rPr lang="en-GB" altLang="en-US" sz="1400" b="1" dirty="0">
+                <a:sym typeface="+mn-ea"/>
+              </a:rPr>
+              <a:t>2. The Bible Conveys God’s Message </a:t>
+            </a:r>
+            <a:r>
+              <a:rPr lang="en-GB" altLang="en-US" sz="1400" b="1" i="1" dirty="0">
+                <a:sym typeface="+mn-ea"/>
+              </a:rPr>
+              <a:t>:</a:t>
+            </a:r>
+            <a:endParaRPr lang="en-GB" altLang="en-US" sz="1400" b="1" i="1" dirty="0"/>
+          </a:p>
+          <a:p>
+            <a:pPr>
+              <a:buNone/>
+            </a:pPr>
+            <a:endParaRPr lang="en-GB" altLang="en-US" sz="1400" b="1" i="1" dirty="0"/>
           </a:p>
           <a:p>
             <a:pPr algn="just">
               <a:buNone/>
             </a:pPr>
             <a:r>
-              <a:rPr lang="en-GB" altLang="en-US" sz="1800" dirty="0">
+              <a:rPr lang="en-GB" altLang="en-US" sz="1400" b="1" i="1" dirty="0">
                 <a:sym typeface="+mn-ea"/>
               </a:rPr>
               <a:t>   </a:t>
             </a:r>
             <a:r>
-              <a:rPr lang="en-GB" altLang="en-US" sz="1800" b="1" dirty="0">
+              <a:rPr lang="en-GB" altLang="en-US" sz="1400" i="1" dirty="0">
                 <a:sym typeface="+mn-ea"/>
               </a:rPr>
-              <a:t>4. A Humble Heart:</a:t>
-            </a:r>
-            <a:r>
-              <a:rPr lang="en-GB" altLang="en-US" sz="1800" dirty="0">
+              <a:t>The Bible consists of 66 books, </a:t>
+            </a:r>
+            <a:r>
+              <a:rPr lang="en-GB" altLang="en-US" sz="1400" dirty="0">
                 <a:sym typeface="+mn-ea"/>
               </a:rPr>
-              <a:t>  Discovering God’s Truths requires humility, with a willingness to learn from others and to change our own thinking should it be found in error. Only God is infallible!</a:t>
-            </a:r>
-            <a:endParaRPr lang="en-GB" altLang="en-US" sz="1800" dirty="0"/>
+              <a:t>written by approximately </a:t>
+            </a:r>
+            <a:r>
+              <a:rPr lang="en-GB" altLang="en-US" sz="1400" i="1" dirty="0">
+                <a:sym typeface="+mn-ea"/>
+              </a:rPr>
+              <a:t>40 different human authors, </a:t>
+            </a:r>
+            <a:r>
+              <a:rPr lang="en-GB" altLang="en-US" sz="1400" dirty="0">
+                <a:sym typeface="+mn-ea"/>
+              </a:rPr>
+              <a:t>over a span of </a:t>
+            </a:r>
+            <a:r>
+              <a:rPr lang="en-GB" altLang="en-US" sz="1400" i="1" dirty="0">
+                <a:sym typeface="+mn-ea"/>
+              </a:rPr>
+              <a:t>1500 years </a:t>
+            </a:r>
+            <a:r>
+              <a:rPr lang="en-GB" altLang="en-US" sz="1400" dirty="0">
+                <a:sym typeface="+mn-ea"/>
+              </a:rPr>
+              <a:t>and in </a:t>
+            </a:r>
+            <a:r>
+              <a:rPr lang="en-GB" altLang="en-US" sz="1400" i="1" dirty="0">
+                <a:sym typeface="+mn-ea"/>
+              </a:rPr>
+              <a:t>varying places. </a:t>
+            </a:r>
+            <a:endParaRPr lang="en-GB" altLang="en-US" sz="1400" i="1" dirty="0"/>
           </a:p>
           <a:p>
             <a:pPr algn="just">
               <a:buNone/>
             </a:pPr>
-            <a:endParaRPr lang="en-GB" altLang="en-US" sz="1800" dirty="0"/>
+            <a:endParaRPr lang="en-GB" altLang="en-US" sz="1400" i="1" dirty="0"/>
           </a:p>
           <a:p>
             <a:pPr algn="just">
               <a:buNone/>
             </a:pPr>
-            <a:endParaRPr lang="en-GB" altLang="en-US" sz="1800" dirty="0"/>
-          </a:p>
-          <a:p>
-            <a:endParaRPr lang="en-GB" altLang="en-US" sz="1800" dirty="0"/>
+            <a:r>
+              <a:rPr lang="en-GB" altLang="en-US" sz="1400" dirty="0">
+                <a:sym typeface="+mn-ea"/>
+              </a:rPr>
+              <a:t>And yet, it clearly communicates a </a:t>
+            </a:r>
+            <a:r>
+              <a:rPr lang="en-GB" altLang="en-US" sz="1400" b="1" i="1" dirty="0">
+                <a:sym typeface="+mn-ea"/>
+              </a:rPr>
+              <a:t>single message </a:t>
+            </a:r>
+            <a:r>
+              <a:rPr lang="en-GB" altLang="en-US" sz="1400" dirty="0">
+                <a:sym typeface="+mn-ea"/>
+              </a:rPr>
+              <a:t>without contradiction: </a:t>
+            </a:r>
+            <a:r>
+              <a:rPr lang="en-GB" altLang="en-US" sz="1400" i="1" dirty="0">
+                <a:solidFill>
+                  <a:srgbClr val="FF0000"/>
+                </a:solidFill>
+                <a:sym typeface="+mn-ea"/>
+              </a:rPr>
+              <a:t>God’s Plan to Rescue Man from Sin and Transform Him into a Child of God!</a:t>
+            </a:r>
+            <a:endParaRPr lang="en-GB" altLang="en-US" sz="1400" dirty="0">
+              <a:solidFill>
+                <a:srgbClr val="FF0000"/>
+              </a:solidFill>
+            </a:endParaRPr>
+          </a:p>
+          <a:p>
+            <a:pPr>
+              <a:buNone/>
+            </a:pPr>
+            <a:r>
+              <a:rPr lang="en-GB" altLang="en-US" sz="1400" dirty="0">
+                <a:sym typeface="+mn-ea"/>
+              </a:rPr>
+              <a:t> </a:t>
+            </a:r>
+            <a:endParaRPr lang="en-GB" altLang="en-US" sz="1400" dirty="0"/>
+          </a:p>
+          <a:p>
+            <a:pPr algn="just">
+              <a:buNone/>
+            </a:pPr>
+            <a:endParaRPr lang="en-GB" altLang="en-US" sz="1400" dirty="0"/>
+          </a:p>
+          <a:p>
+            <a:pPr algn="just">
+              <a:buNone/>
+            </a:pPr>
+            <a:endParaRPr lang="en-GB" altLang="en-US" sz="1400" b="1" i="1" dirty="0"/>
           </a:p>
         </p:txBody>
       </p:sp>
@@ -34381,7 +34572,7 @@
       <p:grpSpPr/>
       <p:sp>
         <p:nvSpPr>
-          <p:cNvPr id="102402" name="Title 1"/>
+          <p:cNvPr id="104450" name="Title 1"/>
           <p:cNvSpPr>
             <a:spLocks noGrp="1"/>
           </p:cNvSpPr>
@@ -34392,7 +34583,7 @@
         <p:spPr>
           <a:xfrm>
             <a:off x="457200" y="274638"/>
-            <a:ext cx="8229600" cy="417512"/>
+            <a:ext cx="8229600" cy="777875"/>
           </a:xfrm>
         </p:spPr>
         <p:txBody>
@@ -34410,7 +34601,7 @@
       </p:sp>
       <p:sp>
         <p:nvSpPr>
-          <p:cNvPr id="102403" name="Content Placeholder 2"/>
+          <p:cNvPr id="104451" name="Content Placeholder 2"/>
           <p:cNvSpPr>
             <a:spLocks noGrp="1"/>
           </p:cNvSpPr>
@@ -34418,244 +34609,153 @@
             <p:ph idx="1"/>
           </p:nvPr>
         </p:nvSpPr>
-        <p:spPr>
-          <a:xfrm>
-            <a:off x="457200" y="836613"/>
-            <a:ext cx="8229600" cy="5289550"/>
-          </a:xfrm>
-        </p:spPr>
+        <p:spPr/>
         <p:txBody>
           <a:bodyPr vert="horz" wrap="square" lIns="91440" tIns="45720" rIns="91440" bIns="45720" anchor="t" anchorCtr="0"/>
           <a:p>
             <a:r>
-              <a:rPr lang="en-GB" altLang="en-US" sz="1400" b="1" dirty="0"/>
-              <a:t>Having the Right Conviction</a:t>
-            </a:r>
-            <a:endParaRPr lang="en-GB" altLang="en-US" sz="1400" b="1" dirty="0"/>
-          </a:p>
-          <a:p>
-            <a:endParaRPr lang="en-GB" altLang="en-US" sz="1400" dirty="0"/>
+              <a:rPr lang="en-GB" altLang="en-US" sz="1600" b="1" dirty="0"/>
+              <a:t>Having the Right Tools</a:t>
+            </a:r>
+            <a:endParaRPr lang="en-GB" altLang="en-US" sz="1600" b="1" dirty="0"/>
+          </a:p>
+          <a:p>
+            <a:endParaRPr lang="en-GB" altLang="en-US" sz="1600" dirty="0"/>
           </a:p>
           <a:p>
             <a:pPr algn="just">
               <a:buNone/>
             </a:pPr>
             <a:r>
-              <a:rPr lang="en-GB" altLang="en-US" sz="1400" b="1" dirty="0"/>
-              <a:t>    1. The Bible is God’s Word :</a:t>
-            </a:r>
-            <a:r>
-              <a:rPr lang="en-GB" altLang="en-US" sz="1400" i="1" dirty="0"/>
-              <a:t>The Bible is inspired by God, </a:t>
-            </a:r>
-            <a:r>
-              <a:rPr lang="en-GB" altLang="en-US" sz="1400" b="1" i="1" dirty="0"/>
-              <a:t>both in its message and in its very words. </a:t>
-            </a:r>
-            <a:endParaRPr lang="en-GB" altLang="en-US" sz="1400" b="1" i="1" dirty="0"/>
+              <a:rPr lang="en-GB" altLang="en-US" sz="1600" b="1" dirty="0"/>
+              <a:t>    1. A Good Bible Translation: </a:t>
+            </a:r>
+            <a:r>
+              <a:rPr lang="en-GB" altLang="en-US" sz="1600" b="1" i="1" dirty="0"/>
+              <a:t>Few of us have the training and ability to read the Bible in its original languages </a:t>
+            </a:r>
+            <a:r>
+              <a:rPr lang="en-GB" altLang="en-US" sz="1600" i="1" dirty="0"/>
+              <a:t>(Hebrew and Aramaic in the Old Testament and Greek in the New Testament). </a:t>
+            </a:r>
+            <a:endParaRPr lang="en-GB" altLang="en-US" sz="1600" i="1" dirty="0"/>
           </a:p>
           <a:p>
             <a:pPr algn="just">
               <a:buNone/>
             </a:pPr>
-            <a:endParaRPr lang="en-GB" altLang="en-US" sz="1400" b="1" i="1" dirty="0"/>
+            <a:endParaRPr lang="en-GB" altLang="en-US" sz="1600" i="1" dirty="0"/>
           </a:p>
           <a:p>
             <a:pPr algn="just">
               <a:buNone/>
             </a:pPr>
             <a:r>
-              <a:rPr lang="en-GB" altLang="en-US" sz="1400" b="1" i="1" dirty="0"/>
-              <a:t>Inspiration</a:t>
-            </a:r>
-            <a:r>
-              <a:rPr lang="en-GB" altLang="en-US" sz="1400" dirty="0"/>
-              <a:t> means more than that the authors themselves were inspired to write, but that </a:t>
-            </a:r>
-            <a:r>
-              <a:rPr lang="en-GB" altLang="en-US" sz="1400" b="1" i="1" dirty="0">
-                <a:solidFill>
-                  <a:srgbClr val="FF0000"/>
-                </a:solidFill>
-              </a:rPr>
-              <a:t>God Himself worked through the various human authors and their unique personalities to record exactly what He wanted to communicate to mankind.</a:t>
-            </a:r>
-            <a:r>
-              <a:rPr lang="en-GB" altLang="en-US" sz="1400" b="1" i="1" dirty="0"/>
-              <a:t> </a:t>
-            </a:r>
-            <a:endParaRPr lang="en-GB" altLang="en-US" sz="1400" b="1" i="1" dirty="0"/>
+              <a:rPr lang="en-GB" altLang="en-US" sz="1600" dirty="0"/>
+              <a:t>We must therefore depend on translators to bring the Bible into our own language. The question that is often raised is </a:t>
+            </a:r>
+            <a:r>
+              <a:rPr lang="en-GB" altLang="en-US" sz="1600" b="1" i="1" dirty="0"/>
+              <a:t>“Which translation is the best?” </a:t>
+            </a:r>
+            <a:endParaRPr lang="en-GB" altLang="en-US" sz="1600" b="1" i="1" dirty="0"/>
           </a:p>
           <a:p>
             <a:pPr algn="just">
               <a:buNone/>
             </a:pPr>
-            <a:endParaRPr lang="en-GB" altLang="en-US" sz="1400" b="1" i="1" dirty="0"/>
+            <a:endParaRPr lang="en-GB" altLang="en-US" sz="1600" b="1" i="1" dirty="0"/>
           </a:p>
           <a:p>
             <a:pPr algn="just">
               <a:buNone/>
             </a:pPr>
             <a:r>
-              <a:rPr lang="en-GB" altLang="en-US" sz="1400" dirty="0"/>
-              <a:t>We can be assured that when we read the Bible, we are reading God’s very Word to us! </a:t>
-            </a:r>
-            <a:r>
-              <a:rPr lang="en-GB" altLang="en-US" sz="1400" b="1" i="1" dirty="0"/>
-              <a:t>(2 Timothy 3:16)</a:t>
-            </a:r>
-            <a:endParaRPr lang="en-GB" altLang="en-US" sz="1400" b="1" i="1" dirty="0"/>
+              <a:rPr lang="en-GB" altLang="en-US" sz="1600" b="1" dirty="0">
+                <a:sym typeface="+mn-ea"/>
+              </a:rPr>
+              <a:t>   2. A Notebook : </a:t>
+            </a:r>
+            <a:r>
+              <a:rPr lang="en-GB" altLang="en-US" sz="1600" b="1" i="1" dirty="0">
+                <a:sym typeface="+mn-ea"/>
+              </a:rPr>
+              <a:t>Studies should always be written out </a:t>
+            </a:r>
+            <a:r>
+              <a:rPr lang="en-GB" altLang="en-US" sz="1600" dirty="0">
+                <a:sym typeface="+mn-ea"/>
+              </a:rPr>
+              <a:t>to reinforce what is learned as well as </a:t>
+            </a:r>
+            <a:r>
+              <a:rPr lang="en-GB" altLang="en-US" sz="1600" b="1" dirty="0">
+                <a:sym typeface="+mn-ea"/>
+              </a:rPr>
+              <a:t>to keep a record for future reference.</a:t>
+            </a:r>
+            <a:endParaRPr lang="en-GB" altLang="en-US" sz="1600" b="1" dirty="0">
+              <a:sym typeface="+mn-ea"/>
+            </a:endParaRPr>
           </a:p>
           <a:p>
             <a:pPr algn="just">
               <a:buNone/>
             </a:pPr>
-            <a:endParaRPr lang="en-GB" altLang="en-US" sz="1400" b="1" i="1" dirty="0"/>
+            <a:endParaRPr lang="en-GB" altLang="en-US" sz="1600" b="1" dirty="0">
+              <a:sym typeface="+mn-ea"/>
+            </a:endParaRPr>
+          </a:p>
+          <a:p>
+            <a:pPr algn="just">
+              <a:buNone/>
+            </a:pPr>
+            <a:r>
+              <a:rPr lang="en-GB" altLang="en-US" sz="1600" b="1" dirty="0">
+                <a:sym typeface="+mn-ea"/>
+              </a:rPr>
+              <a:t>   3. Reference Materials: </a:t>
+            </a:r>
+            <a:r>
+              <a:rPr lang="en-GB" altLang="en-US" sz="1600" dirty="0">
+                <a:sym typeface="+mn-ea"/>
+              </a:rPr>
+              <a:t>There are many reference books that aid in a study of the Bible, including </a:t>
+            </a:r>
+            <a:r>
+              <a:rPr lang="en-GB" altLang="en-US" sz="1600" b="1" dirty="0">
+                <a:sym typeface="+mn-ea"/>
+              </a:rPr>
+              <a:t>Bible Dictionaries, Lexicons, Encyclopaedias, Concordances and Commentaries. </a:t>
+            </a:r>
+            <a:endParaRPr lang="en-GB" altLang="en-US" sz="1600" dirty="0"/>
+          </a:p>
+          <a:p>
+            <a:pPr algn="just">
+              <a:buNone/>
+            </a:pPr>
+            <a:endParaRPr lang="en-GB" altLang="en-US" sz="1600" dirty="0"/>
+          </a:p>
+          <a:p>
+            <a:pPr algn="just">
+              <a:buNone/>
+            </a:pPr>
+            <a:endParaRPr lang="en-GB" altLang="en-US" sz="1600" dirty="0"/>
           </a:p>
           <a:p>
             <a:pPr>
               <a:buNone/>
             </a:pPr>
-            <a:r>
-              <a:rPr lang="en-GB" altLang="en-US" sz="1400" b="1" dirty="0">
-                <a:sym typeface="+mn-ea"/>
-              </a:rPr>
-              <a:t>2. The Bible Conveys God’s Message </a:t>
-            </a:r>
-            <a:r>
-              <a:rPr lang="en-GB" altLang="en-US" sz="1400" b="1" i="1" dirty="0">
-                <a:sym typeface="+mn-ea"/>
-              </a:rPr>
-              <a:t>:</a:t>
-            </a:r>
-            <a:endParaRPr lang="en-GB" altLang="en-US" sz="1400" b="1" i="1" dirty="0"/>
-          </a:p>
-          <a:p>
-            <a:pPr>
-              <a:buNone/>
-            </a:pPr>
-            <a:endParaRPr lang="en-GB" altLang="en-US" sz="1400" b="1" i="1" dirty="0"/>
+            <a:endParaRPr lang="en-GB" altLang="en-US" sz="1600" dirty="0"/>
           </a:p>
           <a:p>
             <a:pPr algn="just">
               <a:buNone/>
             </a:pPr>
-            <a:r>
-              <a:rPr lang="en-GB" altLang="en-US" sz="1400" b="1" i="1" dirty="0">
-                <a:sym typeface="+mn-ea"/>
-              </a:rPr>
-              <a:t>   </a:t>
-            </a:r>
-            <a:r>
-              <a:rPr lang="en-GB" altLang="en-US" sz="1400" i="1" dirty="0">
-                <a:sym typeface="+mn-ea"/>
-              </a:rPr>
-              <a:t>The Bible consists of 66 books, </a:t>
-            </a:r>
-            <a:r>
-              <a:rPr lang="en-GB" altLang="en-US" sz="1400" dirty="0">
-                <a:sym typeface="+mn-ea"/>
-              </a:rPr>
-              <a:t>written by approximately </a:t>
-            </a:r>
-            <a:r>
-              <a:rPr lang="en-GB" altLang="en-US" sz="1400" i="1" dirty="0">
-                <a:sym typeface="+mn-ea"/>
-              </a:rPr>
-              <a:t>40 different human authors, </a:t>
-            </a:r>
-            <a:r>
-              <a:rPr lang="en-GB" altLang="en-US" sz="1400" dirty="0">
-                <a:sym typeface="+mn-ea"/>
-              </a:rPr>
-              <a:t>over a span of </a:t>
-            </a:r>
-            <a:r>
-              <a:rPr lang="en-GB" altLang="en-US" sz="1400" i="1" dirty="0">
-                <a:sym typeface="+mn-ea"/>
-              </a:rPr>
-              <a:t>1500 years </a:t>
-            </a:r>
-            <a:r>
-              <a:rPr lang="en-GB" altLang="en-US" sz="1400" dirty="0">
-                <a:sym typeface="+mn-ea"/>
-              </a:rPr>
-              <a:t>and in </a:t>
-            </a:r>
-            <a:r>
-              <a:rPr lang="en-GB" altLang="en-US" sz="1400" i="1" dirty="0">
-                <a:sym typeface="+mn-ea"/>
-              </a:rPr>
-              <a:t>varying places. </a:t>
-            </a:r>
-            <a:endParaRPr lang="en-GB" altLang="en-US" sz="1400" i="1" dirty="0"/>
-          </a:p>
-          <a:p>
-            <a:pPr algn="just">
-              <a:buNone/>
-            </a:pPr>
-            <a:endParaRPr lang="en-GB" altLang="en-US" sz="1400" i="1" dirty="0"/>
-          </a:p>
-          <a:p>
-            <a:pPr algn="just">
-              <a:buNone/>
-            </a:pPr>
-            <a:r>
-              <a:rPr lang="en-GB" altLang="en-US" sz="1400" dirty="0">
-                <a:sym typeface="+mn-ea"/>
-              </a:rPr>
-              <a:t>And yet, it clearly communicates a </a:t>
-            </a:r>
-            <a:r>
-              <a:rPr lang="en-GB" altLang="en-US" sz="1400" b="1" i="1" dirty="0">
-                <a:sym typeface="+mn-ea"/>
-              </a:rPr>
-              <a:t>single message </a:t>
-            </a:r>
-            <a:r>
-              <a:rPr lang="en-GB" altLang="en-US" sz="1400" dirty="0">
-                <a:sym typeface="+mn-ea"/>
-              </a:rPr>
-              <a:t>without contradiction: </a:t>
-            </a:r>
-            <a:r>
-              <a:rPr lang="en-GB" altLang="en-US" sz="1400" i="1" dirty="0">
-                <a:solidFill>
-                  <a:srgbClr val="FF0000"/>
-                </a:solidFill>
-                <a:sym typeface="+mn-ea"/>
-              </a:rPr>
-              <a:t>God’s Plan to Rescue Man from Sin and Transform Him into a Child of God!</a:t>
-            </a:r>
-            <a:endParaRPr lang="en-GB" altLang="en-US" sz="1400" dirty="0">
-              <a:solidFill>
-                <a:srgbClr val="FF0000"/>
-              </a:solidFill>
-            </a:endParaRPr>
-          </a:p>
-          <a:p>
-            <a:pPr>
-              <a:buNone/>
-            </a:pPr>
-            <a:r>
-              <a:rPr lang="en-GB" altLang="en-US" sz="1400" dirty="0">
-                <a:sym typeface="+mn-ea"/>
-              </a:rPr>
-              <a:t> </a:t>
-            </a:r>
-            <a:endParaRPr lang="en-GB" altLang="en-US" sz="1400" dirty="0"/>
-          </a:p>
-          <a:p>
-            <a:pPr algn="just">
-              <a:buNone/>
-            </a:pPr>
-            <a:endParaRPr lang="en-GB" altLang="en-US" sz="1400" dirty="0"/>
-          </a:p>
-          <a:p>
-            <a:pPr algn="just">
-              <a:buNone/>
-            </a:pPr>
-            <a:endParaRPr lang="en-GB" altLang="en-US" sz="1400" b="1" i="1" dirty="0"/>
+            <a:endParaRPr lang="en-GB" altLang="en-US" sz="1600" dirty="0"/>
+          </a:p>
+          <a:p>
+            <a:endParaRPr lang="en-GB" altLang="en-US" sz="1600" dirty="0"/>
           </a:p>
         </p:txBody>
       </p:sp>
@@ -34691,7 +34791,7 @@
       <p:grpSpPr/>
       <p:sp>
         <p:nvSpPr>
-          <p:cNvPr id="104450" name="Title 1"/>
+          <p:cNvPr id="107522" name="Title 1"/>
           <p:cNvSpPr>
             <a:spLocks noGrp="1"/>
           </p:cNvSpPr>
@@ -34702,7 +34802,7 @@
         <p:spPr>
           <a:xfrm>
             <a:off x="457200" y="274638"/>
-            <a:ext cx="8229600" cy="777875"/>
+            <a:ext cx="8229600" cy="633412"/>
           </a:xfrm>
         </p:spPr>
         <p:txBody>
@@ -34720,7 +34820,7 @@
       </p:sp>
       <p:sp>
         <p:nvSpPr>
-          <p:cNvPr id="104451" name="Content Placeholder 2"/>
+          <p:cNvPr id="107523" name="Content Placeholder 2"/>
           <p:cNvSpPr>
             <a:spLocks noGrp="1"/>
           </p:cNvSpPr>
@@ -34728,153 +34828,75 @@
             <p:ph idx="1"/>
           </p:nvPr>
         </p:nvSpPr>
-        <p:spPr/>
+        <p:spPr>
+          <a:xfrm>
+            <a:off x="457200" y="1125538"/>
+            <a:ext cx="8229600" cy="5000625"/>
+          </a:xfrm>
+        </p:spPr>
         <p:txBody>
           <a:bodyPr vert="horz" wrap="square" lIns="91440" tIns="45720" rIns="91440" bIns="45720" anchor="t" anchorCtr="0"/>
           <a:p>
             <a:r>
-              <a:rPr lang="en-GB" altLang="en-US" sz="1600" b="1" dirty="0"/>
-              <a:t>Having the Right Tools</a:t>
-            </a:r>
-            <a:endParaRPr lang="en-GB" altLang="en-US" sz="1600" b="1" dirty="0"/>
-          </a:p>
-          <a:p>
-            <a:endParaRPr lang="en-GB" altLang="en-US" sz="1600" dirty="0"/>
-          </a:p>
-          <a:p>
-            <a:pPr algn="just">
-              <a:buNone/>
-            </a:pPr>
-            <a:r>
-              <a:rPr lang="en-GB" altLang="en-US" sz="1600" b="1" dirty="0"/>
-              <a:t>    1. A Good Bible Translation: </a:t>
-            </a:r>
-            <a:r>
-              <a:rPr lang="en-GB" altLang="en-US" sz="1600" b="1" i="1" dirty="0"/>
-              <a:t>Few of us have the training and ability to read the Bible in its original languages </a:t>
-            </a:r>
-            <a:r>
-              <a:rPr lang="en-GB" altLang="en-US" sz="1600" i="1" dirty="0"/>
-              <a:t>(Hebrew and Aramaic in the Old Testament and Greek in the New Testament). </a:t>
-            </a:r>
-            <a:endParaRPr lang="en-GB" altLang="en-US" sz="1600" i="1" dirty="0"/>
-          </a:p>
-          <a:p>
-            <a:pPr algn="just">
-              <a:buNone/>
-            </a:pPr>
-            <a:endParaRPr lang="en-GB" altLang="en-US" sz="1600" i="1" dirty="0"/>
-          </a:p>
-          <a:p>
-            <a:pPr algn="just">
-              <a:buNone/>
-            </a:pPr>
-            <a:r>
-              <a:rPr lang="en-GB" altLang="en-US" sz="1600" dirty="0"/>
-              <a:t>We must therefore depend on translators to bring the Bible into our own language. The question that is often raised is </a:t>
-            </a:r>
-            <a:r>
-              <a:rPr lang="en-GB" altLang="en-US" sz="1600" b="1" i="1" dirty="0"/>
-              <a:t>“Which translation is the best?” </a:t>
-            </a:r>
-            <a:endParaRPr lang="en-GB" altLang="en-US" sz="1600" b="1" i="1" dirty="0"/>
-          </a:p>
-          <a:p>
-            <a:pPr algn="just">
-              <a:buNone/>
-            </a:pPr>
-            <a:endParaRPr lang="en-GB" altLang="en-US" sz="1600" b="1" i="1" dirty="0"/>
-          </a:p>
-          <a:p>
-            <a:pPr algn="just">
-              <a:buNone/>
-            </a:pPr>
-            <a:r>
-              <a:rPr lang="en-GB" altLang="en-US" sz="1600" b="1" dirty="0">
-                <a:sym typeface="+mn-ea"/>
-              </a:rPr>
-              <a:t>   2. A Notebook : </a:t>
-            </a:r>
-            <a:r>
-              <a:rPr lang="en-GB" altLang="en-US" sz="1600" b="1" i="1" dirty="0">
-                <a:sym typeface="+mn-ea"/>
-              </a:rPr>
-              <a:t>Studies should always be written out </a:t>
-            </a:r>
-            <a:r>
-              <a:rPr lang="en-GB" altLang="en-US" sz="1600" dirty="0">
-                <a:sym typeface="+mn-ea"/>
-              </a:rPr>
-              <a:t>to reinforce what is learned as well as </a:t>
-            </a:r>
-            <a:r>
-              <a:rPr lang="en-GB" altLang="en-US" sz="1600" b="1" dirty="0">
-                <a:sym typeface="+mn-ea"/>
-              </a:rPr>
-              <a:t>to keep a record for future reference.</a:t>
-            </a:r>
-            <a:endParaRPr lang="en-GB" altLang="en-US" sz="1600" b="1" dirty="0">
-              <a:sym typeface="+mn-ea"/>
-            </a:endParaRPr>
-          </a:p>
-          <a:p>
-            <a:pPr algn="just">
-              <a:buNone/>
-            </a:pPr>
-            <a:endParaRPr lang="en-GB" altLang="en-US" sz="1600" b="1" dirty="0">
-              <a:sym typeface="+mn-ea"/>
-            </a:endParaRPr>
-          </a:p>
-          <a:p>
-            <a:pPr algn="just">
-              <a:buNone/>
-            </a:pPr>
-            <a:r>
-              <a:rPr lang="en-GB" altLang="en-US" sz="1600" b="1" dirty="0">
-                <a:sym typeface="+mn-ea"/>
-              </a:rPr>
-              <a:t>   3. Reference Materials: </a:t>
-            </a:r>
-            <a:r>
-              <a:rPr lang="en-GB" altLang="en-US" sz="1600" dirty="0">
-                <a:sym typeface="+mn-ea"/>
-              </a:rPr>
-              <a:t>There are many reference books that aid in a study of the Bible, including </a:t>
-            </a:r>
-            <a:r>
-              <a:rPr lang="en-GB" altLang="en-US" sz="1600" b="1" dirty="0">
-                <a:sym typeface="+mn-ea"/>
-              </a:rPr>
-              <a:t>Bible Dictionaries, Lexicons, Encyclopaedias, Concordances and Commentaries. </a:t>
-            </a:r>
-            <a:endParaRPr lang="en-GB" altLang="en-US" sz="1600" dirty="0"/>
-          </a:p>
-          <a:p>
-            <a:pPr algn="just">
-              <a:buNone/>
-            </a:pPr>
-            <a:endParaRPr lang="en-GB" altLang="en-US" sz="1600" dirty="0"/>
-          </a:p>
-          <a:p>
-            <a:pPr algn="just">
-              <a:buNone/>
-            </a:pPr>
-            <a:endParaRPr lang="en-GB" altLang="en-US" sz="1600" dirty="0"/>
-          </a:p>
-          <a:p>
-            <a:pPr>
-              <a:buNone/>
-            </a:pPr>
-            <a:endParaRPr lang="en-GB" altLang="en-US" sz="1600" dirty="0"/>
-          </a:p>
-          <a:p>
-            <a:pPr algn="just">
-              <a:buNone/>
-            </a:pPr>
-            <a:endParaRPr lang="en-GB" altLang="en-US" sz="1600" dirty="0"/>
-          </a:p>
-          <a:p>
-            <a:endParaRPr lang="en-GB" altLang="en-US" sz="1600" dirty="0"/>
+              <a:rPr lang="en-GB" altLang="en-US" sz="2400" b="1" dirty="0"/>
+              <a:t>Having the Right Method</a:t>
+            </a:r>
+            <a:endParaRPr lang="en-GB" altLang="en-US" sz="2400" b="1" dirty="0"/>
+          </a:p>
+          <a:p>
+            <a:pPr marL="0" indent="0">
+              <a:buNone/>
+            </a:pPr>
+            <a:r>
+              <a:rPr lang="en-GB" altLang="en-US" sz="2400" b="1" dirty="0"/>
+              <a:t>	</a:t>
+            </a:r>
+            <a:endParaRPr lang="en-GB" altLang="en-US" sz="2400" dirty="0"/>
+          </a:p>
+          <a:p>
+            <a:pPr lvl="0" algn="l">
+              <a:buNone/>
+            </a:pPr>
+            <a:r>
+              <a:rPr lang="en-GB" altLang="en-US" sz="2400" dirty="0"/>
+              <a:t>  You may have attended at one time a Bible Study where a Scripture passage is read and then each person in the group is asked to share what that passage means to them. </a:t>
+            </a:r>
+            <a:endParaRPr lang="en-GB" altLang="en-US" sz="2400" dirty="0"/>
+          </a:p>
+          <a:p>
+            <a:pPr lvl="0" algn="l">
+              <a:buNone/>
+            </a:pPr>
+            <a:endParaRPr lang="en-GB" altLang="en-US" sz="2000" dirty="0"/>
+          </a:p>
+          <a:p>
+            <a:pPr lvl="0" algn="l">
+              <a:buNone/>
+            </a:pPr>
+            <a:r>
+              <a:rPr lang="en-GB" altLang="en-US" sz="2000" dirty="0"/>
+              <a:t>What often happens is that there are as many interpretations of the passage as there are people in the group. </a:t>
+            </a:r>
+            <a:endParaRPr lang="en-GB" altLang="en-US" sz="2000" dirty="0"/>
+          </a:p>
+          <a:p>
+            <a:pPr lvl="0" algn="l">
+              <a:buNone/>
+            </a:pPr>
+            <a:endParaRPr lang="en-GB" altLang="en-US" sz="2000" dirty="0"/>
+          </a:p>
+          <a:p>
+            <a:pPr lvl="0" algn="l">
+              <a:buNone/>
+            </a:pPr>
+            <a:r>
+              <a:rPr lang="en-GB" altLang="en-US" sz="2000" dirty="0"/>
+              <a:t>Each person brings their own personal experiences and therefore sees the passage in their own subjective and biased way.</a:t>
+            </a:r>
+            <a:endParaRPr lang="en-GB" altLang="en-US" sz="2000" dirty="0"/>
+          </a:p>
+          <a:p>
+            <a:endParaRPr lang="en-GB" altLang="en-US" sz="2000" dirty="0"/>
           </a:p>
         </p:txBody>
       </p:sp>
@@ -34910,7 +34932,7 @@
       <p:grpSpPr/>
       <p:sp>
         <p:nvSpPr>
-          <p:cNvPr id="107522" name="Title 1"/>
+          <p:cNvPr id="108546" name="Title 1"/>
           <p:cNvSpPr>
             <a:spLocks noGrp="1"/>
           </p:cNvSpPr>
@@ -34921,7 +34943,7 @@
         <p:spPr>
           <a:xfrm>
             <a:off x="457200" y="274638"/>
-            <a:ext cx="8229600" cy="633412"/>
+            <a:ext cx="8229600" cy="850900"/>
           </a:xfrm>
         </p:spPr>
         <p:txBody>
@@ -34939,7 +34961,7 @@
       </p:sp>
       <p:sp>
         <p:nvSpPr>
-          <p:cNvPr id="107523" name="Content Placeholder 2"/>
+          <p:cNvPr id="108547" name="Content Placeholder 2"/>
           <p:cNvSpPr>
             <a:spLocks noGrp="1"/>
           </p:cNvSpPr>
@@ -34947,75 +34969,94 @@
             <p:ph idx="1"/>
           </p:nvPr>
         </p:nvSpPr>
-        <p:spPr>
-          <a:xfrm>
-            <a:off x="457200" y="1125538"/>
-            <a:ext cx="8229600" cy="5000625"/>
-          </a:xfrm>
-        </p:spPr>
+        <p:spPr/>
         <p:txBody>
           <a:bodyPr vert="horz" wrap="square" lIns="91440" tIns="45720" rIns="91440" bIns="45720" anchor="t" anchorCtr="0"/>
           <a:p>
-            <a:r>
-              <a:rPr lang="en-GB" altLang="en-US" sz="2400" b="1" dirty="0"/>
-              <a:t>Having the Right Method</a:t>
-            </a:r>
-            <a:endParaRPr lang="en-GB" altLang="en-US" sz="2400" b="1" dirty="0"/>
-          </a:p>
-          <a:p>
-            <a:pPr marL="0" indent="0">
-              <a:buNone/>
-            </a:pPr>
-            <a:r>
-              <a:rPr lang="en-GB" altLang="en-US" sz="2400" b="1" dirty="0"/>
-              <a:t>	</a:t>
-            </a:r>
-            <a:endParaRPr lang="en-GB" altLang="en-US" sz="2400" dirty="0"/>
-          </a:p>
-          <a:p>
-            <a:pPr lvl="0" algn="l">
-              <a:buNone/>
-            </a:pPr>
-            <a:r>
-              <a:rPr lang="en-GB" altLang="en-US" sz="2400" dirty="0"/>
-              <a:t>  You may have attended at one time a Bible Study where a Scripture passage is read and then each person in the group is asked to share what that passage means to them. </a:t>
-            </a:r>
-            <a:endParaRPr lang="en-GB" altLang="en-US" sz="2400" dirty="0"/>
-          </a:p>
-          <a:p>
-            <a:pPr lvl="0" algn="l">
-              <a:buNone/>
-            </a:pPr>
-            <a:endParaRPr lang="en-GB" altLang="en-US" sz="2000" dirty="0"/>
-          </a:p>
-          <a:p>
-            <a:pPr lvl="0" algn="l">
-              <a:buNone/>
-            </a:pPr>
-            <a:r>
-              <a:rPr lang="en-GB" altLang="en-US" sz="2000" dirty="0"/>
-              <a:t>What often happens is that there are as many interpretations of the passage as there are people in the group. </a:t>
-            </a:r>
-            <a:endParaRPr lang="en-GB" altLang="en-US" sz="2000" dirty="0"/>
-          </a:p>
-          <a:p>
-            <a:pPr lvl="0" algn="l">
-              <a:buNone/>
-            </a:pPr>
-            <a:endParaRPr lang="en-GB" altLang="en-US" sz="2000" dirty="0"/>
-          </a:p>
-          <a:p>
-            <a:pPr lvl="0" algn="l">
-              <a:buNone/>
-            </a:pPr>
-            <a:r>
-              <a:rPr lang="en-GB" altLang="en-US" sz="2000" dirty="0"/>
-              <a:t>Each person brings their own personal experiences and therefore sees the passage in their own subjective and biased way.</a:t>
-            </a:r>
-            <a:endParaRPr lang="en-GB" altLang="en-US" sz="2000" dirty="0"/>
-          </a:p>
-          <a:p>
-            <a:endParaRPr lang="en-GB" altLang="en-US" sz="2000" dirty="0"/>
+            <a:pPr marL="0" indent="0" algn="just">
+              <a:buNone/>
+            </a:pPr>
+            <a:r>
+              <a:rPr lang="en-GB" altLang="en-US" sz="1800" dirty="0"/>
+              <a:t>But the question must be asked. </a:t>
+            </a:r>
+            <a:r>
+              <a:rPr lang="en-GB" altLang="en-US" sz="1800" b="1" i="1" dirty="0"/>
+              <a:t>“Which interpretation is right?” </a:t>
+            </a:r>
+            <a:r>
+              <a:rPr lang="en-GB" altLang="en-US" sz="1800" dirty="0"/>
+              <a:t>Why? Because </a:t>
+            </a:r>
+            <a:r>
+              <a:rPr lang="en-GB" altLang="en-US" sz="1800" b="1" i="1" dirty="0"/>
+              <a:t>each Bible author had only one intended meaning </a:t>
+            </a:r>
+            <a:r>
+              <a:rPr lang="en-GB" altLang="en-US" sz="1800" dirty="0"/>
+              <a:t>when he wrote the Scripture.</a:t>
+            </a:r>
+            <a:endParaRPr lang="en-GB" altLang="en-US" sz="1800" dirty="0"/>
+          </a:p>
+          <a:p>
+            <a:pPr algn="just"/>
+            <a:endParaRPr lang="en-GB" altLang="en-US" sz="1800" dirty="0"/>
+          </a:p>
+          <a:p>
+            <a:pPr marL="0" indent="0" algn="just">
+              <a:buNone/>
+            </a:pPr>
+            <a:r>
+              <a:rPr lang="en-GB" altLang="en-US" sz="1800" dirty="0"/>
+              <a:t> Our task as Bible students is not to discover what </a:t>
+            </a:r>
+            <a:r>
+              <a:rPr lang="en-GB" altLang="en-US" sz="1800" b="1" i="1" dirty="0"/>
+              <a:t>we </a:t>
+            </a:r>
+            <a:r>
+              <a:rPr lang="en-GB" altLang="en-US" sz="1800" dirty="0"/>
+              <a:t>think the Scripture means, but to discover what the </a:t>
+            </a:r>
+            <a:r>
+              <a:rPr lang="en-GB" altLang="en-US" sz="1800" b="1" i="1" dirty="0"/>
+              <a:t>original author </a:t>
+            </a:r>
+            <a:r>
+              <a:rPr lang="en-GB" altLang="en-US" sz="1800" dirty="0"/>
+              <a:t>meant when he wrote that Scripture many centuries ago! We accomplish this by following a logical, methodical, careful and objective system of study. </a:t>
+            </a:r>
+            <a:endParaRPr lang="en-GB" altLang="en-US" sz="1800" dirty="0"/>
+          </a:p>
+          <a:p>
+            <a:pPr marL="0" indent="0" algn="just">
+              <a:buNone/>
+            </a:pPr>
+            <a:endParaRPr lang="en-GB" altLang="en-US" sz="1800" dirty="0"/>
+          </a:p>
+          <a:p>
+            <a:pPr marL="0" indent="0" algn="just">
+              <a:buNone/>
+            </a:pPr>
+            <a:r>
+              <a:rPr lang="en-GB" altLang="en-US" sz="1800" dirty="0">
+                <a:sym typeface="+mn-ea"/>
+              </a:rPr>
+              <a:t>Following a Method protects us from interpretations that are affected (or infected?) by our own biases and feelings, and allows us to share and compare our interpretations with others in an objective manner.</a:t>
+            </a:r>
+            <a:endParaRPr lang="en-GB" altLang="en-US" sz="1800" dirty="0"/>
+          </a:p>
+          <a:p>
+            <a:pPr marL="0" indent="0" algn="just">
+              <a:buNone/>
+            </a:pPr>
+            <a:endParaRPr lang="en-GB" altLang="en-US" sz="1800" dirty="0"/>
+          </a:p>
+          <a:p>
+            <a:pPr marL="0" indent="0" algn="just">
+              <a:buNone/>
+            </a:pPr>
+            <a:endParaRPr lang="en-GB" altLang="en-US" sz="1800" dirty="0"/>
           </a:p>
         </p:txBody>
       </p:sp>
@@ -35051,7 +35092,7 @@
       <p:grpSpPr/>
       <p:sp>
         <p:nvSpPr>
-          <p:cNvPr id="108546" name="Title 1"/>
+          <p:cNvPr id="110594" name="Title 1"/>
           <p:cNvSpPr>
             <a:spLocks noGrp="1"/>
           </p:cNvSpPr>
@@ -35062,25 +35103,23 @@
         <p:spPr>
           <a:xfrm>
             <a:off x="457200" y="274638"/>
-            <a:ext cx="8229600" cy="850900"/>
+            <a:ext cx="8229600" cy="633412"/>
           </a:xfrm>
         </p:spPr>
         <p:txBody>
           <a:bodyPr vert="horz" wrap="square" lIns="91440" tIns="45720" rIns="91440" bIns="45720" anchor="ctr" anchorCtr="0"/>
           <a:p>
             <a:r>
-              <a:rPr lang="en-GB" altLang="en-US" b="1" dirty="0">
-                <a:sym typeface="+mn-ea"/>
-              </a:rPr>
-              <a:t>BIBLE STUDY</a:t>
-            </a:r>
-            <a:endParaRPr lang="en-GB" altLang="en-US" dirty="0"/>
+              <a:rPr lang="en-GB" altLang="en-US" sz="3200" b="1" dirty="0"/>
+              <a:t>INDUCTIVE BIBLE STUDY METHOD</a:t>
+            </a:r>
+            <a:endParaRPr lang="en-GB" altLang="en-US" sz="3200" dirty="0"/>
           </a:p>
         </p:txBody>
       </p:sp>
       <p:sp>
         <p:nvSpPr>
-          <p:cNvPr id="108547" name="Content Placeholder 2"/>
+          <p:cNvPr id="110595" name="Content Placeholder 2"/>
           <p:cNvSpPr>
             <a:spLocks noGrp="1"/>
           </p:cNvSpPr>
@@ -35088,94 +35127,36 @@
             <p:ph idx="1"/>
           </p:nvPr>
         </p:nvSpPr>
-        <p:spPr/>
+        <p:spPr>
+          <a:xfrm>
+            <a:off x="457200" y="1341438"/>
+            <a:ext cx="8229600" cy="4784725"/>
+          </a:xfrm>
+        </p:spPr>
         <p:txBody>
           <a:bodyPr vert="horz" wrap="square" lIns="91440" tIns="45720" rIns="91440" bIns="45720" anchor="t" anchorCtr="0"/>
           <a:p>
-            <a:pPr marL="0" indent="0" algn="just">
-              <a:buNone/>
-            </a:pPr>
-            <a:r>
-              <a:rPr lang="en-GB" altLang="en-US" sz="1800" dirty="0"/>
-              <a:t>But the question must be asked. </a:t>
-            </a:r>
-            <a:r>
-              <a:rPr lang="en-GB" altLang="en-US" sz="1800" b="1" i="1" dirty="0"/>
-              <a:t>“Which interpretation is right?” </a:t>
-            </a:r>
-            <a:r>
-              <a:rPr lang="en-GB" altLang="en-US" sz="1800" dirty="0"/>
-              <a:t>Why? Because </a:t>
-            </a:r>
-            <a:r>
-              <a:rPr lang="en-GB" altLang="en-US" sz="1800" b="1" i="1" dirty="0"/>
-              <a:t>each Bible author had only one intended meaning </a:t>
-            </a:r>
-            <a:r>
-              <a:rPr lang="en-GB" altLang="en-US" sz="1800" dirty="0"/>
-              <a:t>when he wrote the Scripture.</a:t>
-            </a:r>
-            <a:endParaRPr lang="en-GB" altLang="en-US" sz="1800" dirty="0"/>
-          </a:p>
-          <a:p>
             <a:pPr algn="just"/>
-            <a:endParaRPr lang="en-GB" altLang="en-US" sz="1800" dirty="0"/>
-          </a:p>
-          <a:p>
-            <a:pPr marL="0" indent="0" algn="just">
-              <a:buNone/>
-            </a:pPr>
-            <a:r>
-              <a:rPr lang="en-GB" altLang="en-US" sz="1800" dirty="0"/>
-              <a:t> Our task as Bible students is not to discover what </a:t>
-            </a:r>
-            <a:r>
-              <a:rPr lang="en-GB" altLang="en-US" sz="1800" b="1" i="1" dirty="0"/>
-              <a:t>we </a:t>
-            </a:r>
-            <a:r>
-              <a:rPr lang="en-GB" altLang="en-US" sz="1800" dirty="0"/>
-              <a:t>think the Scripture means, but to discover what the </a:t>
-            </a:r>
-            <a:r>
-              <a:rPr lang="en-GB" altLang="en-US" sz="1800" b="1" i="1" dirty="0"/>
-              <a:t>original author </a:t>
-            </a:r>
-            <a:r>
-              <a:rPr lang="en-GB" altLang="en-US" sz="1800" dirty="0"/>
-              <a:t>meant when he wrote that Scripture many centuries ago! We accomplish this by following a logical, methodical, careful and objective system of study. </a:t>
-            </a:r>
-            <a:endParaRPr lang="en-GB" altLang="en-US" sz="1800" dirty="0"/>
-          </a:p>
-          <a:p>
-            <a:pPr marL="0" indent="0" algn="just">
-              <a:buNone/>
-            </a:pPr>
-            <a:endParaRPr lang="en-GB" altLang="en-US" sz="1800" dirty="0"/>
-          </a:p>
-          <a:p>
-            <a:pPr marL="0" indent="0" algn="just">
-              <a:buNone/>
-            </a:pPr>
-            <a:r>
-              <a:rPr lang="en-GB" altLang="en-US" sz="1800" dirty="0">
-                <a:sym typeface="+mn-ea"/>
-              </a:rPr>
-              <a:t>Following a Method protects us from interpretations that are affected (or infected?) by our own biases and feelings, and allows us to share and compare our interpretations with others in an objective manner.</a:t>
-            </a:r>
-            <a:endParaRPr lang="en-GB" altLang="en-US" sz="1800" dirty="0"/>
-          </a:p>
-          <a:p>
-            <a:pPr marL="0" indent="0" algn="just">
-              <a:buNone/>
-            </a:pPr>
-            <a:endParaRPr lang="en-GB" altLang="en-US" sz="1800" dirty="0"/>
-          </a:p>
-          <a:p>
-            <a:pPr marL="0" indent="0" algn="just">
-              <a:buNone/>
-            </a:pPr>
-            <a:endParaRPr lang="en-GB" altLang="en-US" sz="1800" dirty="0"/>
+            <a:r>
+              <a:rPr lang="en-GB" altLang="en-US" sz="2800" dirty="0"/>
+              <a:t>The inductive study method is the most valuable and accurate way of studying the scriptures to arrive at the genuine interpretation of the day it was written to.</a:t>
+            </a:r>
+            <a:endParaRPr lang="en-GB" altLang="en-US" sz="2800" dirty="0"/>
+          </a:p>
+          <a:p>
+            <a:pPr algn="just"/>
+            <a:endParaRPr lang="en-GB" altLang="en-US" sz="2800" dirty="0"/>
+          </a:p>
+          <a:p>
+            <a:pPr algn="just"/>
+            <a:r>
+              <a:rPr lang="en-GB" altLang="en-US" sz="2800" dirty="0"/>
+              <a:t> This method focuses on three main areas: Context, historical Background, and Language</a:t>
+            </a:r>
+            <a:endParaRPr lang="en-GB" altLang="en-US" sz="2800" dirty="0"/>
+          </a:p>
+          <a:p>
+            <a:endParaRPr lang="en-GB" altLang="en-US" sz="2800" dirty="0"/>
           </a:p>
         </p:txBody>
       </p:sp>
@@ -35211,7 +35192,7 @@
       <p:grpSpPr/>
       <p:sp>
         <p:nvSpPr>
-          <p:cNvPr id="110594" name="Title 1"/>
+          <p:cNvPr id="111618" name="Title 1"/>
           <p:cNvSpPr>
             <a:spLocks noGrp="1"/>
           </p:cNvSpPr>
@@ -35229,16 +35210,16 @@
           <a:bodyPr vert="horz" wrap="square" lIns="91440" tIns="45720" rIns="91440" bIns="45720" anchor="ctr" anchorCtr="0"/>
           <a:p>
             <a:r>
-              <a:rPr lang="en-GB" altLang="en-US" sz="3200" b="1" dirty="0"/>
-              <a:t>INDUCTIVE BIBLE STUDY METHOD</a:t>
-            </a:r>
-            <a:endParaRPr lang="en-GB" altLang="en-US" sz="3200" dirty="0"/>
+              <a:rPr lang="en-GB" altLang="en-US" sz="8800" b="1" dirty="0"/>
+              <a:t>context</a:t>
+            </a:r>
+            <a:endParaRPr lang="en-GB" altLang="en-US" sz="8800" b="1" dirty="0"/>
           </a:p>
         </p:txBody>
       </p:sp>
       <p:sp>
         <p:nvSpPr>
-          <p:cNvPr id="110595" name="Content Placeholder 2"/>
+          <p:cNvPr id="111619" name="Content Placeholder 2"/>
           <p:cNvSpPr>
             <a:spLocks noGrp="1"/>
           </p:cNvSpPr>
@@ -35246,36 +35227,31 @@
             <p:ph idx="1"/>
           </p:nvPr>
         </p:nvSpPr>
-        <p:spPr>
-          <a:xfrm>
-            <a:off x="457200" y="1341438"/>
-            <a:ext cx="8229600" cy="4784725"/>
-          </a:xfrm>
-        </p:spPr>
+        <p:spPr/>
         <p:txBody>
           <a:bodyPr vert="horz" wrap="square" lIns="91440" tIns="45720" rIns="91440" bIns="45720" anchor="t" anchorCtr="0"/>
           <a:p>
-            <a:pPr algn="just"/>
-            <a:r>
-              <a:rPr lang="en-GB" altLang="en-US" sz="2800" dirty="0"/>
-              <a:t>The inductive study method is the most valuable and accurate way of studying the scriptures to arrive at the genuine interpretation of the day it was written to.</a:t>
-            </a:r>
-            <a:endParaRPr lang="en-GB" altLang="en-US" sz="2800" dirty="0"/>
-          </a:p>
-          <a:p>
-            <a:pPr algn="just"/>
-            <a:endParaRPr lang="en-GB" altLang="en-US" sz="2800" dirty="0"/>
-          </a:p>
-          <a:p>
-            <a:pPr algn="just"/>
-            <a:r>
-              <a:rPr lang="en-GB" altLang="en-US" sz="2800" dirty="0"/>
-              <a:t> This method focuses on three main areas: Context, historical Background, and Language</a:t>
-            </a:r>
-            <a:endParaRPr lang="en-GB" altLang="en-US" sz="2800" dirty="0"/>
-          </a:p>
-          <a:p>
-            <a:endParaRPr lang="en-GB" altLang="en-US" sz="2800" dirty="0"/>
+            <a:endParaRPr lang="en-GB" altLang="en-US" dirty="0"/>
+          </a:p>
+          <a:p>
+            <a:r>
+              <a:rPr lang="en-GB" altLang="en-US" dirty="0"/>
+              <a:t>The context is vital to insure the original intent and purpose of the writer of the day it was written.</a:t>
+            </a:r>
+            <a:endParaRPr lang="en-GB" altLang="en-US" dirty="0"/>
+          </a:p>
+          <a:p>
+            <a:pPr marL="0" indent="0">
+              <a:buNone/>
+            </a:pPr>
+            <a:endParaRPr lang="en-GB" altLang="en-US" dirty="0"/>
+          </a:p>
+          <a:p>
+            <a:r>
+              <a:rPr lang="en-GB" altLang="en-US" dirty="0"/>
+              <a:t>Text out of its context is nothing but a pretext</a:t>
+            </a:r>
+            <a:endParaRPr lang="en-GB" altLang="en-US" dirty="0"/>
           </a:p>
         </p:txBody>
       </p:sp>
@@ -35526,7 +35502,7 @@
       <p:grpSpPr/>
       <p:sp>
         <p:nvSpPr>
-          <p:cNvPr id="111618" name="Title 1"/>
+          <p:cNvPr id="112642" name="Title 1"/>
           <p:cNvSpPr>
             <a:spLocks noGrp="1"/>
           </p:cNvSpPr>
@@ -35536,24 +35512,34 @@
         </p:nvSpPr>
         <p:spPr>
           <a:xfrm>
-            <a:off x="457200" y="274638"/>
-            <a:ext cx="8229600" cy="633412"/>
+            <a:off x="468630" y="913130"/>
+            <a:ext cx="8229600" cy="860425"/>
           </a:xfrm>
         </p:spPr>
         <p:txBody>
           <a:bodyPr vert="horz" wrap="square" lIns="91440" tIns="45720" rIns="91440" bIns="45720" anchor="ctr" anchorCtr="0"/>
           <a:p>
             <a:r>
-              <a:rPr lang="en-GB" altLang="en-US" sz="8800" b="1" dirty="0"/>
-              <a:t>context</a:t>
-            </a:r>
-            <a:endParaRPr lang="en-GB" altLang="en-US" sz="8800" b="1" dirty="0"/>
+              <a:rPr lang="en-GB" altLang="en-US" sz="4000" b="1" dirty="0"/>
+              <a:t>Historical Background</a:t>
+            </a:r>
+            <a:br>
+              <a:rPr lang="en-GB" altLang="en-US" sz="4000" b="1" dirty="0"/>
+            </a:br>
+            <a:r>
+              <a:rPr lang="en-GB" altLang="en-US" sz="4000" b="1" dirty="0"/>
+              <a:t> </a:t>
+            </a:r>
+            <a:br>
+              <a:rPr lang="en-GB" altLang="en-US" sz="4000" b="1" dirty="0"/>
+            </a:br>
+            <a:endParaRPr lang="en-GB" altLang="en-US" sz="4000" b="1" dirty="0"/>
           </a:p>
         </p:txBody>
       </p:sp>
       <p:sp>
         <p:nvSpPr>
-          <p:cNvPr id="111619" name="Content Placeholder 2"/>
+          <p:cNvPr id="112643" name="Content Placeholder 2"/>
           <p:cNvSpPr>
             <a:spLocks noGrp="1"/>
           </p:cNvSpPr>
@@ -35561,31 +35547,83 @@
             <p:ph idx="1"/>
           </p:nvPr>
         </p:nvSpPr>
-        <p:spPr/>
+        <p:spPr>
+          <a:xfrm>
+            <a:off x="457200" y="1196975"/>
+            <a:ext cx="8229600" cy="5327650"/>
+          </a:xfrm>
+        </p:spPr>
         <p:txBody>
           <a:bodyPr vert="horz" wrap="square" lIns="91440" tIns="45720" rIns="91440" bIns="45720" anchor="t" anchorCtr="0"/>
           <a:p>
-            <a:endParaRPr lang="en-GB" altLang="en-US" dirty="0"/>
-          </a:p>
-          <a:p>
-            <a:r>
-              <a:rPr lang="en-GB" altLang="en-US" dirty="0"/>
-              <a:t>The context is vital to insure the original intent and purpose of the writer of the day it was written.</a:t>
-            </a:r>
-            <a:endParaRPr lang="en-GB" altLang="en-US" dirty="0"/>
-          </a:p>
-          <a:p>
-            <a:pPr marL="0" indent="0">
-              <a:buNone/>
-            </a:pPr>
-            <a:endParaRPr lang="en-GB" altLang="en-US" dirty="0"/>
-          </a:p>
-          <a:p>
-            <a:r>
-              <a:rPr lang="en-GB" altLang="en-US" dirty="0"/>
-              <a:t>Text out of its context is nothing but a pretext</a:t>
-            </a:r>
-            <a:endParaRPr lang="en-GB" altLang="en-US" dirty="0"/>
+            <a:pPr algn="just"/>
+            <a:r>
+              <a:rPr lang="en-GB" altLang="en-US" sz="1800" dirty="0"/>
+              <a:t>The historical background is also very important to insure what is being taught or required is relevant to our day.</a:t>
+            </a:r>
+            <a:endParaRPr lang="en-GB" altLang="en-US" sz="1800" dirty="0"/>
+          </a:p>
+          <a:p>
+            <a:pPr algn="just"/>
+            <a:endParaRPr lang="en-GB" altLang="en-US" sz="1800" dirty="0"/>
+          </a:p>
+          <a:p>
+            <a:pPr algn="just"/>
+            <a:r>
+              <a:rPr lang="en-GB" altLang="en-US" sz="1800" dirty="0"/>
+              <a:t>A good example would be the command to the women to wear veils to honour their husbands at Corinth. </a:t>
+            </a:r>
+            <a:r>
+              <a:rPr lang="en-GB" altLang="en-US" sz="1800" i="1" dirty="0"/>
+              <a:t>1 </a:t>
+            </a:r>
+            <a:r>
+              <a:rPr lang="en-GB" altLang="en-US" sz="1800" i="1" dirty="0">
+                <a:solidFill>
+                  <a:srgbClr val="FF0000"/>
+                </a:solidFill>
+              </a:rPr>
+              <a:t>Corinthians. 11:13</a:t>
+            </a:r>
+            <a:endParaRPr lang="en-GB" altLang="en-US" sz="1800" i="1" dirty="0">
+              <a:solidFill>
+                <a:srgbClr val="FF0000"/>
+              </a:solidFill>
+            </a:endParaRPr>
+          </a:p>
+          <a:p>
+            <a:pPr marL="0" indent="0" algn="just">
+              <a:buNone/>
+            </a:pPr>
+            <a:endParaRPr lang="en-GB" altLang="en-US" sz="1800" dirty="0">
+              <a:solidFill>
+                <a:srgbClr val="FF0000"/>
+              </a:solidFill>
+            </a:endParaRPr>
+          </a:p>
+          <a:p>
+            <a:pPr algn="just"/>
+            <a:r>
+              <a:rPr lang="en-GB" altLang="en-US" sz="1800" dirty="0"/>
+              <a:t>The city had a temple to Aphrodite and the temple prostitutes would be unveiled showing that they had no covering over their lives, in other words no husband and were in fact temple prostitutes.</a:t>
+            </a:r>
+            <a:endParaRPr lang="en-GB" altLang="en-US" sz="1800" dirty="0"/>
+          </a:p>
+          <a:p>
+            <a:pPr algn="just"/>
+            <a:endParaRPr lang="en-GB" altLang="en-US" sz="1800" dirty="0"/>
+          </a:p>
+          <a:p>
+            <a:pPr algn="just"/>
+            <a:r>
+              <a:rPr lang="en-GB" altLang="en-US" sz="1800" dirty="0"/>
+              <a:t>The command of Paul to the women is to not use their liberty in Christ lest two things take place; they may be mistaken for temple prostitutes and dishonour their husbands by identifying with the permissive women of the city</a:t>
+            </a:r>
+            <a:r>
+              <a:rPr lang="en-GB" altLang="en-US" sz="1400" dirty="0"/>
+              <a:t>.</a:t>
+            </a:r>
+            <a:endParaRPr lang="en-GB" altLang="en-US" sz="1400" dirty="0"/>
           </a:p>
         </p:txBody>
       </p:sp>
@@ -35621,7 +35659,7 @@
       <p:grpSpPr/>
       <p:sp>
         <p:nvSpPr>
-          <p:cNvPr id="112642" name="Title 1"/>
+          <p:cNvPr id="113666" name="Title 1"/>
           <p:cNvSpPr>
             <a:spLocks noGrp="1"/>
           </p:cNvSpPr>
@@ -35631,34 +35669,27 @@
         </p:nvSpPr>
         <p:spPr>
           <a:xfrm>
-            <a:off x="468630" y="913130"/>
-            <a:ext cx="8229600" cy="860425"/>
+            <a:off x="457200" y="1292225"/>
+            <a:ext cx="8229600" cy="188595"/>
           </a:xfrm>
         </p:spPr>
         <p:txBody>
           <a:bodyPr vert="horz" wrap="square" lIns="91440" tIns="45720" rIns="91440" bIns="45720" anchor="ctr" anchorCtr="0"/>
           <a:p>
             <a:r>
-              <a:rPr lang="en-GB" altLang="en-US" sz="4000" b="1" dirty="0"/>
-              <a:t>Historical Background</a:t>
+              <a:rPr lang="en-GB" altLang="en-US" sz="6600" b="1" dirty="0"/>
+              <a:t>LANGUAGE</a:t>
             </a:r>
             <a:br>
-              <a:rPr lang="en-GB" altLang="en-US" sz="4000" b="1" dirty="0"/>
+              <a:rPr lang="en-GB" altLang="en-US" sz="6600" b="1" dirty="0"/>
             </a:br>
-            <a:r>
-              <a:rPr lang="en-GB" altLang="en-US" sz="4000" b="1" dirty="0"/>
-              <a:t> </a:t>
-            </a:r>
-            <a:br>
-              <a:rPr lang="en-GB" altLang="en-US" sz="4000" b="1" dirty="0"/>
-            </a:br>
-            <a:endParaRPr lang="en-GB" altLang="en-US" sz="4000" b="1" dirty="0"/>
+            <a:endParaRPr lang="en-GB" altLang="en-US" sz="6600" b="1" dirty="0"/>
           </a:p>
         </p:txBody>
       </p:sp>
       <p:sp>
         <p:nvSpPr>
-          <p:cNvPr id="112643" name="Content Placeholder 2"/>
+          <p:cNvPr id="113667" name="Content Placeholder 2"/>
           <p:cNvSpPr>
             <a:spLocks noGrp="1"/>
           </p:cNvSpPr>
@@ -35668,81 +35699,31 @@
         </p:nvSpPr>
         <p:spPr>
           <a:xfrm>
-            <a:off x="457200" y="1196975"/>
-            <a:ext cx="8229600" cy="5327650"/>
+            <a:off x="457200" y="1268413"/>
+            <a:ext cx="8229600" cy="4857750"/>
           </a:xfrm>
         </p:spPr>
         <p:txBody>
           <a:bodyPr vert="horz" wrap="square" lIns="91440" tIns="45720" rIns="91440" bIns="45720" anchor="t" anchorCtr="0"/>
           <a:p>
-            <a:pPr algn="just"/>
-            <a:r>
-              <a:rPr lang="en-GB" altLang="en-US" sz="1800" dirty="0"/>
-              <a:t>The historical background is also very important to insure what is being taught or required is relevant to our day.</a:t>
-            </a:r>
-            <a:endParaRPr lang="en-GB" altLang="en-US" sz="1800" dirty="0"/>
-          </a:p>
-          <a:p>
-            <a:pPr algn="just"/>
-            <a:endParaRPr lang="en-GB" altLang="en-US" sz="1800" dirty="0"/>
-          </a:p>
-          <a:p>
-            <a:pPr algn="just"/>
-            <a:r>
-              <a:rPr lang="en-GB" altLang="en-US" sz="1800" dirty="0"/>
-              <a:t>A good example would be the command to the women to wear veils to honour their husbands at Corinth. </a:t>
-            </a:r>
-            <a:r>
-              <a:rPr lang="en-GB" altLang="en-US" sz="1800" i="1" dirty="0"/>
-              <a:t>1 </a:t>
-            </a:r>
-            <a:r>
-              <a:rPr lang="en-GB" altLang="en-US" sz="1800" i="1" dirty="0">
-                <a:solidFill>
-                  <a:srgbClr val="FF0000"/>
-                </a:solidFill>
-              </a:rPr>
-              <a:t>Corinthians. 11:13</a:t>
-            </a:r>
-            <a:endParaRPr lang="en-GB" altLang="en-US" sz="1800" i="1" dirty="0">
-              <a:solidFill>
-                <a:srgbClr val="FF0000"/>
-              </a:solidFill>
-            </a:endParaRPr>
-          </a:p>
-          <a:p>
-            <a:pPr marL="0" indent="0" algn="just">
-              <a:buNone/>
-            </a:pPr>
-            <a:endParaRPr lang="en-GB" altLang="en-US" sz="1800" dirty="0">
-              <a:solidFill>
-                <a:srgbClr val="FF0000"/>
-              </a:solidFill>
-            </a:endParaRPr>
-          </a:p>
-          <a:p>
-            <a:pPr algn="just"/>
-            <a:r>
-              <a:rPr lang="en-GB" altLang="en-US" sz="1800" dirty="0"/>
-              <a:t>The city had a temple to Aphrodite and the temple prostitutes would be unveiled showing that they had no covering over their lives, in other words no husband and were in fact temple prostitutes.</a:t>
-            </a:r>
-            <a:endParaRPr lang="en-GB" altLang="en-US" sz="1800" dirty="0"/>
-          </a:p>
-          <a:p>
-            <a:pPr algn="just"/>
-            <a:endParaRPr lang="en-GB" altLang="en-US" sz="1800" dirty="0"/>
-          </a:p>
-          <a:p>
-            <a:pPr algn="just"/>
-            <a:r>
-              <a:rPr lang="en-GB" altLang="en-US" sz="1800" dirty="0"/>
-              <a:t>The command of Paul to the women is to not use their liberty in Christ lest two things take place; they may be mistaken for temple prostitutes and dishonour their husbands by identifying with the permissive women of the city</a:t>
-            </a:r>
-            <a:r>
-              <a:rPr lang="en-GB" altLang="en-US" sz="1400" dirty="0"/>
-              <a:t>.</a:t>
-            </a:r>
-            <a:endParaRPr lang="en-GB" altLang="en-US" sz="1400" dirty="0"/>
+            <a:r>
+              <a:rPr lang="en-GB" altLang="en-US" sz="2400" dirty="0"/>
+              <a:t>The original language is key to understand the meaning as well as the sense of the sentence, be it Hebrew, Aramaic or Greek.</a:t>
+            </a:r>
+            <a:endParaRPr lang="en-GB" altLang="en-US" sz="2400" dirty="0"/>
+          </a:p>
+          <a:p>
+            <a:endParaRPr lang="en-GB" altLang="en-US" sz="2400" dirty="0"/>
+          </a:p>
+          <a:p>
+            <a:r>
+              <a:rPr lang="en-GB" altLang="en-US" sz="2400" dirty="0"/>
+              <a:t>Word studies must be done not in isolation but in conjunction with the passage, context and their relation to the other words that structure the sentence or section, lest a wrong meaning is given to a word because the same word can be used in different ways.</a:t>
+            </a:r>
+            <a:endParaRPr lang="en-GB" altLang="en-US" sz="2400" dirty="0"/>
+          </a:p>
+          <a:p>
+            <a:endParaRPr lang="en-GB" altLang="en-US" sz="2400" dirty="0"/>
           </a:p>
         </p:txBody>
       </p:sp>
@@ -35778,7 +35759,7 @@
       <p:grpSpPr/>
       <p:sp>
         <p:nvSpPr>
-          <p:cNvPr id="113666" name="Title 1"/>
+          <p:cNvPr id="114690" name="Title 1"/>
           <p:cNvSpPr>
             <a:spLocks noGrp="1"/>
           </p:cNvSpPr>
@@ -35788,27 +35769,27 @@
         </p:nvSpPr>
         <p:spPr>
           <a:xfrm>
-            <a:off x="457200" y="1292225"/>
-            <a:ext cx="8229600" cy="188595"/>
+            <a:off x="457200" y="274638"/>
+            <a:ext cx="8229600" cy="1282700"/>
           </a:xfrm>
         </p:spPr>
         <p:txBody>
           <a:bodyPr vert="horz" wrap="square" lIns="91440" tIns="45720" rIns="91440" bIns="45720" anchor="ctr" anchorCtr="0"/>
           <a:p>
             <a:r>
-              <a:rPr lang="en-GB" altLang="en-US" sz="6600" b="1" dirty="0"/>
-              <a:t>LANGUAGE</a:t>
+              <a:rPr lang="en-GB" altLang="en-US" sz="3200" b="1" dirty="0"/>
+              <a:t>THE THREE STEPS FOR INDUCTIVE METHOD</a:t>
             </a:r>
             <a:br>
-              <a:rPr lang="en-GB" altLang="en-US" sz="6600" b="1" dirty="0"/>
+              <a:rPr lang="en-GB" altLang="en-US" sz="3200" b="1" dirty="0"/>
             </a:br>
-            <a:endParaRPr lang="en-GB" altLang="en-US" sz="6600" b="1" dirty="0"/>
+            <a:endParaRPr lang="en-GB" altLang="en-US" sz="3200" b="1" dirty="0"/>
           </a:p>
         </p:txBody>
       </p:sp>
       <p:sp>
         <p:nvSpPr>
-          <p:cNvPr id="113667" name="Content Placeholder 2"/>
+          <p:cNvPr id="114691" name="Content Placeholder 2"/>
           <p:cNvSpPr>
             <a:spLocks noGrp="1"/>
           </p:cNvSpPr>
@@ -35818,26 +35799,87 @@
         </p:nvSpPr>
         <p:spPr>
           <a:xfrm>
-            <a:off x="457200" y="1268413"/>
-            <a:ext cx="8229600" cy="4857750"/>
+            <a:off x="457200" y="1052513"/>
+            <a:ext cx="8229600" cy="5472112"/>
           </a:xfrm>
         </p:spPr>
         <p:txBody>
           <a:bodyPr vert="horz" wrap="square" lIns="91440" tIns="45720" rIns="91440" bIns="45720" anchor="t" anchorCtr="0"/>
           <a:p>
-            <a:r>
-              <a:rPr lang="en-GB" altLang="en-US" sz="2400" dirty="0"/>
-              <a:t>The original language is key to understand the meaning as well as the sense of the sentence, be it Hebrew, Aramaic or Greek.</a:t>
-            </a:r>
-            <a:endParaRPr lang="en-GB" altLang="en-US" sz="2400" dirty="0"/>
-          </a:p>
-          <a:p>
-            <a:endParaRPr lang="en-GB" altLang="en-US" sz="2400" dirty="0"/>
-          </a:p>
-          <a:p>
-            <a:r>
-              <a:rPr lang="en-GB" altLang="en-US" sz="2400" dirty="0"/>
-              <a:t>Word studies must be done not in isolation but in conjunction with the passage, context and their relation to the other words that structure the sentence or section, lest a wrong meaning is given to a word because the same word can be used in different ways.</a:t>
+            <a:pPr>
+              <a:buNone/>
+            </a:pPr>
+            <a:r>
+              <a:rPr lang="en-GB" altLang="en-US" sz="1800" b="1" dirty="0"/>
+              <a:t>1. OBSERVATION </a:t>
+            </a:r>
+            <a:endParaRPr lang="en-GB" altLang="en-US" sz="1800" b="1" dirty="0"/>
+          </a:p>
+          <a:p>
+            <a:pPr>
+              <a:buNone/>
+            </a:pPr>
+            <a:endParaRPr lang="en-GB" altLang="en-US" sz="1800" dirty="0"/>
+          </a:p>
+          <a:p>
+            <a:r>
+              <a:rPr lang="en-GB" altLang="en-US" sz="1800" b="1" dirty="0"/>
+              <a:t>Begin with Prayer: </a:t>
+            </a:r>
+            <a:r>
+              <a:rPr lang="en-GB" altLang="en-US" sz="1800" dirty="0"/>
+              <a:t>Prayer is often the missing element in Bible study. You are about to learn the most effective method of Bible study there is. Yet apart from the work of the Holy Spirit, that’s all it will be—a method.</a:t>
+            </a:r>
+            <a:endParaRPr lang="en-GB" altLang="en-US" sz="1800" dirty="0"/>
+          </a:p>
+          <a:p>
+            <a:endParaRPr lang="en-GB" altLang="en-US" sz="1800" dirty="0"/>
+          </a:p>
+          <a:p>
+            <a:r>
+              <a:rPr lang="en-GB" altLang="en-US" sz="1800" dirty="0"/>
+              <a:t>Questions </a:t>
+            </a:r>
+            <a:endParaRPr lang="en-GB" altLang="en-US" sz="1800" dirty="0"/>
+          </a:p>
+          <a:p>
+            <a:r>
+              <a:rPr lang="en-GB" altLang="en-US" sz="1800" b="1" dirty="0"/>
+              <a:t>Ask the “5 W’s and an H”: </a:t>
+            </a:r>
+            <a:r>
+              <a:rPr lang="en-GB" altLang="en-US" sz="1800" dirty="0"/>
+              <a:t>As you study any passage of Scripture, train yourself to constantly ask: </a:t>
+            </a:r>
+            <a:r>
+              <a:rPr lang="en-GB" altLang="en-US" sz="1800" b="1" dirty="0"/>
+              <a:t>Who? What? When? Where? Why? How? </a:t>
+            </a:r>
+            <a:endParaRPr lang="en-GB" altLang="en-US" sz="1800" b="1" dirty="0"/>
+          </a:p>
+          <a:p>
+            <a:endParaRPr lang="en-GB" altLang="en-US" sz="1800" b="1" dirty="0"/>
+          </a:p>
+          <a:p>
+            <a:r>
+              <a:rPr lang="en-GB" altLang="en-US" sz="1800" dirty="0"/>
+              <a:t>These questions are the building blocks of precise </a:t>
+            </a:r>
+            <a:r>
+              <a:rPr lang="en-GB" altLang="en-US" sz="1800" b="1" dirty="0"/>
+              <a:t>observation, </a:t>
+            </a:r>
+            <a:r>
+              <a:rPr lang="en-GB" altLang="en-US" sz="1800" dirty="0"/>
+              <a:t>which is essential for accurate </a:t>
+            </a:r>
+            <a:r>
+              <a:rPr lang="en-GB" altLang="en-US" sz="1800" b="1" dirty="0"/>
+              <a:t>interpretation. Ask many questions as you can. Do not mind about the answers</a:t>
+            </a:r>
+            <a:r>
+              <a:rPr lang="en-GB" altLang="en-US" sz="2400" b="1" dirty="0"/>
+              <a:t>.</a:t>
             </a:r>
             <a:endParaRPr lang="en-GB" altLang="en-US" sz="2400" dirty="0"/>
           </a:p>
@@ -35878,7 +35920,7 @@
       <p:grpSpPr/>
       <p:sp>
         <p:nvSpPr>
-          <p:cNvPr id="114690" name="Title 1"/>
+          <p:cNvPr id="115714" name="Title 1"/>
           <p:cNvSpPr>
             <a:spLocks noGrp="1"/>
           </p:cNvSpPr>
@@ -35888,27 +35930,29 @@
         </p:nvSpPr>
         <p:spPr>
           <a:xfrm>
-            <a:off x="457200" y="274638"/>
-            <a:ext cx="8229600" cy="1282700"/>
+            <a:off x="457200" y="274955"/>
+            <a:ext cx="8229600" cy="1113155"/>
           </a:xfrm>
         </p:spPr>
         <p:txBody>
           <a:bodyPr vert="horz" wrap="square" lIns="91440" tIns="45720" rIns="91440" bIns="45720" anchor="ctr" anchorCtr="0"/>
           <a:p>
             <a:r>
-              <a:rPr lang="en-GB" altLang="en-US" sz="3200" b="1" dirty="0"/>
-              <a:t>THE THREE STEPS FOR INDUCTIVE METHOD</a:t>
+              <a:rPr lang="en-GB" altLang="en-US" sz="6000" b="1" dirty="0">
+                <a:sym typeface="+mn-ea"/>
+              </a:rPr>
+              <a:t>Answers</a:t>
             </a:r>
             <a:br>
-              <a:rPr lang="en-GB" altLang="en-US" sz="3200" b="1" dirty="0"/>
+              <a:rPr lang="en-GB" altLang="en-US" sz="6000" b="1" dirty="0"/>
             </a:br>
-            <a:endParaRPr lang="en-GB" altLang="en-US" sz="3200" b="1" dirty="0"/>
+            <a:endParaRPr lang="en-GB" altLang="en-US" sz="6000" b="1" dirty="0"/>
           </a:p>
         </p:txBody>
       </p:sp>
       <p:sp>
         <p:nvSpPr>
-          <p:cNvPr id="114691" name="Content Placeholder 2"/>
+          <p:cNvPr id="115715" name="Content Placeholder 2"/>
           <p:cNvSpPr>
             <a:spLocks noGrp="1"/>
           </p:cNvSpPr>
@@ -35916,94 +35960,63 @@
             <p:ph idx="1"/>
           </p:nvPr>
         </p:nvSpPr>
-        <p:spPr>
-          <a:xfrm>
-            <a:off x="457200" y="1052513"/>
-            <a:ext cx="8229600" cy="5472112"/>
-          </a:xfrm>
-        </p:spPr>
+        <p:spPr/>
         <p:txBody>
           <a:bodyPr vert="horz" wrap="square" lIns="91440" tIns="45720" rIns="91440" bIns="45720" anchor="t" anchorCtr="0"/>
           <a:p>
-            <a:pPr>
-              <a:buNone/>
-            </a:pPr>
-            <a:r>
-              <a:rPr lang="en-GB" altLang="en-US" sz="1800" b="1" dirty="0"/>
-              <a:t>1. OBSERVATION </a:t>
-            </a:r>
-            <a:endParaRPr lang="en-GB" altLang="en-US" sz="1800" b="1" dirty="0"/>
-          </a:p>
-          <a:p>
-            <a:pPr>
-              <a:buNone/>
-            </a:pPr>
-            <a:endParaRPr lang="en-GB" altLang="en-US" sz="1800" dirty="0"/>
-          </a:p>
-          <a:p>
-            <a:r>
-              <a:rPr lang="en-GB" altLang="en-US" sz="1800" b="1" dirty="0"/>
-              <a:t>Begin with Prayer: </a:t>
-            </a:r>
-            <a:r>
-              <a:rPr lang="en-GB" altLang="en-US" sz="1800" dirty="0"/>
-              <a:t>Prayer is often the missing element in Bible study. You are about to learn the most effective method of Bible study there is. Yet apart from the work of the Holy Spirit, that’s all it will be—a method.</a:t>
-            </a:r>
-            <a:endParaRPr lang="en-GB" altLang="en-US" sz="1800" dirty="0"/>
-          </a:p>
-          <a:p>
-            <a:endParaRPr lang="en-GB" altLang="en-US" sz="1800" dirty="0"/>
-          </a:p>
-          <a:p>
-            <a:r>
-              <a:rPr lang="en-GB" altLang="en-US" sz="1800" dirty="0"/>
-              <a:t>Questions </a:t>
-            </a:r>
-            <a:endParaRPr lang="en-GB" altLang="en-US" sz="1800" dirty="0"/>
-          </a:p>
-          <a:p>
-            <a:r>
-              <a:rPr lang="en-GB" altLang="en-US" sz="1800" b="1" dirty="0"/>
-              <a:t>Ask the “5 W’s and an H”: </a:t>
-            </a:r>
-            <a:r>
-              <a:rPr lang="en-GB" altLang="en-US" sz="1800" dirty="0"/>
-              <a:t>As you study any passage of Scripture, train yourself to constantly ask: </a:t>
-            </a:r>
-            <a:r>
-              <a:rPr lang="en-GB" altLang="en-US" sz="1800" b="1" dirty="0"/>
-              <a:t>Who? What? When? Where? Why? How? </a:t>
-            </a:r>
-            <a:endParaRPr lang="en-GB" altLang="en-US" sz="1800" b="1" dirty="0"/>
-          </a:p>
-          <a:p>
-            <a:endParaRPr lang="en-GB" altLang="en-US" sz="1800" b="1" dirty="0"/>
-          </a:p>
-          <a:p>
-            <a:r>
-              <a:rPr lang="en-GB" altLang="en-US" sz="1800" dirty="0"/>
-              <a:t>These questions are the building blocks of precise </a:t>
-            </a:r>
-            <a:r>
-              <a:rPr lang="en-GB" altLang="en-US" sz="1800" b="1" dirty="0"/>
-              <a:t>observation, </a:t>
-            </a:r>
-            <a:r>
-              <a:rPr lang="en-GB" altLang="en-US" sz="1800" dirty="0"/>
-              <a:t>which is essential for accurate </a:t>
-            </a:r>
-            <a:r>
-              <a:rPr lang="en-GB" altLang="en-US" sz="1800" b="1" dirty="0"/>
-              <a:t>interpretation. Ask many questions as you can. Do not mind about the answers</a:t>
-            </a:r>
+            <a:r>
+              <a:rPr lang="en-GB" altLang="en-US" sz="2400" dirty="0"/>
+              <a:t>While searching for the answers to your questions give a special attention to the following:</a:t>
+            </a:r>
+            <a:endParaRPr lang="en-GB" altLang="en-US" sz="2400" dirty="0"/>
+          </a:p>
+          <a:p>
+            <a:endParaRPr lang="en-GB" altLang="en-US" sz="2400" dirty="0"/>
+          </a:p>
+          <a:p>
             <a:r>
               <a:rPr lang="en-GB" altLang="en-US" sz="2400" b="1" dirty="0"/>
-              <a:t>.</a:t>
+              <a:t>key words and phrases </a:t>
             </a:r>
             <a:endParaRPr lang="en-GB" altLang="en-US" sz="2400" dirty="0"/>
           </a:p>
           <a:p>
+            <a:r>
+              <a:rPr lang="en-GB" altLang="en-US" sz="2400" b="1" dirty="0"/>
+              <a:t>contrasts and comparisons</a:t>
+            </a:r>
+            <a:endParaRPr lang="en-GB" altLang="en-US" sz="2400" b="1" dirty="0"/>
+          </a:p>
+          <a:p>
+            <a:r>
+              <a:rPr lang="en-GB" altLang="en-US" sz="2400" b="1" dirty="0"/>
+              <a:t>expressions of time</a:t>
+            </a:r>
             <a:endParaRPr lang="en-GB" altLang="en-US" sz="2400" dirty="0"/>
+          </a:p>
+          <a:p>
+            <a:r>
+              <a:rPr lang="en-GB" altLang="en-US" sz="2400" b="1" dirty="0"/>
+              <a:t>Geographic Locations</a:t>
+            </a:r>
+            <a:endParaRPr lang="en-GB" altLang="en-US" sz="2400" dirty="0"/>
+          </a:p>
+          <a:p>
+            <a:r>
+              <a:rPr lang="en-GB" altLang="en-US" sz="2400" b="1" dirty="0"/>
+              <a:t>terms of conclusion</a:t>
+            </a:r>
+            <a:endParaRPr lang="en-GB" altLang="en-US" sz="2400" dirty="0"/>
+          </a:p>
+          <a:p>
+            <a:r>
+              <a:rPr lang="en-GB" altLang="en-US" sz="2400" b="1" dirty="0"/>
+              <a:t>chapter themes</a:t>
+            </a:r>
+            <a:endParaRPr lang="en-GB" altLang="en-US" sz="2400" dirty="0"/>
+          </a:p>
+          <a:p>
+            <a:endParaRPr lang="en-GB" altLang="en-US" dirty="0"/>
           </a:p>
         </p:txBody>
       </p:sp>
@@ -36039,7 +36052,7 @@
       <p:grpSpPr/>
       <p:sp>
         <p:nvSpPr>
-          <p:cNvPr id="115714" name="Title 1"/>
+          <p:cNvPr id="116738" name="Title 1"/>
           <p:cNvSpPr>
             <a:spLocks noGrp="1"/>
           </p:cNvSpPr>
@@ -36049,29 +36062,29 @@
         </p:nvSpPr>
         <p:spPr>
           <a:xfrm>
-            <a:off x="457200" y="274955"/>
-            <a:ext cx="8229600" cy="1113155"/>
+            <a:off x="457200" y="572770"/>
+            <a:ext cx="8229600" cy="1501140"/>
           </a:xfrm>
         </p:spPr>
         <p:txBody>
           <a:bodyPr vert="horz" wrap="square" lIns="91440" tIns="45720" rIns="91440" bIns="45720" anchor="ctr" anchorCtr="0"/>
           <a:p>
             <a:r>
-              <a:rPr lang="en-GB" altLang="en-US" sz="6000" b="1" dirty="0">
+              <a:rPr lang="en-GB" altLang="en-US" sz="6600" b="1" dirty="0">
                 <a:sym typeface="+mn-ea"/>
               </a:rPr>
-              <a:t>Answers</a:t>
+              <a:t>Summary</a:t>
             </a:r>
             <a:br>
-              <a:rPr lang="en-GB" altLang="en-US" sz="6000" b="1" dirty="0"/>
+              <a:rPr lang="en-GB" altLang="en-US" sz="6600" b="1" dirty="0"/>
             </a:br>
-            <a:endParaRPr lang="en-GB" altLang="en-US" sz="6000" b="1" dirty="0"/>
+            <a:endParaRPr lang="en-GB" altLang="en-US" sz="6600" b="1" dirty="0"/>
           </a:p>
         </p:txBody>
       </p:sp>
       <p:sp>
         <p:nvSpPr>
-          <p:cNvPr id="115715" name="Content Placeholder 2"/>
+          <p:cNvPr id="116739" name="Content Placeholder 2"/>
           <p:cNvSpPr>
             <a:spLocks noGrp="1"/>
           </p:cNvSpPr>
@@ -36083,58 +36096,29 @@
         <p:txBody>
           <a:bodyPr vert="horz" wrap="square" lIns="91440" tIns="45720" rIns="91440" bIns="45720" anchor="t" anchorCtr="0"/>
           <a:p>
-            <a:r>
-              <a:rPr lang="en-GB" altLang="en-US" sz="2400" dirty="0"/>
-              <a:t>While searching for the answers to your questions give a special attention to the following:</a:t>
-            </a:r>
-            <a:endParaRPr lang="en-GB" altLang="en-US" sz="2400" dirty="0"/>
-          </a:p>
-          <a:p>
-            <a:endParaRPr lang="en-GB" altLang="en-US" sz="2400" dirty="0"/>
-          </a:p>
-          <a:p>
-            <a:r>
-              <a:rPr lang="en-GB" altLang="en-US" sz="2400" b="1" dirty="0"/>
-              <a:t>key words and phrases </a:t>
-            </a:r>
-            <a:endParaRPr lang="en-GB" altLang="en-US" sz="2400" dirty="0"/>
-          </a:p>
-          <a:p>
-            <a:r>
-              <a:rPr lang="en-GB" altLang="en-US" sz="2400" b="1" dirty="0"/>
-              <a:t>contrasts and comparisons</a:t>
-            </a:r>
-            <a:endParaRPr lang="en-GB" altLang="en-US" sz="2400" b="1" dirty="0"/>
-          </a:p>
-          <a:p>
-            <a:r>
-              <a:rPr lang="en-GB" altLang="en-US" sz="2400" b="1" dirty="0"/>
-              <a:t>expressions of time</a:t>
-            </a:r>
-            <a:endParaRPr lang="en-GB" altLang="en-US" sz="2400" dirty="0"/>
-          </a:p>
-          <a:p>
-            <a:r>
-              <a:rPr lang="en-GB" altLang="en-US" sz="2400" b="1" dirty="0"/>
-              <a:t>Geographic Locations</a:t>
-            </a:r>
-            <a:endParaRPr lang="en-GB" altLang="en-US" sz="2400" dirty="0"/>
-          </a:p>
-          <a:p>
-            <a:r>
-              <a:rPr lang="en-GB" altLang="en-US" sz="2400" b="1" dirty="0"/>
-              <a:t>terms of conclusion</a:t>
-            </a:r>
-            <a:endParaRPr lang="en-GB" altLang="en-US" sz="2400" dirty="0"/>
-          </a:p>
-          <a:p>
-            <a:r>
-              <a:rPr lang="en-GB" altLang="en-US" sz="2400" b="1" dirty="0"/>
-              <a:t>chapter themes</a:t>
-            </a:r>
-            <a:endParaRPr lang="en-GB" altLang="en-US" sz="2400" dirty="0"/>
-          </a:p>
-          <a:p>
+            <a:pPr>
+              <a:buNone/>
+            </a:pPr>
+            <a:r>
+              <a:rPr lang="en-GB" altLang="en-US" dirty="0"/>
+              <a:t>    After answering to your questions you are to make a summary of the answers.</a:t>
+            </a:r>
+            <a:endParaRPr lang="en-GB" altLang="en-US" dirty="0"/>
+          </a:p>
+          <a:p>
+            <a:pPr>
+              <a:buNone/>
+            </a:pPr>
+            <a:endParaRPr lang="en-GB" altLang="en-US" dirty="0"/>
+          </a:p>
+          <a:p>
+            <a:pPr>
+              <a:buNone/>
+            </a:pPr>
+            <a:r>
+              <a:rPr lang="en-GB" altLang="en-US" dirty="0"/>
+              <a:t>    This summary is to be used in the next step(interpretation)</a:t>
+            </a:r>
             <a:endParaRPr lang="en-GB" altLang="en-US" dirty="0"/>
           </a:p>
         </p:txBody>
@@ -36171,7 +36155,7 @@
       <p:grpSpPr/>
       <p:sp>
         <p:nvSpPr>
-          <p:cNvPr id="116738" name="Title 1"/>
+          <p:cNvPr id="2" name="Title 1"/>
           <p:cNvSpPr>
             <a:spLocks noGrp="1"/>
           </p:cNvSpPr>
@@ -36179,31 +36163,25 @@
             <p:ph type="title"/>
           </p:nvPr>
         </p:nvSpPr>
-        <p:spPr>
-          <a:xfrm>
-            <a:off x="457200" y="572770"/>
-            <a:ext cx="8229600" cy="1501140"/>
-          </a:xfrm>
-        </p:spPr>
+        <p:spPr/>
         <p:txBody>
-          <a:bodyPr vert="horz" wrap="square" lIns="91440" tIns="45720" rIns="91440" bIns="45720" anchor="ctr" anchorCtr="0"/>
-          <a:p>
-            <a:r>
-              <a:rPr lang="en-GB" altLang="en-US" sz="6600" b="1" dirty="0">
+          <a:bodyPr/>
+          <a:p>
+            <a:r>
+              <a:rPr lang="en-GB" altLang="en-US" sz="5400" b="1" dirty="0">
                 <a:sym typeface="+mn-ea"/>
               </a:rPr>
-              <a:t>Summary</a:t>
-            </a:r>
-            <a:br>
-              <a:rPr lang="en-GB" altLang="en-US" sz="6600" b="1" dirty="0"/>
-            </a:br>
-            <a:endParaRPr lang="en-GB" altLang="en-US" sz="6600" b="1" dirty="0"/>
+              <a:t>2. INTERPRETATION </a:t>
+            </a:r>
+            <a:endParaRPr lang="en-GB" altLang="en-US" sz="5400" b="1" dirty="0">
+              <a:sym typeface="+mn-ea"/>
+            </a:endParaRPr>
           </a:p>
         </p:txBody>
       </p:sp>
       <p:sp>
         <p:nvSpPr>
-          <p:cNvPr id="116739" name="Content Placeholder 2"/>
+          <p:cNvPr id="117763" name="Content Placeholder 2"/>
           <p:cNvSpPr>
             <a:spLocks noGrp="1"/>
           </p:cNvSpPr>
@@ -36215,30 +36193,74 @@
         <p:txBody>
           <a:bodyPr vert="horz" wrap="square" lIns="91440" tIns="45720" rIns="91440" bIns="45720" anchor="t" anchorCtr="0"/>
           <a:p>
-            <a:pPr>
-              <a:buNone/>
-            </a:pPr>
-            <a:r>
-              <a:rPr lang="en-GB" altLang="en-US" dirty="0"/>
-              <a:t>    After answering to your questions you are to make a summary of the answers.</a:t>
-            </a:r>
-            <a:endParaRPr lang="en-GB" altLang="en-US" dirty="0"/>
-          </a:p>
-          <a:p>
-            <a:pPr>
-              <a:buNone/>
-            </a:pPr>
-            <a:endParaRPr lang="en-GB" altLang="en-US" dirty="0"/>
-          </a:p>
-          <a:p>
-            <a:pPr>
-              <a:buNone/>
-            </a:pPr>
-            <a:r>
-              <a:rPr lang="en-GB" altLang="en-US" dirty="0"/>
-              <a:t>    This summary is to be used in the next step(interpretation)</a:t>
-            </a:r>
-            <a:endParaRPr lang="en-GB" altLang="en-US" dirty="0"/>
+            <a:pPr algn="just"/>
+            <a:r>
+              <a:rPr lang="en-GB" altLang="en-US" sz="1800" dirty="0"/>
+              <a:t>Message to Immediate audience </a:t>
+            </a:r>
+            <a:endParaRPr lang="en-GB" altLang="en-US" sz="1800" dirty="0"/>
+          </a:p>
+          <a:p>
+            <a:pPr algn="just"/>
+            <a:endParaRPr lang="en-GB" altLang="en-US" sz="1800" dirty="0"/>
+          </a:p>
+          <a:p>
+            <a:pPr algn="just"/>
+            <a:r>
+              <a:rPr lang="en-GB" altLang="en-US" sz="1800" dirty="0"/>
+              <a:t>The goal of the step of interpretation is that the basic observations begin to be identified in relationship to each other and the entire text, in order to reveal what it meant to the original recipients. What it means to the people to who it was written.</a:t>
+            </a:r>
+            <a:endParaRPr lang="en-GB" altLang="en-US" sz="1800" dirty="0"/>
+          </a:p>
+          <a:p>
+            <a:pPr algn="just"/>
+            <a:endParaRPr lang="en-GB" altLang="en-US" sz="1800" dirty="0"/>
+          </a:p>
+          <a:p>
+            <a:pPr algn="just"/>
+            <a:r>
+              <a:rPr lang="en-GB" altLang="en-US" sz="1800" dirty="0"/>
+              <a:t>Remember that context rules.</a:t>
+            </a:r>
+            <a:endParaRPr lang="en-GB" altLang="en-US" sz="1800" dirty="0"/>
+          </a:p>
+          <a:p>
+            <a:pPr algn="just"/>
+            <a:r>
+              <a:rPr lang="en-GB" altLang="en-US" sz="1800" dirty="0"/>
+              <a:t>Always seek the full counsel of the Word of God.</a:t>
+            </a:r>
+            <a:endParaRPr lang="en-GB" altLang="en-US" sz="1800" dirty="0"/>
+          </a:p>
+          <a:p>
+            <a:pPr algn="just"/>
+            <a:r>
+              <a:rPr lang="en-GB" altLang="en-US" sz="1800" dirty="0"/>
+              <a:t>Remember that Scripture will never contradict Scripture</a:t>
+            </a:r>
+            <a:endParaRPr lang="en-GB" altLang="en-US" sz="1800" dirty="0"/>
+          </a:p>
+          <a:p>
+            <a:pPr algn="just"/>
+            <a:r>
+              <a:rPr lang="en-GB" altLang="en-US" sz="1800" dirty="0"/>
+              <a:t>Don’t base your convictions on an obscure passage of Scripture</a:t>
+            </a:r>
+            <a:endParaRPr lang="en-GB" altLang="en-US" sz="1800" dirty="0"/>
+          </a:p>
+          <a:p>
+            <a:pPr algn="just"/>
+            <a:r>
+              <a:rPr lang="en-GB" altLang="en-US" sz="1800" dirty="0"/>
+              <a:t>Look for the single meaning of the passage</a:t>
+            </a:r>
+            <a:endParaRPr lang="en-GB" altLang="en-US" sz="1800" dirty="0"/>
+          </a:p>
+          <a:p>
+            <a:endParaRPr lang="en-GB" altLang="en-US" sz="2400" dirty="0"/>
+          </a:p>
+          <a:p>
+            <a:endParaRPr lang="en-GB" altLang="en-US" sz="2400" dirty="0"/>
           </a:p>
         </p:txBody>
       </p:sp>
@@ -36287,20 +36309,23 @@
           <a:bodyPr/>
           <a:p>
             <a:r>
-              <a:rPr lang="en-GB" altLang="en-US" sz="5400" b="1" dirty="0">
+              <a:rPr lang="en-GB" altLang="en-US" b="1" dirty="0">
                 <a:sym typeface="+mn-ea"/>
               </a:rPr>
               <a:t>2. INTERPRETATION </a:t>
             </a:r>
-            <a:endParaRPr lang="en-GB" altLang="en-US" sz="5400" b="1" dirty="0">
-              <a:sym typeface="+mn-ea"/>
-            </a:endParaRPr>
+            <a:br>
+              <a:rPr lang="en-GB" altLang="en-US" b="1" dirty="0">
+                <a:sym typeface="+mn-ea"/>
+              </a:rPr>
+            </a:br>
+            <a:endParaRPr lang="en-US"/>
           </a:p>
         </p:txBody>
       </p:sp>
       <p:sp>
         <p:nvSpPr>
-          <p:cNvPr id="117763" name="Content Placeholder 2"/>
+          <p:cNvPr id="118787" name="Content Placeholder 2"/>
           <p:cNvSpPr>
             <a:spLocks noGrp="1"/>
           </p:cNvSpPr>
@@ -36312,74 +36337,28 @@
         <p:txBody>
           <a:bodyPr vert="horz" wrap="square" lIns="91440" tIns="45720" rIns="91440" bIns="45720" anchor="t" anchorCtr="0"/>
           <a:p>
-            <a:pPr algn="just"/>
-            <a:r>
-              <a:rPr lang="en-GB" altLang="en-US" sz="1800" dirty="0"/>
-              <a:t>Message to Immediate audience </a:t>
-            </a:r>
-            <a:endParaRPr lang="en-GB" altLang="en-US" sz="1800" dirty="0"/>
-          </a:p>
-          <a:p>
-            <a:pPr algn="just"/>
-            <a:endParaRPr lang="en-GB" altLang="en-US" sz="1800" dirty="0"/>
-          </a:p>
-          <a:p>
-            <a:pPr algn="just"/>
-            <a:r>
-              <a:rPr lang="en-GB" altLang="en-US" sz="1800" dirty="0"/>
-              <a:t>The goal of the step of interpretation is that the basic observations begin to be identified in relationship to each other and the entire text, in order to reveal what it meant to the original recipients. What it means to the people to who it was written.</a:t>
-            </a:r>
-            <a:endParaRPr lang="en-GB" altLang="en-US" sz="1800" dirty="0"/>
-          </a:p>
-          <a:p>
-            <a:pPr algn="just"/>
-            <a:endParaRPr lang="en-GB" altLang="en-US" sz="1800" dirty="0"/>
-          </a:p>
-          <a:p>
-            <a:pPr algn="just"/>
-            <a:r>
-              <a:rPr lang="en-GB" altLang="en-US" sz="1800" dirty="0"/>
-              <a:t>Remember that context rules.</a:t>
-            </a:r>
-            <a:endParaRPr lang="en-GB" altLang="en-US" sz="1800" dirty="0"/>
-          </a:p>
-          <a:p>
-            <a:pPr algn="just"/>
-            <a:r>
-              <a:rPr lang="en-GB" altLang="en-US" sz="1800" dirty="0"/>
-              <a:t>Always seek the full counsel of the Word of God.</a:t>
-            </a:r>
-            <a:endParaRPr lang="en-GB" altLang="en-US" sz="1800" dirty="0"/>
-          </a:p>
-          <a:p>
-            <a:pPr algn="just"/>
-            <a:r>
-              <a:rPr lang="en-GB" altLang="en-US" sz="1800" dirty="0"/>
-              <a:t>Remember that Scripture will never contradict Scripture</a:t>
-            </a:r>
-            <a:endParaRPr lang="en-GB" altLang="en-US" sz="1800" dirty="0"/>
-          </a:p>
-          <a:p>
-            <a:pPr algn="just"/>
-            <a:r>
-              <a:rPr lang="en-GB" altLang="en-US" sz="1800" dirty="0"/>
-              <a:t>Don’t base your convictions on an obscure passage of Scripture</a:t>
-            </a:r>
-            <a:endParaRPr lang="en-GB" altLang="en-US" sz="1800" dirty="0"/>
-          </a:p>
-          <a:p>
-            <a:pPr algn="just"/>
-            <a:r>
-              <a:rPr lang="en-GB" altLang="en-US" sz="1800" dirty="0"/>
-              <a:t>Look for the single meaning of the passage</a:t>
-            </a:r>
-            <a:endParaRPr lang="en-GB" altLang="en-US" sz="1800" dirty="0"/>
-          </a:p>
-          <a:p>
-            <a:endParaRPr lang="en-GB" altLang="en-US" sz="2400" dirty="0"/>
-          </a:p>
-          <a:p>
-            <a:endParaRPr lang="en-GB" altLang="en-US" sz="2400" dirty="0"/>
+            <a:r>
+              <a:rPr lang="en-GB" altLang="en-US" dirty="0">
+                <a:sym typeface="+mn-ea"/>
+              </a:rPr>
+              <a:t>Your message</a:t>
+            </a:r>
+            <a:endParaRPr lang="en-GB" altLang="en-US" dirty="0"/>
+          </a:p>
+          <a:p>
+            <a:pPr algn="just">
+              <a:buNone/>
+            </a:pPr>
+            <a:r>
+              <a:rPr lang="en-GB" altLang="en-US" dirty="0">
+                <a:sym typeface="+mn-ea"/>
+              </a:rPr>
+              <a:t>    After having what the text means to the immediate audience you are to such for what it means to you. </a:t>
+            </a:r>
+            <a:endParaRPr lang="en-GB" altLang="en-US" dirty="0"/>
+          </a:p>
+          <a:p>
+            <a:endParaRPr lang="en-GB" altLang="en-US" dirty="0"/>
           </a:p>
         </p:txBody>
       </p:sp>
@@ -36415,7 +36394,7 @@
       <p:grpSpPr/>
       <p:sp>
         <p:nvSpPr>
-          <p:cNvPr id="2" name="Title 1"/>
+          <p:cNvPr id="119810" name="Title 1"/>
           <p:cNvSpPr>
             <a:spLocks noGrp="1"/>
           </p:cNvSpPr>
@@ -36425,26 +36404,24 @@
         </p:nvSpPr>
         <p:spPr/>
         <p:txBody>
-          <a:bodyPr/>
-          <a:p>
-            <a:r>
-              <a:rPr lang="en-GB" altLang="en-US" b="1" dirty="0">
+          <a:bodyPr vert="horz" wrap="square" lIns="91440" tIns="45720" rIns="91440" bIns="45720" anchor="ctr" anchorCtr="0"/>
+          <a:p>
+            <a:r>
+              <a:rPr lang="en-GB" altLang="en-US" sz="5400" b="1" dirty="0">
                 <a:sym typeface="+mn-ea"/>
               </a:rPr>
-              <a:t>2. INTERPRETATION </a:t>
+              <a:t>3. APPLICATION</a:t>
             </a:r>
             <a:br>
-              <a:rPr lang="en-GB" altLang="en-US" b="1" dirty="0">
-                <a:sym typeface="+mn-ea"/>
-              </a:rPr>
+              <a:rPr lang="en-GB" altLang="en-US" sz="5400" b="1" dirty="0"/>
             </a:br>
-            <a:endParaRPr lang="en-US"/>
+            <a:endParaRPr lang="en-GB" altLang="en-US" sz="5400" b="1" dirty="0"/>
           </a:p>
         </p:txBody>
       </p:sp>
       <p:sp>
         <p:nvSpPr>
-          <p:cNvPr id="118787" name="Content Placeholder 2"/>
+          <p:cNvPr id="119811" name="Content Placeholder 2"/>
           <p:cNvSpPr>
             <a:spLocks noGrp="1"/>
           </p:cNvSpPr>
@@ -36456,25 +36433,58 @@
         <p:txBody>
           <a:bodyPr vert="horz" wrap="square" lIns="91440" tIns="45720" rIns="91440" bIns="45720" anchor="t" anchorCtr="0"/>
           <a:p>
-            <a:r>
-              <a:rPr lang="en-GB" altLang="en-US" dirty="0">
-                <a:sym typeface="+mn-ea"/>
-              </a:rPr>
-              <a:t>Your message</a:t>
-            </a:r>
-            <a:endParaRPr lang="en-GB" altLang="en-US" dirty="0"/>
-          </a:p>
-          <a:p>
-            <a:pPr algn="just">
-              <a:buNone/>
-            </a:pPr>
-            <a:r>
-              <a:rPr lang="en-GB" altLang="en-US" dirty="0">
-                <a:sym typeface="+mn-ea"/>
-              </a:rPr>
-              <a:t>    After having what the text means to the immediate audience you are to such for what it means to you. </a:t>
-            </a:r>
-            <a:endParaRPr lang="en-GB" altLang="en-US" dirty="0"/>
+            <a:pPr>
+              <a:buNone/>
+            </a:pPr>
+            <a:r>
+              <a:rPr lang="en-GB" altLang="en-US" dirty="0"/>
+              <a:t>  </a:t>
+            </a:r>
+            <a:r>
+              <a:rPr lang="en-GB" altLang="en-US" sz="2400" dirty="0"/>
+              <a:t>The Bible was not given to fulfil our curiosity, but to </a:t>
+            </a:r>
+            <a:r>
+              <a:rPr lang="en-GB" altLang="en-US" sz="2400" b="1" i="1" dirty="0"/>
+              <a:t>transform </a:t>
+            </a:r>
+            <a:r>
+              <a:rPr lang="en-GB" altLang="en-US" sz="2400" dirty="0"/>
+              <a:t>lives! </a:t>
+            </a:r>
+            <a:endParaRPr lang="en-GB" altLang="en-US" sz="2400" dirty="0"/>
+          </a:p>
+          <a:p>
+            <a:pPr>
+              <a:buNone/>
+            </a:pPr>
+            <a:endParaRPr lang="en-GB" altLang="en-US" sz="2400" dirty="0"/>
+          </a:p>
+          <a:p>
+            <a:pPr>
+              <a:buNone/>
+            </a:pPr>
+            <a:r>
+              <a:rPr lang="en-GB" altLang="en-US" sz="2400" dirty="0"/>
+              <a:t>God is in the business of changing lives, and He does it primarily through the ministry of His Spirit and His Word, transforming hearts, minds and wills, and conforming lives to the Living Word, Jesus Christ! </a:t>
+            </a:r>
+            <a:endParaRPr lang="en-GB" altLang="en-US" sz="2400" dirty="0"/>
+          </a:p>
+          <a:p>
+            <a:pPr>
+              <a:buNone/>
+            </a:pPr>
+            <a:endParaRPr lang="en-GB" altLang="en-US" sz="2400" b="1" i="1" dirty="0"/>
+          </a:p>
+          <a:p>
+            <a:pPr>
+              <a:buNone/>
+            </a:pPr>
+            <a:r>
+              <a:rPr lang="en-GB" altLang="en-US" sz="2400" b="1" i="1" dirty="0"/>
+              <a:t>We will learn how to apply the Scripture in practical ways to our lives.</a:t>
+            </a:r>
+            <a:endParaRPr lang="en-GB" altLang="en-US" sz="2400" dirty="0"/>
           </a:p>
           <a:p>
             <a:endParaRPr lang="en-GB" altLang="en-US" dirty="0"/>
@@ -36513,7 +36523,7 @@
       <p:grpSpPr/>
       <p:sp>
         <p:nvSpPr>
-          <p:cNvPr id="119810" name="Title 1"/>
+          <p:cNvPr id="2" name="Title 1"/>
           <p:cNvSpPr>
             <a:spLocks noGrp="1"/>
           </p:cNvSpPr>
@@ -36521,26 +36531,36 @@
             <p:ph type="title"/>
           </p:nvPr>
         </p:nvSpPr>
-        <p:spPr/>
+        <p:spPr>
+          <a:xfrm>
+            <a:off x="457200" y="274955"/>
+            <a:ext cx="8229600" cy="1636395"/>
+          </a:xfrm>
+        </p:spPr>
         <p:txBody>
-          <a:bodyPr vert="horz" wrap="square" lIns="91440" tIns="45720" rIns="91440" bIns="45720" anchor="ctr" anchorCtr="0"/>
-          <a:p>
-            <a:r>
-              <a:rPr lang="en-GB" altLang="en-US" sz="5400" b="1" dirty="0">
+          <a:bodyPr/>
+          <a:p>
+            <a:r>
+              <a:rPr lang="en-GB" altLang="en-US" b="1" dirty="0">
                 <a:sym typeface="+mn-ea"/>
               </a:rPr>
               <a:t>3. APPLICATION</a:t>
             </a:r>
             <a:br>
-              <a:rPr lang="en-GB" altLang="en-US" sz="5400" b="1" dirty="0"/>
+              <a:rPr lang="en-GB" altLang="en-US" b="1" dirty="0">
+                <a:sym typeface="+mn-ea"/>
+              </a:rPr>
             </a:br>
-            <a:endParaRPr lang="en-GB" altLang="en-US" sz="5400" b="1" dirty="0"/>
+            <a:br>
+              <a:rPr lang="en-GB" altLang="en-US" b="1" dirty="0"/>
+            </a:br>
+            <a:endParaRPr lang="en-US"/>
           </a:p>
         </p:txBody>
       </p:sp>
       <p:sp>
         <p:nvSpPr>
-          <p:cNvPr id="119811" name="Content Placeholder 2"/>
+          <p:cNvPr id="120835" name="Content Placeholder 2"/>
           <p:cNvSpPr>
             <a:spLocks noGrp="1"/>
           </p:cNvSpPr>
@@ -36552,61 +36572,37 @@
         <p:txBody>
           <a:bodyPr vert="horz" wrap="square" lIns="91440" tIns="45720" rIns="91440" bIns="45720" anchor="t" anchorCtr="0"/>
           <a:p>
-            <a:pPr>
-              <a:buNone/>
-            </a:pPr>
-            <a:r>
-              <a:rPr lang="en-GB" altLang="en-US" dirty="0"/>
-              <a:t>  </a:t>
-            </a:r>
             <a:r>
               <a:rPr lang="en-GB" altLang="en-US" sz="2400" dirty="0"/>
-              <a:t>The Bible was not given to fulfil our curiosity, but to </a:t>
-            </a:r>
-            <a:r>
-              <a:rPr lang="en-GB" altLang="en-US" sz="2400" b="1" i="1" dirty="0"/>
-              <a:t>transform </a:t>
-            </a:r>
+              <a:t>Once you understand what the Word of God teaches, you are then obligated before God to accept that truth and to live by it.</a:t>
+            </a:r>
+            <a:endParaRPr lang="en-GB" altLang="en-US" sz="2400" dirty="0"/>
+          </a:p>
+          <a:p>
+            <a:endParaRPr lang="en-GB" altLang="en-US" sz="2400" dirty="0"/>
+          </a:p>
+          <a:p>
             <a:r>
               <a:rPr lang="en-GB" altLang="en-US" sz="2400" dirty="0"/>
-              <a:t>lives! </a:t>
+              <a:t>Scripture will always teach what is right, show us where we are wrong, how to correct, and train us in right living; so that we are complete, fully equipped for every good work. </a:t>
             </a:r>
             <a:endParaRPr lang="en-GB" altLang="en-US" sz="2400" dirty="0"/>
           </a:p>
           <a:p>
-            <a:pPr>
-              <a:buNone/>
-            </a:pPr>
             <a:endParaRPr lang="en-GB" altLang="en-US" sz="2400" dirty="0"/>
           </a:p>
           <a:p>
-            <a:pPr>
+            <a:pPr marL="0" indent="0">
               <a:buNone/>
             </a:pPr>
             <a:r>
               <a:rPr lang="en-GB" altLang="en-US" sz="2400" dirty="0"/>
-              <a:t>God is in the business of changing lives, and He does it primarily through the ministry of His Spirit and His Word, transforming hearts, minds and wills, and conforming lives to the Living Word, Jesus Christ! </a:t>
+              <a:t>2 Timothy 3:16-17.</a:t>
             </a:r>
             <a:endParaRPr lang="en-GB" altLang="en-US" sz="2400" dirty="0"/>
           </a:p>
           <a:p>
-            <a:pPr>
-              <a:buNone/>
-            </a:pPr>
-            <a:endParaRPr lang="en-GB" altLang="en-US" sz="2400" b="1" i="1" dirty="0"/>
-          </a:p>
-          <a:p>
-            <a:pPr>
-              <a:buNone/>
-            </a:pPr>
-            <a:r>
-              <a:rPr lang="en-GB" altLang="en-US" sz="2400" b="1" i="1" dirty="0"/>
-              <a:t>We will learn how to apply the Scripture in practical ways to our lives.</a:t>
-            </a:r>
             <a:endParaRPr lang="en-GB" altLang="en-US" sz="2400" dirty="0"/>
-          </a:p>
-          <a:p>
-            <a:endParaRPr lang="en-GB" altLang="en-US" dirty="0"/>
           </a:p>
         </p:txBody>
       </p:sp>
@@ -36642,7 +36638,7 @@
       <p:grpSpPr/>
       <p:sp>
         <p:nvSpPr>
-          <p:cNvPr id="2" name="Title 1"/>
+          <p:cNvPr id="121858" name="Title 1"/>
           <p:cNvSpPr>
             <a:spLocks noGrp="1"/>
           </p:cNvSpPr>
@@ -36650,36 +36646,21 @@
             <p:ph type="title"/>
           </p:nvPr>
         </p:nvSpPr>
-        <p:spPr>
-          <a:xfrm>
-            <a:off x="457200" y="274955"/>
-            <a:ext cx="8229600" cy="1636395"/>
-          </a:xfrm>
-        </p:spPr>
+        <p:spPr/>
         <p:txBody>
-          <a:bodyPr/>
-          <a:p>
-            <a:r>
-              <a:rPr lang="en-GB" altLang="en-US" b="1" dirty="0">
-                <a:sym typeface="+mn-ea"/>
-              </a:rPr>
-              <a:t>3. APPLICATION</a:t>
-            </a:r>
-            <a:br>
-              <a:rPr lang="en-GB" altLang="en-US" b="1" dirty="0">
-                <a:sym typeface="+mn-ea"/>
-              </a:rPr>
-            </a:br>
-            <a:br>
-              <a:rPr lang="en-GB" altLang="en-US" b="1" dirty="0"/>
-            </a:br>
-            <a:endParaRPr lang="en-US"/>
+          <a:bodyPr vert="horz" wrap="square" lIns="91440" tIns="45720" rIns="91440" bIns="45720" anchor="ctr" anchorCtr="0"/>
+          <a:p>
+            <a:r>
+              <a:rPr lang="en-US" altLang="en-US" sz="5400" b="1" dirty="0"/>
+              <a:t>BIBLE REFERENCES</a:t>
+            </a:r>
+            <a:endParaRPr lang="en-US" altLang="en-US" sz="5400" b="1" dirty="0"/>
           </a:p>
         </p:txBody>
       </p:sp>
       <p:sp>
         <p:nvSpPr>
-          <p:cNvPr id="120835" name="Content Placeholder 2"/>
+          <p:cNvPr id="121859" name="Content Placeholder 2"/>
           <p:cNvSpPr>
             <a:spLocks noGrp="1"/>
           </p:cNvSpPr>
@@ -36692,36 +36673,53 @@
           <a:bodyPr vert="horz" wrap="square" lIns="91440" tIns="45720" rIns="91440" bIns="45720" anchor="t" anchorCtr="0"/>
           <a:p>
             <a:r>
-              <a:rPr lang="en-GB" altLang="en-US" sz="2400" dirty="0"/>
-              <a:t>Once you understand what the Word of God teaches, you are then obligated before God to accept that truth and to live by it.</a:t>
-            </a:r>
-            <a:endParaRPr lang="en-GB" altLang="en-US" sz="2400" dirty="0"/>
-          </a:p>
-          <a:p>
-            <a:endParaRPr lang="en-GB" altLang="en-US" sz="2400" dirty="0"/>
-          </a:p>
-          <a:p>
-            <a:r>
-              <a:rPr lang="en-GB" altLang="en-US" sz="2400" dirty="0"/>
-              <a:t>Scripture will always teach what is right, show us where we are wrong, how to correct, and train us in right living; so that we are complete, fully equipped for every good work. </a:t>
-            </a:r>
-            <a:endParaRPr lang="en-GB" altLang="en-US" sz="2400" dirty="0"/>
-          </a:p>
-          <a:p>
-            <a:endParaRPr lang="en-GB" altLang="en-US" sz="2400" dirty="0"/>
-          </a:p>
-          <a:p>
-            <a:pPr marL="0" indent="0">
-              <a:buNone/>
-            </a:pPr>
-            <a:r>
-              <a:rPr lang="en-GB" altLang="en-US" sz="2400" dirty="0"/>
-              <a:t>2 Timothy 3:16-17.</a:t>
-            </a:r>
-            <a:endParaRPr lang="en-GB" altLang="en-US" sz="2400" dirty="0"/>
-          </a:p>
-          <a:p>
-            <a:endParaRPr lang="en-GB" altLang="en-US" sz="2400" dirty="0"/>
+              <a:rPr lang="en-US" altLang="en-US" sz="2000" dirty="0"/>
+              <a:t>Verse 5 of chapter 2 in the book of Exodus: Exodus 2:5</a:t>
+            </a:r>
+            <a:endParaRPr lang="en-US" altLang="en-US" sz="2000" dirty="0"/>
+          </a:p>
+          <a:p>
+            <a:endParaRPr lang="en-US" altLang="en-US" sz="2000" dirty="0"/>
+          </a:p>
+          <a:p>
+            <a:r>
+              <a:rPr lang="en-US" altLang="en-US" sz="2000" dirty="0"/>
+              <a:t>First part of verse 8 of chapter 12 in the book of Genesis: Genesis 12: 8a</a:t>
+            </a:r>
+            <a:endParaRPr lang="en-US" altLang="en-US" sz="2000" dirty="0"/>
+          </a:p>
+          <a:p>
+            <a:endParaRPr lang="en-US" altLang="en-US" sz="2000" dirty="0"/>
+          </a:p>
+          <a:p>
+            <a:r>
+              <a:rPr lang="en-US" altLang="en-US" sz="2000" dirty="0"/>
+              <a:t>Second part of verse 8 of chapter 12 in the book of Exodus: Exodus 12:8b</a:t>
+            </a:r>
+            <a:endParaRPr lang="en-US" altLang="en-US" sz="2000" dirty="0"/>
+          </a:p>
+          <a:p>
+            <a:endParaRPr lang="en-US" altLang="en-US" sz="2000" dirty="0"/>
+          </a:p>
+          <a:p>
+            <a:r>
+              <a:rPr lang="en-US" altLang="en-US" sz="2000" dirty="0"/>
+              <a:t>Verse 9 through 12 of chapter 33 in the book of Psalms: Psalms 33:9-12</a:t>
+            </a:r>
+            <a:endParaRPr lang="en-US" altLang="en-US" sz="2000" dirty="0"/>
+          </a:p>
+          <a:p>
+            <a:endParaRPr lang="en-US" altLang="en-US" sz="2000" dirty="0"/>
+          </a:p>
+          <a:p>
+            <a:r>
+              <a:rPr lang="en-US" altLang="en-US" sz="2000" dirty="0"/>
+              <a:t>Verse 6 and 9 of chapter 7 in the book of Numbers: Numbers 7:6,9</a:t>
+            </a:r>
+            <a:endParaRPr lang="en-US" altLang="en-US" sz="2000" dirty="0"/>
+          </a:p>
+          <a:p>
+            <a:endParaRPr lang="en-US" altLang="en-US" sz="2000" dirty="0"/>
           </a:p>
         </p:txBody>
       </p:sp>
